--- a/présentation/Présentation IF26.pptx
+++ b/présentation/Présentation IF26.pptx
@@ -5,7 +5,7 @@
     <p:sldMasterId id="2147483696" r:id="rId1"/>
   </p:sldMasterIdLst>
   <p:notesMasterIdLst>
-    <p:notesMasterId r:id="rId14"/>
+    <p:notesMasterId r:id="rId18"/>
   </p:notesMasterIdLst>
   <p:sldIdLst>
     <p:sldId id="256" r:id="rId2"/>
@@ -16,10 +16,14 @@
     <p:sldId id="285" r:id="rId7"/>
     <p:sldId id="279" r:id="rId8"/>
     <p:sldId id="282" r:id="rId9"/>
-    <p:sldId id="280" r:id="rId10"/>
-    <p:sldId id="283" r:id="rId11"/>
-    <p:sldId id="281" r:id="rId12"/>
-    <p:sldId id="284" r:id="rId13"/>
+    <p:sldId id="286" r:id="rId10"/>
+    <p:sldId id="287" r:id="rId11"/>
+    <p:sldId id="288" r:id="rId12"/>
+    <p:sldId id="289" r:id="rId13"/>
+    <p:sldId id="280" r:id="rId14"/>
+    <p:sldId id="283" r:id="rId15"/>
+    <p:sldId id="281" r:id="rId16"/>
+    <p:sldId id="284" r:id="rId17"/>
   </p:sldIdLst>
   <p:sldSz cx="9144000" cy="6858000" type="screen4x3"/>
   <p:notesSz cx="6858000" cy="9144000"/>
@@ -204,7 +208,7 @@
             <a:fld id="{C8A64E49-555C-4914-82C7-78B9263499EB}" type="datetimeFigureOut">
               <a:rPr lang="fr-FR" smtClean="0"/>
               <a:pPr/>
-              <a:t>04/01/2013</a:t>
+              <a:t>06/01/2013</a:t>
             </a:fld>
             <a:endParaRPr lang="fr-FR"/>
           </a:p>
@@ -560,6 +564,145 @@
 </p:notes>
 </file>
 
+<file path=ppt/notesSlides/notesSlide2.xml><?xml version="1.0" encoding="utf-8"?>
+<p:notes xmlns:a="http://schemas.openxmlformats.org/drawingml/2006/main" xmlns:r="http://schemas.openxmlformats.org/officeDocument/2006/relationships" xmlns:p="http://schemas.openxmlformats.org/presentationml/2006/main">
+  <p:cSld>
+    <p:spTree>
+      <p:nvGrpSpPr>
+        <p:cNvPr id="1" name=""/>
+        <p:cNvGrpSpPr/>
+        <p:nvPr/>
+      </p:nvGrpSpPr>
+      <p:grpSpPr>
+        <a:xfrm>
+          <a:off x="0" y="0"/>
+          <a:ext cx="0" cy="0"/>
+          <a:chOff x="0" y="0"/>
+          <a:chExt cx="0" cy="0"/>
+        </a:xfrm>
+      </p:grpSpPr>
+      <p:sp>
+        <p:nvSpPr>
+          <p:cNvPr id="2" name="Espace réservé de l'image des diapositives 1"/>
+          <p:cNvSpPr>
+            <a:spLocks noGrp="1" noRot="1" noChangeAspect="1"/>
+          </p:cNvSpPr>
+          <p:nvPr>
+            <p:ph type="sldImg"/>
+          </p:nvPr>
+        </p:nvSpPr>
+        <p:spPr/>
+      </p:sp>
+      <p:sp>
+        <p:nvSpPr>
+          <p:cNvPr id="3" name="Espace réservé des commentaires 2"/>
+          <p:cNvSpPr>
+            <a:spLocks noGrp="1"/>
+          </p:cNvSpPr>
+          <p:nvPr>
+            <p:ph type="body" idx="1"/>
+          </p:nvPr>
+        </p:nvSpPr>
+        <p:spPr/>
+        <p:txBody>
+          <a:bodyPr/>
+          <a:lstStyle/>
+          <a:p>
+            <a:r>
+              <a:rPr lang="fr-FR" dirty="0" smtClean="0"/>
+              <a:t>La page « ajouter un compte » est trop grande</a:t>
+            </a:r>
+            <a:r>
+              <a:rPr lang="fr-FR" baseline="0" dirty="0" smtClean="0"/>
+              <a:t> pour faire une ‘</a:t>
+            </a:r>
+            <a:r>
+              <a:rPr lang="fr-FR" baseline="0" dirty="0" err="1" smtClean="0"/>
+              <a:t>impécr</a:t>
+            </a:r>
+            <a:r>
+              <a:rPr lang="fr-FR" baseline="0" dirty="0" smtClean="0"/>
+              <a:t> </a:t>
+            </a:r>
+            <a:r>
+              <a:rPr lang="fr-FR" baseline="0" dirty="0" err="1" smtClean="0"/>
+              <a:t>syst</a:t>
+            </a:r>
+            <a:r>
+              <a:rPr lang="fr-FR" baseline="0" dirty="0" smtClean="0"/>
+              <a:t>’, je l’’ai fait directement </a:t>
+            </a:r>
+            <a:r>
+              <a:rPr lang="fr-FR" baseline="0" dirty="0" err="1" smtClean="0"/>
+              <a:t>dy</a:t>
+            </a:r>
+            <a:r>
+              <a:rPr lang="fr-FR" baseline="0" dirty="0" smtClean="0"/>
+              <a:t> fichier html, mais c pas la </a:t>
+            </a:r>
+            <a:r>
+              <a:rPr lang="fr-FR" baseline="0" dirty="0" err="1" smtClean="0"/>
+              <a:t>m^m</a:t>
+            </a:r>
+            <a:r>
+              <a:rPr lang="fr-FR" baseline="0" dirty="0" smtClean="0"/>
+              <a:t> qui figure sur l’application.</a:t>
+            </a:r>
+          </a:p>
+          <a:p>
+            <a:r>
+              <a:rPr lang="fr-FR" baseline="0" dirty="0" smtClean="0"/>
+              <a:t>A voir : </a:t>
+            </a:r>
+            <a:r>
+              <a:rPr lang="fr-FR" baseline="0" dirty="0" err="1" smtClean="0"/>
+              <a:t>ksk’on</a:t>
+            </a:r>
+            <a:r>
+              <a:rPr lang="fr-FR" baseline="0" dirty="0" smtClean="0"/>
+              <a:t> peut faire !</a:t>
+            </a:r>
+            <a:endParaRPr lang="fr-FR" dirty="0"/>
+          </a:p>
+        </p:txBody>
+      </p:sp>
+      <p:sp>
+        <p:nvSpPr>
+          <p:cNvPr id="4" name="Espace réservé du numéro de diapositive 3"/>
+          <p:cNvSpPr>
+            <a:spLocks noGrp="1"/>
+          </p:cNvSpPr>
+          <p:nvPr>
+            <p:ph type="sldNum" sz="quarter" idx="10"/>
+          </p:nvPr>
+        </p:nvSpPr>
+        <p:spPr/>
+        <p:txBody>
+          <a:bodyPr/>
+          <a:lstStyle/>
+          <a:p>
+            <a:fld id="{A45EA1D2-E017-4592-857B-6B17935E7EF0}" type="slidenum">
+              <a:rPr lang="fr-FR" smtClean="0"/>
+              <a:pPr/>
+              <a:t>9</a:t>
+            </a:fld>
+            <a:endParaRPr lang="fr-FR"/>
+          </a:p>
+        </p:txBody>
+      </p:sp>
+    </p:spTree>
+    <p:extLst>
+      <p:ext uri="{BB962C8B-B14F-4D97-AF65-F5344CB8AC3E}">
+        <p14:creationId xmlns:p14="http://schemas.microsoft.com/office/powerpoint/2010/main" val="422403503"/>
+      </p:ext>
+    </p:extLst>
+  </p:cSld>
+  <p:clrMapOvr>
+    <a:masterClrMapping/>
+  </p:clrMapOvr>
+</p:notes>
+</file>
+
 <file path=ppt/slideLayouts/slideLayout1.xml><?xml version="1.0" encoding="utf-8"?>
 <p:sldLayout xmlns:a="http://schemas.openxmlformats.org/drawingml/2006/main" xmlns:r="http://schemas.openxmlformats.org/officeDocument/2006/relationships" xmlns:p="http://schemas.openxmlformats.org/presentationml/2006/main" showMasterSp="0" type="title" preserve="1">
   <p:cSld name="Diapositive de titre">
@@ -1218,7 +1361,7 @@
           <a:p>
             <a:fld id="{F69038DB-DB27-4C81-A99E-EDC406D87CE1}" type="datetime1">
               <a:rPr lang="fr-FR" smtClean="0"/>
-              <a:t>04/01/2013</a:t>
+              <a:t>06/01/2013</a:t>
             </a:fld>
             <a:endParaRPr lang="fr-FR"/>
           </a:p>
@@ -1402,7 +1545,7 @@
           <a:p>
             <a:fld id="{F0571686-CF20-4A0B-8B61-492E3DA4E76D}" type="datetime1">
               <a:rPr lang="fr-FR" smtClean="0"/>
-              <a:t>04/01/2013</a:t>
+              <a:t>06/01/2013</a:t>
             </a:fld>
             <a:endParaRPr lang="fr-FR"/>
           </a:p>
@@ -1578,7 +1721,7 @@
           <a:p>
             <a:fld id="{7C75FE9E-1F1B-474D-87DD-E94BF53DF9B2}" type="datetime1">
               <a:rPr lang="fr-FR" smtClean="0"/>
-              <a:t>04/01/2013</a:t>
+              <a:t>06/01/2013</a:t>
             </a:fld>
             <a:endParaRPr lang="fr-FR"/>
           </a:p>
@@ -1744,7 +1887,7 @@
           <a:p>
             <a:fld id="{6ED2B56A-06DF-46AA-AE22-01555B55BA06}" type="datetime1">
               <a:rPr lang="fr-FR" smtClean="0"/>
-              <a:t>04/01/2013</a:t>
+              <a:t>06/01/2013</a:t>
             </a:fld>
             <a:endParaRPr lang="fr-FR"/>
           </a:p>
@@ -1966,7 +2109,7 @@
           <a:p>
             <a:fld id="{9CDBD0C8-D033-408A-BB9E-47E89B01D8DF}" type="datetime1">
               <a:rPr lang="fr-FR" smtClean="0"/>
-              <a:t>04/01/2013</a:t>
+              <a:t>06/01/2013</a:t>
             </a:fld>
             <a:endParaRPr lang="fr-FR"/>
           </a:p>
@@ -2226,7 +2369,7 @@
           <a:p>
             <a:fld id="{06F6D62E-40AD-46AA-9570-BB67791276A8}" type="datetime1">
               <a:rPr lang="fr-FR" smtClean="0"/>
-              <a:t>04/01/2013</a:t>
+              <a:t>06/01/2013</a:t>
             </a:fld>
             <a:endParaRPr lang="fr-FR"/>
           </a:p>
@@ -2631,7 +2774,7 @@
           <a:p>
             <a:fld id="{5B990584-B0F5-4C80-8615-63F6B6650DAA}" type="datetime1">
               <a:rPr lang="fr-FR" smtClean="0"/>
-              <a:t>04/01/2013</a:t>
+              <a:t>06/01/2013</a:t>
             </a:fld>
             <a:endParaRPr lang="fr-FR"/>
           </a:p>
@@ -2763,7 +2906,7 @@
           <a:p>
             <a:fld id="{67097661-A49E-4A2A-AE45-1694091695EA}" type="datetime1">
               <a:rPr lang="fr-FR" smtClean="0"/>
-              <a:t>04/01/2013</a:t>
+              <a:t>06/01/2013</a:t>
             </a:fld>
             <a:endParaRPr lang="fr-FR"/>
           </a:p>
@@ -2864,7 +3007,7 @@
           <a:p>
             <a:fld id="{AAF7C268-C145-4C2F-8577-BD5E667C29C1}" type="datetime1">
               <a:rPr lang="fr-FR" smtClean="0"/>
-              <a:t>04/01/2013</a:t>
+              <a:t>06/01/2013</a:t>
             </a:fld>
             <a:endParaRPr lang="fr-FR"/>
           </a:p>
@@ -3110,7 +3253,7 @@
           <a:p>
             <a:fld id="{1DCEBBFF-8C8A-4EA2-A070-C25A10008A17}" type="datetime1">
               <a:rPr lang="fr-FR" smtClean="0"/>
-              <a:t>04/01/2013</a:t>
+              <a:t>06/01/2013</a:t>
             </a:fld>
             <a:endParaRPr lang="fr-FR"/>
           </a:p>
@@ -3355,7 +3498,7 @@
           <a:p>
             <a:fld id="{292C543B-154D-4461-A8A8-30F5B7DCFC53}" type="datetime1">
               <a:rPr lang="fr-FR" smtClean="0"/>
-              <a:t>04/01/2013</a:t>
+              <a:t>06/01/2013</a:t>
             </a:fld>
             <a:endParaRPr lang="fr-FR"/>
           </a:p>
@@ -4180,7 +4323,7 @@
           <a:p>
             <a:fld id="{2AFD231C-2EC0-461A-BD1C-387FB840F521}" type="datetime1">
               <a:rPr lang="fr-FR" smtClean="0"/>
-              <a:t>04/01/2013</a:t>
+              <a:t>06/01/2013</a:t>
             </a:fld>
             <a:endParaRPr lang="fr-FR"/>
           </a:p>
@@ -4721,7 +4864,29 @@
                 </a:solidFill>
                 <a:latin typeface="+mj-lt"/>
               </a:rPr>
-              <a:t>Présentation  de l’architecture générale de l’application </a:t>
+              <a:t>Présentation </a:t>
+            </a:r>
+            <a:r>
+              <a:rPr lang="fr-FR" sz="2000" b="1" dirty="0" smtClean="0">
+                <a:solidFill>
+                  <a:schemeClr val="tx2">
+                    <a:lumMod val="75000"/>
+                  </a:schemeClr>
+                </a:solidFill>
+                <a:latin typeface="+mj-lt"/>
+              </a:rPr>
+              <a:t>de </a:t>
+            </a:r>
+            <a:r>
+              <a:rPr lang="fr-FR" sz="2000" b="1" dirty="0" smtClean="0">
+                <a:solidFill>
+                  <a:schemeClr val="tx2">
+                    <a:lumMod val="75000"/>
+                  </a:schemeClr>
+                </a:solidFill>
+                <a:latin typeface="+mj-lt"/>
+              </a:rPr>
+              <a:t>l’architecture générale de l’application </a:t>
             </a:r>
             <a:endParaRPr lang="fr-FR" sz="2000" b="1" dirty="0">
               <a:solidFill>
@@ -5003,44 +5168,6 @@
       </p:grpSpPr>
       <p:sp>
         <p:nvSpPr>
-          <p:cNvPr id="2" name="Titre 1"/>
-          <p:cNvSpPr>
-            <a:spLocks noGrp="1"/>
-          </p:cNvSpPr>
-          <p:nvPr>
-            <p:ph type="title"/>
-          </p:nvPr>
-        </p:nvSpPr>
-        <p:spPr/>
-        <p:txBody>
-          <a:bodyPr/>
-          <a:lstStyle/>
-          <a:p>
-            <a:endParaRPr lang="fr-FR"/>
-          </a:p>
-        </p:txBody>
-      </p:sp>
-      <p:sp>
-        <p:nvSpPr>
-          <p:cNvPr id="3" name="Espace réservé du contenu 2"/>
-          <p:cNvSpPr>
-            <a:spLocks noGrp="1"/>
-          </p:cNvSpPr>
-          <p:nvPr>
-            <p:ph idx="1"/>
-          </p:nvPr>
-        </p:nvSpPr>
-        <p:spPr/>
-        <p:txBody>
-          <a:bodyPr/>
-          <a:lstStyle/>
-          <a:p>
-            <a:endParaRPr lang="fr-FR"/>
-          </a:p>
-        </p:txBody>
-      </p:sp>
-      <p:sp>
-        <p:nvSpPr>
           <p:cNvPr id="4" name="Espace réservé du numéro de diapositive 3"/>
           <p:cNvSpPr>
             <a:spLocks noGrp="1"/>
@@ -5063,16 +5190,233 @@
           </a:p>
         </p:txBody>
       </p:sp>
+      <p:sp>
+        <p:nvSpPr>
+          <p:cNvPr id="5" name="Rectangle à coins arrondis 4"/>
+          <p:cNvSpPr/>
+          <p:nvPr/>
+        </p:nvSpPr>
+        <p:spPr>
+          <a:xfrm>
+            <a:off x="72008" y="548680"/>
+            <a:ext cx="7524328" cy="504056"/>
+          </a:xfrm>
+          <a:prstGeom prst="roundRect">
+            <a:avLst/>
+          </a:prstGeom>
+          <a:solidFill>
+            <a:schemeClr val="bg1"/>
+          </a:solidFill>
+          <a:ln w="38100">
+            <a:solidFill>
+              <a:schemeClr val="tx1"/>
+            </a:solidFill>
+          </a:ln>
+        </p:spPr>
+        <p:style>
+          <a:lnRef idx="2">
+            <a:schemeClr val="accent1">
+              <a:shade val="50000"/>
+            </a:schemeClr>
+          </a:lnRef>
+          <a:fillRef idx="1">
+            <a:schemeClr val="accent1"/>
+          </a:fillRef>
+          <a:effectRef idx="0">
+            <a:schemeClr val="accent1"/>
+          </a:effectRef>
+          <a:fontRef idx="minor">
+            <a:schemeClr val="lt1"/>
+          </a:fontRef>
+        </p:style>
+        <p:txBody>
+          <a:bodyPr rtlCol="0" anchor="ctr"/>
+          <a:lstStyle/>
+          <a:p>
+            <a:r>
+              <a:rPr lang="fr-FR" sz="2000" b="1" dirty="0">
+                <a:solidFill>
+                  <a:srgbClr val="002060"/>
+                </a:solidFill>
+              </a:rPr>
+              <a:t>Architecture générale de l’application</a:t>
+            </a:r>
+          </a:p>
+        </p:txBody>
+      </p:sp>
+      <p:sp>
+        <p:nvSpPr>
+          <p:cNvPr id="6" name="Rectangle à coins arrondis 5"/>
+          <p:cNvSpPr/>
+          <p:nvPr/>
+        </p:nvSpPr>
+        <p:spPr>
+          <a:xfrm>
+            <a:off x="107504" y="1196752"/>
+            <a:ext cx="1944216" cy="432048"/>
+          </a:xfrm>
+          <a:prstGeom prst="roundRect">
+            <a:avLst/>
+          </a:prstGeom>
+          <a:solidFill>
+            <a:schemeClr val="bg1"/>
+          </a:solidFill>
+          <a:ln w="38100">
+            <a:solidFill>
+              <a:schemeClr val="accent6">
+                <a:lumMod val="60000"/>
+                <a:lumOff val="40000"/>
+              </a:schemeClr>
+            </a:solidFill>
+          </a:ln>
+        </p:spPr>
+        <p:style>
+          <a:lnRef idx="2">
+            <a:schemeClr val="accent1">
+              <a:shade val="50000"/>
+            </a:schemeClr>
+          </a:lnRef>
+          <a:fillRef idx="1">
+            <a:schemeClr val="accent1"/>
+          </a:fillRef>
+          <a:effectRef idx="0">
+            <a:schemeClr val="accent1"/>
+          </a:effectRef>
+          <a:fontRef idx="minor">
+            <a:schemeClr val="lt1"/>
+          </a:fontRef>
+        </p:style>
+        <p:txBody>
+          <a:bodyPr rtlCol="0" anchor="ctr"/>
+          <a:lstStyle/>
+          <a:p>
+            <a:r>
+              <a:rPr lang="fr-FR" sz="2400" dirty="0">
+                <a:solidFill>
+                  <a:schemeClr val="accent2">
+                    <a:lumMod val="75000"/>
+                  </a:schemeClr>
+                </a:solidFill>
+              </a:rPr>
+              <a:t>Partie client</a:t>
+            </a:r>
+            <a:endParaRPr lang="fr-FR" sz="2200" b="1" dirty="0">
+              <a:solidFill>
+                <a:schemeClr val="accent2">
+                  <a:lumMod val="75000"/>
+                </a:schemeClr>
+              </a:solidFill>
+            </a:endParaRPr>
+          </a:p>
+        </p:txBody>
+      </p:sp>
+      <p:pic>
+        <p:nvPicPr>
+          <p:cNvPr id="7" name="Image 6"/>
+          <p:cNvPicPr>
+            <a:picLocks noChangeAspect="1"/>
+          </p:cNvPicPr>
+          <p:nvPr/>
+        </p:nvPicPr>
+        <p:blipFill>
+          <a:blip r:embed="rId2">
+            <a:extLst>
+              <a:ext uri="{28A0092B-C50C-407E-A947-70E740481C1C}">
+                <a14:useLocalDpi xmlns:a14="http://schemas.microsoft.com/office/drawing/2010/main" val="0"/>
+              </a:ext>
+            </a:extLst>
+          </a:blip>
+          <a:stretch>
+            <a:fillRect/>
+          </a:stretch>
+        </p:blipFill>
+        <p:spPr>
+          <a:xfrm>
+            <a:off x="2826640" y="1412776"/>
+            <a:ext cx="2934110" cy="504896"/>
+          </a:xfrm>
+          <a:prstGeom prst="rect">
+            <a:avLst/>
+          </a:prstGeom>
+        </p:spPr>
+      </p:pic>
+      <p:pic>
+        <p:nvPicPr>
+          <p:cNvPr id="9" name="Image 8"/>
+          <p:cNvPicPr>
+            <a:picLocks noChangeAspect="1"/>
+          </p:cNvPicPr>
+          <p:nvPr/>
+        </p:nvPicPr>
+        <p:blipFill>
+          <a:blip r:embed="rId3">
+            <a:extLst>
+              <a:ext uri="{28A0092B-C50C-407E-A947-70E740481C1C}">
+                <a14:useLocalDpi xmlns:a14="http://schemas.microsoft.com/office/drawing/2010/main" val="0"/>
+              </a:ext>
+            </a:extLst>
+          </a:blip>
+          <a:stretch>
+            <a:fillRect/>
+          </a:stretch>
+        </p:blipFill>
+        <p:spPr>
+          <a:xfrm>
+            <a:off x="573757" y="1988840"/>
+            <a:ext cx="3029373" cy="4363059"/>
+          </a:xfrm>
+          <a:prstGeom prst="rect">
+            <a:avLst/>
+          </a:prstGeom>
+        </p:spPr>
+      </p:pic>
+      <p:pic>
+        <p:nvPicPr>
+          <p:cNvPr id="10" name="Image 9"/>
+          <p:cNvPicPr>
+            <a:picLocks noChangeAspect="1"/>
+          </p:cNvPicPr>
+          <p:nvPr/>
+        </p:nvPicPr>
+        <p:blipFill>
+          <a:blip r:embed="rId4">
+            <a:extLst>
+              <a:ext uri="{28A0092B-C50C-407E-A947-70E740481C1C}">
+                <a14:useLocalDpi xmlns:a14="http://schemas.microsoft.com/office/drawing/2010/main" val="0"/>
+              </a:ext>
+            </a:extLst>
+          </a:blip>
+          <a:stretch>
+            <a:fillRect/>
+          </a:stretch>
+        </p:blipFill>
+        <p:spPr>
+          <a:xfrm>
+            <a:off x="5148064" y="1988840"/>
+            <a:ext cx="3000794" cy="4267796"/>
+          </a:xfrm>
+          <a:prstGeom prst="rect">
+            <a:avLst/>
+          </a:prstGeom>
+        </p:spPr>
+      </p:pic>
     </p:spTree>
     <p:extLst>
       <p:ext uri="{BB962C8B-B14F-4D97-AF65-F5344CB8AC3E}">
-        <p14:creationId xmlns:p14="http://schemas.microsoft.com/office/powerpoint/2010/main" val="2931599380"/>
+        <p14:creationId xmlns:p14="http://schemas.microsoft.com/office/powerpoint/2010/main" val="305100200"/>
       </p:ext>
     </p:extLst>
   </p:cSld>
   <p:clrMapOvr>
     <a:masterClrMapping/>
   </p:clrMapOvr>
+  <p:timing>
+    <p:tnLst>
+      <p:par>
+        <p:cTn id="1" dur="indefinite" restart="never" nodeType="tmRoot"/>
+      </p:par>
+    </p:tnLst>
+  </p:timing>
 </p:sld>
 </file>
 
@@ -5125,8 +5469,8 @@
         </p:nvSpPr>
         <p:spPr>
           <a:xfrm>
-            <a:off x="251520" y="3140968"/>
-            <a:ext cx="8640960" cy="936104"/>
+            <a:off x="72008" y="548680"/>
+            <a:ext cx="7524328" cy="504056"/>
           </a:xfrm>
           <a:prstGeom prst="roundRect">
             <a:avLst/>
@@ -5134,7 +5478,7 @@
           <a:solidFill>
             <a:schemeClr val="bg1"/>
           </a:solidFill>
-          <a:ln w="57150">
+          <a:ln w="38100">
             <a:solidFill>
               <a:schemeClr val="tx1"/>
             </a:solidFill>
@@ -5160,20 +5504,119 @@
           <a:bodyPr rtlCol="0" anchor="ctr"/>
           <a:lstStyle/>
           <a:p>
-            <a:pPr algn="ctr"/>
-            <a:r>
-              <a:rPr lang="fr-FR" sz="3600" b="1" dirty="0">
+            <a:r>
+              <a:rPr lang="fr-FR" sz="2000" b="1" dirty="0">
                 <a:solidFill>
                   <a:srgbClr val="002060"/>
                 </a:solidFill>
               </a:rPr>
-              <a:t>Conclusion</a:t>
-            </a:r>
-            <a:endParaRPr lang="fr-FR" sz="3500" b="1" dirty="0">
+              <a:t>Architecture générale de l’application</a:t>
+            </a:r>
+          </a:p>
+        </p:txBody>
+      </p:sp>
+      <p:pic>
+        <p:nvPicPr>
+          <p:cNvPr id="7" name="Image 6"/>
+          <p:cNvPicPr>
+            <a:picLocks noChangeAspect="1"/>
+          </p:cNvPicPr>
+          <p:nvPr/>
+        </p:nvPicPr>
+        <p:blipFill>
+          <a:blip r:embed="rId2">
+            <a:extLst>
+              <a:ext uri="{28A0092B-C50C-407E-A947-70E740481C1C}">
+                <a14:useLocalDpi xmlns:a14="http://schemas.microsoft.com/office/drawing/2010/main" val="0"/>
+              </a:ext>
+            </a:extLst>
+          </a:blip>
+          <a:stretch>
+            <a:fillRect/>
+          </a:stretch>
+        </p:blipFill>
+        <p:spPr>
+          <a:xfrm>
+            <a:off x="1522208" y="3356992"/>
+            <a:ext cx="2934110" cy="504896"/>
+          </a:xfrm>
+          <a:prstGeom prst="rect">
+            <a:avLst/>
+          </a:prstGeom>
+        </p:spPr>
+      </p:pic>
+      <p:sp>
+        <p:nvSpPr>
+          <p:cNvPr id="8" name="Rectangle à coins arrondis 7"/>
+          <p:cNvSpPr/>
+          <p:nvPr/>
+        </p:nvSpPr>
+        <p:spPr>
+          <a:xfrm>
+            <a:off x="107504" y="1196752"/>
+            <a:ext cx="2448272" cy="432048"/>
+          </a:xfrm>
+          <a:prstGeom prst="roundRect">
+            <a:avLst/>
+          </a:prstGeom>
+          <a:solidFill>
+            <a:schemeClr val="bg1"/>
+          </a:solidFill>
+          <a:ln w="38100">
+            <a:solidFill>
+              <a:schemeClr val="accent6">
+                <a:lumMod val="60000"/>
+                <a:lumOff val="40000"/>
+              </a:schemeClr>
+            </a:solidFill>
+          </a:ln>
+        </p:spPr>
+        <p:style>
+          <a:lnRef idx="2">
+            <a:schemeClr val="accent1">
+              <a:shade val="50000"/>
+            </a:schemeClr>
+          </a:lnRef>
+          <a:fillRef idx="1">
+            <a:schemeClr val="accent1"/>
+          </a:fillRef>
+          <a:effectRef idx="0">
+            <a:schemeClr val="accent1"/>
+          </a:effectRef>
+          <a:fontRef idx="minor">
+            <a:schemeClr val="lt1"/>
+          </a:fontRef>
+        </p:style>
+        <p:txBody>
+          <a:bodyPr rtlCol="0" anchor="ctr"/>
+          <a:lstStyle/>
+          <a:p>
+            <a:r>
+              <a:rPr lang="fr-FR" sz="2400" dirty="0">
+                <a:solidFill>
+                  <a:schemeClr val="accent2">
+                    <a:lumMod val="75000"/>
+                  </a:schemeClr>
+                </a:solidFill>
+              </a:rPr>
+              <a:t>Partie </a:t>
+            </a:r>
+            <a:r>
+              <a:rPr lang="fr-FR" sz="2400" dirty="0" smtClean="0">
+                <a:solidFill>
+                  <a:schemeClr val="accent2">
+                    <a:lumMod val="75000"/>
+                  </a:schemeClr>
+                </a:solidFill>
+              </a:rPr>
+              <a:t>Serveur</a:t>
+            </a:r>
+            <a:endParaRPr lang="fr-FR" sz="2200" b="1" dirty="0">
               <a:solidFill>
-                <a:srgbClr val="002060"/>
+                <a:schemeClr val="accent2">
+                  <a:lumMod val="75000"/>
+                </a:schemeClr>
               </a:solidFill>
-              <a:latin typeface="+mj-lt"/>
             </a:endParaRPr>
           </a:p>
         </p:txBody>
@@ -5181,7 +5624,7 @@
     </p:spTree>
     <p:extLst>
       <p:ext uri="{BB962C8B-B14F-4D97-AF65-F5344CB8AC3E}">
-        <p14:creationId xmlns:p14="http://schemas.microsoft.com/office/powerpoint/2010/main" val="51642217"/>
+        <p14:creationId xmlns:p14="http://schemas.microsoft.com/office/powerpoint/2010/main" val="1007114083"/>
       </p:ext>
     </p:extLst>
   </p:cSld>
@@ -5217,44 +5660,6 @@
       </p:grpSpPr>
       <p:sp>
         <p:nvSpPr>
-          <p:cNvPr id="2" name="Titre 1"/>
-          <p:cNvSpPr>
-            <a:spLocks noGrp="1"/>
-          </p:cNvSpPr>
-          <p:nvPr>
-            <p:ph type="title"/>
-          </p:nvPr>
-        </p:nvSpPr>
-        <p:spPr/>
-        <p:txBody>
-          <a:bodyPr/>
-          <a:lstStyle/>
-          <a:p>
-            <a:endParaRPr lang="fr-FR"/>
-          </a:p>
-        </p:txBody>
-      </p:sp>
-      <p:sp>
-        <p:nvSpPr>
-          <p:cNvPr id="3" name="Espace réservé du contenu 2"/>
-          <p:cNvSpPr>
-            <a:spLocks noGrp="1"/>
-          </p:cNvSpPr>
-          <p:nvPr>
-            <p:ph idx="1"/>
-          </p:nvPr>
-        </p:nvSpPr>
-        <p:spPr/>
-        <p:txBody>
-          <a:bodyPr/>
-          <a:lstStyle/>
-          <a:p>
-            <a:endParaRPr lang="fr-FR"/>
-          </a:p>
-        </p:txBody>
-      </p:sp>
-      <p:sp>
-        <p:nvSpPr>
           <p:cNvPr id="4" name="Espace réservé du numéro de diapositive 3"/>
           <p:cNvSpPr>
             <a:spLocks noGrp="1"/>
@@ -5272,6 +5677,630 @@
               <a:rPr lang="fr-FR" smtClean="0"/>
               <a:pPr/>
               <a:t>12</a:t>
+            </a:fld>
+            <a:endParaRPr lang="fr-FR"/>
+          </a:p>
+        </p:txBody>
+      </p:sp>
+      <p:sp>
+        <p:nvSpPr>
+          <p:cNvPr id="5" name="Rectangle à coins arrondis 4"/>
+          <p:cNvSpPr/>
+          <p:nvPr/>
+        </p:nvSpPr>
+        <p:spPr>
+          <a:xfrm>
+            <a:off x="72008" y="548680"/>
+            <a:ext cx="7524328" cy="504056"/>
+          </a:xfrm>
+          <a:prstGeom prst="roundRect">
+            <a:avLst/>
+          </a:prstGeom>
+          <a:solidFill>
+            <a:schemeClr val="bg1"/>
+          </a:solidFill>
+          <a:ln w="38100">
+            <a:solidFill>
+              <a:schemeClr val="tx1"/>
+            </a:solidFill>
+          </a:ln>
+        </p:spPr>
+        <p:style>
+          <a:lnRef idx="2">
+            <a:schemeClr val="accent1">
+              <a:shade val="50000"/>
+            </a:schemeClr>
+          </a:lnRef>
+          <a:fillRef idx="1">
+            <a:schemeClr val="accent1"/>
+          </a:fillRef>
+          <a:effectRef idx="0">
+            <a:schemeClr val="accent1"/>
+          </a:effectRef>
+          <a:fontRef idx="minor">
+            <a:schemeClr val="lt1"/>
+          </a:fontRef>
+        </p:style>
+        <p:txBody>
+          <a:bodyPr rtlCol="0" anchor="ctr"/>
+          <a:lstStyle/>
+          <a:p>
+            <a:r>
+              <a:rPr lang="fr-FR" sz="2000" b="1" dirty="0">
+                <a:solidFill>
+                  <a:srgbClr val="002060"/>
+                </a:solidFill>
+              </a:rPr>
+              <a:t>Architecture générale de l’application</a:t>
+            </a:r>
+          </a:p>
+        </p:txBody>
+      </p:sp>
+      <p:sp>
+        <p:nvSpPr>
+          <p:cNvPr id="7" name="Rectangle à coins arrondis 6"/>
+          <p:cNvSpPr/>
+          <p:nvPr/>
+        </p:nvSpPr>
+        <p:spPr>
+          <a:xfrm>
+            <a:off x="72008" y="1340768"/>
+            <a:ext cx="3542849" cy="432048"/>
+          </a:xfrm>
+          <a:prstGeom prst="roundRect">
+            <a:avLst/>
+          </a:prstGeom>
+          <a:solidFill>
+            <a:schemeClr val="bg1"/>
+          </a:solidFill>
+          <a:ln w="38100">
+            <a:solidFill>
+              <a:schemeClr val="accent6">
+                <a:lumMod val="60000"/>
+                <a:lumOff val="40000"/>
+              </a:schemeClr>
+            </a:solidFill>
+          </a:ln>
+        </p:spPr>
+        <p:style>
+          <a:lnRef idx="2">
+            <a:schemeClr val="accent1">
+              <a:shade val="50000"/>
+            </a:schemeClr>
+          </a:lnRef>
+          <a:fillRef idx="1">
+            <a:schemeClr val="accent1"/>
+          </a:fillRef>
+          <a:effectRef idx="0">
+            <a:schemeClr val="accent1"/>
+          </a:effectRef>
+          <a:fontRef idx="minor">
+            <a:schemeClr val="lt1"/>
+          </a:fontRef>
+        </p:style>
+        <p:txBody>
+          <a:bodyPr rtlCol="0" anchor="ctr"/>
+          <a:lstStyle/>
+          <a:p>
+            <a:pPr marL="681228" indent="-571500">
+              <a:buNone/>
+            </a:pPr>
+            <a:r>
+              <a:rPr lang="fr-FR" sz="2400" dirty="0">
+                <a:solidFill>
+                  <a:schemeClr val="accent2">
+                    <a:lumMod val="75000"/>
+                  </a:schemeClr>
+                </a:solidFill>
+              </a:rPr>
+              <a:t>Solutions proposées</a:t>
+            </a:r>
+            <a:endParaRPr lang="fr-FR" sz="2400" dirty="0">
+              <a:solidFill>
+                <a:schemeClr val="accent2">
+                  <a:lumMod val="75000"/>
+                </a:schemeClr>
+              </a:solidFill>
+            </a:endParaRPr>
+          </a:p>
+        </p:txBody>
+      </p:sp>
+      <p:sp>
+        <p:nvSpPr>
+          <p:cNvPr id="8" name="Rectangle 7"/>
+          <p:cNvSpPr/>
+          <p:nvPr/>
+        </p:nvSpPr>
+        <p:spPr>
+          <a:xfrm>
+            <a:off x="862176" y="2708920"/>
+            <a:ext cx="970137" cy="369332"/>
+          </a:xfrm>
+          <a:prstGeom prst="rect">
+            <a:avLst/>
+          </a:prstGeom>
+        </p:spPr>
+        <p:txBody>
+          <a:bodyPr wrap="none">
+            <a:spAutoFit/>
+          </a:bodyPr>
+          <a:lstStyle/>
+          <a:p>
+            <a:r>
+              <a:rPr lang="fr-FR" dirty="0"/>
+              <a:t>A Voir !</a:t>
+            </a:r>
+            <a:endParaRPr lang="fr-FR" dirty="0"/>
+          </a:p>
+        </p:txBody>
+      </p:sp>
+    </p:spTree>
+    <p:extLst>
+      <p:ext uri="{BB962C8B-B14F-4D97-AF65-F5344CB8AC3E}">
+        <p14:creationId xmlns:p14="http://schemas.microsoft.com/office/powerpoint/2010/main" val="3371579017"/>
+      </p:ext>
+    </p:extLst>
+  </p:cSld>
+  <p:clrMapOvr>
+    <a:masterClrMapping/>
+  </p:clrMapOvr>
+  <p:timing>
+    <p:tnLst>
+      <p:par>
+        <p:cTn id="1" dur="indefinite" restart="never" nodeType="tmRoot"/>
+      </p:par>
+    </p:tnLst>
+  </p:timing>
+</p:sld>
+</file>
+
+<file path=ppt/slides/slide13.xml><?xml version="1.0" encoding="utf-8"?>
+<p:sld xmlns:a="http://schemas.openxmlformats.org/drawingml/2006/main" xmlns:r="http://schemas.openxmlformats.org/officeDocument/2006/relationships" xmlns:p="http://schemas.openxmlformats.org/presentationml/2006/main">
+  <p:cSld>
+    <p:spTree>
+      <p:nvGrpSpPr>
+        <p:cNvPr id="1" name=""/>
+        <p:cNvGrpSpPr/>
+        <p:nvPr/>
+      </p:nvGrpSpPr>
+      <p:grpSpPr>
+        <a:xfrm>
+          <a:off x="0" y="0"/>
+          <a:ext cx="0" cy="0"/>
+          <a:chOff x="0" y="0"/>
+          <a:chExt cx="0" cy="0"/>
+        </a:xfrm>
+      </p:grpSpPr>
+      <p:sp>
+        <p:nvSpPr>
+          <p:cNvPr id="4" name="Espace réservé du numéro de diapositive 3"/>
+          <p:cNvSpPr>
+            <a:spLocks noGrp="1"/>
+          </p:cNvSpPr>
+          <p:nvPr>
+            <p:ph type="sldNum" sz="quarter" idx="12"/>
+          </p:nvPr>
+        </p:nvSpPr>
+        <p:spPr/>
+        <p:txBody>
+          <a:bodyPr/>
+          <a:lstStyle/>
+          <a:p>
+            <a:fld id="{6816B381-CB31-4B8E-B307-29C9C96A0920}" type="slidenum">
+              <a:rPr lang="fr-FR" smtClean="0"/>
+              <a:pPr/>
+              <a:t>13</a:t>
+            </a:fld>
+            <a:endParaRPr lang="fr-FR"/>
+          </a:p>
+        </p:txBody>
+      </p:sp>
+      <p:sp>
+        <p:nvSpPr>
+          <p:cNvPr id="5" name="Rectangle à coins arrondis 4"/>
+          <p:cNvSpPr/>
+          <p:nvPr/>
+        </p:nvSpPr>
+        <p:spPr>
+          <a:xfrm>
+            <a:off x="251520" y="3140968"/>
+            <a:ext cx="8640960" cy="936104"/>
+          </a:xfrm>
+          <a:prstGeom prst="roundRect">
+            <a:avLst/>
+          </a:prstGeom>
+          <a:solidFill>
+            <a:schemeClr val="bg1"/>
+          </a:solidFill>
+          <a:ln w="57150">
+            <a:solidFill>
+              <a:schemeClr val="tx1"/>
+            </a:solidFill>
+          </a:ln>
+        </p:spPr>
+        <p:style>
+          <a:lnRef idx="2">
+            <a:schemeClr val="accent1">
+              <a:shade val="50000"/>
+            </a:schemeClr>
+          </a:lnRef>
+          <a:fillRef idx="1">
+            <a:schemeClr val="accent1"/>
+          </a:fillRef>
+          <a:effectRef idx="0">
+            <a:schemeClr val="accent1"/>
+          </a:effectRef>
+          <a:fontRef idx="minor">
+            <a:schemeClr val="lt1"/>
+          </a:fontRef>
+        </p:style>
+        <p:txBody>
+          <a:bodyPr rtlCol="0" anchor="ctr"/>
+          <a:lstStyle/>
+          <a:p>
+            <a:pPr algn="ctr"/>
+            <a:r>
+              <a:rPr lang="fr-FR" sz="3600" b="1" dirty="0">
+                <a:solidFill>
+                  <a:srgbClr val="002060"/>
+                </a:solidFill>
+              </a:rPr>
+              <a:t>Prévention des failles de sécurité</a:t>
+            </a:r>
+            <a:endParaRPr lang="fr-FR" sz="3500" b="1" dirty="0">
+              <a:solidFill>
+                <a:srgbClr val="002060"/>
+              </a:solidFill>
+              <a:latin typeface="+mj-lt"/>
+            </a:endParaRPr>
+          </a:p>
+        </p:txBody>
+      </p:sp>
+    </p:spTree>
+    <p:extLst>
+      <p:ext uri="{BB962C8B-B14F-4D97-AF65-F5344CB8AC3E}">
+        <p14:creationId xmlns:p14="http://schemas.microsoft.com/office/powerpoint/2010/main" val="51642217"/>
+      </p:ext>
+    </p:extLst>
+  </p:cSld>
+  <p:clrMapOvr>
+    <a:masterClrMapping/>
+  </p:clrMapOvr>
+  <p:timing>
+    <p:tnLst>
+      <p:par>
+        <p:cTn id="1" dur="indefinite" restart="never" nodeType="tmRoot"/>
+      </p:par>
+    </p:tnLst>
+  </p:timing>
+</p:sld>
+</file>
+
+<file path=ppt/slides/slide14.xml><?xml version="1.0" encoding="utf-8"?>
+<p:sld xmlns:a="http://schemas.openxmlformats.org/drawingml/2006/main" xmlns:r="http://schemas.openxmlformats.org/officeDocument/2006/relationships" xmlns:p="http://schemas.openxmlformats.org/presentationml/2006/main">
+  <p:cSld>
+    <p:spTree>
+      <p:nvGrpSpPr>
+        <p:cNvPr id="1" name=""/>
+        <p:cNvGrpSpPr/>
+        <p:nvPr/>
+      </p:nvGrpSpPr>
+      <p:grpSpPr>
+        <a:xfrm>
+          <a:off x="0" y="0"/>
+          <a:ext cx="0" cy="0"/>
+          <a:chOff x="0" y="0"/>
+          <a:chExt cx="0" cy="0"/>
+        </a:xfrm>
+      </p:grpSpPr>
+      <p:sp>
+        <p:nvSpPr>
+          <p:cNvPr id="7" name="Espace réservé du contenu 6"/>
+          <p:cNvSpPr>
+            <a:spLocks noGrp="1"/>
+          </p:cNvSpPr>
+          <p:nvPr>
+            <p:ph idx="1"/>
+          </p:nvPr>
+        </p:nvSpPr>
+        <p:spPr/>
+        <p:txBody>
+          <a:bodyPr/>
+          <a:lstStyle/>
+          <a:p>
+            <a:r>
+              <a:rPr lang="fr-FR" dirty="0" smtClean="0"/>
+              <a:t>A Voir !</a:t>
+            </a:r>
+            <a:endParaRPr lang="fr-FR" dirty="0"/>
+          </a:p>
+        </p:txBody>
+      </p:sp>
+      <p:sp>
+        <p:nvSpPr>
+          <p:cNvPr id="4" name="Espace réservé du numéro de diapositive 3"/>
+          <p:cNvSpPr>
+            <a:spLocks noGrp="1"/>
+          </p:cNvSpPr>
+          <p:nvPr>
+            <p:ph type="sldNum" sz="quarter" idx="12"/>
+          </p:nvPr>
+        </p:nvSpPr>
+        <p:spPr/>
+        <p:txBody>
+          <a:bodyPr/>
+          <a:lstStyle/>
+          <a:p>
+            <a:fld id="{6816B381-CB31-4B8E-B307-29C9C96A0920}" type="slidenum">
+              <a:rPr lang="fr-FR" smtClean="0"/>
+              <a:pPr/>
+              <a:t>14</a:t>
+            </a:fld>
+            <a:endParaRPr lang="fr-FR"/>
+          </a:p>
+        </p:txBody>
+      </p:sp>
+      <p:sp>
+        <p:nvSpPr>
+          <p:cNvPr id="5" name="Rectangle à coins arrondis 4"/>
+          <p:cNvSpPr/>
+          <p:nvPr/>
+        </p:nvSpPr>
+        <p:spPr>
+          <a:xfrm>
+            <a:off x="251520" y="548680"/>
+            <a:ext cx="7524328" cy="504056"/>
+          </a:xfrm>
+          <a:prstGeom prst="roundRect">
+            <a:avLst/>
+          </a:prstGeom>
+          <a:solidFill>
+            <a:schemeClr val="bg1"/>
+          </a:solidFill>
+          <a:ln w="38100">
+            <a:solidFill>
+              <a:schemeClr val="tx1"/>
+            </a:solidFill>
+          </a:ln>
+        </p:spPr>
+        <p:style>
+          <a:lnRef idx="2">
+            <a:schemeClr val="accent1">
+              <a:shade val="50000"/>
+            </a:schemeClr>
+          </a:lnRef>
+          <a:fillRef idx="1">
+            <a:schemeClr val="accent1"/>
+          </a:fillRef>
+          <a:effectRef idx="0">
+            <a:schemeClr val="accent1"/>
+          </a:effectRef>
+          <a:fontRef idx="minor">
+            <a:schemeClr val="lt1"/>
+          </a:fontRef>
+        </p:style>
+        <p:txBody>
+          <a:bodyPr rtlCol="0" anchor="ctr"/>
+          <a:lstStyle/>
+          <a:p>
+            <a:r>
+              <a:rPr lang="fr-FR" sz="2000" b="1" dirty="0">
+                <a:solidFill>
+                  <a:srgbClr val="002060"/>
+                </a:solidFill>
+              </a:rPr>
+              <a:t>Prévention des failles de sécurité</a:t>
+            </a:r>
+            <a:endParaRPr lang="fr-FR" sz="2000" b="1" dirty="0">
+              <a:solidFill>
+                <a:srgbClr val="002060"/>
+              </a:solidFill>
+            </a:endParaRPr>
+          </a:p>
+        </p:txBody>
+      </p:sp>
+    </p:spTree>
+    <p:extLst>
+      <p:ext uri="{BB962C8B-B14F-4D97-AF65-F5344CB8AC3E}">
+        <p14:creationId xmlns:p14="http://schemas.microsoft.com/office/powerpoint/2010/main" val="2931599380"/>
+      </p:ext>
+    </p:extLst>
+  </p:cSld>
+  <p:clrMapOvr>
+    <a:masterClrMapping/>
+  </p:clrMapOvr>
+  <p:timing>
+    <p:tnLst>
+      <p:par>
+        <p:cTn id="1" dur="indefinite" restart="never" nodeType="tmRoot"/>
+      </p:par>
+    </p:tnLst>
+  </p:timing>
+</p:sld>
+</file>
+
+<file path=ppt/slides/slide15.xml><?xml version="1.0" encoding="utf-8"?>
+<p:sld xmlns:a="http://schemas.openxmlformats.org/drawingml/2006/main" xmlns:r="http://schemas.openxmlformats.org/officeDocument/2006/relationships" xmlns:p="http://schemas.openxmlformats.org/presentationml/2006/main">
+  <p:cSld>
+    <p:spTree>
+      <p:nvGrpSpPr>
+        <p:cNvPr id="1" name=""/>
+        <p:cNvGrpSpPr/>
+        <p:nvPr/>
+      </p:nvGrpSpPr>
+      <p:grpSpPr>
+        <a:xfrm>
+          <a:off x="0" y="0"/>
+          <a:ext cx="0" cy="0"/>
+          <a:chOff x="0" y="0"/>
+          <a:chExt cx="0" cy="0"/>
+        </a:xfrm>
+      </p:grpSpPr>
+      <p:sp>
+        <p:nvSpPr>
+          <p:cNvPr id="4" name="Espace réservé du numéro de diapositive 3"/>
+          <p:cNvSpPr>
+            <a:spLocks noGrp="1"/>
+          </p:cNvSpPr>
+          <p:nvPr>
+            <p:ph type="sldNum" sz="quarter" idx="12"/>
+          </p:nvPr>
+        </p:nvSpPr>
+        <p:spPr/>
+        <p:txBody>
+          <a:bodyPr/>
+          <a:lstStyle/>
+          <a:p>
+            <a:fld id="{6816B381-CB31-4B8E-B307-29C9C96A0920}" type="slidenum">
+              <a:rPr lang="fr-FR" smtClean="0"/>
+              <a:pPr/>
+              <a:t>15</a:t>
+            </a:fld>
+            <a:endParaRPr lang="fr-FR"/>
+          </a:p>
+        </p:txBody>
+      </p:sp>
+      <p:sp>
+        <p:nvSpPr>
+          <p:cNvPr id="5" name="Rectangle à coins arrondis 4"/>
+          <p:cNvSpPr/>
+          <p:nvPr/>
+        </p:nvSpPr>
+        <p:spPr>
+          <a:xfrm>
+            <a:off x="251520" y="3140968"/>
+            <a:ext cx="8640960" cy="936104"/>
+          </a:xfrm>
+          <a:prstGeom prst="roundRect">
+            <a:avLst/>
+          </a:prstGeom>
+          <a:solidFill>
+            <a:schemeClr val="bg1"/>
+          </a:solidFill>
+          <a:ln w="57150">
+            <a:solidFill>
+              <a:schemeClr val="tx1"/>
+            </a:solidFill>
+          </a:ln>
+        </p:spPr>
+        <p:style>
+          <a:lnRef idx="2">
+            <a:schemeClr val="accent1">
+              <a:shade val="50000"/>
+            </a:schemeClr>
+          </a:lnRef>
+          <a:fillRef idx="1">
+            <a:schemeClr val="accent1"/>
+          </a:fillRef>
+          <a:effectRef idx="0">
+            <a:schemeClr val="accent1"/>
+          </a:effectRef>
+          <a:fontRef idx="minor">
+            <a:schemeClr val="lt1"/>
+          </a:fontRef>
+        </p:style>
+        <p:txBody>
+          <a:bodyPr rtlCol="0" anchor="ctr"/>
+          <a:lstStyle/>
+          <a:p>
+            <a:pPr algn="ctr"/>
+            <a:r>
+              <a:rPr lang="fr-FR" sz="3600" b="1" dirty="0">
+                <a:solidFill>
+                  <a:srgbClr val="002060"/>
+                </a:solidFill>
+              </a:rPr>
+              <a:t>Conclusion</a:t>
+            </a:r>
+            <a:endParaRPr lang="fr-FR" sz="3500" b="1" dirty="0">
+              <a:solidFill>
+                <a:srgbClr val="002060"/>
+              </a:solidFill>
+              <a:latin typeface="+mj-lt"/>
+            </a:endParaRPr>
+          </a:p>
+        </p:txBody>
+      </p:sp>
+    </p:spTree>
+    <p:extLst>
+      <p:ext uri="{BB962C8B-B14F-4D97-AF65-F5344CB8AC3E}">
+        <p14:creationId xmlns:p14="http://schemas.microsoft.com/office/powerpoint/2010/main" val="51642217"/>
+      </p:ext>
+    </p:extLst>
+  </p:cSld>
+  <p:clrMapOvr>
+    <a:masterClrMapping/>
+  </p:clrMapOvr>
+  <p:timing>
+    <p:tnLst>
+      <p:par>
+        <p:cTn id="1" dur="indefinite" restart="never" nodeType="tmRoot"/>
+      </p:par>
+    </p:tnLst>
+  </p:timing>
+</p:sld>
+</file>
+
+<file path=ppt/slides/slide16.xml><?xml version="1.0" encoding="utf-8"?>
+<p:sld xmlns:a="http://schemas.openxmlformats.org/drawingml/2006/main" xmlns:r="http://schemas.openxmlformats.org/officeDocument/2006/relationships" xmlns:p="http://schemas.openxmlformats.org/presentationml/2006/main">
+  <p:cSld>
+    <p:spTree>
+      <p:nvGrpSpPr>
+        <p:cNvPr id="1" name=""/>
+        <p:cNvGrpSpPr/>
+        <p:nvPr/>
+      </p:nvGrpSpPr>
+      <p:grpSpPr>
+        <a:xfrm>
+          <a:off x="0" y="0"/>
+          <a:ext cx="0" cy="0"/>
+          <a:chOff x="0" y="0"/>
+          <a:chExt cx="0" cy="0"/>
+        </a:xfrm>
+      </p:grpSpPr>
+      <p:sp>
+        <p:nvSpPr>
+          <p:cNvPr id="6" name="Espace réservé du contenu 5"/>
+          <p:cNvSpPr>
+            <a:spLocks noGrp="1"/>
+          </p:cNvSpPr>
+          <p:nvPr>
+            <p:ph idx="1"/>
+          </p:nvPr>
+        </p:nvSpPr>
+        <p:spPr>
+          <a:xfrm>
+            <a:off x="457200" y="1196752"/>
+            <a:ext cx="8229600" cy="5377784"/>
+          </a:xfrm>
+        </p:spPr>
+        <p:txBody>
+          <a:bodyPr/>
+          <a:lstStyle/>
+          <a:p>
+            <a:endParaRPr lang="fr-FR" dirty="0"/>
+          </a:p>
+        </p:txBody>
+      </p:sp>
+      <p:sp>
+        <p:nvSpPr>
+          <p:cNvPr id="4" name="Espace réservé du numéro de diapositive 3"/>
+          <p:cNvSpPr>
+            <a:spLocks noGrp="1"/>
+          </p:cNvSpPr>
+          <p:nvPr>
+            <p:ph type="sldNum" sz="quarter" idx="12"/>
+          </p:nvPr>
+        </p:nvSpPr>
+        <p:spPr/>
+        <p:txBody>
+          <a:bodyPr/>
+          <a:lstStyle/>
+          <a:p>
+            <a:fld id="{6816B381-CB31-4B8E-B307-29C9C96A0920}" type="slidenum">
+              <a:rPr lang="fr-FR" smtClean="0"/>
+              <a:pPr/>
+              <a:t>16</a:t>
             </a:fld>
             <a:endParaRPr lang="fr-FR"/>
           </a:p>
@@ -5287,6 +6316,13 @@
   <p:clrMapOvr>
     <a:masterClrMapping/>
   </p:clrMapOvr>
+  <p:timing>
+    <p:tnLst>
+      <p:par>
+        <p:cTn id="1" dur="indefinite" restart="never" nodeType="tmRoot"/>
+      </p:par>
+    </p:tnLst>
+  </p:timing>
 </p:sld>
 </file>
 
@@ -5411,11 +6447,7 @@
             </a:r>
             <a:r>
               <a:rPr lang="fr-FR" sz="1900" dirty="0" smtClean="0"/>
-              <a:t>  </a:t>
-            </a:r>
-            <a:r>
-              <a:rPr lang="fr-FR" sz="1900" dirty="0" err="1" smtClean="0"/>
-              <a:t>Phonegap</a:t>
+              <a:t>  Phonegap</a:t>
             </a:r>
             <a:endParaRPr lang="fr-FR" sz="1900" dirty="0"/>
           </a:p>
@@ -5447,33 +6479,6 @@
               <a:buNone/>
             </a:pPr>
             <a:r>
-              <a:rPr lang="fr-FR" sz="500" dirty="0" smtClean="0"/>
-              <a:t>	 </a:t>
-            </a:r>
-            <a:r>
-              <a:rPr lang="fr-FR" sz="1900" dirty="0" smtClean="0"/>
-              <a:t>	</a:t>
-            </a:r>
-            <a:r>
-              <a:rPr lang="fr-FR" sz="1900" dirty="0">
-                <a:sym typeface="Wingdings" pitchFamily="2" charset="2"/>
-              </a:rPr>
-              <a:t></a:t>
-            </a:r>
-            <a:r>
-              <a:rPr lang="fr-FR" sz="1900" dirty="0"/>
-              <a:t>  Partie </a:t>
-            </a:r>
-            <a:r>
-              <a:rPr lang="fr-FR" sz="1900" dirty="0" smtClean="0"/>
-              <a:t>serveur</a:t>
-            </a:r>
-          </a:p>
-          <a:p>
-            <a:pPr marL="681228" indent="-571500">
-              <a:buNone/>
-            </a:pPr>
-            <a:r>
               <a:rPr lang="fr-FR" sz="1900" dirty="0" smtClean="0">
                 <a:sym typeface="Wingdings" pitchFamily="2" charset="2"/>
               </a:rPr>
@@ -5485,11 +6490,39 @@
             </a:r>
             <a:r>
               <a:rPr lang="fr-FR" sz="1900" dirty="0"/>
-              <a:t>Partie c</a:t>
+              <a:t>Partie client</a:t>
+            </a:r>
+            <a:r>
+              <a:rPr lang="fr-FR" sz="1900" dirty="0"/>
+              <a:t>	 </a:t>
             </a:r>
             <a:r>
               <a:rPr lang="fr-FR" sz="1900" dirty="0" smtClean="0"/>
-              <a:t>lient</a:t>
+              <a:t>	</a:t>
+            </a:r>
+            <a:endParaRPr lang="fr-FR" sz="1900" dirty="0" smtClean="0"/>
+          </a:p>
+          <a:p>
+            <a:pPr marL="681228" indent="-571500">
+              <a:buNone/>
+            </a:pPr>
+            <a:r>
+              <a:rPr lang="fr-FR" sz="1900" dirty="0" smtClean="0">
+                <a:sym typeface="Wingdings" pitchFamily="2" charset="2"/>
+              </a:rPr>
+              <a:t>              </a:t>
+            </a:r>
+            <a:r>
+              <a:rPr lang="fr-FR" sz="1900" dirty="0" smtClean="0"/>
+              <a:t>  </a:t>
+            </a:r>
+            <a:r>
+              <a:rPr lang="fr-FR" sz="1900" dirty="0"/>
+              <a:t>Partie </a:t>
+            </a:r>
+            <a:r>
+              <a:rPr lang="fr-FR" sz="1900" dirty="0" smtClean="0"/>
+              <a:t>serveur</a:t>
             </a:r>
           </a:p>
           <a:p>
@@ -5532,7 +6565,23 @@
                   <a:srgbClr val="002060"/>
                 </a:solidFill>
               </a:rPr>
-              <a:t>      Prévention des failles de sécurité </a:t>
+              <a:t>      Prévention </a:t>
+            </a:r>
+            <a:r>
+              <a:rPr lang="fr-FR" sz="2200" b="1" dirty="0" smtClean="0">
+                <a:solidFill>
+                  <a:srgbClr val="002060"/>
+                </a:solidFill>
+              </a:rPr>
+              <a:t>contre les failles </a:t>
+            </a:r>
+            <a:r>
+              <a:rPr lang="fr-FR" sz="2200" b="1" dirty="0" smtClean="0">
+                <a:solidFill>
+                  <a:srgbClr val="002060"/>
+                </a:solidFill>
+              </a:rPr>
+              <a:t>de sécurité </a:t>
             </a:r>
           </a:p>
           <a:p>
@@ -5849,25 +6898,7 @@
                 </a:solidFill>
                 <a:sym typeface="Wingdings" pitchFamily="2" charset="2"/>
               </a:rPr>
-              <a:t> </a:t>
-            </a:r>
-            <a:r>
-              <a:rPr lang="fr-FR" sz="3600" b="1" dirty="0" smtClean="0">
-                <a:solidFill>
-                  <a:srgbClr val="002060"/>
-                </a:solidFill>
-                <a:sym typeface="Wingdings" pitchFamily="2" charset="2"/>
-              </a:rPr>
-              <a:t>les  </a:t>
-            </a:r>
-            <a:r>
-              <a:rPr lang="fr-FR" sz="3600" b="1" dirty="0" smtClean="0">
-                <a:solidFill>
-                  <a:srgbClr val="002060"/>
-                </a:solidFill>
-                <a:sym typeface="Wingdings" pitchFamily="2" charset="2"/>
-              </a:rPr>
-              <a:t>outils  </a:t>
+              <a:t> les  outils  </a:t>
             </a:r>
             <a:r>
               <a:rPr lang="fr-FR" sz="3600" b="1" dirty="0">
@@ -5986,15 +7017,11 @@
             </a:pPr>
             <a:r>
               <a:rPr lang="fr-FR" dirty="0" smtClean="0"/>
-              <a:t>Eventuellement lancer une recherche sur les moteurs de recherches des numéros de téléphones, en cas d’</a:t>
-            </a:r>
-            <a:r>
-              <a:rPr lang="fr-FR" dirty="0" err="1" smtClean="0"/>
-              <a:t>echeance</a:t>
+              <a:t>Eventuellement lancer une recherche sur les moteurs de recherches des numéros de téléphones, en cas </a:t>
             </a:r>
             <a:r>
               <a:rPr lang="fr-FR" dirty="0"/>
-              <a:t>.</a:t>
+              <a:t>d'échéance.</a:t>
             </a:r>
             <a:endParaRPr lang="fr-FR" dirty="0"/>
           </a:p>
@@ -6303,23 +7330,8 @@
                 </a:solidFill>
                 <a:sym typeface="Wingdings" pitchFamily="2" charset="2"/>
               </a:rPr>
-              <a:t>Recevoir un appel avec </a:t>
-            </a:r>
-            <a:r>
-              <a:rPr lang="fr-FR" sz="2200" b="1" dirty="0" smtClean="0">
-                <a:solidFill>
-                  <a:schemeClr val="bg1"/>
-                </a:solidFill>
-                <a:sym typeface="Wingdings" pitchFamily="2" charset="2"/>
-              </a:rPr>
-              <a:t>un numéro inconnu</a:t>
-            </a:r>
-            <a:endParaRPr lang="fr-FR" sz="2200" b="1" dirty="0" smtClean="0">
-              <a:solidFill>
-                <a:schemeClr val="bg1"/>
-              </a:solidFill>
-              <a:sym typeface="Wingdings" pitchFamily="2" charset="2"/>
-            </a:endParaRPr>
+              <a:t>Recevoir un appel avec un numéro inconnu</a:t>
+            </a:r>
           </a:p>
         </p:txBody>
       </p:sp>
@@ -6400,7 +7412,7 @@
                 </a:solidFill>
                 <a:sym typeface="Wingdings" pitchFamily="2" charset="2"/>
               </a:rPr>
-              <a:t>Lancer une recherche dans tous mes mails reçus pour afficher </a:t>
+              <a:t>Lancer une recherche dans </a:t>
             </a:r>
             <a:r>
               <a:rPr lang="fr-FR" sz="2200" b="1" dirty="0" smtClean="0">
@@ -6409,7 +7421,34 @@
                 </a:solidFill>
                 <a:sym typeface="Wingdings" pitchFamily="2" charset="2"/>
               </a:rPr>
-              <a:t>l’</a:t>
+              <a:t>toutes mes boite </a:t>
+            </a:r>
+            <a:r>
+              <a:rPr lang="fr-FR" sz="2200" b="1" dirty="0" smtClean="0">
+                <a:solidFill>
+                  <a:schemeClr val="bg1"/>
+                </a:solidFill>
+                <a:sym typeface="Wingdings" pitchFamily="2" charset="2"/>
+              </a:rPr>
+              <a:t>mails </a:t>
+            </a:r>
+            <a:r>
+              <a:rPr lang="fr-FR" sz="2200" b="1" dirty="0" smtClean="0">
+                <a:solidFill>
+                  <a:schemeClr val="bg1"/>
+                </a:solidFill>
+                <a:sym typeface="Wingdings" pitchFamily="2" charset="2"/>
+              </a:rPr>
+              <a:t>pour </a:t>
+            </a:r>
+            <a:r>
+              <a:rPr lang="fr-FR" sz="2200" b="1" dirty="0" smtClean="0">
+                <a:solidFill>
+                  <a:schemeClr val="bg1"/>
+                </a:solidFill>
+                <a:sym typeface="Wingdings" pitchFamily="2" charset="2"/>
+              </a:rPr>
+              <a:t>afficher l’</a:t>
             </a:r>
             <a:r>
               <a:rPr lang="fr-FR" sz="2200" b="1" dirty="0">
@@ -6427,16 +7466,7 @@
                 </a:solidFill>
                 <a:sym typeface="Wingdings" pitchFamily="2" charset="2"/>
               </a:rPr>
-              <a:t>ventuelle </a:t>
-            </a:r>
-            <a:r>
-              <a:rPr lang="fr-FR" sz="2200" b="1" dirty="0" smtClean="0">
-                <a:solidFill>
-                  <a:schemeClr val="bg1"/>
-                </a:solidFill>
-                <a:sym typeface="Wingdings" pitchFamily="2" charset="2"/>
-              </a:rPr>
-              <a:t>l’identité de l’appelant</a:t>
+              <a:t>ventuelle l’identité de l’appelant</a:t>
             </a:r>
             <a:endParaRPr lang="fr-FR" sz="2000" b="1" dirty="0" smtClean="0">
               <a:solidFill>
@@ -6500,43 +7530,7 @@
                 </a:solidFill>
                 <a:sym typeface="Wingdings" pitchFamily="2" charset="2"/>
               </a:rPr>
-              <a:t>Probablement  c’est un contact </a:t>
-            </a:r>
-            <a:r>
-              <a:rPr lang="fr-FR" sz="2200" b="1" dirty="0" smtClean="0">
-                <a:solidFill>
-                  <a:schemeClr val="bg1"/>
-                </a:solidFill>
-                <a:sym typeface="Wingdings" pitchFamily="2" charset="2"/>
-              </a:rPr>
-              <a:t>que j’ai </a:t>
-            </a:r>
-            <a:r>
-              <a:rPr lang="fr-FR" sz="2200" b="1" dirty="0" smtClean="0">
-                <a:solidFill>
-                  <a:schemeClr val="bg1"/>
-                </a:solidFill>
-                <a:sym typeface="Wingdings" pitchFamily="2" charset="2"/>
-              </a:rPr>
-              <a:t>eu un échange  </a:t>
-            </a:r>
-            <a:r>
-              <a:rPr lang="fr-FR" sz="2200" b="1" dirty="0" smtClean="0">
-                <a:solidFill>
-                  <a:schemeClr val="bg1"/>
-                </a:solidFill>
-                <a:sym typeface="Wingdings" pitchFamily="2" charset="2"/>
-              </a:rPr>
-              <a:t>mail </a:t>
-            </a:r>
-            <a:r>
-              <a:rPr lang="fr-FR" sz="2200" b="1" dirty="0" smtClean="0">
-                <a:solidFill>
-                  <a:schemeClr val="bg1"/>
-                </a:solidFill>
-                <a:sym typeface="Wingdings" pitchFamily="2" charset="2"/>
-              </a:rPr>
-              <a:t>dernièrement </a:t>
+              <a:t>Probablement  c’est un contact que j’ai eu un échange  mail dernièrement </a:t>
             </a:r>
             <a:endParaRPr lang="fr-FR" sz="2200" b="1" dirty="0">
               <a:solidFill>
@@ -6872,8 +7866,12 @@
           <a:p>
             <a:pPr lvl="1"/>
             <a:r>
+              <a:rPr lang="fr-FR" dirty="0" smtClean="0"/>
+              <a:t>Phonegap-</a:t>
+            </a:r>
+            <a:r>
               <a:rPr lang="fr-FR" dirty="0" err="1" smtClean="0"/>
-              <a:t>Phonegap</a:t>
+              <a:t>Android</a:t>
             </a:r>
             <a:endParaRPr lang="fr-FR" dirty="0" smtClean="0"/>
           </a:p>
@@ -6884,8 +7882,12 @@
               <a:t>Serveur web : </a:t>
             </a:r>
             <a:r>
+              <a:rPr lang="fr-FR" dirty="0" smtClean="0"/>
+              <a:t>apache , </a:t>
+            </a:r>
+            <a:r>
               <a:rPr lang="fr-FR" dirty="0" err="1" smtClean="0"/>
-              <a:t>appache</a:t>
+              <a:t>WampServer</a:t>
             </a:r>
             <a:endParaRPr lang="fr-FR" dirty="0" smtClean="0"/>
           </a:p>
@@ -6945,6 +7947,13 @@
   <p:clrMapOvr>
     <a:masterClrMapping/>
   </p:clrMapOvr>
+  <p:timing>
+    <p:tnLst>
+      <p:par>
+        <p:cTn id="1" dur="indefinite" restart="never" nodeType="tmRoot"/>
+      </p:par>
+    </p:tnLst>
+  </p:timing>
 </p:sld>
 </file>
 
@@ -7110,6 +8119,246 @@
           </a:p>
         </p:txBody>
       </p:sp>
+      <p:sp>
+        <p:nvSpPr>
+          <p:cNvPr id="5" name="Rectangle à coins arrondis 4"/>
+          <p:cNvSpPr/>
+          <p:nvPr/>
+        </p:nvSpPr>
+        <p:spPr>
+          <a:xfrm>
+            <a:off x="72008" y="548680"/>
+            <a:ext cx="7524328" cy="504056"/>
+          </a:xfrm>
+          <a:prstGeom prst="roundRect">
+            <a:avLst/>
+          </a:prstGeom>
+          <a:solidFill>
+            <a:schemeClr val="bg1"/>
+          </a:solidFill>
+          <a:ln w="38100">
+            <a:solidFill>
+              <a:schemeClr val="tx1"/>
+            </a:solidFill>
+          </a:ln>
+        </p:spPr>
+        <p:style>
+          <a:lnRef idx="2">
+            <a:schemeClr val="accent1">
+              <a:shade val="50000"/>
+            </a:schemeClr>
+          </a:lnRef>
+          <a:fillRef idx="1">
+            <a:schemeClr val="accent1"/>
+          </a:fillRef>
+          <a:effectRef idx="0">
+            <a:schemeClr val="accent1"/>
+          </a:effectRef>
+          <a:fontRef idx="minor">
+            <a:schemeClr val="lt1"/>
+          </a:fontRef>
+        </p:style>
+        <p:txBody>
+          <a:bodyPr rtlCol="0" anchor="ctr"/>
+          <a:lstStyle/>
+          <a:p>
+            <a:r>
+              <a:rPr lang="fr-FR" sz="2000" b="1" dirty="0">
+                <a:solidFill>
+                  <a:srgbClr val="002060"/>
+                </a:solidFill>
+              </a:rPr>
+              <a:t>Architecture générale de l’application</a:t>
+            </a:r>
+          </a:p>
+        </p:txBody>
+      </p:sp>
+      <p:sp>
+        <p:nvSpPr>
+          <p:cNvPr id="6" name="Rectangle à coins arrondis 5"/>
+          <p:cNvSpPr/>
+          <p:nvPr/>
+        </p:nvSpPr>
+        <p:spPr>
+          <a:xfrm>
+            <a:off x="107504" y="1196752"/>
+            <a:ext cx="1944216" cy="432048"/>
+          </a:xfrm>
+          <a:prstGeom prst="roundRect">
+            <a:avLst/>
+          </a:prstGeom>
+          <a:solidFill>
+            <a:schemeClr val="bg1"/>
+          </a:solidFill>
+          <a:ln w="38100">
+            <a:solidFill>
+              <a:schemeClr val="accent6">
+                <a:lumMod val="60000"/>
+                <a:lumOff val="40000"/>
+              </a:schemeClr>
+            </a:solidFill>
+          </a:ln>
+        </p:spPr>
+        <p:style>
+          <a:lnRef idx="2">
+            <a:schemeClr val="accent1">
+              <a:shade val="50000"/>
+            </a:schemeClr>
+          </a:lnRef>
+          <a:fillRef idx="1">
+            <a:schemeClr val="accent1"/>
+          </a:fillRef>
+          <a:effectRef idx="0">
+            <a:schemeClr val="accent1"/>
+          </a:effectRef>
+          <a:fontRef idx="minor">
+            <a:schemeClr val="lt1"/>
+          </a:fontRef>
+        </p:style>
+        <p:txBody>
+          <a:bodyPr rtlCol="0" anchor="ctr"/>
+          <a:lstStyle/>
+          <a:p>
+            <a:r>
+              <a:rPr lang="fr-FR" sz="2400" dirty="0">
+                <a:solidFill>
+                  <a:schemeClr val="accent2">
+                    <a:lumMod val="75000"/>
+                  </a:schemeClr>
+                </a:solidFill>
+              </a:rPr>
+              <a:t>Partie client</a:t>
+            </a:r>
+            <a:endParaRPr lang="fr-FR" sz="2200" b="1" dirty="0">
+              <a:solidFill>
+                <a:schemeClr val="accent2">
+                  <a:lumMod val="75000"/>
+                </a:schemeClr>
+              </a:solidFill>
+            </a:endParaRPr>
+          </a:p>
+        </p:txBody>
+      </p:sp>
+      <p:pic>
+        <p:nvPicPr>
+          <p:cNvPr id="3" name="Image 2"/>
+          <p:cNvPicPr>
+            <a:picLocks noChangeAspect="1"/>
+          </p:cNvPicPr>
+          <p:nvPr/>
+        </p:nvPicPr>
+        <p:blipFill>
+          <a:blip r:embed="rId2">
+            <a:extLst>
+              <a:ext uri="{28A0092B-C50C-407E-A947-70E740481C1C}">
+                <a14:useLocalDpi xmlns:a14="http://schemas.microsoft.com/office/drawing/2010/main" val="0"/>
+              </a:ext>
+            </a:extLst>
+          </a:blip>
+          <a:stretch>
+            <a:fillRect/>
+          </a:stretch>
+        </p:blipFill>
+        <p:spPr>
+          <a:xfrm>
+            <a:off x="899592" y="1844824"/>
+            <a:ext cx="3048426" cy="4572638"/>
+          </a:xfrm>
+          <a:prstGeom prst="rect">
+            <a:avLst/>
+          </a:prstGeom>
+        </p:spPr>
+      </p:pic>
+      <p:pic>
+        <p:nvPicPr>
+          <p:cNvPr id="7" name="Image 6"/>
+          <p:cNvPicPr>
+            <a:picLocks noChangeAspect="1"/>
+          </p:cNvPicPr>
+          <p:nvPr/>
+        </p:nvPicPr>
+        <p:blipFill>
+          <a:blip r:embed="rId3">
+            <a:extLst>
+              <a:ext uri="{28A0092B-C50C-407E-A947-70E740481C1C}">
+                <a14:useLocalDpi xmlns:a14="http://schemas.microsoft.com/office/drawing/2010/main" val="0"/>
+              </a:ext>
+            </a:extLst>
+          </a:blip>
+          <a:stretch>
+            <a:fillRect/>
+          </a:stretch>
+        </p:blipFill>
+        <p:spPr>
+          <a:xfrm>
+            <a:off x="5657976" y="2313296"/>
+            <a:ext cx="2934110" cy="504896"/>
+          </a:xfrm>
+          <a:prstGeom prst="rect">
+            <a:avLst/>
+          </a:prstGeom>
+        </p:spPr>
+      </p:pic>
+      <p:pic>
+        <p:nvPicPr>
+          <p:cNvPr id="8" name="Image 7"/>
+          <p:cNvPicPr>
+            <a:picLocks noChangeAspect="1"/>
+          </p:cNvPicPr>
+          <p:nvPr/>
+        </p:nvPicPr>
+        <p:blipFill>
+          <a:blip r:embed="rId4">
+            <a:extLst>
+              <a:ext uri="{28A0092B-C50C-407E-A947-70E740481C1C}">
+                <a14:useLocalDpi xmlns:a14="http://schemas.microsoft.com/office/drawing/2010/main" val="0"/>
+              </a:ext>
+            </a:extLst>
+          </a:blip>
+          <a:stretch>
+            <a:fillRect/>
+          </a:stretch>
+        </p:blipFill>
+        <p:spPr>
+          <a:xfrm>
+            <a:off x="5604455" y="3717032"/>
+            <a:ext cx="2934110" cy="504896"/>
+          </a:xfrm>
+          <a:prstGeom prst="rect">
+            <a:avLst/>
+          </a:prstGeom>
+        </p:spPr>
+      </p:pic>
+      <p:pic>
+        <p:nvPicPr>
+          <p:cNvPr id="9" name="Image 8"/>
+          <p:cNvPicPr>
+            <a:picLocks noChangeAspect="1"/>
+          </p:cNvPicPr>
+          <p:nvPr/>
+        </p:nvPicPr>
+        <p:blipFill>
+          <a:blip r:embed="rId5">
+            <a:extLst>
+              <a:ext uri="{28A0092B-C50C-407E-A947-70E740481C1C}">
+                <a14:useLocalDpi xmlns:a14="http://schemas.microsoft.com/office/drawing/2010/main" val="0"/>
+              </a:ext>
+            </a:extLst>
+          </a:blip>
+          <a:stretch>
+            <a:fillRect/>
+          </a:stretch>
+        </p:blipFill>
+        <p:spPr>
+          <a:xfrm>
+            <a:off x="5652120" y="4943713"/>
+            <a:ext cx="2934110" cy="504896"/>
+          </a:xfrm>
+          <a:prstGeom prst="rect">
+            <a:avLst/>
+          </a:prstGeom>
+        </p:spPr>
+      </p:pic>
     </p:spTree>
     <p:extLst>
       <p:ext uri="{BB962C8B-B14F-4D97-AF65-F5344CB8AC3E}">
@@ -7120,6 +8369,276 @@
   <p:clrMapOvr>
     <a:masterClrMapping/>
   </p:clrMapOvr>
+  <p:timing>
+    <p:tnLst>
+      <p:par>
+        <p:cTn id="1" dur="indefinite" restart="never" nodeType="tmRoot">
+          <p:childTnLst>
+            <p:seq concurrent="1" nextAc="seek">
+              <p:cTn id="2" dur="indefinite" nodeType="mainSeq">
+                <p:childTnLst>
+                  <p:par>
+                    <p:cTn id="3" fill="hold">
+                      <p:stCondLst>
+                        <p:cond delay="indefinite"/>
+                        <p:cond evt="onBegin" delay="0">
+                          <p:tn val="2"/>
+                        </p:cond>
+                      </p:stCondLst>
+                      <p:childTnLst>
+                        <p:par>
+                          <p:cTn id="4" fill="hold">
+                            <p:stCondLst>
+                              <p:cond delay="0"/>
+                            </p:stCondLst>
+                            <p:childTnLst>
+                              <p:par>
+                                <p:cTn id="5" presetID="2" presetClass="entr" presetSubtype="8" fill="hold" nodeType="afterEffect">
+                                  <p:stCondLst>
+                                    <p:cond delay="0"/>
+                                  </p:stCondLst>
+                                  <p:childTnLst>
+                                    <p:set>
+                                      <p:cBhvr>
+                                        <p:cTn id="6" dur="1" fill="hold">
+                                          <p:stCondLst>
+                                            <p:cond delay="0"/>
+                                          </p:stCondLst>
+                                        </p:cTn>
+                                        <p:tgtEl>
+                                          <p:spTgt spid="7"/>
+                                        </p:tgtEl>
+                                        <p:attrNameLst>
+                                          <p:attrName>style.visibility</p:attrName>
+                                        </p:attrNameLst>
+                                      </p:cBhvr>
+                                      <p:to>
+                                        <p:strVal val="visible"/>
+                                      </p:to>
+                                    </p:set>
+                                    <p:anim calcmode="lin" valueType="num">
+                                      <p:cBhvr additive="base">
+                                        <p:cTn id="7" dur="500" fill="hold"/>
+                                        <p:tgtEl>
+                                          <p:spTgt spid="7"/>
+                                        </p:tgtEl>
+                                        <p:attrNameLst>
+                                          <p:attrName>ppt_x</p:attrName>
+                                        </p:attrNameLst>
+                                      </p:cBhvr>
+                                      <p:tavLst>
+                                        <p:tav tm="0">
+                                          <p:val>
+                                            <p:strVal val="0-#ppt_w/2"/>
+                                          </p:val>
+                                        </p:tav>
+                                        <p:tav tm="100000">
+                                          <p:val>
+                                            <p:strVal val="#ppt_x"/>
+                                          </p:val>
+                                        </p:tav>
+                                      </p:tavLst>
+                                    </p:anim>
+                                    <p:anim calcmode="lin" valueType="num">
+                                      <p:cBhvr additive="base">
+                                        <p:cTn id="8" dur="500" fill="hold"/>
+                                        <p:tgtEl>
+                                          <p:spTgt spid="7"/>
+                                        </p:tgtEl>
+                                        <p:attrNameLst>
+                                          <p:attrName>ppt_y</p:attrName>
+                                        </p:attrNameLst>
+                                      </p:cBhvr>
+                                      <p:tavLst>
+                                        <p:tav tm="0">
+                                          <p:val>
+                                            <p:strVal val="#ppt_y"/>
+                                          </p:val>
+                                        </p:tav>
+                                        <p:tav tm="100000">
+                                          <p:val>
+                                            <p:strVal val="#ppt_y"/>
+                                          </p:val>
+                                        </p:tav>
+                                      </p:tavLst>
+                                    </p:anim>
+                                  </p:childTnLst>
+                                </p:cTn>
+                              </p:par>
+                              <p:par>
+                                <p:cTn id="9" presetID="2" presetClass="entr" presetSubtype="8" fill="hold" nodeType="withEffect">
+                                  <p:stCondLst>
+                                    <p:cond delay="0"/>
+                                  </p:stCondLst>
+                                  <p:childTnLst>
+                                    <p:set>
+                                      <p:cBhvr>
+                                        <p:cTn id="10" dur="1" fill="hold">
+                                          <p:stCondLst>
+                                            <p:cond delay="0"/>
+                                          </p:stCondLst>
+                                        </p:cTn>
+                                        <p:tgtEl>
+                                          <p:spTgt spid="8"/>
+                                        </p:tgtEl>
+                                        <p:attrNameLst>
+                                          <p:attrName>style.visibility</p:attrName>
+                                        </p:attrNameLst>
+                                      </p:cBhvr>
+                                      <p:to>
+                                        <p:strVal val="visible"/>
+                                      </p:to>
+                                    </p:set>
+                                    <p:anim calcmode="lin" valueType="num">
+                                      <p:cBhvr additive="base">
+                                        <p:cTn id="11" dur="500" fill="hold"/>
+                                        <p:tgtEl>
+                                          <p:spTgt spid="8"/>
+                                        </p:tgtEl>
+                                        <p:attrNameLst>
+                                          <p:attrName>ppt_x</p:attrName>
+                                        </p:attrNameLst>
+                                      </p:cBhvr>
+                                      <p:tavLst>
+                                        <p:tav tm="0">
+                                          <p:val>
+                                            <p:strVal val="0-#ppt_w/2"/>
+                                          </p:val>
+                                        </p:tav>
+                                        <p:tav tm="100000">
+                                          <p:val>
+                                            <p:strVal val="#ppt_x"/>
+                                          </p:val>
+                                        </p:tav>
+                                      </p:tavLst>
+                                    </p:anim>
+                                    <p:anim calcmode="lin" valueType="num">
+                                      <p:cBhvr additive="base">
+                                        <p:cTn id="12" dur="500" fill="hold"/>
+                                        <p:tgtEl>
+                                          <p:spTgt spid="8"/>
+                                        </p:tgtEl>
+                                        <p:attrNameLst>
+                                          <p:attrName>ppt_y</p:attrName>
+                                        </p:attrNameLst>
+                                      </p:cBhvr>
+                                      <p:tavLst>
+                                        <p:tav tm="0">
+                                          <p:val>
+                                            <p:strVal val="#ppt_y"/>
+                                          </p:val>
+                                        </p:tav>
+                                        <p:tav tm="100000">
+                                          <p:val>
+                                            <p:strVal val="#ppt_y"/>
+                                          </p:val>
+                                        </p:tav>
+                                      </p:tavLst>
+                                    </p:anim>
+                                  </p:childTnLst>
+                                </p:cTn>
+                              </p:par>
+                              <p:par>
+                                <p:cTn id="13" presetID="2" presetClass="entr" presetSubtype="8" fill="hold" nodeType="withEffect">
+                                  <p:stCondLst>
+                                    <p:cond delay="0"/>
+                                  </p:stCondLst>
+                                  <p:childTnLst>
+                                    <p:set>
+                                      <p:cBhvr>
+                                        <p:cTn id="14" dur="1" fill="hold">
+                                          <p:stCondLst>
+                                            <p:cond delay="0"/>
+                                          </p:stCondLst>
+                                        </p:cTn>
+                                        <p:tgtEl>
+                                          <p:spTgt spid="9"/>
+                                        </p:tgtEl>
+                                        <p:attrNameLst>
+                                          <p:attrName>style.visibility</p:attrName>
+                                        </p:attrNameLst>
+                                      </p:cBhvr>
+                                      <p:to>
+                                        <p:strVal val="visible"/>
+                                      </p:to>
+                                    </p:set>
+                                    <p:anim calcmode="lin" valueType="num">
+                                      <p:cBhvr additive="base">
+                                        <p:cTn id="15" dur="500" fill="hold"/>
+                                        <p:tgtEl>
+                                          <p:spTgt spid="9"/>
+                                        </p:tgtEl>
+                                        <p:attrNameLst>
+                                          <p:attrName>ppt_x</p:attrName>
+                                        </p:attrNameLst>
+                                      </p:cBhvr>
+                                      <p:tavLst>
+                                        <p:tav tm="0">
+                                          <p:val>
+                                            <p:strVal val="0-#ppt_w/2"/>
+                                          </p:val>
+                                        </p:tav>
+                                        <p:tav tm="100000">
+                                          <p:val>
+                                            <p:strVal val="#ppt_x"/>
+                                          </p:val>
+                                        </p:tav>
+                                      </p:tavLst>
+                                    </p:anim>
+                                    <p:anim calcmode="lin" valueType="num">
+                                      <p:cBhvr additive="base">
+                                        <p:cTn id="16" dur="500" fill="hold"/>
+                                        <p:tgtEl>
+                                          <p:spTgt spid="9"/>
+                                        </p:tgtEl>
+                                        <p:attrNameLst>
+                                          <p:attrName>ppt_y</p:attrName>
+                                        </p:attrNameLst>
+                                      </p:cBhvr>
+                                      <p:tavLst>
+                                        <p:tav tm="0">
+                                          <p:val>
+                                            <p:strVal val="#ppt_y"/>
+                                          </p:val>
+                                        </p:tav>
+                                        <p:tav tm="100000">
+                                          <p:val>
+                                            <p:strVal val="#ppt_y"/>
+                                          </p:val>
+                                        </p:tav>
+                                      </p:tavLst>
+                                    </p:anim>
+                                  </p:childTnLst>
+                                </p:cTn>
+                              </p:par>
+                            </p:childTnLst>
+                          </p:cTn>
+                        </p:par>
+                      </p:childTnLst>
+                    </p:cTn>
+                  </p:par>
+                </p:childTnLst>
+              </p:cTn>
+              <p:prevCondLst>
+                <p:cond evt="onPrev" delay="0">
+                  <p:tgtEl>
+                    <p:sldTgt/>
+                  </p:tgtEl>
+                </p:cond>
+              </p:prevCondLst>
+              <p:nextCondLst>
+                <p:cond evt="onNext" delay="0">
+                  <p:tgtEl>
+                    <p:sldTgt/>
+                  </p:tgtEl>
+                </p:cond>
+              </p:nextCondLst>
+            </p:seq>
+          </p:childTnLst>
+        </p:cTn>
+      </p:par>
+    </p:tnLst>
+  </p:timing>
 </p:sld>
 </file>
 
@@ -7172,8 +8691,8 @@
         </p:nvSpPr>
         <p:spPr>
           <a:xfrm>
-            <a:off x="251520" y="3140968"/>
-            <a:ext cx="8640960" cy="936104"/>
+            <a:off x="72008" y="548680"/>
+            <a:ext cx="7524328" cy="504056"/>
           </a:xfrm>
           <a:prstGeom prst="roundRect">
             <a:avLst/>
@@ -7181,7 +8700,7 @@
           <a:solidFill>
             <a:schemeClr val="bg1"/>
           </a:solidFill>
-          <a:ln w="57150">
+          <a:ln w="38100">
             <a:solidFill>
               <a:schemeClr val="tx1"/>
             </a:solidFill>
@@ -7207,28 +8726,207 @@
           <a:bodyPr rtlCol="0" anchor="ctr"/>
           <a:lstStyle/>
           <a:p>
-            <a:pPr algn="ctr"/>
-            <a:r>
-              <a:rPr lang="fr-FR" sz="3600" b="1" dirty="0">
+            <a:r>
+              <a:rPr lang="fr-FR" sz="2000" b="1" dirty="0">
                 <a:solidFill>
                   <a:srgbClr val="002060"/>
                 </a:solidFill>
               </a:rPr>
-              <a:t>Prévention des failles de sécurité</a:t>
-            </a:r>
-            <a:endParaRPr lang="fr-FR" sz="3500" b="1" dirty="0">
+              <a:t>Architecture générale de l’application</a:t>
+            </a:r>
+          </a:p>
+        </p:txBody>
+      </p:sp>
+      <p:sp>
+        <p:nvSpPr>
+          <p:cNvPr id="6" name="Rectangle à coins arrondis 5"/>
+          <p:cNvSpPr/>
+          <p:nvPr/>
+        </p:nvSpPr>
+        <p:spPr>
+          <a:xfrm>
+            <a:off x="107504" y="1196752"/>
+            <a:ext cx="1944216" cy="432048"/>
+          </a:xfrm>
+          <a:prstGeom prst="roundRect">
+            <a:avLst/>
+          </a:prstGeom>
+          <a:solidFill>
+            <a:schemeClr val="bg1"/>
+          </a:solidFill>
+          <a:ln w="38100">
+            <a:solidFill>
+              <a:schemeClr val="accent6">
+                <a:lumMod val="60000"/>
+                <a:lumOff val="40000"/>
+              </a:schemeClr>
+            </a:solidFill>
+          </a:ln>
+        </p:spPr>
+        <p:style>
+          <a:lnRef idx="2">
+            <a:schemeClr val="accent1">
+              <a:shade val="50000"/>
+            </a:schemeClr>
+          </a:lnRef>
+          <a:fillRef idx="1">
+            <a:schemeClr val="accent1"/>
+          </a:fillRef>
+          <a:effectRef idx="0">
+            <a:schemeClr val="accent1"/>
+          </a:effectRef>
+          <a:fontRef idx="minor">
+            <a:schemeClr val="lt1"/>
+          </a:fontRef>
+        </p:style>
+        <p:txBody>
+          <a:bodyPr rtlCol="0" anchor="ctr"/>
+          <a:lstStyle/>
+          <a:p>
+            <a:r>
+              <a:rPr lang="fr-FR" sz="2400" dirty="0">
+                <a:solidFill>
+                  <a:schemeClr val="accent2">
+                    <a:lumMod val="75000"/>
+                  </a:schemeClr>
+                </a:solidFill>
+              </a:rPr>
+              <a:t>Partie client</a:t>
+            </a:r>
+            <a:endParaRPr lang="fr-FR" sz="2200" b="1" dirty="0">
               <a:solidFill>
-                <a:srgbClr val="002060"/>
+                <a:schemeClr val="accent2">
+                  <a:lumMod val="75000"/>
+                </a:schemeClr>
               </a:solidFill>
-              <a:latin typeface="+mj-lt"/>
             </a:endParaRPr>
           </a:p>
         </p:txBody>
       </p:sp>
+      <p:pic>
+        <p:nvPicPr>
+          <p:cNvPr id="7" name="Image 6"/>
+          <p:cNvPicPr>
+            <a:picLocks noChangeAspect="1"/>
+          </p:cNvPicPr>
+          <p:nvPr/>
+        </p:nvPicPr>
+        <p:blipFill>
+          <a:blip r:embed="rId3">
+            <a:extLst>
+              <a:ext uri="{28A0092B-C50C-407E-A947-70E740481C1C}">
+                <a14:useLocalDpi xmlns:a14="http://schemas.microsoft.com/office/drawing/2010/main" val="0"/>
+              </a:ext>
+            </a:extLst>
+          </a:blip>
+          <a:stretch>
+            <a:fillRect/>
+          </a:stretch>
+        </p:blipFill>
+        <p:spPr>
+          <a:xfrm>
+            <a:off x="3033573" y="1376352"/>
+            <a:ext cx="2934110" cy="504896"/>
+          </a:xfrm>
+          <a:prstGeom prst="rect">
+            <a:avLst/>
+          </a:prstGeom>
+        </p:spPr>
+      </p:pic>
+      <p:pic>
+        <p:nvPicPr>
+          <p:cNvPr id="8" name="Image 7"/>
+          <p:cNvPicPr>
+            <a:picLocks noChangeAspect="1"/>
+          </p:cNvPicPr>
+          <p:nvPr/>
+        </p:nvPicPr>
+        <p:blipFill>
+          <a:blip r:embed="rId4">
+            <a:extLst>
+              <a:ext uri="{28A0092B-C50C-407E-A947-70E740481C1C}">
+                <a14:useLocalDpi xmlns:a14="http://schemas.microsoft.com/office/drawing/2010/main" val="0"/>
+              </a:ext>
+            </a:extLst>
+          </a:blip>
+          <a:stretch>
+            <a:fillRect/>
+          </a:stretch>
+        </p:blipFill>
+        <p:spPr>
+          <a:xfrm>
+            <a:off x="118180" y="2161788"/>
+            <a:ext cx="2583463" cy="4239217"/>
+          </a:xfrm>
+          <a:prstGeom prst="rect">
+            <a:avLst/>
+          </a:prstGeom>
+        </p:spPr>
+      </p:pic>
+      <p:pic>
+        <p:nvPicPr>
+          <p:cNvPr id="9" name="Image 8"/>
+          <p:cNvPicPr>
+            <a:picLocks noChangeAspect="1"/>
+          </p:cNvPicPr>
+          <p:nvPr/>
+        </p:nvPicPr>
+        <p:blipFill>
+          <a:blip r:embed="rId5">
+            <a:extLst>
+              <a:ext uri="{28A0092B-C50C-407E-A947-70E740481C1C}">
+                <a14:useLocalDpi xmlns:a14="http://schemas.microsoft.com/office/drawing/2010/main" val="0"/>
+              </a:ext>
+            </a:extLst>
+          </a:blip>
+          <a:stretch>
+            <a:fillRect/>
+          </a:stretch>
+        </p:blipFill>
+        <p:spPr>
+          <a:xfrm>
+            <a:off x="6156174" y="2161786"/>
+            <a:ext cx="2955665" cy="4239217"/>
+          </a:xfrm>
+          <a:prstGeom prst="rect">
+            <a:avLst/>
+          </a:prstGeom>
+        </p:spPr>
+      </p:pic>
+      <p:pic>
+        <p:nvPicPr>
+          <p:cNvPr id="10" name="Image 9"/>
+          <p:cNvPicPr>
+            <a:picLocks noChangeAspect="1"/>
+          </p:cNvPicPr>
+          <p:nvPr/>
+        </p:nvPicPr>
+        <p:blipFill>
+          <a:blip r:embed="rId6">
+            <a:extLst>
+              <a:ext uri="{28A0092B-C50C-407E-A947-70E740481C1C}">
+                <a14:useLocalDpi xmlns:a14="http://schemas.microsoft.com/office/drawing/2010/main" val="0"/>
+              </a:ext>
+            </a:extLst>
+          </a:blip>
+          <a:stretch>
+            <a:fillRect/>
+          </a:stretch>
+        </p:blipFill>
+        <p:spPr>
+          <a:xfrm>
+            <a:off x="2915816" y="2161788"/>
+            <a:ext cx="3051867" cy="4339241"/>
+          </a:xfrm>
+          <a:prstGeom prst="rect">
+            <a:avLst/>
+          </a:prstGeom>
+        </p:spPr>
+      </p:pic>
     </p:spTree>
     <p:extLst>
       <p:ext uri="{BB962C8B-B14F-4D97-AF65-F5344CB8AC3E}">
-        <p14:creationId xmlns:p14="http://schemas.microsoft.com/office/powerpoint/2010/main" val="51642217"/>
+        <p14:creationId xmlns:p14="http://schemas.microsoft.com/office/powerpoint/2010/main" val="1331703616"/>
       </p:ext>
     </p:extLst>
   </p:cSld>

--- a/présentation/Présentation IF26.pptx
+++ b/présentation/Présentation IF26.pptx
@@ -208,7 +208,7 @@
             <a:fld id="{C8A64E49-555C-4914-82C7-78B9263499EB}" type="datetimeFigureOut">
               <a:rPr lang="fr-FR" smtClean="0"/>
               <a:pPr/>
-              <a:t>06/01/2013</a:t>
+              <a:t>07/01/2013</a:t>
             </a:fld>
             <a:endParaRPr lang="fr-FR"/>
           </a:p>
@@ -1361,7 +1361,7 @@
           <a:p>
             <a:fld id="{F69038DB-DB27-4C81-A99E-EDC406D87CE1}" type="datetime1">
               <a:rPr lang="fr-FR" smtClean="0"/>
-              <a:t>06/01/2013</a:t>
+              <a:t>07/01/2013</a:t>
             </a:fld>
             <a:endParaRPr lang="fr-FR"/>
           </a:p>
@@ -1545,7 +1545,7 @@
           <a:p>
             <a:fld id="{F0571686-CF20-4A0B-8B61-492E3DA4E76D}" type="datetime1">
               <a:rPr lang="fr-FR" smtClean="0"/>
-              <a:t>06/01/2013</a:t>
+              <a:t>07/01/2013</a:t>
             </a:fld>
             <a:endParaRPr lang="fr-FR"/>
           </a:p>
@@ -1721,7 +1721,7 @@
           <a:p>
             <a:fld id="{7C75FE9E-1F1B-474D-87DD-E94BF53DF9B2}" type="datetime1">
               <a:rPr lang="fr-FR" smtClean="0"/>
-              <a:t>06/01/2013</a:t>
+              <a:t>07/01/2013</a:t>
             </a:fld>
             <a:endParaRPr lang="fr-FR"/>
           </a:p>
@@ -1887,7 +1887,7 @@
           <a:p>
             <a:fld id="{6ED2B56A-06DF-46AA-AE22-01555B55BA06}" type="datetime1">
               <a:rPr lang="fr-FR" smtClean="0"/>
-              <a:t>06/01/2013</a:t>
+              <a:t>07/01/2013</a:t>
             </a:fld>
             <a:endParaRPr lang="fr-FR"/>
           </a:p>
@@ -2109,7 +2109,7 @@
           <a:p>
             <a:fld id="{9CDBD0C8-D033-408A-BB9E-47E89B01D8DF}" type="datetime1">
               <a:rPr lang="fr-FR" smtClean="0"/>
-              <a:t>06/01/2013</a:t>
+              <a:t>07/01/2013</a:t>
             </a:fld>
             <a:endParaRPr lang="fr-FR"/>
           </a:p>
@@ -2369,7 +2369,7 @@
           <a:p>
             <a:fld id="{06F6D62E-40AD-46AA-9570-BB67791276A8}" type="datetime1">
               <a:rPr lang="fr-FR" smtClean="0"/>
-              <a:t>06/01/2013</a:t>
+              <a:t>07/01/2013</a:t>
             </a:fld>
             <a:endParaRPr lang="fr-FR"/>
           </a:p>
@@ -2774,7 +2774,7 @@
           <a:p>
             <a:fld id="{5B990584-B0F5-4C80-8615-63F6B6650DAA}" type="datetime1">
               <a:rPr lang="fr-FR" smtClean="0"/>
-              <a:t>06/01/2013</a:t>
+              <a:t>07/01/2013</a:t>
             </a:fld>
             <a:endParaRPr lang="fr-FR"/>
           </a:p>
@@ -2906,7 +2906,7 @@
           <a:p>
             <a:fld id="{67097661-A49E-4A2A-AE45-1694091695EA}" type="datetime1">
               <a:rPr lang="fr-FR" smtClean="0"/>
-              <a:t>06/01/2013</a:t>
+              <a:t>07/01/2013</a:t>
             </a:fld>
             <a:endParaRPr lang="fr-FR"/>
           </a:p>
@@ -3007,7 +3007,7 @@
           <a:p>
             <a:fld id="{AAF7C268-C145-4C2F-8577-BD5E667C29C1}" type="datetime1">
               <a:rPr lang="fr-FR" smtClean="0"/>
-              <a:t>06/01/2013</a:t>
+              <a:t>07/01/2013</a:t>
             </a:fld>
             <a:endParaRPr lang="fr-FR"/>
           </a:p>
@@ -3253,7 +3253,7 @@
           <a:p>
             <a:fld id="{1DCEBBFF-8C8A-4EA2-A070-C25A10008A17}" type="datetime1">
               <a:rPr lang="fr-FR" smtClean="0"/>
-              <a:t>06/01/2013</a:t>
+              <a:t>07/01/2013</a:t>
             </a:fld>
             <a:endParaRPr lang="fr-FR"/>
           </a:p>
@@ -3498,7 +3498,7 @@
           <a:p>
             <a:fld id="{292C543B-154D-4461-A8A8-30F5B7DCFC53}" type="datetime1">
               <a:rPr lang="fr-FR" smtClean="0"/>
-              <a:t>06/01/2013</a:t>
+              <a:t>07/01/2013</a:t>
             </a:fld>
             <a:endParaRPr lang="fr-FR"/>
           </a:p>
@@ -4323,7 +4323,7 @@
           <a:p>
             <a:fld id="{2AFD231C-2EC0-461A-BD1C-387FB840F521}" type="datetime1">
               <a:rPr lang="fr-FR" smtClean="0"/>
-              <a:t>06/01/2013</a:t>
+              <a:t>07/01/2013</a:t>
             </a:fld>
             <a:endParaRPr lang="fr-FR"/>
           </a:p>
@@ -4756,8 +4756,8 @@
               <a:rPr lang="fr-FR" sz="2000" b="1" dirty="0" smtClean="0"/>
             </a:br>
             <a:r>
-              <a:rPr lang="fr-FR" sz="4200" b="1" dirty="0" err="1" smtClean="0"/>
-              <a:t>Stanrgers-Phonegap</a:t>
+              <a:rPr lang="fr-FR" sz="4200" b="1" dirty="0" err="1"/>
+              <a:t>Strangers-Phonegap</a:t>
             </a:r>
             <a:endParaRPr lang="fr-FR" sz="4200" b="1" dirty="0"/>
           </a:p>
@@ -4864,29 +4864,7 @@
                 </a:solidFill>
                 <a:latin typeface="+mj-lt"/>
               </a:rPr>
-              <a:t>Présentation </a:t>
-            </a:r>
-            <a:r>
-              <a:rPr lang="fr-FR" sz="2000" b="1" dirty="0" smtClean="0">
-                <a:solidFill>
-                  <a:schemeClr val="tx2">
-                    <a:lumMod val="75000"/>
-                  </a:schemeClr>
-                </a:solidFill>
-                <a:latin typeface="+mj-lt"/>
-              </a:rPr>
-              <a:t>de </a:t>
-            </a:r>
-            <a:r>
-              <a:rPr lang="fr-FR" sz="2000" b="1" dirty="0" smtClean="0">
-                <a:solidFill>
-                  <a:schemeClr val="tx2">
-                    <a:lumMod val="75000"/>
-                  </a:schemeClr>
-                </a:solidFill>
-                <a:latin typeface="+mj-lt"/>
-              </a:rPr>
-              <a:t>l’architecture générale de l’application </a:t>
+              <a:t>Présentation de l’architecture générale de l’application </a:t>
             </a:r>
             <a:endParaRPr lang="fr-FR" sz="2000" b="1" dirty="0">
               <a:solidFill>
@@ -5310,96 +5288,6 @@
           </a:p>
         </p:txBody>
       </p:sp>
-      <p:pic>
-        <p:nvPicPr>
-          <p:cNvPr id="7" name="Image 6"/>
-          <p:cNvPicPr>
-            <a:picLocks noChangeAspect="1"/>
-          </p:cNvPicPr>
-          <p:nvPr/>
-        </p:nvPicPr>
-        <p:blipFill>
-          <a:blip r:embed="rId2">
-            <a:extLst>
-              <a:ext uri="{28A0092B-C50C-407E-A947-70E740481C1C}">
-                <a14:useLocalDpi xmlns:a14="http://schemas.microsoft.com/office/drawing/2010/main" val="0"/>
-              </a:ext>
-            </a:extLst>
-          </a:blip>
-          <a:stretch>
-            <a:fillRect/>
-          </a:stretch>
-        </p:blipFill>
-        <p:spPr>
-          <a:xfrm>
-            <a:off x="2826640" y="1412776"/>
-            <a:ext cx="2934110" cy="504896"/>
-          </a:xfrm>
-          <a:prstGeom prst="rect">
-            <a:avLst/>
-          </a:prstGeom>
-        </p:spPr>
-      </p:pic>
-      <p:pic>
-        <p:nvPicPr>
-          <p:cNvPr id="9" name="Image 8"/>
-          <p:cNvPicPr>
-            <a:picLocks noChangeAspect="1"/>
-          </p:cNvPicPr>
-          <p:nvPr/>
-        </p:nvPicPr>
-        <p:blipFill>
-          <a:blip r:embed="rId3">
-            <a:extLst>
-              <a:ext uri="{28A0092B-C50C-407E-A947-70E740481C1C}">
-                <a14:useLocalDpi xmlns:a14="http://schemas.microsoft.com/office/drawing/2010/main" val="0"/>
-              </a:ext>
-            </a:extLst>
-          </a:blip>
-          <a:stretch>
-            <a:fillRect/>
-          </a:stretch>
-        </p:blipFill>
-        <p:spPr>
-          <a:xfrm>
-            <a:off x="573757" y="1988840"/>
-            <a:ext cx="3029373" cy="4363059"/>
-          </a:xfrm>
-          <a:prstGeom prst="rect">
-            <a:avLst/>
-          </a:prstGeom>
-        </p:spPr>
-      </p:pic>
-      <p:pic>
-        <p:nvPicPr>
-          <p:cNvPr id="10" name="Image 9"/>
-          <p:cNvPicPr>
-            <a:picLocks noChangeAspect="1"/>
-          </p:cNvPicPr>
-          <p:nvPr/>
-        </p:nvPicPr>
-        <p:blipFill>
-          <a:blip r:embed="rId4">
-            <a:extLst>
-              <a:ext uri="{28A0092B-C50C-407E-A947-70E740481C1C}">
-                <a14:useLocalDpi xmlns:a14="http://schemas.microsoft.com/office/drawing/2010/main" val="0"/>
-              </a:ext>
-            </a:extLst>
-          </a:blip>
-          <a:stretch>
-            <a:fillRect/>
-          </a:stretch>
-        </p:blipFill>
-        <p:spPr>
-          <a:xfrm>
-            <a:off x="5148064" y="1988840"/>
-            <a:ext cx="3000794" cy="4267796"/>
-          </a:xfrm>
-          <a:prstGeom prst="rect">
-            <a:avLst/>
-          </a:prstGeom>
-        </p:spPr>
-      </p:pic>
     </p:spTree>
     <p:extLst>
       <p:ext uri="{BB962C8B-B14F-4D97-AF65-F5344CB8AC3E}">
@@ -5515,36 +5403,6 @@
           </a:p>
         </p:txBody>
       </p:sp>
-      <p:pic>
-        <p:nvPicPr>
-          <p:cNvPr id="7" name="Image 6"/>
-          <p:cNvPicPr>
-            <a:picLocks noChangeAspect="1"/>
-          </p:cNvPicPr>
-          <p:nvPr/>
-        </p:nvPicPr>
-        <p:blipFill>
-          <a:blip r:embed="rId2">
-            <a:extLst>
-              <a:ext uri="{28A0092B-C50C-407E-A947-70E740481C1C}">
-                <a14:useLocalDpi xmlns:a14="http://schemas.microsoft.com/office/drawing/2010/main" val="0"/>
-              </a:ext>
-            </a:extLst>
-          </a:blip>
-          <a:stretch>
-            <a:fillRect/>
-          </a:stretch>
-        </p:blipFill>
-        <p:spPr>
-          <a:xfrm>
-            <a:off x="1522208" y="3356992"/>
-            <a:ext cx="2934110" cy="504896"/>
-          </a:xfrm>
-          <a:prstGeom prst="rect">
-            <a:avLst/>
-          </a:prstGeom>
-        </p:spPr>
-      </p:pic>
       <p:sp>
         <p:nvSpPr>
           <p:cNvPr id="8" name="Rectangle à coins arrondis 7"/>
@@ -5795,13 +5653,6 @@
               </a:rPr>
               <a:t>Solutions proposées</a:t>
             </a:r>
-            <a:endParaRPr lang="fr-FR" sz="2400" dirty="0">
-              <a:solidFill>
-                <a:schemeClr val="accent2">
-                  <a:lumMod val="75000"/>
-                </a:schemeClr>
-              </a:solidFill>
-            </a:endParaRPr>
           </a:p>
         </p:txBody>
       </p:sp>
@@ -5830,7 +5681,6 @@
               <a:rPr lang="fr-FR" dirty="0"/>
               <a:t>A Voir !</a:t>
             </a:r>
-            <a:endParaRPr lang="fr-FR" dirty="0"/>
           </a:p>
         </p:txBody>
       </p:sp>
@@ -6091,11 +5941,6 @@
               </a:rPr>
               <a:t>Prévention des failles de sécurité</a:t>
             </a:r>
-            <a:endParaRPr lang="fr-FR" sz="2000" b="1" dirty="0">
-              <a:solidFill>
-                <a:srgbClr val="002060"/>
-              </a:solidFill>
-            </a:endParaRPr>
           </a:p>
         </p:txBody>
       </p:sp>
@@ -6490,17 +6335,12 @@
             </a:r>
             <a:r>
               <a:rPr lang="fr-FR" sz="1900" dirty="0"/>
-              <a:t>Partie client</a:t>
-            </a:r>
-            <a:r>
-              <a:rPr lang="fr-FR" sz="1900" dirty="0"/>
-              <a:t>	 </a:t>
+              <a:t>Partie client	 </a:t>
             </a:r>
             <a:r>
               <a:rPr lang="fr-FR" sz="1900" dirty="0" smtClean="0"/>
               <a:t>	</a:t>
             </a:r>
-            <a:endParaRPr lang="fr-FR" sz="1900" dirty="0" smtClean="0"/>
           </a:p>
           <a:p>
             <a:pPr marL="681228" indent="-571500">
@@ -6565,7 +6405,7 @@
                   <a:srgbClr val="002060"/>
                 </a:solidFill>
               </a:rPr>
-              <a:t>      Prévention </a:t>
+              <a:t>      </a:t>
             </a:r>
             <a:r>
               <a:rPr lang="fr-FR" sz="2200" b="1" dirty="0" smtClean="0">
@@ -6573,7 +6413,7 @@
                   <a:srgbClr val="002060"/>
                 </a:solidFill>
               </a:rPr>
-              <a:t>contre les failles </a:t>
+              <a:t>Mesures </a:t>
             </a:r>
             <a:r>
               <a:rPr lang="fr-FR" sz="2200" b="1" dirty="0" smtClean="0">
@@ -6640,23 +6480,8 @@
             </a:pPr>
             <a:r>
               <a:rPr lang="fr-FR" sz="1900" dirty="0" smtClean="0"/>
-              <a:t>		   </a:t>
-            </a:r>
-            <a:r>
-              <a:rPr lang="fr-FR" sz="1900" dirty="0" smtClean="0">
-                <a:sym typeface="Wingdings" pitchFamily="2" charset="2"/>
-              </a:rPr>
-              <a:t></a:t>
-            </a:r>
-            <a:r>
-              <a:rPr lang="fr-FR" sz="1900" dirty="0" smtClean="0"/>
-              <a:t>  Outils de prévention</a:t>
-            </a:r>
-          </a:p>
-          <a:p>
-            <a:pPr marL="681228" indent="-571500">
-              <a:buNone/>
-            </a:pPr>
+              <a:t>	</a:t>
+            </a:r>
             <a:r>
               <a:rPr lang="fr-FR" sz="1900" dirty="0"/>
               <a:t>	</a:t>
@@ -7023,7 +6848,6 @@
               <a:rPr lang="fr-FR" dirty="0"/>
               <a:t>d'échéance.</a:t>
             </a:r>
-            <a:endParaRPr lang="fr-FR" dirty="0"/>
           </a:p>
         </p:txBody>
       </p:sp>
@@ -7412,43 +7236,7 @@
                 </a:solidFill>
                 <a:sym typeface="Wingdings" pitchFamily="2" charset="2"/>
               </a:rPr>
-              <a:t>Lancer une recherche dans </a:t>
-            </a:r>
-            <a:r>
-              <a:rPr lang="fr-FR" sz="2200" b="1" dirty="0" smtClean="0">
-                <a:solidFill>
-                  <a:schemeClr val="bg1"/>
-                </a:solidFill>
-                <a:sym typeface="Wingdings" pitchFamily="2" charset="2"/>
-              </a:rPr>
-              <a:t>toutes mes boite </a:t>
-            </a:r>
-            <a:r>
-              <a:rPr lang="fr-FR" sz="2200" b="1" dirty="0" smtClean="0">
-                <a:solidFill>
-                  <a:schemeClr val="bg1"/>
-                </a:solidFill>
-                <a:sym typeface="Wingdings" pitchFamily="2" charset="2"/>
-              </a:rPr>
-              <a:t>mails </a:t>
-            </a:r>
-            <a:r>
-              <a:rPr lang="fr-FR" sz="2200" b="1" dirty="0" smtClean="0">
-                <a:solidFill>
-                  <a:schemeClr val="bg1"/>
-                </a:solidFill>
-                <a:sym typeface="Wingdings" pitchFamily="2" charset="2"/>
-              </a:rPr>
-              <a:t>pour </a:t>
-            </a:r>
-            <a:r>
-              <a:rPr lang="fr-FR" sz="2200" b="1" dirty="0" smtClean="0">
-                <a:solidFill>
-                  <a:schemeClr val="bg1"/>
-                </a:solidFill>
-                <a:sym typeface="Wingdings" pitchFamily="2" charset="2"/>
-              </a:rPr>
-              <a:t>afficher l’</a:t>
+              <a:t>Lancer une recherche dans toutes mes boite mails pour afficher l’</a:t>
             </a:r>
             <a:r>
               <a:rPr lang="fr-FR" sz="2200" b="1" dirty="0">
@@ -7879,23 +7667,31 @@
             <a:pPr lvl="1"/>
             <a:r>
               <a:rPr lang="fr-FR" dirty="0" smtClean="0"/>
-              <a:t>Serveur web : </a:t>
-            </a:r>
-            <a:r>
-              <a:rPr lang="fr-FR" dirty="0" smtClean="0"/>
-              <a:t>apache , </a:t>
+              <a:t>Serveur web : apache , </a:t>
             </a:r>
             <a:r>
               <a:rPr lang="fr-FR" dirty="0" err="1" smtClean="0"/>
               <a:t>WampServer</a:t>
             </a:r>
+            <a:r>
+              <a:rPr lang="fr-FR" dirty="0" smtClean="0"/>
+              <a:t>, </a:t>
+            </a:r>
+            <a:r>
+              <a:rPr lang="fr-FR" dirty="0" err="1" smtClean="0"/>
+              <a:t>php</a:t>
+            </a:r>
             <a:endParaRPr lang="fr-FR" dirty="0" smtClean="0"/>
           </a:p>
           <a:p>
             <a:pPr lvl="1"/>
             <a:r>
               <a:rPr lang="fr-FR" dirty="0" smtClean="0"/>
-              <a:t>Codage html5/css3/</a:t>
+              <a:t>Codage </a:t>
+            </a:r>
+            <a:r>
+              <a:rPr lang="fr-FR" dirty="0" smtClean="0"/>
+              <a:t>html5/css3/</a:t>
             </a:r>
             <a:r>
               <a:rPr lang="fr-FR" dirty="0" err="1" smtClean="0"/>
@@ -7907,9 +7703,25 @@
             <a:pPr lvl="1"/>
             <a:r>
               <a:rPr lang="fr-FR" dirty="0" smtClean="0"/>
-              <a:t>.... (quoi d’autre?)</a:t>
-            </a:r>
-            <a:endParaRPr lang="fr-FR" dirty="0"/>
+              <a:t>Plugin </a:t>
+            </a:r>
+            <a:r>
+              <a:rPr lang="fr-FR" dirty="0" err="1" smtClean="0"/>
+              <a:t>phonegap</a:t>
+            </a:r>
+            <a:r>
+              <a:rPr lang="fr-FR" dirty="0" smtClean="0"/>
+              <a:t> pour </a:t>
+            </a:r>
+            <a:r>
+              <a:rPr lang="fr-FR" dirty="0" err="1" smtClean="0"/>
+              <a:t>Android</a:t>
+            </a:r>
+            <a:r>
+              <a:rPr lang="fr-FR" dirty="0" smtClean="0"/>
+              <a:t> : Java</a:t>
+            </a:r>
+            <a:endParaRPr lang="fr-FR" dirty="0" smtClean="0"/>
           </a:p>
         </p:txBody>
       </p:sp>
@@ -8097,6 +7909,64 @@
       </p:grpSpPr>
       <p:sp>
         <p:nvSpPr>
+          <p:cNvPr id="12" name="Espace réservé du texte 11"/>
+          <p:cNvSpPr>
+            <a:spLocks noGrp="1"/>
+          </p:cNvSpPr>
+          <p:nvPr>
+            <p:ph type="body" sz="half" idx="2"/>
+          </p:nvPr>
+        </p:nvSpPr>
+        <p:spPr>
+          <a:xfrm>
+            <a:off x="323528" y="2276872"/>
+            <a:ext cx="4032448" cy="3672407"/>
+          </a:xfrm>
+        </p:spPr>
+        <p:txBody>
+          <a:bodyPr>
+            <a:normAutofit/>
+          </a:bodyPr>
+          <a:lstStyle/>
+          <a:p>
+            <a:r>
+              <a:rPr lang="fr-FR" sz="1600" dirty="0" smtClean="0">
+                <a:latin typeface="Times New Roman" pitchFamily="18" charset="0"/>
+                <a:cs typeface="Times New Roman" pitchFamily="18" charset="0"/>
+              </a:rPr>
+              <a:t>L’organisation d’un projet </a:t>
+            </a:r>
+            <a:r>
+              <a:rPr lang="fr-FR" sz="1600" dirty="0" err="1" smtClean="0">
+                <a:latin typeface="Times New Roman" pitchFamily="18" charset="0"/>
+                <a:cs typeface="Times New Roman" pitchFamily="18" charset="0"/>
+              </a:rPr>
+              <a:t>Phonegap</a:t>
+            </a:r>
+            <a:r>
+              <a:rPr lang="fr-FR" sz="1600" dirty="0" smtClean="0">
+                <a:latin typeface="Times New Roman" pitchFamily="18" charset="0"/>
+                <a:cs typeface="Times New Roman" pitchFamily="18" charset="0"/>
+              </a:rPr>
+              <a:t>, nécessite une structure dossier bien claire.</a:t>
+            </a:r>
+          </a:p>
+          <a:p>
+            <a:endParaRPr lang="fr-FR" sz="1600" dirty="0">
+              <a:latin typeface="Times New Roman" pitchFamily="18" charset="0"/>
+              <a:cs typeface="Times New Roman" pitchFamily="18" charset="0"/>
+            </a:endParaRPr>
+          </a:p>
+          <a:p>
+            <a:endParaRPr lang="fr-FR" sz="1600" dirty="0">
+              <a:latin typeface="Times New Roman" pitchFamily="18" charset="0"/>
+              <a:cs typeface="Times New Roman" pitchFamily="18" charset="0"/>
+            </a:endParaRPr>
+          </a:p>
+        </p:txBody>
+      </p:sp>
+      <p:sp>
+        <p:nvSpPr>
           <p:cNvPr id="4" name="Espace réservé du numéro de diapositive 3"/>
           <p:cNvSpPr>
             <a:spLocks noGrp="1"/>
@@ -8182,7 +8052,7 @@
         <p:spPr>
           <a:xfrm>
             <a:off x="107504" y="1196752"/>
-            <a:ext cx="1944216" cy="432048"/>
+            <a:ext cx="4248472" cy="432048"/>
           </a:xfrm>
           <a:prstGeom prst="roundRect">
             <a:avLst/>
@@ -8220,14 +8090,14 @@
           <a:lstStyle/>
           <a:p>
             <a:r>
-              <a:rPr lang="fr-FR" sz="2400" dirty="0">
+              <a:rPr lang="fr-FR" sz="2400" dirty="0" smtClean="0">
                 <a:solidFill>
                   <a:schemeClr val="accent2">
                     <a:lumMod val="75000"/>
                   </a:schemeClr>
                 </a:solidFill>
               </a:rPr>
-              <a:t>Partie client</a:t>
+              <a:t>Organisation des dossiers </a:t>
             </a:r>
             <a:endParaRPr lang="fr-FR" sz="2200" b="1" dirty="0">
               <a:solidFill>
@@ -8241,7 +8111,7 @@
       </p:sp>
       <p:pic>
         <p:nvPicPr>
-          <p:cNvPr id="3" name="Image 2"/>
+          <p:cNvPr id="2" name="Image 1"/>
           <p:cNvPicPr>
             <a:picLocks noChangeAspect="1"/>
           </p:cNvPicPr>
@@ -8261,98 +8131,8 @@
         </p:blipFill>
         <p:spPr>
           <a:xfrm>
-            <a:off x="899592" y="1844824"/>
-            <a:ext cx="3048426" cy="4572638"/>
-          </a:xfrm>
-          <a:prstGeom prst="rect">
-            <a:avLst/>
-          </a:prstGeom>
-        </p:spPr>
-      </p:pic>
-      <p:pic>
-        <p:nvPicPr>
-          <p:cNvPr id="7" name="Image 6"/>
-          <p:cNvPicPr>
-            <a:picLocks noChangeAspect="1"/>
-          </p:cNvPicPr>
-          <p:nvPr/>
-        </p:nvPicPr>
-        <p:blipFill>
-          <a:blip r:embed="rId3">
-            <a:extLst>
-              <a:ext uri="{28A0092B-C50C-407E-A947-70E740481C1C}">
-                <a14:useLocalDpi xmlns:a14="http://schemas.microsoft.com/office/drawing/2010/main" val="0"/>
-              </a:ext>
-            </a:extLst>
-          </a:blip>
-          <a:stretch>
-            <a:fillRect/>
-          </a:stretch>
-        </p:blipFill>
-        <p:spPr>
-          <a:xfrm>
-            <a:off x="5657976" y="2313296"/>
-            <a:ext cx="2934110" cy="504896"/>
-          </a:xfrm>
-          <a:prstGeom prst="rect">
-            <a:avLst/>
-          </a:prstGeom>
-        </p:spPr>
-      </p:pic>
-      <p:pic>
-        <p:nvPicPr>
-          <p:cNvPr id="8" name="Image 7"/>
-          <p:cNvPicPr>
-            <a:picLocks noChangeAspect="1"/>
-          </p:cNvPicPr>
-          <p:nvPr/>
-        </p:nvPicPr>
-        <p:blipFill>
-          <a:blip r:embed="rId4">
-            <a:extLst>
-              <a:ext uri="{28A0092B-C50C-407E-A947-70E740481C1C}">
-                <a14:useLocalDpi xmlns:a14="http://schemas.microsoft.com/office/drawing/2010/main" val="0"/>
-              </a:ext>
-            </a:extLst>
-          </a:blip>
-          <a:stretch>
-            <a:fillRect/>
-          </a:stretch>
-        </p:blipFill>
-        <p:spPr>
-          <a:xfrm>
-            <a:off x="5604455" y="3717032"/>
-            <a:ext cx="2934110" cy="504896"/>
-          </a:xfrm>
-          <a:prstGeom prst="rect">
-            <a:avLst/>
-          </a:prstGeom>
-        </p:spPr>
-      </p:pic>
-      <p:pic>
-        <p:nvPicPr>
-          <p:cNvPr id="9" name="Image 8"/>
-          <p:cNvPicPr>
-            <a:picLocks noChangeAspect="1"/>
-          </p:cNvPicPr>
-          <p:nvPr/>
-        </p:nvPicPr>
-        <p:blipFill>
-          <a:blip r:embed="rId5">
-            <a:extLst>
-              <a:ext uri="{28A0092B-C50C-407E-A947-70E740481C1C}">
-                <a14:useLocalDpi xmlns:a14="http://schemas.microsoft.com/office/drawing/2010/main" val="0"/>
-              </a:ext>
-            </a:extLst>
-          </a:blip>
-          <a:stretch>
-            <a:fillRect/>
-          </a:stretch>
-        </p:blipFill>
-        <p:spPr>
-          <a:xfrm>
-            <a:off x="5652120" y="4943713"/>
-            <a:ext cx="2934110" cy="504896"/>
+            <a:off x="4860032" y="2060848"/>
+            <a:ext cx="2991268" cy="3829585"/>
           </a:xfrm>
           <a:prstGeom prst="rect">
             <a:avLst/>
@@ -8372,270 +8152,7 @@
   <p:timing>
     <p:tnLst>
       <p:par>
-        <p:cTn id="1" dur="indefinite" restart="never" nodeType="tmRoot">
-          <p:childTnLst>
-            <p:seq concurrent="1" nextAc="seek">
-              <p:cTn id="2" dur="indefinite" nodeType="mainSeq">
-                <p:childTnLst>
-                  <p:par>
-                    <p:cTn id="3" fill="hold">
-                      <p:stCondLst>
-                        <p:cond delay="indefinite"/>
-                        <p:cond evt="onBegin" delay="0">
-                          <p:tn val="2"/>
-                        </p:cond>
-                      </p:stCondLst>
-                      <p:childTnLst>
-                        <p:par>
-                          <p:cTn id="4" fill="hold">
-                            <p:stCondLst>
-                              <p:cond delay="0"/>
-                            </p:stCondLst>
-                            <p:childTnLst>
-                              <p:par>
-                                <p:cTn id="5" presetID="2" presetClass="entr" presetSubtype="8" fill="hold" nodeType="afterEffect">
-                                  <p:stCondLst>
-                                    <p:cond delay="0"/>
-                                  </p:stCondLst>
-                                  <p:childTnLst>
-                                    <p:set>
-                                      <p:cBhvr>
-                                        <p:cTn id="6" dur="1" fill="hold">
-                                          <p:stCondLst>
-                                            <p:cond delay="0"/>
-                                          </p:stCondLst>
-                                        </p:cTn>
-                                        <p:tgtEl>
-                                          <p:spTgt spid="7"/>
-                                        </p:tgtEl>
-                                        <p:attrNameLst>
-                                          <p:attrName>style.visibility</p:attrName>
-                                        </p:attrNameLst>
-                                      </p:cBhvr>
-                                      <p:to>
-                                        <p:strVal val="visible"/>
-                                      </p:to>
-                                    </p:set>
-                                    <p:anim calcmode="lin" valueType="num">
-                                      <p:cBhvr additive="base">
-                                        <p:cTn id="7" dur="500" fill="hold"/>
-                                        <p:tgtEl>
-                                          <p:spTgt spid="7"/>
-                                        </p:tgtEl>
-                                        <p:attrNameLst>
-                                          <p:attrName>ppt_x</p:attrName>
-                                        </p:attrNameLst>
-                                      </p:cBhvr>
-                                      <p:tavLst>
-                                        <p:tav tm="0">
-                                          <p:val>
-                                            <p:strVal val="0-#ppt_w/2"/>
-                                          </p:val>
-                                        </p:tav>
-                                        <p:tav tm="100000">
-                                          <p:val>
-                                            <p:strVal val="#ppt_x"/>
-                                          </p:val>
-                                        </p:tav>
-                                      </p:tavLst>
-                                    </p:anim>
-                                    <p:anim calcmode="lin" valueType="num">
-                                      <p:cBhvr additive="base">
-                                        <p:cTn id="8" dur="500" fill="hold"/>
-                                        <p:tgtEl>
-                                          <p:spTgt spid="7"/>
-                                        </p:tgtEl>
-                                        <p:attrNameLst>
-                                          <p:attrName>ppt_y</p:attrName>
-                                        </p:attrNameLst>
-                                      </p:cBhvr>
-                                      <p:tavLst>
-                                        <p:tav tm="0">
-                                          <p:val>
-                                            <p:strVal val="#ppt_y"/>
-                                          </p:val>
-                                        </p:tav>
-                                        <p:tav tm="100000">
-                                          <p:val>
-                                            <p:strVal val="#ppt_y"/>
-                                          </p:val>
-                                        </p:tav>
-                                      </p:tavLst>
-                                    </p:anim>
-                                  </p:childTnLst>
-                                </p:cTn>
-                              </p:par>
-                              <p:par>
-                                <p:cTn id="9" presetID="2" presetClass="entr" presetSubtype="8" fill="hold" nodeType="withEffect">
-                                  <p:stCondLst>
-                                    <p:cond delay="0"/>
-                                  </p:stCondLst>
-                                  <p:childTnLst>
-                                    <p:set>
-                                      <p:cBhvr>
-                                        <p:cTn id="10" dur="1" fill="hold">
-                                          <p:stCondLst>
-                                            <p:cond delay="0"/>
-                                          </p:stCondLst>
-                                        </p:cTn>
-                                        <p:tgtEl>
-                                          <p:spTgt spid="8"/>
-                                        </p:tgtEl>
-                                        <p:attrNameLst>
-                                          <p:attrName>style.visibility</p:attrName>
-                                        </p:attrNameLst>
-                                      </p:cBhvr>
-                                      <p:to>
-                                        <p:strVal val="visible"/>
-                                      </p:to>
-                                    </p:set>
-                                    <p:anim calcmode="lin" valueType="num">
-                                      <p:cBhvr additive="base">
-                                        <p:cTn id="11" dur="500" fill="hold"/>
-                                        <p:tgtEl>
-                                          <p:spTgt spid="8"/>
-                                        </p:tgtEl>
-                                        <p:attrNameLst>
-                                          <p:attrName>ppt_x</p:attrName>
-                                        </p:attrNameLst>
-                                      </p:cBhvr>
-                                      <p:tavLst>
-                                        <p:tav tm="0">
-                                          <p:val>
-                                            <p:strVal val="0-#ppt_w/2"/>
-                                          </p:val>
-                                        </p:tav>
-                                        <p:tav tm="100000">
-                                          <p:val>
-                                            <p:strVal val="#ppt_x"/>
-                                          </p:val>
-                                        </p:tav>
-                                      </p:tavLst>
-                                    </p:anim>
-                                    <p:anim calcmode="lin" valueType="num">
-                                      <p:cBhvr additive="base">
-                                        <p:cTn id="12" dur="500" fill="hold"/>
-                                        <p:tgtEl>
-                                          <p:spTgt spid="8"/>
-                                        </p:tgtEl>
-                                        <p:attrNameLst>
-                                          <p:attrName>ppt_y</p:attrName>
-                                        </p:attrNameLst>
-                                      </p:cBhvr>
-                                      <p:tavLst>
-                                        <p:tav tm="0">
-                                          <p:val>
-                                            <p:strVal val="#ppt_y"/>
-                                          </p:val>
-                                        </p:tav>
-                                        <p:tav tm="100000">
-                                          <p:val>
-                                            <p:strVal val="#ppt_y"/>
-                                          </p:val>
-                                        </p:tav>
-                                      </p:tavLst>
-                                    </p:anim>
-                                  </p:childTnLst>
-                                </p:cTn>
-                              </p:par>
-                              <p:par>
-                                <p:cTn id="13" presetID="2" presetClass="entr" presetSubtype="8" fill="hold" nodeType="withEffect">
-                                  <p:stCondLst>
-                                    <p:cond delay="0"/>
-                                  </p:stCondLst>
-                                  <p:childTnLst>
-                                    <p:set>
-                                      <p:cBhvr>
-                                        <p:cTn id="14" dur="1" fill="hold">
-                                          <p:stCondLst>
-                                            <p:cond delay="0"/>
-                                          </p:stCondLst>
-                                        </p:cTn>
-                                        <p:tgtEl>
-                                          <p:spTgt spid="9"/>
-                                        </p:tgtEl>
-                                        <p:attrNameLst>
-                                          <p:attrName>style.visibility</p:attrName>
-                                        </p:attrNameLst>
-                                      </p:cBhvr>
-                                      <p:to>
-                                        <p:strVal val="visible"/>
-                                      </p:to>
-                                    </p:set>
-                                    <p:anim calcmode="lin" valueType="num">
-                                      <p:cBhvr additive="base">
-                                        <p:cTn id="15" dur="500" fill="hold"/>
-                                        <p:tgtEl>
-                                          <p:spTgt spid="9"/>
-                                        </p:tgtEl>
-                                        <p:attrNameLst>
-                                          <p:attrName>ppt_x</p:attrName>
-                                        </p:attrNameLst>
-                                      </p:cBhvr>
-                                      <p:tavLst>
-                                        <p:tav tm="0">
-                                          <p:val>
-                                            <p:strVal val="0-#ppt_w/2"/>
-                                          </p:val>
-                                        </p:tav>
-                                        <p:tav tm="100000">
-                                          <p:val>
-                                            <p:strVal val="#ppt_x"/>
-                                          </p:val>
-                                        </p:tav>
-                                      </p:tavLst>
-                                    </p:anim>
-                                    <p:anim calcmode="lin" valueType="num">
-                                      <p:cBhvr additive="base">
-                                        <p:cTn id="16" dur="500" fill="hold"/>
-                                        <p:tgtEl>
-                                          <p:spTgt spid="9"/>
-                                        </p:tgtEl>
-                                        <p:attrNameLst>
-                                          <p:attrName>ppt_y</p:attrName>
-                                        </p:attrNameLst>
-                                      </p:cBhvr>
-                                      <p:tavLst>
-                                        <p:tav tm="0">
-                                          <p:val>
-                                            <p:strVal val="#ppt_y"/>
-                                          </p:val>
-                                        </p:tav>
-                                        <p:tav tm="100000">
-                                          <p:val>
-                                            <p:strVal val="#ppt_y"/>
-                                          </p:val>
-                                        </p:tav>
-                                      </p:tavLst>
-                                    </p:anim>
-                                  </p:childTnLst>
-                                </p:cTn>
-                              </p:par>
-                            </p:childTnLst>
-                          </p:cTn>
-                        </p:par>
-                      </p:childTnLst>
-                    </p:cTn>
-                  </p:par>
-                </p:childTnLst>
-              </p:cTn>
-              <p:prevCondLst>
-                <p:cond evt="onPrev" delay="0">
-                  <p:tgtEl>
-                    <p:sldTgt/>
-                  </p:tgtEl>
-                </p:cond>
-              </p:prevCondLst>
-              <p:nextCondLst>
-                <p:cond evt="onNext" delay="0">
-                  <p:tgtEl>
-                    <p:sldTgt/>
-                  </p:tgtEl>
-                </p:cond>
-              </p:nextCondLst>
-            </p:seq>
-          </p:childTnLst>
-        </p:cTn>
+        <p:cTn id="1" dur="indefinite" restart="never" nodeType="tmRoot"/>
       </p:par>
     </p:tnLst>
   </p:timing>
@@ -8661,6 +8178,30 @@
       </p:grpSpPr>
       <p:sp>
         <p:nvSpPr>
+          <p:cNvPr id="11" name="Espace réservé du texte 10"/>
+          <p:cNvSpPr>
+            <a:spLocks noGrp="1"/>
+          </p:cNvSpPr>
+          <p:nvPr>
+            <p:ph type="body" idx="2"/>
+          </p:nvPr>
+        </p:nvSpPr>
+        <p:spPr>
+          <a:xfrm>
+            <a:off x="539552" y="2010727"/>
+            <a:ext cx="8197224" cy="4617720"/>
+          </a:xfrm>
+        </p:spPr>
+        <p:txBody>
+          <a:bodyPr/>
+          <a:lstStyle/>
+          <a:p>
+            <a:endParaRPr lang="fr-FR" dirty="0"/>
+          </a:p>
+        </p:txBody>
+      </p:sp>
+      <p:sp>
+        <p:nvSpPr>
           <p:cNvPr id="4" name="Espace réservé du numéro de diapositive 3"/>
           <p:cNvSpPr>
             <a:spLocks noGrp="1"/>
@@ -8745,8 +8286,8 @@
         </p:nvSpPr>
         <p:spPr>
           <a:xfrm>
-            <a:off x="107504" y="1196752"/>
-            <a:ext cx="1944216" cy="432048"/>
+            <a:off x="107504" y="1231990"/>
+            <a:ext cx="2592288" cy="432048"/>
           </a:xfrm>
           <a:prstGeom prst="roundRect">
             <a:avLst/>
@@ -8791,7 +8332,17 @@
                   </a:schemeClr>
                 </a:solidFill>
               </a:rPr>
-              <a:t>Partie client</a:t>
+              <a:t>Partie </a:t>
+            </a:r>
+            <a:r>
+              <a:rPr lang="fr-FR" sz="2400" dirty="0" smtClean="0">
+                <a:solidFill>
+                  <a:schemeClr val="accent2">
+                    <a:lumMod val="75000"/>
+                  </a:schemeClr>
+                </a:solidFill>
+              </a:rPr>
+              <a:t>Serveur </a:t>
             </a:r>
             <a:endParaRPr lang="fr-FR" sz="2200" b="1" dirty="0">
               <a:solidFill>
@@ -8803,126 +8354,6 @@
           </a:p>
         </p:txBody>
       </p:sp>
-      <p:pic>
-        <p:nvPicPr>
-          <p:cNvPr id="7" name="Image 6"/>
-          <p:cNvPicPr>
-            <a:picLocks noChangeAspect="1"/>
-          </p:cNvPicPr>
-          <p:nvPr/>
-        </p:nvPicPr>
-        <p:blipFill>
-          <a:blip r:embed="rId3">
-            <a:extLst>
-              <a:ext uri="{28A0092B-C50C-407E-A947-70E740481C1C}">
-                <a14:useLocalDpi xmlns:a14="http://schemas.microsoft.com/office/drawing/2010/main" val="0"/>
-              </a:ext>
-            </a:extLst>
-          </a:blip>
-          <a:stretch>
-            <a:fillRect/>
-          </a:stretch>
-        </p:blipFill>
-        <p:spPr>
-          <a:xfrm>
-            <a:off x="3033573" y="1376352"/>
-            <a:ext cx="2934110" cy="504896"/>
-          </a:xfrm>
-          <a:prstGeom prst="rect">
-            <a:avLst/>
-          </a:prstGeom>
-        </p:spPr>
-      </p:pic>
-      <p:pic>
-        <p:nvPicPr>
-          <p:cNvPr id="8" name="Image 7"/>
-          <p:cNvPicPr>
-            <a:picLocks noChangeAspect="1"/>
-          </p:cNvPicPr>
-          <p:nvPr/>
-        </p:nvPicPr>
-        <p:blipFill>
-          <a:blip r:embed="rId4">
-            <a:extLst>
-              <a:ext uri="{28A0092B-C50C-407E-A947-70E740481C1C}">
-                <a14:useLocalDpi xmlns:a14="http://schemas.microsoft.com/office/drawing/2010/main" val="0"/>
-              </a:ext>
-            </a:extLst>
-          </a:blip>
-          <a:stretch>
-            <a:fillRect/>
-          </a:stretch>
-        </p:blipFill>
-        <p:spPr>
-          <a:xfrm>
-            <a:off x="118180" y="2161788"/>
-            <a:ext cx="2583463" cy="4239217"/>
-          </a:xfrm>
-          <a:prstGeom prst="rect">
-            <a:avLst/>
-          </a:prstGeom>
-        </p:spPr>
-      </p:pic>
-      <p:pic>
-        <p:nvPicPr>
-          <p:cNvPr id="9" name="Image 8"/>
-          <p:cNvPicPr>
-            <a:picLocks noChangeAspect="1"/>
-          </p:cNvPicPr>
-          <p:nvPr/>
-        </p:nvPicPr>
-        <p:blipFill>
-          <a:blip r:embed="rId5">
-            <a:extLst>
-              <a:ext uri="{28A0092B-C50C-407E-A947-70E740481C1C}">
-                <a14:useLocalDpi xmlns:a14="http://schemas.microsoft.com/office/drawing/2010/main" val="0"/>
-              </a:ext>
-            </a:extLst>
-          </a:blip>
-          <a:stretch>
-            <a:fillRect/>
-          </a:stretch>
-        </p:blipFill>
-        <p:spPr>
-          <a:xfrm>
-            <a:off x="6156174" y="2161786"/>
-            <a:ext cx="2955665" cy="4239217"/>
-          </a:xfrm>
-          <a:prstGeom prst="rect">
-            <a:avLst/>
-          </a:prstGeom>
-        </p:spPr>
-      </p:pic>
-      <p:pic>
-        <p:nvPicPr>
-          <p:cNvPr id="10" name="Image 9"/>
-          <p:cNvPicPr>
-            <a:picLocks noChangeAspect="1"/>
-          </p:cNvPicPr>
-          <p:nvPr/>
-        </p:nvPicPr>
-        <p:blipFill>
-          <a:blip r:embed="rId6">
-            <a:extLst>
-              <a:ext uri="{28A0092B-C50C-407E-A947-70E740481C1C}">
-                <a14:useLocalDpi xmlns:a14="http://schemas.microsoft.com/office/drawing/2010/main" val="0"/>
-              </a:ext>
-            </a:extLst>
-          </a:blip>
-          <a:stretch>
-            <a:fillRect/>
-          </a:stretch>
-        </p:blipFill>
-        <p:spPr>
-          <a:xfrm>
-            <a:off x="2915816" y="2161788"/>
-            <a:ext cx="3051867" cy="4339241"/>
-          </a:xfrm>
-          <a:prstGeom prst="rect">
-            <a:avLst/>
-          </a:prstGeom>
-        </p:spPr>
-      </p:pic>
     </p:spTree>
     <p:extLst>
       <p:ext uri="{BB962C8B-B14F-4D97-AF65-F5344CB8AC3E}">

--- a/présentation/Présentation IF26.pptx
+++ b/présentation/Présentation IF26.pptx
@@ -8,22 +8,22 @@
     <p:notesMasterId r:id="rId18"/>
   </p:notesMasterIdLst>
   <p:sldIdLst>
-    <p:sldId id="256" r:id="rId2"/>
-    <p:sldId id="272" r:id="rId3"/>
-    <p:sldId id="278" r:id="rId4"/>
-    <p:sldId id="273" r:id="rId5"/>
-    <p:sldId id="274" r:id="rId6"/>
-    <p:sldId id="285" r:id="rId7"/>
-    <p:sldId id="279" r:id="rId8"/>
-    <p:sldId id="282" r:id="rId9"/>
-    <p:sldId id="286" r:id="rId10"/>
-    <p:sldId id="287" r:id="rId11"/>
-    <p:sldId id="288" r:id="rId12"/>
-    <p:sldId id="289" r:id="rId13"/>
-    <p:sldId id="280" r:id="rId14"/>
-    <p:sldId id="283" r:id="rId15"/>
-    <p:sldId id="281" r:id="rId16"/>
-    <p:sldId id="284" r:id="rId17"/>
+    <p:sldId id="290" r:id="rId2"/>
+    <p:sldId id="291" r:id="rId3"/>
+    <p:sldId id="292" r:id="rId4"/>
+    <p:sldId id="293" r:id="rId5"/>
+    <p:sldId id="294" r:id="rId6"/>
+    <p:sldId id="295" r:id="rId7"/>
+    <p:sldId id="282" r:id="rId8"/>
+    <p:sldId id="283" r:id="rId9"/>
+    <p:sldId id="284" r:id="rId10"/>
+    <p:sldId id="285" r:id="rId11"/>
+    <p:sldId id="286" r:id="rId12"/>
+    <p:sldId id="287" r:id="rId13"/>
+    <p:sldId id="296" r:id="rId14"/>
+    <p:sldId id="289" r:id="rId15"/>
+    <p:sldId id="288" r:id="rId16"/>
+    <p:sldId id="297" r:id="rId17"/>
   </p:sldIdLst>
   <p:sldSz cx="9144000" cy="6858000" type="screen4x3"/>
   <p:notesSz cx="6858000" cy="9144000"/>
@@ -555,145 +555,6 @@
     <p:extLst>
       <p:ext uri="{BB962C8B-B14F-4D97-AF65-F5344CB8AC3E}">
         <p14:creationId xmlns:p14="http://schemas.microsoft.com/office/powerpoint/2010/main" val="1512218061"/>
-      </p:ext>
-    </p:extLst>
-  </p:cSld>
-  <p:clrMapOvr>
-    <a:masterClrMapping/>
-  </p:clrMapOvr>
-</p:notes>
-</file>
-
-<file path=ppt/notesSlides/notesSlide2.xml><?xml version="1.0" encoding="utf-8"?>
-<p:notes xmlns:a="http://schemas.openxmlformats.org/drawingml/2006/main" xmlns:r="http://schemas.openxmlformats.org/officeDocument/2006/relationships" xmlns:p="http://schemas.openxmlformats.org/presentationml/2006/main">
-  <p:cSld>
-    <p:spTree>
-      <p:nvGrpSpPr>
-        <p:cNvPr id="1" name=""/>
-        <p:cNvGrpSpPr/>
-        <p:nvPr/>
-      </p:nvGrpSpPr>
-      <p:grpSpPr>
-        <a:xfrm>
-          <a:off x="0" y="0"/>
-          <a:ext cx="0" cy="0"/>
-          <a:chOff x="0" y="0"/>
-          <a:chExt cx="0" cy="0"/>
-        </a:xfrm>
-      </p:grpSpPr>
-      <p:sp>
-        <p:nvSpPr>
-          <p:cNvPr id="2" name="Espace réservé de l'image des diapositives 1"/>
-          <p:cNvSpPr>
-            <a:spLocks noGrp="1" noRot="1" noChangeAspect="1"/>
-          </p:cNvSpPr>
-          <p:nvPr>
-            <p:ph type="sldImg"/>
-          </p:nvPr>
-        </p:nvSpPr>
-        <p:spPr/>
-      </p:sp>
-      <p:sp>
-        <p:nvSpPr>
-          <p:cNvPr id="3" name="Espace réservé des commentaires 2"/>
-          <p:cNvSpPr>
-            <a:spLocks noGrp="1"/>
-          </p:cNvSpPr>
-          <p:nvPr>
-            <p:ph type="body" idx="1"/>
-          </p:nvPr>
-        </p:nvSpPr>
-        <p:spPr/>
-        <p:txBody>
-          <a:bodyPr/>
-          <a:lstStyle/>
-          <a:p>
-            <a:r>
-              <a:rPr lang="fr-FR" dirty="0" smtClean="0"/>
-              <a:t>La page « ajouter un compte » est trop grande</a:t>
-            </a:r>
-            <a:r>
-              <a:rPr lang="fr-FR" baseline="0" dirty="0" smtClean="0"/>
-              <a:t> pour faire une ‘</a:t>
-            </a:r>
-            <a:r>
-              <a:rPr lang="fr-FR" baseline="0" dirty="0" err="1" smtClean="0"/>
-              <a:t>impécr</a:t>
-            </a:r>
-            <a:r>
-              <a:rPr lang="fr-FR" baseline="0" dirty="0" smtClean="0"/>
-              <a:t> </a:t>
-            </a:r>
-            <a:r>
-              <a:rPr lang="fr-FR" baseline="0" dirty="0" err="1" smtClean="0"/>
-              <a:t>syst</a:t>
-            </a:r>
-            <a:r>
-              <a:rPr lang="fr-FR" baseline="0" dirty="0" smtClean="0"/>
-              <a:t>’, je l’’ai fait directement </a:t>
-            </a:r>
-            <a:r>
-              <a:rPr lang="fr-FR" baseline="0" dirty="0" err="1" smtClean="0"/>
-              <a:t>dy</a:t>
-            </a:r>
-            <a:r>
-              <a:rPr lang="fr-FR" baseline="0" dirty="0" smtClean="0"/>
-              <a:t> fichier html, mais c pas la </a:t>
-            </a:r>
-            <a:r>
-              <a:rPr lang="fr-FR" baseline="0" dirty="0" err="1" smtClean="0"/>
-              <a:t>m^m</a:t>
-            </a:r>
-            <a:r>
-              <a:rPr lang="fr-FR" baseline="0" dirty="0" smtClean="0"/>
-              <a:t> qui figure sur l’application.</a:t>
-            </a:r>
-          </a:p>
-          <a:p>
-            <a:r>
-              <a:rPr lang="fr-FR" baseline="0" dirty="0" smtClean="0"/>
-              <a:t>A voir : </a:t>
-            </a:r>
-            <a:r>
-              <a:rPr lang="fr-FR" baseline="0" dirty="0" err="1" smtClean="0"/>
-              <a:t>ksk’on</a:t>
-            </a:r>
-            <a:r>
-              <a:rPr lang="fr-FR" baseline="0" dirty="0" smtClean="0"/>
-              <a:t> peut faire !</a:t>
-            </a:r>
-            <a:endParaRPr lang="fr-FR" dirty="0"/>
-          </a:p>
-        </p:txBody>
-      </p:sp>
-      <p:sp>
-        <p:nvSpPr>
-          <p:cNvPr id="4" name="Espace réservé du numéro de diapositive 3"/>
-          <p:cNvSpPr>
-            <a:spLocks noGrp="1"/>
-          </p:cNvSpPr>
-          <p:nvPr>
-            <p:ph type="sldNum" sz="quarter" idx="10"/>
-          </p:nvPr>
-        </p:nvSpPr>
-        <p:spPr/>
-        <p:txBody>
-          <a:bodyPr/>
-          <a:lstStyle/>
-          <a:p>
-            <a:fld id="{A45EA1D2-E017-4592-857B-6B17935E7EF0}" type="slidenum">
-              <a:rPr lang="fr-FR" smtClean="0"/>
-              <a:pPr/>
-              <a:t>9</a:t>
-            </a:fld>
-            <a:endParaRPr lang="fr-FR"/>
-          </a:p>
-        </p:txBody>
-      </p:sp>
-    </p:spTree>
-    <p:extLst>
-      <p:ext uri="{BB962C8B-B14F-4D97-AF65-F5344CB8AC3E}">
-        <p14:creationId xmlns:p14="http://schemas.microsoft.com/office/powerpoint/2010/main" val="422403503"/>
       </p:ext>
     </p:extLst>
   </p:cSld>
@@ -4738,28 +4599,102 @@
           <a:lstStyle/>
           <a:p>
             <a:r>
-              <a:rPr lang="fr-FR" sz="5400" b="1" dirty="0" smtClean="0"/>
+              <a:rPr lang="fr-FR" sz="5400" b="1" dirty="0" smtClean="0">
+                <a:effectLst>
+                  <a:outerShdw blurRad="38100" dist="38100" dir="2700000" algn="tl">
+                    <a:srgbClr val="000000">
+                      <a:alpha val="43137"/>
+                    </a:srgbClr>
+                  </a:outerShdw>
+                </a:effectLst>
+                <a:latin typeface="+mn-lt"/>
+              </a:rPr>
               <a:t>IF26</a:t>
             </a:r>
             <a:r>
-              <a:rPr lang="fr-FR" sz="5400" b="1" u="sng" dirty="0" smtClean="0"/>
+              <a:rPr lang="fr-FR" sz="5400" b="1" u="sng" dirty="0" smtClean="0">
+                <a:latin typeface="+mn-lt"/>
+              </a:rPr>
               <a:t/>
             </a:r>
             <a:br>
-              <a:rPr lang="fr-FR" sz="5400" b="1" u="sng" dirty="0" smtClean="0"/>
+              <a:rPr lang="fr-FR" sz="5400" b="1" u="sng" dirty="0" smtClean="0">
+                <a:latin typeface="+mn-lt"/>
+              </a:rPr>
             </a:br>
             <a:r>
-              <a:rPr lang="fr-FR" sz="2000" b="1" dirty="0" smtClean="0"/>
+              <a:rPr lang="fr-FR" sz="2000" b="1" dirty="0" smtClean="0">
+                <a:latin typeface="+mn-lt"/>
+              </a:rPr>
               <a:t/>
             </a:r>
             <a:br>
-              <a:rPr lang="fr-FR" sz="2000" b="1" dirty="0" smtClean="0"/>
+              <a:rPr lang="fr-FR" sz="2000" b="1" dirty="0" smtClean="0">
+                <a:latin typeface="+mn-lt"/>
+              </a:rPr>
             </a:br>
             <a:r>
-              <a:rPr lang="fr-FR" sz="4200" b="1" dirty="0" err="1"/>
-              <a:t>Strangers-Phonegap</a:t>
-            </a:r>
-            <a:endParaRPr lang="fr-FR" sz="4200" b="1" dirty="0"/>
+              <a:rPr lang="fr-FR" sz="4200" b="1" dirty="0" err="1" smtClean="0">
+                <a:effectLst>
+                  <a:outerShdw blurRad="38100" dist="38100" dir="2700000" algn="tl">
+                    <a:srgbClr val="000000">
+                      <a:alpha val="43137"/>
+                    </a:srgbClr>
+                  </a:outerShdw>
+                </a:effectLst>
+                <a:latin typeface="+mn-lt"/>
+              </a:rPr>
+              <a:t>Strangers</a:t>
+            </a:r>
+            <a:r>
+              <a:rPr lang="fr-FR" sz="4200" b="1" dirty="0" smtClean="0">
+                <a:effectLst>
+                  <a:outerShdw blurRad="38100" dist="38100" dir="2700000" algn="tl">
+                    <a:srgbClr val="000000">
+                      <a:alpha val="43137"/>
+                    </a:srgbClr>
+                  </a:outerShdw>
+                </a:effectLst>
+                <a:latin typeface="+mn-lt"/>
+              </a:rPr>
+              <a:t> (</a:t>
+            </a:r>
+            <a:r>
+              <a:rPr lang="fr-FR" sz="4200" b="1" dirty="0" err="1" smtClean="0">
+                <a:effectLst>
+                  <a:outerShdw blurRad="38100" dist="38100" dir="2700000" algn="tl">
+                    <a:srgbClr val="000000">
+                      <a:alpha val="43137"/>
+                    </a:srgbClr>
+                  </a:outerShdw>
+                </a:effectLst>
+                <a:latin typeface="+mn-lt"/>
+              </a:rPr>
+              <a:t>Phonegap</a:t>
+            </a:r>
+            <a:r>
+              <a:rPr lang="fr-FR" sz="4200" b="1" dirty="0" smtClean="0">
+                <a:effectLst>
+                  <a:outerShdw blurRad="38100" dist="38100" dir="2700000" algn="tl">
+                    <a:srgbClr val="000000">
+                      <a:alpha val="43137"/>
+                    </a:srgbClr>
+                  </a:outerShdw>
+                </a:effectLst>
+                <a:latin typeface="+mn-lt"/>
+              </a:rPr>
+              <a:t>)</a:t>
+            </a:r>
+            <a:endParaRPr lang="fr-FR" sz="4200" b="1" dirty="0">
+              <a:effectLst>
+                <a:outerShdw blurRad="38100" dist="38100" dir="2700000" algn="tl">
+                  <a:srgbClr val="000000">
+                    <a:alpha val="43137"/>
+                  </a:srgbClr>
+                </a:outerShdw>
+              </a:effectLst>
+              <a:latin typeface="+mn-lt"/>
+            </a:endParaRPr>
           </a:p>
         </p:txBody>
       </p:sp>
@@ -4785,26 +4720,108 @@
           </a:bodyPr>
           <a:lstStyle/>
           <a:p>
-            <a:endParaRPr lang="fr-FR" sz="600" dirty="0" smtClean="0"/>
-          </a:p>
-          <a:p>
-            <a:r>
-              <a:rPr lang="fr-FR" sz="1600" b="1" dirty="0" smtClean="0"/>
-              <a:t>      Mohammed OUADGHIRI</a:t>
-            </a:r>
-          </a:p>
-          <a:p>
-            <a:r>
-              <a:rPr lang="fr-FR" sz="1600" b="1" dirty="0" smtClean="0"/>
-              <a:t>      Jérémie JALOUZET</a:t>
-            </a:r>
-          </a:p>
-          <a:p>
-            <a:r>
-              <a:rPr lang="fr-FR" sz="1600" b="1" dirty="0" smtClean="0"/>
+            <a:endParaRPr lang="fr-FR" sz="600" dirty="0" smtClean="0">
+              <a:effectLst>
+                <a:outerShdw blurRad="38100" dist="38100" dir="2700000" algn="tl">
+                  <a:srgbClr val="000000">
+                    <a:alpha val="43137"/>
+                  </a:srgbClr>
+                </a:outerShdw>
+              </a:effectLst>
+            </a:endParaRPr>
+          </a:p>
+          <a:p>
+            <a:r>
+              <a:rPr lang="fr-FR" sz="1600" b="1" dirty="0" smtClean="0">
+                <a:effectLst>
+                  <a:outerShdw blurRad="38100" dist="38100" dir="2700000" algn="tl">
+                    <a:srgbClr val="000000">
+                      <a:alpha val="43137"/>
+                    </a:srgbClr>
+                  </a:outerShdw>
+                </a:effectLst>
+              </a:rPr>
+              <a:t>      </a:t>
+            </a:r>
+            <a:r>
+              <a:rPr lang="fr-FR" sz="1600" b="1" dirty="0" smtClean="0">
+                <a:effectLst>
+                  <a:outerShdw blurRad="38100" dist="38100" dir="2700000" algn="tl">
+                    <a:srgbClr val="000000">
+                      <a:alpha val="43137"/>
+                    </a:srgbClr>
+                  </a:outerShdw>
+                </a:effectLst>
+              </a:rPr>
+              <a:t>JALOUZET Jérémie</a:t>
+            </a:r>
+            <a:endParaRPr lang="fr-FR" sz="1600" b="1" dirty="0" smtClean="0">
+              <a:effectLst>
+                <a:outerShdw blurRad="38100" dist="38100" dir="2700000" algn="tl">
+                  <a:srgbClr val="000000">
+                    <a:alpha val="43137"/>
+                  </a:srgbClr>
+                </a:outerShdw>
+              </a:effectLst>
+            </a:endParaRPr>
+          </a:p>
+          <a:p>
+            <a:r>
+              <a:rPr lang="fr-FR" sz="1600" b="1" dirty="0" smtClean="0">
+                <a:effectLst>
+                  <a:outerShdw blurRad="38100" dist="38100" dir="2700000" algn="tl">
+                    <a:srgbClr val="000000">
+                      <a:alpha val="43137"/>
+                    </a:srgbClr>
+                  </a:outerShdw>
+                </a:effectLst>
+              </a:rPr>
+              <a:t>      </a:t>
+            </a:r>
+            <a:r>
+              <a:rPr lang="fr-FR" sz="1600" b="1" dirty="0" smtClean="0">
+                <a:effectLst>
+                  <a:outerShdw blurRad="38100" dist="38100" dir="2700000" algn="tl">
+                    <a:srgbClr val="000000">
+                      <a:alpha val="43137"/>
+                    </a:srgbClr>
+                  </a:outerShdw>
+                </a:effectLst>
+              </a:rPr>
+              <a:t>OUADGHIRI Mohammed</a:t>
+            </a:r>
+            <a:endParaRPr lang="fr-FR" sz="1600" b="1" dirty="0" smtClean="0">
+              <a:effectLst>
+                <a:outerShdw blurRad="38100" dist="38100" dir="2700000" algn="tl">
+                  <a:srgbClr val="000000">
+                    <a:alpha val="43137"/>
+                  </a:srgbClr>
+                </a:outerShdw>
+              </a:effectLst>
+            </a:endParaRPr>
+          </a:p>
+          <a:p>
+            <a:r>
+              <a:rPr lang="fr-FR" sz="1600" b="1" dirty="0" smtClean="0">
+                <a:effectLst>
+                  <a:outerShdw blurRad="38100" dist="38100" dir="2700000" algn="tl">
+                    <a:srgbClr val="000000">
+                      <a:alpha val="43137"/>
+                    </a:srgbClr>
+                  </a:outerShdw>
+                </a:effectLst>
+              </a:rPr>
               <a:t>       </a:t>
             </a:r>
-            <a:endParaRPr lang="fr-FR" sz="1600" b="1" dirty="0"/>
+            <a:endParaRPr lang="fr-FR" sz="1600" b="1" dirty="0">
+              <a:effectLst>
+                <a:outerShdw blurRad="38100" dist="38100" dir="2700000" algn="tl">
+                  <a:srgbClr val="000000">
+                    <a:alpha val="43137"/>
+                  </a:srgbClr>
+                </a:outerShdw>
+              </a:effectLst>
+            </a:endParaRPr>
           </a:p>
         </p:txBody>
       </p:sp>
@@ -4862,16 +4879,87 @@
                     <a:lumMod val="75000"/>
                   </a:schemeClr>
                 </a:solidFill>
+                <a:effectLst>
+                  <a:outerShdw blurRad="38100" dist="38100" dir="2700000" algn="tl">
+                    <a:srgbClr val="000000">
+                      <a:alpha val="43137"/>
+                    </a:srgbClr>
+                  </a:outerShdw>
+                </a:effectLst>
                 <a:latin typeface="+mj-lt"/>
               </a:rPr>
-              <a:t>Présentation de l’architecture générale de l’application </a:t>
-            </a:r>
-            <a:endParaRPr lang="fr-FR" sz="2000" b="1" dirty="0">
+              <a:t>Présentation </a:t>
+            </a:r>
+            <a:r>
+              <a:rPr lang="fr-FR" sz="2000" b="1" dirty="0" smtClean="0">
+                <a:solidFill>
+                  <a:schemeClr val="tx2">
+                    <a:lumMod val="75000"/>
+                  </a:schemeClr>
+                </a:solidFill>
+                <a:effectLst>
+                  <a:outerShdw blurRad="38100" dist="38100" dir="2700000" algn="tl">
+                    <a:srgbClr val="000000">
+                      <a:alpha val="43137"/>
+                    </a:srgbClr>
+                  </a:outerShdw>
+                </a:effectLst>
+                <a:latin typeface="+mj-lt"/>
+              </a:rPr>
+              <a:t>de l’application</a:t>
+            </a:r>
+          </a:p>
+          <a:p>
+            <a:pPr algn="ctr"/>
+            <a:r>
+              <a:rPr lang="fr-FR" sz="1600" b="1" dirty="0" smtClean="0">
+                <a:solidFill>
+                  <a:schemeClr val="tx2">
+                    <a:lumMod val="75000"/>
+                  </a:schemeClr>
+                </a:solidFill>
+                <a:effectLst>
+                  <a:outerShdw blurRad="38100" dist="38100" dir="2700000" algn="tl">
+                    <a:srgbClr val="000000">
+                      <a:alpha val="43137"/>
+                    </a:srgbClr>
+                  </a:outerShdw>
+                </a:effectLst>
+                <a:latin typeface="+mj-lt"/>
+              </a:rPr>
+              <a:t>Architecture générale et mesures de sécurité</a:t>
+            </a:r>
+            <a:r>
+              <a:rPr lang="fr-FR" sz="1600" b="1" dirty="0" smtClean="0">
+                <a:solidFill>
+                  <a:schemeClr val="tx2">
+                    <a:lumMod val="75000"/>
+                  </a:schemeClr>
+                </a:solidFill>
+                <a:effectLst>
+                  <a:outerShdw blurRad="38100" dist="38100" dir="2700000" algn="tl">
+                    <a:srgbClr val="000000">
+                      <a:alpha val="43137"/>
+                    </a:srgbClr>
+                  </a:outerShdw>
+                </a:effectLst>
+                <a:latin typeface="+mj-lt"/>
+              </a:rPr>
+              <a:t> </a:t>
+            </a:r>
+            <a:endParaRPr lang="fr-FR" sz="1600" b="1" dirty="0">
               <a:solidFill>
                 <a:schemeClr val="tx2">
                   <a:lumMod val="75000"/>
                 </a:schemeClr>
               </a:solidFill>
+              <a:effectLst>
+                <a:outerShdw blurRad="38100" dist="38100" dir="2700000" algn="tl">
+                  <a:srgbClr val="000000">
+                    <a:alpha val="43137"/>
+                  </a:srgbClr>
+                </a:outerShdw>
+              </a:effectLst>
               <a:latin typeface="+mj-lt"/>
             </a:endParaRPr>
           </a:p>
@@ -4930,6 +5018,13 @@
                     <a:lumMod val="75000"/>
                   </a:schemeClr>
                 </a:solidFill>
+                <a:effectLst>
+                  <a:outerShdw blurRad="38100" dist="38100" dir="2700000" algn="tl">
+                    <a:srgbClr val="000000">
+                      <a:alpha val="43137"/>
+                    </a:srgbClr>
+                  </a:outerShdw>
+                </a:effectLst>
                 <a:latin typeface="+mj-lt"/>
               </a:rPr>
               <a:t>A</a:t>
@@ -4941,6 +5036,13 @@
                     <a:lumMod val="75000"/>
                   </a:schemeClr>
                 </a:solidFill>
+                <a:effectLst>
+                  <a:outerShdw blurRad="38100" dist="38100" dir="2700000" algn="tl">
+                    <a:srgbClr val="000000">
+                      <a:alpha val="43137"/>
+                    </a:srgbClr>
+                  </a:outerShdw>
+                </a:effectLst>
                 <a:latin typeface="+mj-lt"/>
               </a:rPr>
               <a:t>2012</a:t>
@@ -4951,6 +5053,13 @@
                   <a:lumMod val="75000"/>
                 </a:schemeClr>
               </a:solidFill>
+              <a:effectLst>
+                <a:outerShdw blurRad="38100" dist="38100" dir="2700000" algn="tl">
+                  <a:srgbClr val="000000">
+                    <a:alpha val="43137"/>
+                  </a:srgbClr>
+                </a:outerShdw>
+              </a:effectLst>
               <a:latin typeface="+mj-lt"/>
             </a:endParaRPr>
           </a:p>
@@ -5007,6 +5116,13 @@
                     <a:lumMod val="75000"/>
                   </a:schemeClr>
                 </a:solidFill>
+                <a:effectLst>
+                  <a:outerShdw blurRad="38100" dist="38100" dir="2700000" algn="tl">
+                    <a:srgbClr val="000000">
+                      <a:alpha val="43137"/>
+                    </a:srgbClr>
+                  </a:outerShdw>
+                </a:effectLst>
                 <a:latin typeface="+mj-lt"/>
               </a:rPr>
               <a:t>Projet IF26</a:t>
@@ -5017,6 +5133,13 @@
                   <a:lumMod val="75000"/>
                 </a:schemeClr>
               </a:solidFill>
+              <a:effectLst>
+                <a:outerShdw blurRad="38100" dist="38100" dir="2700000" algn="tl">
+                  <a:srgbClr val="000000">
+                    <a:alpha val="43137"/>
+                  </a:srgbClr>
+                </a:outerShdw>
+              </a:effectLst>
               <a:latin typeface="+mj-lt"/>
             </a:endParaRPr>
           </a:p>
@@ -5113,6 +5236,11 @@
         </p:txBody>
       </p:sp>
     </p:spTree>
+    <p:extLst>
+      <p:ext uri="{BB962C8B-B14F-4D97-AF65-F5344CB8AC3E}">
+        <p14:creationId xmlns:p14="http://schemas.microsoft.com/office/powerpoint/2010/main" val="282999726"/>
+      </p:ext>
+    </p:extLst>
   </p:cSld>
   <p:clrMapOvr>
     <a:masterClrMapping/>
@@ -5144,30 +5272,47 @@
           <a:chExt cx="0" cy="0"/>
         </a:xfrm>
       </p:grpSpPr>
-      <p:sp>
-        <p:nvSpPr>
-          <p:cNvPr id="4" name="Espace réservé du numéro de diapositive 3"/>
-          <p:cNvSpPr>
-            <a:spLocks noGrp="1"/>
-          </p:cNvSpPr>
-          <p:nvPr>
-            <p:ph type="sldNum" sz="quarter" idx="12"/>
-          </p:nvPr>
-        </p:nvSpPr>
-        <p:spPr/>
-        <p:txBody>
-          <a:bodyPr/>
-          <a:lstStyle/>
-          <a:p>
-            <a:fld id="{6816B381-CB31-4B8E-B307-29C9C96A0920}" type="slidenum">
-              <a:rPr lang="fr-FR" smtClean="0"/>
-              <a:pPr/>
-              <a:t>10</a:t>
-            </a:fld>
-            <a:endParaRPr lang="fr-FR"/>
-          </a:p>
-        </p:txBody>
-      </p:sp>
+      <p:pic>
+        <p:nvPicPr>
+          <p:cNvPr id="3074" name="Picture 2" descr="C:\Users\Jeremie\Documents\Etudes\2011-2013 - UTT\Semestre 4\IF26\Projet\présentation\Images\architecture_client_3.png"/>
+          <p:cNvPicPr>
+            <a:picLocks noChangeAspect="1" noChangeArrowheads="1"/>
+          </p:cNvPicPr>
+          <p:nvPr/>
+        </p:nvPicPr>
+        <p:blipFill>
+          <a:blip r:embed="rId2">
+            <a:extLst>
+              <a:ext uri="{28A0092B-C50C-407E-A947-70E740481C1C}">
+                <a14:useLocalDpi xmlns:a14="http://schemas.microsoft.com/office/drawing/2010/main" val="0"/>
+              </a:ext>
+            </a:extLst>
+          </a:blip>
+          <a:srcRect/>
+          <a:stretch>
+            <a:fillRect/>
+          </a:stretch>
+        </p:blipFill>
+        <p:spPr bwMode="auto">
+          <a:xfrm>
+            <a:off x="555513" y="1944788"/>
+            <a:ext cx="2895600" cy="3025775"/>
+          </a:xfrm>
+          <a:prstGeom prst="rect">
+            <a:avLst/>
+          </a:prstGeom>
+          <a:noFill/>
+          <a:extLst>
+            <a:ext uri="{909E8E84-426E-40DD-AFC4-6F175D3DCCD1}">
+              <a14:hiddenFill xmlns:a14="http://schemas.microsoft.com/office/drawing/2010/main">
+                <a:solidFill>
+                  <a:srgbClr val="FFFFFF"/>
+                </a:solidFill>
+              </a14:hiddenFill>
+            </a:ext>
+          </a:extLst>
+        </p:spPr>
+      </p:pic>
       <p:sp>
         <p:nvSpPr>
           <p:cNvPr id="5" name="Rectangle à coins arrondis 4"/>
@@ -5182,14 +5327,60 @@
           <a:prstGeom prst="roundRect">
             <a:avLst/>
           </a:prstGeom>
-          <a:solidFill>
-            <a:schemeClr val="bg1"/>
-          </a:solidFill>
-          <a:ln w="38100">
-            <a:solidFill>
-              <a:schemeClr val="tx1"/>
-            </a:solidFill>
-          </a:ln>
+          <a:ln/>
+        </p:spPr>
+        <p:style>
+          <a:lnRef idx="1">
+            <a:schemeClr val="accent6"/>
+          </a:lnRef>
+          <a:fillRef idx="2">
+            <a:schemeClr val="accent6"/>
+          </a:fillRef>
+          <a:effectRef idx="1">
+            <a:schemeClr val="accent6"/>
+          </a:effectRef>
+          <a:fontRef idx="minor">
+            <a:schemeClr val="dk1"/>
+          </a:fontRef>
+        </p:style>
+        <p:txBody>
+          <a:bodyPr rtlCol="0" anchor="ctr"/>
+          <a:lstStyle/>
+          <a:p>
+            <a:r>
+              <a:rPr lang="fr-FR" sz="2400" b="1" dirty="0">
+                <a:solidFill>
+                  <a:srgbClr val="002060"/>
+                </a:solidFill>
+                <a:effectLst>
+                  <a:outerShdw blurRad="38100" dist="38100" dir="2700000" algn="tl">
+                    <a:srgbClr val="000000">
+                      <a:alpha val="43137"/>
+                    </a:srgbClr>
+                  </a:outerShdw>
+                </a:effectLst>
+              </a:rPr>
+              <a:t>Architecture générale de l’application</a:t>
+            </a:r>
+          </a:p>
+        </p:txBody>
+      </p:sp>
+      <p:sp>
+        <p:nvSpPr>
+          <p:cNvPr id="7" name="Rectangle à coins arrondis 6"/>
+          <p:cNvSpPr/>
+          <p:nvPr/>
+        </p:nvSpPr>
+        <p:spPr>
+          <a:xfrm>
+            <a:off x="1039751" y="3543200"/>
+            <a:ext cx="1444017" cy="749896"/>
+          </a:xfrm>
+          <a:prstGeom prst="roundRect">
+            <a:avLst/>
+          </a:prstGeom>
+          <a:noFill/>
+          <a:ln w="28575"/>
         </p:spPr>
         <p:style>
           <a:lnRef idx="2">
@@ -5211,42 +5402,25 @@
           <a:bodyPr rtlCol="0" anchor="ctr"/>
           <a:lstStyle/>
           <a:p>
-            <a:r>
-              <a:rPr lang="fr-FR" sz="2000" b="1" dirty="0">
-                <a:solidFill>
-                  <a:srgbClr val="002060"/>
-                </a:solidFill>
-              </a:rPr>
-              <a:t>Architecture générale de l’application</a:t>
-            </a:r>
-          </a:p>
-        </p:txBody>
-      </p:sp>
-      <p:sp>
-        <p:nvSpPr>
-          <p:cNvPr id="6" name="Rectangle à coins arrondis 5"/>
+            <a:pPr algn="ctr"/>
+            <a:endParaRPr lang="fr-FR"/>
+          </a:p>
+        </p:txBody>
+      </p:sp>
+      <p:sp>
+        <p:nvSpPr>
+          <p:cNvPr id="8" name="Flèche vers le bas 7"/>
           <p:cNvSpPr/>
           <p:nvPr/>
         </p:nvSpPr>
         <p:spPr>
-          <a:xfrm>
-            <a:off x="107504" y="1196752"/>
-            <a:ext cx="1944216" cy="432048"/>
-          </a:xfrm>
-          <a:prstGeom prst="roundRect">
+          <a:xfrm rot="5237647">
+            <a:off x="3121446" y="3050407"/>
+            <a:ext cx="389446" cy="1672640"/>
+          </a:xfrm>
+          <a:prstGeom prst="downArrow">
             <a:avLst/>
           </a:prstGeom>
-          <a:solidFill>
-            <a:schemeClr val="bg1"/>
-          </a:solidFill>
-          <a:ln w="38100">
-            <a:solidFill>
-              <a:schemeClr val="accent6">
-                <a:lumMod val="60000"/>
-                <a:lumOff val="40000"/>
-              </a:schemeClr>
-            </a:solidFill>
-          </a:ln>
         </p:spPr>
         <p:style>
           <a:lnRef idx="2">
@@ -5268,22 +5442,319 @@
           <a:bodyPr rtlCol="0" anchor="ctr"/>
           <a:lstStyle/>
           <a:p>
-            <a:r>
-              <a:rPr lang="fr-FR" sz="2400" dirty="0">
+            <a:pPr algn="ctr"/>
+            <a:endParaRPr lang="fr-FR"/>
+          </a:p>
+        </p:txBody>
+      </p:sp>
+      <p:sp>
+        <p:nvSpPr>
+          <p:cNvPr id="9" name="ZoneTexte 8"/>
+          <p:cNvSpPr txBox="1"/>
+          <p:nvPr/>
+        </p:nvSpPr>
+        <p:spPr>
+          <a:xfrm>
+            <a:off x="4211960" y="3342214"/>
+            <a:ext cx="4075745" cy="923330"/>
+          </a:xfrm>
+          <a:prstGeom prst="rect">
+            <a:avLst/>
+          </a:prstGeom>
+          <a:noFill/>
+        </p:spPr>
+        <p:txBody>
+          <a:bodyPr wrap="square" rtlCol="0">
+            <a:spAutoFit/>
+          </a:bodyPr>
+          <a:lstStyle/>
+          <a:p>
+            <a:r>
+              <a:rPr lang="fr-FR" dirty="0" smtClean="0">
+                <a:effectLst>
+                  <a:outerShdw blurRad="38100" dist="38100" dir="2700000" algn="tl">
+                    <a:srgbClr val="000000">
+                      <a:alpha val="43137"/>
+                    </a:srgbClr>
+                  </a:outerShdw>
+                </a:effectLst>
+              </a:rPr>
+              <a:t>Contenu (pages HTML)</a:t>
+            </a:r>
+          </a:p>
+          <a:p>
+            <a:endParaRPr lang="fr-FR" b="1" dirty="0">
+              <a:effectLst>
+                <a:outerShdw blurRad="38100" dist="38100" dir="2700000" algn="tl">
+                  <a:srgbClr val="000000">
+                    <a:alpha val="43137"/>
+                  </a:srgbClr>
+                </a:outerShdw>
+              </a:effectLst>
+            </a:endParaRPr>
+          </a:p>
+          <a:p>
+            <a:r>
+              <a:rPr lang="fr-FR" dirty="0" smtClean="0">
+                <a:effectLst>
+                  <a:outerShdw blurRad="38100" dist="38100" dir="2700000" algn="tl">
+                    <a:srgbClr val="000000">
+                      <a:alpha val="43137"/>
+                    </a:srgbClr>
+                  </a:outerShdw>
+                </a:effectLst>
+              </a:rPr>
+              <a:t>Intégré dans le </a:t>
+            </a:r>
+            <a:r>
+              <a:rPr lang="fr-FR" dirty="0" err="1" smtClean="0">
+                <a:effectLst>
+                  <a:outerShdw blurRad="38100" dist="38100" dir="2700000" algn="tl">
+                    <a:srgbClr val="000000">
+                      <a:alpha val="43137"/>
+                    </a:srgbClr>
+                  </a:outerShdw>
+                </a:effectLst>
+              </a:rPr>
+              <a:t>template</a:t>
+            </a:r>
+            <a:endParaRPr lang="fr-FR" dirty="0">
+              <a:effectLst>
+                <a:outerShdw blurRad="38100" dist="38100" dir="2700000" algn="tl">
+                  <a:srgbClr val="000000">
+                    <a:alpha val="43137"/>
+                  </a:srgbClr>
+                </a:outerShdw>
+              </a:effectLst>
+            </a:endParaRPr>
+          </a:p>
+        </p:txBody>
+      </p:sp>
+      <p:sp>
+        <p:nvSpPr>
+          <p:cNvPr id="11" name="Espace réservé du numéro de diapositive 3"/>
+          <p:cNvSpPr>
+            <a:spLocks noGrp="1"/>
+          </p:cNvSpPr>
+          <p:nvPr>
+            <p:ph type="sldNum" sz="quarter" idx="12"/>
+          </p:nvPr>
+        </p:nvSpPr>
+        <p:spPr>
+          <a:xfrm>
+            <a:off x="8460432" y="2272"/>
+            <a:ext cx="476304" cy="365760"/>
+          </a:xfrm>
+        </p:spPr>
+        <p:txBody>
+          <a:bodyPr/>
+          <a:lstStyle/>
+          <a:p>
+            <a:fld id="{6816B381-CB31-4B8E-B307-29C9C96A0920}" type="slidenum">
+              <a:rPr lang="fr-FR" b="1" smtClean="0">
+                <a:effectLst>
+                  <a:outerShdw blurRad="38100" dist="38100" dir="2700000" algn="tl">
+                    <a:srgbClr val="000000">
+                      <a:alpha val="43137"/>
+                    </a:srgbClr>
+                  </a:outerShdw>
+                </a:effectLst>
+              </a:rPr>
+              <a:pPr/>
+              <a:t>10</a:t>
+            </a:fld>
+            <a:endParaRPr lang="fr-FR" b="1" dirty="0">
+              <a:effectLst>
+                <a:outerShdw blurRad="38100" dist="38100" dir="2700000" algn="tl">
+                  <a:srgbClr val="000000">
+                    <a:alpha val="43137"/>
+                  </a:srgbClr>
+                </a:outerShdw>
+              </a:effectLst>
+            </a:endParaRPr>
+          </a:p>
+        </p:txBody>
+      </p:sp>
+      <p:sp>
+        <p:nvSpPr>
+          <p:cNvPr id="12" name="Rectangle à coins arrondis 11"/>
+          <p:cNvSpPr/>
+          <p:nvPr/>
+        </p:nvSpPr>
+        <p:spPr>
+          <a:xfrm>
+            <a:off x="190947" y="1161728"/>
+            <a:ext cx="2724869" cy="432048"/>
+          </a:xfrm>
+          <a:prstGeom prst="roundRect">
+            <a:avLst/>
+          </a:prstGeom>
+          <a:ln/>
+        </p:spPr>
+        <p:style>
+          <a:lnRef idx="1">
+            <a:schemeClr val="accent1"/>
+          </a:lnRef>
+          <a:fillRef idx="2">
+            <a:schemeClr val="accent1"/>
+          </a:fillRef>
+          <a:effectRef idx="1">
+            <a:schemeClr val="accent1"/>
+          </a:effectRef>
+          <a:fontRef idx="minor">
+            <a:schemeClr val="dk1"/>
+          </a:fontRef>
+        </p:style>
+        <p:txBody>
+          <a:bodyPr rtlCol="0" anchor="ctr"/>
+          <a:lstStyle/>
+          <a:p>
+            <a:r>
+              <a:rPr lang="fr-FR" sz="2000" b="1" dirty="0" smtClean="0">
                 <a:solidFill>
-                  <a:schemeClr val="accent2">
-                    <a:lumMod val="75000"/>
-                  </a:schemeClr>
+                  <a:schemeClr val="accent6"/>
                 </a:solidFill>
-              </a:rPr>
-              <a:t>Partie client</a:t>
-            </a:r>
-            <a:endParaRPr lang="fr-FR" sz="2200" b="1" dirty="0">
+                <a:effectLst>
+                  <a:outerShdw blurRad="38100" dist="38100" dir="2700000" algn="tl">
+                    <a:srgbClr val="000000">
+                      <a:alpha val="43137"/>
+                    </a:srgbClr>
+                  </a:outerShdw>
+                </a:effectLst>
+              </a:rPr>
+              <a:t>Application cliente</a:t>
+            </a:r>
+            <a:endParaRPr lang="fr-FR" sz="2000" b="1" dirty="0">
               <a:solidFill>
-                <a:schemeClr val="accent2">
-                  <a:lumMod val="75000"/>
-                </a:schemeClr>
+                <a:schemeClr val="accent6"/>
               </a:solidFill>
+              <a:effectLst>
+                <a:outerShdw blurRad="38100" dist="38100" dir="2700000" algn="tl">
+                  <a:srgbClr val="000000">
+                    <a:alpha val="43137"/>
+                  </a:srgbClr>
+                </a:outerShdw>
+              </a:effectLst>
+            </a:endParaRPr>
+          </a:p>
+        </p:txBody>
+      </p:sp>
+      <p:sp>
+        <p:nvSpPr>
+          <p:cNvPr id="13" name="Rectangle 12"/>
+          <p:cNvSpPr/>
+          <p:nvPr/>
+        </p:nvSpPr>
+        <p:spPr>
+          <a:xfrm>
+            <a:off x="0" y="6597352"/>
+            <a:ext cx="9144000" cy="260648"/>
+          </a:xfrm>
+          <a:prstGeom prst="rect">
+            <a:avLst/>
+          </a:prstGeom>
+        </p:spPr>
+        <p:style>
+          <a:lnRef idx="2">
+            <a:schemeClr val="accent6">
+              <a:shade val="50000"/>
+            </a:schemeClr>
+          </a:lnRef>
+          <a:fillRef idx="1">
+            <a:schemeClr val="accent6"/>
+          </a:fillRef>
+          <a:effectRef idx="0">
+            <a:schemeClr val="accent6"/>
+          </a:effectRef>
+          <a:fontRef idx="minor">
+            <a:schemeClr val="lt1"/>
+          </a:fontRef>
+        </p:style>
+        <p:txBody>
+          <a:bodyPr rtlCol="0" anchor="ctr"/>
+          <a:lstStyle/>
+          <a:p>
+            <a:pPr algn="r"/>
+            <a:r>
+              <a:rPr lang="fr-FR" sz="1200" b="1" dirty="0" smtClean="0">
+                <a:effectLst>
+                  <a:outerShdw blurRad="38100" dist="38100" dir="2700000" algn="tl">
+                    <a:srgbClr val="000000">
+                      <a:alpha val="43137"/>
+                    </a:srgbClr>
+                  </a:outerShdw>
+                </a:effectLst>
+              </a:rPr>
+              <a:t>[IF26] </a:t>
+            </a:r>
+            <a:r>
+              <a:rPr lang="fr-FR" sz="1200" b="1" dirty="0" err="1" smtClean="0">
+                <a:effectLst>
+                  <a:outerShdw blurRad="38100" dist="38100" dir="2700000" algn="tl">
+                    <a:srgbClr val="000000">
+                      <a:alpha val="43137"/>
+                    </a:srgbClr>
+                  </a:outerShdw>
+                </a:effectLst>
+              </a:rPr>
+              <a:t>Strangers</a:t>
+            </a:r>
+            <a:r>
+              <a:rPr lang="fr-FR" sz="1200" b="1" dirty="0" smtClean="0">
+                <a:effectLst>
+                  <a:outerShdw blurRad="38100" dist="38100" dir="2700000" algn="tl">
+                    <a:srgbClr val="000000">
+                      <a:alpha val="43137"/>
+                    </a:srgbClr>
+                  </a:outerShdw>
+                </a:effectLst>
+              </a:rPr>
+              <a:t> (</a:t>
+            </a:r>
+            <a:r>
+              <a:rPr lang="fr-FR" sz="1200" b="1" dirty="0" err="1" smtClean="0">
+                <a:effectLst>
+                  <a:outerShdw blurRad="38100" dist="38100" dir="2700000" algn="tl">
+                    <a:srgbClr val="000000">
+                      <a:alpha val="43137"/>
+                    </a:srgbClr>
+                  </a:outerShdw>
+                </a:effectLst>
+              </a:rPr>
+              <a:t>Phonegap</a:t>
+            </a:r>
+            <a:r>
+              <a:rPr lang="fr-FR" sz="1200" b="1" dirty="0" smtClean="0">
+                <a:effectLst>
+                  <a:outerShdw blurRad="38100" dist="38100" dir="2700000" algn="tl">
+                    <a:srgbClr val="000000">
+                      <a:alpha val="43137"/>
+                    </a:srgbClr>
+                  </a:outerShdw>
+                </a:effectLst>
+              </a:rPr>
+              <a:t>) </a:t>
+            </a:r>
+            <a:r>
+              <a:rPr lang="fr-FR" sz="1200" dirty="0" smtClean="0">
+                <a:effectLst>
+                  <a:outerShdw blurRad="38100" dist="38100" dir="2700000" algn="tl">
+                    <a:srgbClr val="000000">
+                      <a:alpha val="43137"/>
+                    </a:srgbClr>
+                  </a:outerShdw>
+                </a:effectLst>
+              </a:rPr>
+              <a:t>– JALOUZET Jérémie – OUADGHIRI Mohammed</a:t>
+            </a:r>
+            <a:endParaRPr lang="fr-FR" sz="1200" dirty="0">
+              <a:effectLst>
+                <a:outerShdw blurRad="38100" dist="38100" dir="2700000" algn="tl">
+                  <a:srgbClr val="000000">
+                    <a:alpha val="43137"/>
+                  </a:srgbClr>
+                </a:outerShdw>
+              </a:effectLst>
             </a:endParaRPr>
           </a:p>
         </p:txBody>
@@ -5291,7 +5762,7 @@
     </p:spTree>
     <p:extLst>
       <p:ext uri="{BB962C8B-B14F-4D97-AF65-F5344CB8AC3E}">
-        <p14:creationId xmlns:p14="http://schemas.microsoft.com/office/powerpoint/2010/main" val="305100200"/>
+        <p14:creationId xmlns:p14="http://schemas.microsoft.com/office/powerpoint/2010/main" val="163205855"/>
       </p:ext>
     </p:extLst>
   </p:cSld>
@@ -5325,30 +5796,47 @@
           <a:chExt cx="0" cy="0"/>
         </a:xfrm>
       </p:grpSpPr>
-      <p:sp>
-        <p:nvSpPr>
-          <p:cNvPr id="4" name="Espace réservé du numéro de diapositive 3"/>
-          <p:cNvSpPr>
-            <a:spLocks noGrp="1"/>
-          </p:cNvSpPr>
-          <p:nvPr>
-            <p:ph type="sldNum" sz="quarter" idx="12"/>
-          </p:nvPr>
-        </p:nvSpPr>
-        <p:spPr/>
-        <p:txBody>
-          <a:bodyPr/>
-          <a:lstStyle/>
-          <a:p>
-            <a:fld id="{6816B381-CB31-4B8E-B307-29C9C96A0920}" type="slidenum">
-              <a:rPr lang="fr-FR" smtClean="0"/>
-              <a:pPr/>
-              <a:t>11</a:t>
-            </a:fld>
-            <a:endParaRPr lang="fr-FR"/>
-          </a:p>
-        </p:txBody>
-      </p:sp>
+      <p:pic>
+        <p:nvPicPr>
+          <p:cNvPr id="4098" name="Picture 2" descr="C:\Users\Jeremie\Documents\Etudes\2011-2013 - UTT\Semestre 4\IF26\Projet\présentation\Images\architecture_client_4.png"/>
+          <p:cNvPicPr>
+            <a:picLocks noChangeAspect="1" noChangeArrowheads="1"/>
+          </p:cNvPicPr>
+          <p:nvPr/>
+        </p:nvPicPr>
+        <p:blipFill>
+          <a:blip r:embed="rId2">
+            <a:extLst>
+              <a:ext uri="{28A0092B-C50C-407E-A947-70E740481C1C}">
+                <a14:useLocalDpi xmlns:a14="http://schemas.microsoft.com/office/drawing/2010/main" val="0"/>
+              </a:ext>
+            </a:extLst>
+          </a:blip>
+          <a:srcRect/>
+          <a:stretch>
+            <a:fillRect/>
+          </a:stretch>
+        </p:blipFill>
+        <p:spPr bwMode="auto">
+          <a:xfrm>
+            <a:off x="550603" y="1958708"/>
+            <a:ext cx="2895600" cy="3856038"/>
+          </a:xfrm>
+          <a:prstGeom prst="rect">
+            <a:avLst/>
+          </a:prstGeom>
+          <a:noFill/>
+          <a:extLst>
+            <a:ext uri="{909E8E84-426E-40DD-AFC4-6F175D3DCCD1}">
+              <a14:hiddenFill xmlns:a14="http://schemas.microsoft.com/office/drawing/2010/main">
+                <a:solidFill>
+                  <a:srgbClr val="FFFFFF"/>
+                </a:solidFill>
+              </a14:hiddenFill>
+            </a:ext>
+          </a:extLst>
+        </p:spPr>
+      </p:pic>
       <p:sp>
         <p:nvSpPr>
           <p:cNvPr id="5" name="Rectangle à coins arrondis 4"/>
@@ -5363,14 +5851,60 @@
           <a:prstGeom prst="roundRect">
             <a:avLst/>
           </a:prstGeom>
-          <a:solidFill>
-            <a:schemeClr val="bg1"/>
-          </a:solidFill>
-          <a:ln w="38100">
-            <a:solidFill>
-              <a:schemeClr val="tx1"/>
-            </a:solidFill>
-          </a:ln>
+          <a:ln/>
+        </p:spPr>
+        <p:style>
+          <a:lnRef idx="1">
+            <a:schemeClr val="accent6"/>
+          </a:lnRef>
+          <a:fillRef idx="2">
+            <a:schemeClr val="accent6"/>
+          </a:fillRef>
+          <a:effectRef idx="1">
+            <a:schemeClr val="accent6"/>
+          </a:effectRef>
+          <a:fontRef idx="minor">
+            <a:schemeClr val="dk1"/>
+          </a:fontRef>
+        </p:style>
+        <p:txBody>
+          <a:bodyPr rtlCol="0" anchor="ctr"/>
+          <a:lstStyle/>
+          <a:p>
+            <a:r>
+              <a:rPr lang="fr-FR" sz="2400" b="1" dirty="0">
+                <a:solidFill>
+                  <a:srgbClr val="002060"/>
+                </a:solidFill>
+                <a:effectLst>
+                  <a:outerShdw blurRad="38100" dist="38100" dir="2700000" algn="tl">
+                    <a:srgbClr val="000000">
+                      <a:alpha val="43137"/>
+                    </a:srgbClr>
+                  </a:outerShdw>
+                </a:effectLst>
+              </a:rPr>
+              <a:t>Architecture générale de l’application</a:t>
+            </a:r>
+          </a:p>
+        </p:txBody>
+      </p:sp>
+      <p:sp>
+        <p:nvSpPr>
+          <p:cNvPr id="7" name="Rectangle à coins arrondis 6"/>
+          <p:cNvSpPr/>
+          <p:nvPr/>
+        </p:nvSpPr>
+        <p:spPr>
+          <a:xfrm>
+            <a:off x="873870" y="4265444"/>
+            <a:ext cx="1597718" cy="1035764"/>
+          </a:xfrm>
+          <a:prstGeom prst="roundRect">
+            <a:avLst/>
+          </a:prstGeom>
+          <a:noFill/>
+          <a:ln w="28575"/>
         </p:spPr>
         <p:style>
           <a:lnRef idx="2">
@@ -5392,42 +5926,25 @@
           <a:bodyPr rtlCol="0" anchor="ctr"/>
           <a:lstStyle/>
           <a:p>
-            <a:r>
-              <a:rPr lang="fr-FR" sz="2000" b="1" dirty="0">
-                <a:solidFill>
-                  <a:srgbClr val="002060"/>
-                </a:solidFill>
-              </a:rPr>
-              <a:t>Architecture générale de l’application</a:t>
-            </a:r>
-          </a:p>
-        </p:txBody>
-      </p:sp>
-      <p:sp>
-        <p:nvSpPr>
-          <p:cNvPr id="8" name="Rectangle à coins arrondis 7"/>
+            <a:pPr algn="ctr"/>
+            <a:endParaRPr lang="fr-FR"/>
+          </a:p>
+        </p:txBody>
+      </p:sp>
+      <p:sp>
+        <p:nvSpPr>
+          <p:cNvPr id="8" name="Flèche vers le bas 7"/>
           <p:cNvSpPr/>
           <p:nvPr/>
         </p:nvSpPr>
         <p:spPr>
-          <a:xfrm>
-            <a:off x="107504" y="1196752"/>
-            <a:ext cx="2448272" cy="432048"/>
-          </a:xfrm>
-          <a:prstGeom prst="roundRect">
+          <a:xfrm rot="5237647">
+            <a:off x="2965040" y="3672610"/>
+            <a:ext cx="389446" cy="1672640"/>
+          </a:xfrm>
+          <a:prstGeom prst="downArrow">
             <a:avLst/>
           </a:prstGeom>
-          <a:solidFill>
-            <a:schemeClr val="bg1"/>
-          </a:solidFill>
-          <a:ln w="38100">
-            <a:solidFill>
-              <a:schemeClr val="accent6">
-                <a:lumMod val="60000"/>
-                <a:lumOff val="40000"/>
-              </a:schemeClr>
-            </a:solidFill>
-          </a:ln>
         </p:spPr>
         <p:style>
           <a:lnRef idx="2">
@@ -5449,32 +5966,477 @@
           <a:bodyPr rtlCol="0" anchor="ctr"/>
           <a:lstStyle/>
           <a:p>
-            <a:r>
-              <a:rPr lang="fr-FR" sz="2400" dirty="0">
+            <a:pPr algn="ctr"/>
+            <a:endParaRPr lang="fr-FR"/>
+          </a:p>
+        </p:txBody>
+      </p:sp>
+      <p:sp>
+        <p:nvSpPr>
+          <p:cNvPr id="9" name="ZoneTexte 8"/>
+          <p:cNvSpPr txBox="1"/>
+          <p:nvPr/>
+        </p:nvSpPr>
+        <p:spPr>
+          <a:xfrm>
+            <a:off x="4203576" y="3501008"/>
+            <a:ext cx="4075745" cy="1754326"/>
+          </a:xfrm>
+          <a:prstGeom prst="rect">
+            <a:avLst/>
+          </a:prstGeom>
+          <a:noFill/>
+        </p:spPr>
+        <p:txBody>
+          <a:bodyPr wrap="square" rtlCol="0">
+            <a:spAutoFit/>
+          </a:bodyPr>
+          <a:lstStyle/>
+          <a:p>
+            <a:r>
+              <a:rPr lang="fr-FR" dirty="0" smtClean="0">
+                <a:effectLst>
+                  <a:outerShdw blurRad="38100" dist="38100" dir="2700000" algn="tl">
+                    <a:srgbClr val="000000">
+                      <a:alpha val="43137"/>
+                    </a:srgbClr>
+                  </a:outerShdw>
+                </a:effectLst>
+              </a:rPr>
+              <a:t>Fichiers JavaScript</a:t>
+            </a:r>
+          </a:p>
+          <a:p>
+            <a:pPr marL="285750" indent="-285750">
+              <a:buFont typeface="Arial" pitchFamily="34" charset="0"/>
+              <a:buChar char="•"/>
+            </a:pPr>
+            <a:r>
+              <a:rPr lang="fr-FR" dirty="0" err="1" smtClean="0">
+                <a:effectLst>
+                  <a:outerShdw blurRad="38100" dist="38100" dir="2700000" algn="tl">
+                    <a:srgbClr val="000000">
+                      <a:alpha val="43137"/>
+                    </a:srgbClr>
+                  </a:outerShdw>
+                </a:effectLst>
+              </a:rPr>
+              <a:t>Phonegap</a:t>
+            </a:r>
+            <a:r>
+              <a:rPr lang="fr-FR" dirty="0" smtClean="0">
+                <a:effectLst>
+                  <a:outerShdw blurRad="38100" dist="38100" dir="2700000" algn="tl">
+                    <a:srgbClr val="000000">
+                      <a:alpha val="43137"/>
+                    </a:srgbClr>
+                  </a:outerShdw>
+                </a:effectLst>
+              </a:rPr>
+              <a:t> (</a:t>
+            </a:r>
+            <a:r>
+              <a:rPr lang="fr-FR" dirty="0" err="1" smtClean="0">
+                <a:effectLst>
+                  <a:outerShdw blurRad="38100" dist="38100" dir="2700000" algn="tl">
+                    <a:srgbClr val="000000">
+                      <a:alpha val="43137"/>
+                    </a:srgbClr>
+                  </a:outerShdw>
+                </a:effectLst>
+              </a:rPr>
+              <a:t>Cordova</a:t>
+            </a:r>
+            <a:r>
+              <a:rPr lang="fr-FR" dirty="0" smtClean="0">
+                <a:effectLst>
+                  <a:outerShdw blurRad="38100" dist="38100" dir="2700000" algn="tl">
+                    <a:srgbClr val="000000">
+                      <a:alpha val="43137"/>
+                    </a:srgbClr>
+                  </a:outerShdw>
+                </a:effectLst>
+              </a:rPr>
+              <a:t>)</a:t>
+            </a:r>
+          </a:p>
+          <a:p>
+            <a:pPr marL="285750" indent="-285750">
+              <a:buFont typeface="Arial" pitchFamily="34" charset="0"/>
+              <a:buChar char="•"/>
+            </a:pPr>
+            <a:r>
+              <a:rPr lang="fr-FR" dirty="0" err="1" smtClean="0">
+                <a:effectLst>
+                  <a:outerShdw blurRad="38100" dist="38100" dir="2700000" algn="tl">
+                    <a:srgbClr val="000000">
+                      <a:alpha val="43137"/>
+                    </a:srgbClr>
+                  </a:outerShdw>
+                </a:effectLst>
+              </a:rPr>
+              <a:t>jQuery</a:t>
+            </a:r>
+            <a:endParaRPr lang="fr-FR" dirty="0" smtClean="0">
+              <a:effectLst>
+                <a:outerShdw blurRad="38100" dist="38100" dir="2700000" algn="tl">
+                  <a:srgbClr val="000000">
+                    <a:alpha val="43137"/>
+                  </a:srgbClr>
+                </a:outerShdw>
+              </a:effectLst>
+            </a:endParaRPr>
+          </a:p>
+          <a:p>
+            <a:pPr marL="285750" indent="-285750">
+              <a:buFont typeface="Arial" pitchFamily="34" charset="0"/>
+              <a:buChar char="•"/>
+            </a:pPr>
+            <a:r>
+              <a:rPr lang="fr-FR" dirty="0" err="1" smtClean="0">
+                <a:effectLst>
+                  <a:outerShdw blurRad="38100" dist="38100" dir="2700000" algn="tl">
+                    <a:srgbClr val="000000">
+                      <a:alpha val="43137"/>
+                    </a:srgbClr>
+                  </a:outerShdw>
+                </a:effectLst>
+              </a:rPr>
+              <a:t>jQuery</a:t>
+            </a:r>
+            <a:r>
+              <a:rPr lang="fr-FR" dirty="0" smtClean="0">
+                <a:effectLst>
+                  <a:outerShdw blurRad="38100" dist="38100" dir="2700000" algn="tl">
+                    <a:srgbClr val="000000">
+                      <a:alpha val="43137"/>
+                    </a:srgbClr>
+                  </a:outerShdw>
+                </a:effectLst>
+              </a:rPr>
+              <a:t> Mobile</a:t>
+            </a:r>
+          </a:p>
+          <a:p>
+            <a:pPr marL="285750" indent="-285750">
+              <a:buFont typeface="Arial" pitchFamily="34" charset="0"/>
+              <a:buChar char="•"/>
+            </a:pPr>
+            <a:r>
+              <a:rPr lang="fr-FR" dirty="0" smtClean="0">
+                <a:effectLst>
+                  <a:outerShdw blurRad="38100" dist="38100" dir="2700000" algn="tl">
+                    <a:srgbClr val="000000">
+                      <a:alpha val="43137"/>
+                    </a:srgbClr>
+                  </a:outerShdw>
+                </a:effectLst>
+              </a:rPr>
+              <a:t>Plugins </a:t>
+            </a:r>
+            <a:r>
+              <a:rPr lang="fr-FR" dirty="0" err="1" smtClean="0">
+                <a:effectLst>
+                  <a:outerShdw blurRad="38100" dist="38100" dir="2700000" algn="tl">
+                    <a:srgbClr val="000000">
+                      <a:alpha val="43137"/>
+                    </a:srgbClr>
+                  </a:outerShdw>
+                </a:effectLst>
+              </a:rPr>
+              <a:t>jQuery</a:t>
+            </a:r>
+            <a:r>
+              <a:rPr lang="fr-FR" dirty="0" smtClean="0">
+                <a:effectLst>
+                  <a:outerShdw blurRad="38100" dist="38100" dir="2700000" algn="tl">
+                    <a:srgbClr val="000000">
+                      <a:alpha val="43137"/>
+                    </a:srgbClr>
+                  </a:outerShdw>
+                </a:effectLst>
+              </a:rPr>
+              <a:t> (</a:t>
+            </a:r>
+            <a:r>
+              <a:rPr lang="fr-FR" dirty="0" err="1" smtClean="0">
+                <a:effectLst>
+                  <a:outerShdw blurRad="38100" dist="38100" dir="2700000" algn="tl">
+                    <a:srgbClr val="000000">
+                      <a:alpha val="43137"/>
+                    </a:srgbClr>
+                  </a:outerShdw>
+                </a:effectLst>
+              </a:rPr>
+              <a:t>Form</a:t>
+            </a:r>
+            <a:r>
+              <a:rPr lang="fr-FR" dirty="0" smtClean="0">
+                <a:effectLst>
+                  <a:outerShdw blurRad="38100" dist="38100" dir="2700000" algn="tl">
+                    <a:srgbClr val="000000">
+                      <a:alpha val="43137"/>
+                    </a:srgbClr>
+                  </a:outerShdw>
+                </a:effectLst>
+              </a:rPr>
+              <a:t>, Validation)</a:t>
+            </a:r>
+          </a:p>
+          <a:p>
+            <a:pPr marL="285750" indent="-285750">
+              <a:buFont typeface="Arial" pitchFamily="34" charset="0"/>
+              <a:buChar char="•"/>
+            </a:pPr>
+            <a:r>
+              <a:rPr lang="fr-FR" dirty="0" smtClean="0">
+                <a:effectLst>
+                  <a:outerShdw blurRad="38100" dist="38100" dir="2700000" algn="tl">
+                    <a:srgbClr val="000000">
+                      <a:alpha val="43137"/>
+                    </a:srgbClr>
+                  </a:outerShdw>
+                </a:effectLst>
+              </a:rPr>
+              <a:t>Fonctions diverses</a:t>
+            </a:r>
+            <a:endParaRPr lang="fr-FR" dirty="0">
+              <a:effectLst>
+                <a:outerShdw blurRad="38100" dist="38100" dir="2700000" algn="tl">
+                  <a:srgbClr val="000000">
+                    <a:alpha val="43137"/>
+                  </a:srgbClr>
+                </a:outerShdw>
+              </a:effectLst>
+            </a:endParaRPr>
+          </a:p>
+        </p:txBody>
+      </p:sp>
+      <p:sp>
+        <p:nvSpPr>
+          <p:cNvPr id="12" name="Espace réservé du numéro de diapositive 3"/>
+          <p:cNvSpPr>
+            <a:spLocks noGrp="1"/>
+          </p:cNvSpPr>
+          <p:nvPr>
+            <p:ph type="sldNum" sz="quarter" idx="12"/>
+          </p:nvPr>
+        </p:nvSpPr>
+        <p:spPr>
+          <a:xfrm>
+            <a:off x="8460432" y="2272"/>
+            <a:ext cx="476304" cy="365760"/>
+          </a:xfrm>
+        </p:spPr>
+        <p:txBody>
+          <a:bodyPr/>
+          <a:lstStyle/>
+          <a:p>
+            <a:fld id="{6816B381-CB31-4B8E-B307-29C9C96A0920}" type="slidenum">
+              <a:rPr lang="fr-FR" b="1" smtClean="0">
+                <a:effectLst>
+                  <a:outerShdw blurRad="38100" dist="38100" dir="2700000" algn="tl">
+                    <a:srgbClr val="000000">
+                      <a:alpha val="43137"/>
+                    </a:srgbClr>
+                  </a:outerShdw>
+                </a:effectLst>
+              </a:rPr>
+              <a:pPr/>
+              <a:t>11</a:t>
+            </a:fld>
+            <a:endParaRPr lang="fr-FR" b="1" dirty="0">
+              <a:effectLst>
+                <a:outerShdw blurRad="38100" dist="38100" dir="2700000" algn="tl">
+                  <a:srgbClr val="000000">
+                    <a:alpha val="43137"/>
+                  </a:srgbClr>
+                </a:outerShdw>
+              </a:effectLst>
+            </a:endParaRPr>
+          </a:p>
+        </p:txBody>
+      </p:sp>
+      <p:sp>
+        <p:nvSpPr>
+          <p:cNvPr id="10" name="Rectangle à coins arrondis 9"/>
+          <p:cNvSpPr/>
+          <p:nvPr/>
+        </p:nvSpPr>
+        <p:spPr>
+          <a:xfrm>
+            <a:off x="190947" y="1161728"/>
+            <a:ext cx="2724869" cy="432048"/>
+          </a:xfrm>
+          <a:prstGeom prst="roundRect">
+            <a:avLst/>
+          </a:prstGeom>
+          <a:ln/>
+        </p:spPr>
+        <p:style>
+          <a:lnRef idx="1">
+            <a:schemeClr val="accent1"/>
+          </a:lnRef>
+          <a:fillRef idx="2">
+            <a:schemeClr val="accent1"/>
+          </a:fillRef>
+          <a:effectRef idx="1">
+            <a:schemeClr val="accent1"/>
+          </a:effectRef>
+          <a:fontRef idx="minor">
+            <a:schemeClr val="dk1"/>
+          </a:fontRef>
+        </p:style>
+        <p:txBody>
+          <a:bodyPr rtlCol="0" anchor="ctr"/>
+          <a:lstStyle/>
+          <a:p>
+            <a:r>
+              <a:rPr lang="fr-FR" sz="2000" b="1" dirty="0" smtClean="0">
                 <a:solidFill>
-                  <a:schemeClr val="accent2">
-                    <a:lumMod val="75000"/>
-                  </a:schemeClr>
+                  <a:schemeClr val="accent6"/>
                 </a:solidFill>
-              </a:rPr>
-              <a:t>Partie </a:t>
-            </a:r>
-            <a:r>
-              <a:rPr lang="fr-FR" sz="2400" dirty="0" smtClean="0">
-                <a:solidFill>
-                  <a:schemeClr val="accent2">
-                    <a:lumMod val="75000"/>
-                  </a:schemeClr>
-                </a:solidFill>
-              </a:rPr>
-              <a:t>Serveur</a:t>
-            </a:r>
-            <a:endParaRPr lang="fr-FR" sz="2200" b="1" dirty="0">
+                <a:effectLst>
+                  <a:outerShdw blurRad="38100" dist="38100" dir="2700000" algn="tl">
+                    <a:srgbClr val="000000">
+                      <a:alpha val="43137"/>
+                    </a:srgbClr>
+                  </a:outerShdw>
+                </a:effectLst>
+              </a:rPr>
+              <a:t>Application cliente</a:t>
+            </a:r>
+            <a:endParaRPr lang="fr-FR" sz="2000" b="1" dirty="0">
               <a:solidFill>
-                <a:schemeClr val="accent2">
-                  <a:lumMod val="75000"/>
-                </a:schemeClr>
+                <a:schemeClr val="accent6"/>
               </a:solidFill>
+              <a:effectLst>
+                <a:outerShdw blurRad="38100" dist="38100" dir="2700000" algn="tl">
+                  <a:srgbClr val="000000">
+                    <a:alpha val="43137"/>
+                  </a:srgbClr>
+                </a:outerShdw>
+              </a:effectLst>
+            </a:endParaRPr>
+          </a:p>
+        </p:txBody>
+      </p:sp>
+      <p:sp>
+        <p:nvSpPr>
+          <p:cNvPr id="13" name="Rectangle 12"/>
+          <p:cNvSpPr/>
+          <p:nvPr/>
+        </p:nvSpPr>
+        <p:spPr>
+          <a:xfrm>
+            <a:off x="0" y="6597352"/>
+            <a:ext cx="9144000" cy="260648"/>
+          </a:xfrm>
+          <a:prstGeom prst="rect">
+            <a:avLst/>
+          </a:prstGeom>
+        </p:spPr>
+        <p:style>
+          <a:lnRef idx="2">
+            <a:schemeClr val="accent6">
+              <a:shade val="50000"/>
+            </a:schemeClr>
+          </a:lnRef>
+          <a:fillRef idx="1">
+            <a:schemeClr val="accent6"/>
+          </a:fillRef>
+          <a:effectRef idx="0">
+            <a:schemeClr val="accent6"/>
+          </a:effectRef>
+          <a:fontRef idx="minor">
+            <a:schemeClr val="lt1"/>
+          </a:fontRef>
+        </p:style>
+        <p:txBody>
+          <a:bodyPr rtlCol="0" anchor="ctr"/>
+          <a:lstStyle/>
+          <a:p>
+            <a:pPr algn="r"/>
+            <a:r>
+              <a:rPr lang="fr-FR" sz="1200" b="1" dirty="0" smtClean="0">
+                <a:effectLst>
+                  <a:outerShdw blurRad="38100" dist="38100" dir="2700000" algn="tl">
+                    <a:srgbClr val="000000">
+                      <a:alpha val="43137"/>
+                    </a:srgbClr>
+                  </a:outerShdw>
+                </a:effectLst>
+              </a:rPr>
+              <a:t>[IF26] </a:t>
+            </a:r>
+            <a:r>
+              <a:rPr lang="fr-FR" sz="1200" b="1" dirty="0" err="1" smtClean="0">
+                <a:effectLst>
+                  <a:outerShdw blurRad="38100" dist="38100" dir="2700000" algn="tl">
+                    <a:srgbClr val="000000">
+                      <a:alpha val="43137"/>
+                    </a:srgbClr>
+                  </a:outerShdw>
+                </a:effectLst>
+              </a:rPr>
+              <a:t>Strangers</a:t>
+            </a:r>
+            <a:r>
+              <a:rPr lang="fr-FR" sz="1200" b="1" dirty="0" smtClean="0">
+                <a:effectLst>
+                  <a:outerShdw blurRad="38100" dist="38100" dir="2700000" algn="tl">
+                    <a:srgbClr val="000000">
+                      <a:alpha val="43137"/>
+                    </a:srgbClr>
+                  </a:outerShdw>
+                </a:effectLst>
+              </a:rPr>
+              <a:t> (</a:t>
+            </a:r>
+            <a:r>
+              <a:rPr lang="fr-FR" sz="1200" b="1" dirty="0" err="1" smtClean="0">
+                <a:effectLst>
+                  <a:outerShdw blurRad="38100" dist="38100" dir="2700000" algn="tl">
+                    <a:srgbClr val="000000">
+                      <a:alpha val="43137"/>
+                    </a:srgbClr>
+                  </a:outerShdw>
+                </a:effectLst>
+              </a:rPr>
+              <a:t>Phonegap</a:t>
+            </a:r>
+            <a:r>
+              <a:rPr lang="fr-FR" sz="1200" b="1" dirty="0" smtClean="0">
+                <a:effectLst>
+                  <a:outerShdw blurRad="38100" dist="38100" dir="2700000" algn="tl">
+                    <a:srgbClr val="000000">
+                      <a:alpha val="43137"/>
+                    </a:srgbClr>
+                  </a:outerShdw>
+                </a:effectLst>
+              </a:rPr>
+              <a:t>) </a:t>
+            </a:r>
+            <a:r>
+              <a:rPr lang="fr-FR" sz="1200" dirty="0" smtClean="0">
+                <a:effectLst>
+                  <a:outerShdw blurRad="38100" dist="38100" dir="2700000" algn="tl">
+                    <a:srgbClr val="000000">
+                      <a:alpha val="43137"/>
+                    </a:srgbClr>
+                  </a:outerShdw>
+                </a:effectLst>
+              </a:rPr>
+              <a:t>– JALOUZET Jérémie – OUADGHIRI Mohammed</a:t>
+            </a:r>
+            <a:endParaRPr lang="fr-FR" sz="1200" dirty="0">
+              <a:effectLst>
+                <a:outerShdw blurRad="38100" dist="38100" dir="2700000" algn="tl">
+                  <a:srgbClr val="000000">
+                    <a:alpha val="43137"/>
+                  </a:srgbClr>
+                </a:outerShdw>
+              </a:effectLst>
             </a:endParaRPr>
           </a:p>
         </p:txBody>
@@ -5482,7 +6444,7 @@
     </p:spTree>
     <p:extLst>
       <p:ext uri="{BB962C8B-B14F-4D97-AF65-F5344CB8AC3E}">
-        <p14:creationId xmlns:p14="http://schemas.microsoft.com/office/powerpoint/2010/main" val="1007114083"/>
+        <p14:creationId xmlns:p14="http://schemas.microsoft.com/office/powerpoint/2010/main" val="366167926"/>
       </p:ext>
     </p:extLst>
   </p:cSld>
@@ -5516,30 +6478,47 @@
           <a:chExt cx="0" cy="0"/>
         </a:xfrm>
       </p:grpSpPr>
-      <p:sp>
-        <p:nvSpPr>
-          <p:cNvPr id="4" name="Espace réservé du numéro de diapositive 3"/>
-          <p:cNvSpPr>
-            <a:spLocks noGrp="1"/>
-          </p:cNvSpPr>
-          <p:nvPr>
-            <p:ph type="sldNum" sz="quarter" idx="12"/>
-          </p:nvPr>
-        </p:nvSpPr>
-        <p:spPr/>
-        <p:txBody>
-          <a:bodyPr/>
-          <a:lstStyle/>
-          <a:p>
-            <a:fld id="{6816B381-CB31-4B8E-B307-29C9C96A0920}" type="slidenum">
-              <a:rPr lang="fr-FR" smtClean="0"/>
-              <a:pPr/>
-              <a:t>12</a:t>
-            </a:fld>
-            <a:endParaRPr lang="fr-FR"/>
-          </a:p>
-        </p:txBody>
-      </p:sp>
+      <p:pic>
+        <p:nvPicPr>
+          <p:cNvPr id="5122" name="Picture 2" descr="C:\Users\Jeremie\Documents\Etudes\2011-2013 - UTT\Semestre 4\IF26\Projet\présentation\Images\architecture_client_5.png"/>
+          <p:cNvPicPr>
+            <a:picLocks noChangeAspect="1" noChangeArrowheads="1"/>
+          </p:cNvPicPr>
+          <p:nvPr/>
+        </p:nvPicPr>
+        <p:blipFill>
+          <a:blip r:embed="rId2">
+            <a:extLst>
+              <a:ext uri="{28A0092B-C50C-407E-A947-70E740481C1C}">
+                <a14:useLocalDpi xmlns:a14="http://schemas.microsoft.com/office/drawing/2010/main" val="0"/>
+              </a:ext>
+            </a:extLst>
+          </a:blip>
+          <a:srcRect/>
+          <a:stretch>
+            <a:fillRect/>
+          </a:stretch>
+        </p:blipFill>
+        <p:spPr bwMode="auto">
+          <a:xfrm>
+            <a:off x="539552" y="1930629"/>
+            <a:ext cx="2895600" cy="4557712"/>
+          </a:xfrm>
+          <a:prstGeom prst="rect">
+            <a:avLst/>
+          </a:prstGeom>
+          <a:noFill/>
+          <a:extLst>
+            <a:ext uri="{909E8E84-426E-40DD-AFC4-6F175D3DCCD1}">
+              <a14:hiddenFill xmlns:a14="http://schemas.microsoft.com/office/drawing/2010/main">
+                <a:solidFill>
+                  <a:srgbClr val="FFFFFF"/>
+                </a:solidFill>
+              </a14:hiddenFill>
+            </a:ext>
+          </a:extLst>
+        </p:spPr>
+      </p:pic>
       <p:sp>
         <p:nvSpPr>
           <p:cNvPr id="5" name="Rectangle à coins arrondis 4"/>
@@ -5554,14 +6533,60 @@
           <a:prstGeom prst="roundRect">
             <a:avLst/>
           </a:prstGeom>
-          <a:solidFill>
-            <a:schemeClr val="bg1"/>
-          </a:solidFill>
-          <a:ln w="38100">
-            <a:solidFill>
-              <a:schemeClr val="tx1"/>
-            </a:solidFill>
-          </a:ln>
+          <a:ln/>
+        </p:spPr>
+        <p:style>
+          <a:lnRef idx="1">
+            <a:schemeClr val="accent6"/>
+          </a:lnRef>
+          <a:fillRef idx="2">
+            <a:schemeClr val="accent6"/>
+          </a:fillRef>
+          <a:effectRef idx="1">
+            <a:schemeClr val="accent6"/>
+          </a:effectRef>
+          <a:fontRef idx="minor">
+            <a:schemeClr val="dk1"/>
+          </a:fontRef>
+        </p:style>
+        <p:txBody>
+          <a:bodyPr rtlCol="0" anchor="ctr"/>
+          <a:lstStyle/>
+          <a:p>
+            <a:r>
+              <a:rPr lang="fr-FR" sz="2400" b="1" dirty="0">
+                <a:solidFill>
+                  <a:srgbClr val="002060"/>
+                </a:solidFill>
+                <a:effectLst>
+                  <a:outerShdw blurRad="38100" dist="38100" dir="2700000" algn="tl">
+                    <a:srgbClr val="000000">
+                      <a:alpha val="43137"/>
+                    </a:srgbClr>
+                  </a:outerShdw>
+                </a:effectLst>
+              </a:rPr>
+              <a:t>Architecture générale de l’application</a:t>
+            </a:r>
+          </a:p>
+        </p:txBody>
+      </p:sp>
+      <p:sp>
+        <p:nvSpPr>
+          <p:cNvPr id="7" name="Rectangle à coins arrondis 6"/>
+          <p:cNvSpPr/>
+          <p:nvPr/>
+        </p:nvSpPr>
+        <p:spPr>
+          <a:xfrm>
+            <a:off x="1188493" y="2636912"/>
+            <a:ext cx="1597718" cy="936104"/>
+          </a:xfrm>
+          <a:prstGeom prst="roundRect">
+            <a:avLst/>
+          </a:prstGeom>
+          <a:noFill/>
+          <a:ln w="28575"/>
         </p:spPr>
         <p:style>
           <a:lnRef idx="2">
@@ -5583,42 +6608,25 @@
           <a:bodyPr rtlCol="0" anchor="ctr"/>
           <a:lstStyle/>
           <a:p>
-            <a:r>
-              <a:rPr lang="fr-FR" sz="2000" b="1" dirty="0">
-                <a:solidFill>
-                  <a:srgbClr val="002060"/>
-                </a:solidFill>
-              </a:rPr>
-              <a:t>Architecture générale de l’application</a:t>
-            </a:r>
-          </a:p>
-        </p:txBody>
-      </p:sp>
-      <p:sp>
-        <p:nvSpPr>
-          <p:cNvPr id="7" name="Rectangle à coins arrondis 6"/>
+            <a:pPr algn="ctr"/>
+            <a:endParaRPr lang="fr-FR"/>
+          </a:p>
+        </p:txBody>
+      </p:sp>
+      <p:sp>
+        <p:nvSpPr>
+          <p:cNvPr id="8" name="Flèche vers le bas 7"/>
           <p:cNvSpPr/>
           <p:nvPr/>
         </p:nvSpPr>
         <p:spPr>
-          <a:xfrm>
-            <a:off x="72008" y="1340768"/>
-            <a:ext cx="3542849" cy="432048"/>
-          </a:xfrm>
-          <a:prstGeom prst="roundRect">
+          <a:xfrm rot="7226177">
+            <a:off x="2927743" y="2915641"/>
+            <a:ext cx="389446" cy="947316"/>
+          </a:xfrm>
+          <a:prstGeom prst="downArrow">
             <a:avLst/>
           </a:prstGeom>
-          <a:solidFill>
-            <a:schemeClr val="bg1"/>
-          </a:solidFill>
-          <a:ln w="38100">
-            <a:solidFill>
-              <a:schemeClr val="accent6">
-                <a:lumMod val="60000"/>
-                <a:lumOff val="40000"/>
-              </a:schemeClr>
-            </a:solidFill>
-          </a:ln>
         </p:spPr>
         <p:style>
           <a:lnRef idx="2">
@@ -5640,54 +6648,410 @@
           <a:bodyPr rtlCol="0" anchor="ctr"/>
           <a:lstStyle/>
           <a:p>
-            <a:pPr marL="681228" indent="-571500">
-              <a:buNone/>
-            </a:pPr>
-            <a:r>
-              <a:rPr lang="fr-FR" sz="2400" dirty="0">
-                <a:solidFill>
-                  <a:schemeClr val="accent2">
-                    <a:lumMod val="75000"/>
-                  </a:schemeClr>
-                </a:solidFill>
-              </a:rPr>
-              <a:t>Solutions proposées</a:t>
-            </a:r>
-          </a:p>
-        </p:txBody>
-      </p:sp>
-      <p:sp>
-        <p:nvSpPr>
-          <p:cNvPr id="8" name="Rectangle 7"/>
-          <p:cNvSpPr/>
+            <a:pPr algn="ctr"/>
+            <a:endParaRPr lang="fr-FR"/>
+          </a:p>
+        </p:txBody>
+      </p:sp>
+      <p:sp>
+        <p:nvSpPr>
+          <p:cNvPr id="9" name="ZoneTexte 8"/>
+          <p:cNvSpPr txBox="1"/>
           <p:nvPr/>
         </p:nvSpPr>
         <p:spPr>
           <a:xfrm>
-            <a:off x="862176" y="2708920"/>
-            <a:ext cx="970137" cy="369332"/>
+            <a:off x="3707904" y="3356992"/>
+            <a:ext cx="4400872" cy="1200329"/>
           </a:xfrm>
           <a:prstGeom prst="rect">
             <a:avLst/>
           </a:prstGeom>
-        </p:spPr>
-        <p:txBody>
-          <a:bodyPr wrap="none">
+          <a:noFill/>
+        </p:spPr>
+        <p:txBody>
+          <a:bodyPr wrap="square" rtlCol="0">
             <a:spAutoFit/>
           </a:bodyPr>
           <a:lstStyle/>
           <a:p>
             <a:r>
-              <a:rPr lang="fr-FR" dirty="0"/>
-              <a:t>A Voir !</a:t>
-            </a:r>
+              <a:rPr lang="fr-FR" dirty="0" smtClean="0">
+                <a:effectLst>
+                  <a:outerShdw blurRad="38100" dist="38100" dir="2700000" algn="tl">
+                    <a:srgbClr val="000000">
+                      <a:alpha val="43137"/>
+                    </a:srgbClr>
+                  </a:outerShdw>
+                </a:effectLst>
+              </a:rPr>
+              <a:t>Fichier principal pour lancer l’application</a:t>
+            </a:r>
+          </a:p>
+          <a:p>
+            <a:r>
+              <a:rPr lang="fr-FR" dirty="0">
+                <a:effectLst>
+                  <a:outerShdw blurRad="38100" dist="38100" dir="2700000" algn="tl">
+                    <a:srgbClr val="000000">
+                      <a:alpha val="43137"/>
+                    </a:srgbClr>
+                  </a:outerShdw>
+                </a:effectLst>
+              </a:rPr>
+              <a:t>s</a:t>
+            </a:r>
+            <a:r>
+              <a:rPr lang="fr-FR" dirty="0" smtClean="0">
+                <a:effectLst>
+                  <a:outerShdw blurRad="38100" dist="38100" dir="2700000" algn="tl">
+                    <a:srgbClr val="000000">
+                      <a:alpha val="43137"/>
+                    </a:srgbClr>
+                  </a:outerShdw>
+                </a:effectLst>
+              </a:rPr>
+              <a:t>ous </a:t>
+            </a:r>
+            <a:r>
+              <a:rPr lang="fr-FR" b="1" dirty="0" err="1" smtClean="0">
+                <a:effectLst>
+                  <a:outerShdw blurRad="38100" dist="38100" dir="2700000" algn="tl">
+                    <a:srgbClr val="000000">
+                      <a:alpha val="43137"/>
+                    </a:srgbClr>
+                  </a:outerShdw>
+                </a:effectLst>
+              </a:rPr>
+              <a:t>Android</a:t>
+            </a:r>
+            <a:endParaRPr lang="fr-FR" b="1" dirty="0" smtClean="0">
+              <a:effectLst>
+                <a:outerShdw blurRad="38100" dist="38100" dir="2700000" algn="tl">
+                  <a:srgbClr val="000000">
+                    <a:alpha val="43137"/>
+                  </a:srgbClr>
+                </a:outerShdw>
+              </a:effectLst>
+            </a:endParaRPr>
+          </a:p>
+          <a:p>
+            <a:endParaRPr lang="fr-FR" dirty="0">
+              <a:effectLst>
+                <a:outerShdw blurRad="38100" dist="38100" dir="2700000" algn="tl">
+                  <a:srgbClr val="000000">
+                    <a:alpha val="43137"/>
+                  </a:srgbClr>
+                </a:outerShdw>
+              </a:effectLst>
+            </a:endParaRPr>
+          </a:p>
+          <a:p>
+            <a:r>
+              <a:rPr lang="fr-FR" b="1" dirty="0" smtClean="0">
+                <a:effectLst>
+                  <a:outerShdw blurRad="38100" dist="38100" dir="2700000" algn="tl">
+                    <a:srgbClr val="000000">
+                      <a:alpha val="43137"/>
+                    </a:srgbClr>
+                  </a:outerShdw>
+                </a:effectLst>
+              </a:rPr>
+              <a:t>Plugins</a:t>
+            </a:r>
+            <a:r>
+              <a:rPr lang="fr-FR" dirty="0" smtClean="0">
+                <a:effectLst>
+                  <a:outerShdw blurRad="38100" dist="38100" dir="2700000" algn="tl">
+                    <a:srgbClr val="000000">
+                      <a:alpha val="43137"/>
+                    </a:srgbClr>
+                  </a:outerShdw>
+                </a:effectLst>
+              </a:rPr>
+              <a:t> </a:t>
+            </a:r>
+            <a:r>
+              <a:rPr lang="fr-FR" dirty="0" err="1" smtClean="0">
+                <a:effectLst>
+                  <a:outerShdw blurRad="38100" dist="38100" dir="2700000" algn="tl">
+                    <a:srgbClr val="000000">
+                      <a:alpha val="43137"/>
+                    </a:srgbClr>
+                  </a:outerShdw>
+                </a:effectLst>
+              </a:rPr>
+              <a:t>Phonegap</a:t>
+            </a:r>
+            <a:r>
+              <a:rPr lang="fr-FR" dirty="0" smtClean="0">
+                <a:effectLst>
+                  <a:outerShdw blurRad="38100" dist="38100" dir="2700000" algn="tl">
+                    <a:srgbClr val="000000">
+                      <a:alpha val="43137"/>
+                    </a:srgbClr>
+                  </a:outerShdw>
+                </a:effectLst>
+              </a:rPr>
+              <a:t> spécifiques à </a:t>
+            </a:r>
+            <a:r>
+              <a:rPr lang="fr-FR" dirty="0" err="1" smtClean="0">
+                <a:effectLst>
+                  <a:outerShdw blurRad="38100" dist="38100" dir="2700000" algn="tl">
+                    <a:srgbClr val="000000">
+                      <a:alpha val="43137"/>
+                    </a:srgbClr>
+                  </a:outerShdw>
+                </a:effectLst>
+              </a:rPr>
+              <a:t>Android</a:t>
+            </a:r>
+            <a:endParaRPr lang="fr-FR" dirty="0">
+              <a:effectLst>
+                <a:outerShdw blurRad="38100" dist="38100" dir="2700000" algn="tl">
+                  <a:srgbClr val="000000">
+                    <a:alpha val="43137"/>
+                  </a:srgbClr>
+                </a:outerShdw>
+              </a:effectLst>
+            </a:endParaRPr>
+          </a:p>
+        </p:txBody>
+      </p:sp>
+      <p:sp>
+        <p:nvSpPr>
+          <p:cNvPr id="11" name="Espace réservé du numéro de diapositive 3"/>
+          <p:cNvSpPr>
+            <a:spLocks noGrp="1"/>
+          </p:cNvSpPr>
+          <p:nvPr>
+            <p:ph type="sldNum" sz="quarter" idx="12"/>
+          </p:nvPr>
+        </p:nvSpPr>
+        <p:spPr>
+          <a:xfrm>
+            <a:off x="8460432" y="2272"/>
+            <a:ext cx="476304" cy="365760"/>
+          </a:xfrm>
+        </p:spPr>
+        <p:txBody>
+          <a:bodyPr/>
+          <a:lstStyle/>
+          <a:p>
+            <a:fld id="{6816B381-CB31-4B8E-B307-29C9C96A0920}" type="slidenum">
+              <a:rPr lang="fr-FR" b="1" smtClean="0">
+                <a:effectLst>
+                  <a:outerShdw blurRad="38100" dist="38100" dir="2700000" algn="tl">
+                    <a:srgbClr val="000000">
+                      <a:alpha val="43137"/>
+                    </a:srgbClr>
+                  </a:outerShdw>
+                </a:effectLst>
+              </a:rPr>
+              <a:pPr/>
+              <a:t>12</a:t>
+            </a:fld>
+            <a:endParaRPr lang="fr-FR" b="1" dirty="0">
+              <a:effectLst>
+                <a:outerShdw blurRad="38100" dist="38100" dir="2700000" algn="tl">
+                  <a:srgbClr val="000000">
+                    <a:alpha val="43137"/>
+                  </a:srgbClr>
+                </a:outerShdw>
+              </a:effectLst>
+            </a:endParaRPr>
+          </a:p>
+        </p:txBody>
+      </p:sp>
+      <p:sp>
+        <p:nvSpPr>
+          <p:cNvPr id="12" name="Rectangle à coins arrondis 11"/>
+          <p:cNvSpPr/>
+          <p:nvPr/>
+        </p:nvSpPr>
+        <p:spPr>
+          <a:xfrm>
+            <a:off x="190947" y="1161728"/>
+            <a:ext cx="2724869" cy="432048"/>
+          </a:xfrm>
+          <a:prstGeom prst="roundRect">
+            <a:avLst/>
+          </a:prstGeom>
+          <a:ln/>
+        </p:spPr>
+        <p:style>
+          <a:lnRef idx="1">
+            <a:schemeClr val="accent1"/>
+          </a:lnRef>
+          <a:fillRef idx="2">
+            <a:schemeClr val="accent1"/>
+          </a:fillRef>
+          <a:effectRef idx="1">
+            <a:schemeClr val="accent1"/>
+          </a:effectRef>
+          <a:fontRef idx="minor">
+            <a:schemeClr val="dk1"/>
+          </a:fontRef>
+        </p:style>
+        <p:txBody>
+          <a:bodyPr rtlCol="0" anchor="ctr"/>
+          <a:lstStyle/>
+          <a:p>
+            <a:r>
+              <a:rPr lang="fr-FR" sz="2000" b="1" dirty="0" smtClean="0">
+                <a:solidFill>
+                  <a:schemeClr val="accent6"/>
+                </a:solidFill>
+                <a:effectLst>
+                  <a:outerShdw blurRad="38100" dist="38100" dir="2700000" algn="tl">
+                    <a:srgbClr val="000000">
+                      <a:alpha val="43137"/>
+                    </a:srgbClr>
+                  </a:outerShdw>
+                </a:effectLst>
+              </a:rPr>
+              <a:t>Application cliente</a:t>
+            </a:r>
+            <a:endParaRPr lang="fr-FR" sz="2000" b="1" dirty="0">
+              <a:solidFill>
+                <a:schemeClr val="accent6"/>
+              </a:solidFill>
+              <a:effectLst>
+                <a:outerShdw blurRad="38100" dist="38100" dir="2700000" algn="tl">
+                  <a:srgbClr val="000000">
+                    <a:alpha val="43137"/>
+                  </a:srgbClr>
+                </a:outerShdw>
+              </a:effectLst>
+            </a:endParaRPr>
+          </a:p>
+        </p:txBody>
+      </p:sp>
+      <p:sp>
+        <p:nvSpPr>
+          <p:cNvPr id="13" name="Rectangle 12"/>
+          <p:cNvSpPr/>
+          <p:nvPr/>
+        </p:nvSpPr>
+        <p:spPr>
+          <a:xfrm>
+            <a:off x="0" y="6597352"/>
+            <a:ext cx="9144000" cy="260648"/>
+          </a:xfrm>
+          <a:prstGeom prst="rect">
+            <a:avLst/>
+          </a:prstGeom>
+        </p:spPr>
+        <p:style>
+          <a:lnRef idx="2">
+            <a:schemeClr val="accent6">
+              <a:shade val="50000"/>
+            </a:schemeClr>
+          </a:lnRef>
+          <a:fillRef idx="1">
+            <a:schemeClr val="accent6"/>
+          </a:fillRef>
+          <a:effectRef idx="0">
+            <a:schemeClr val="accent6"/>
+          </a:effectRef>
+          <a:fontRef idx="minor">
+            <a:schemeClr val="lt1"/>
+          </a:fontRef>
+        </p:style>
+        <p:txBody>
+          <a:bodyPr rtlCol="0" anchor="ctr"/>
+          <a:lstStyle/>
+          <a:p>
+            <a:pPr algn="r"/>
+            <a:r>
+              <a:rPr lang="fr-FR" sz="1200" b="1" dirty="0" smtClean="0">
+                <a:effectLst>
+                  <a:outerShdw blurRad="38100" dist="38100" dir="2700000" algn="tl">
+                    <a:srgbClr val="000000">
+                      <a:alpha val="43137"/>
+                    </a:srgbClr>
+                  </a:outerShdw>
+                </a:effectLst>
+              </a:rPr>
+              <a:t>[IF26] </a:t>
+            </a:r>
+            <a:r>
+              <a:rPr lang="fr-FR" sz="1200" b="1" dirty="0" err="1" smtClean="0">
+                <a:effectLst>
+                  <a:outerShdw blurRad="38100" dist="38100" dir="2700000" algn="tl">
+                    <a:srgbClr val="000000">
+                      <a:alpha val="43137"/>
+                    </a:srgbClr>
+                  </a:outerShdw>
+                </a:effectLst>
+              </a:rPr>
+              <a:t>Strangers</a:t>
+            </a:r>
+            <a:r>
+              <a:rPr lang="fr-FR" sz="1200" b="1" dirty="0" smtClean="0">
+                <a:effectLst>
+                  <a:outerShdw blurRad="38100" dist="38100" dir="2700000" algn="tl">
+                    <a:srgbClr val="000000">
+                      <a:alpha val="43137"/>
+                    </a:srgbClr>
+                  </a:outerShdw>
+                </a:effectLst>
+              </a:rPr>
+              <a:t> (</a:t>
+            </a:r>
+            <a:r>
+              <a:rPr lang="fr-FR" sz="1200" b="1" dirty="0" err="1" smtClean="0">
+                <a:effectLst>
+                  <a:outerShdw blurRad="38100" dist="38100" dir="2700000" algn="tl">
+                    <a:srgbClr val="000000">
+                      <a:alpha val="43137"/>
+                    </a:srgbClr>
+                  </a:outerShdw>
+                </a:effectLst>
+              </a:rPr>
+              <a:t>Phonegap</a:t>
+            </a:r>
+            <a:r>
+              <a:rPr lang="fr-FR" sz="1200" b="1" dirty="0" smtClean="0">
+                <a:effectLst>
+                  <a:outerShdw blurRad="38100" dist="38100" dir="2700000" algn="tl">
+                    <a:srgbClr val="000000">
+                      <a:alpha val="43137"/>
+                    </a:srgbClr>
+                  </a:outerShdw>
+                </a:effectLst>
+              </a:rPr>
+              <a:t>) </a:t>
+            </a:r>
+            <a:r>
+              <a:rPr lang="fr-FR" sz="1200" dirty="0" smtClean="0">
+                <a:effectLst>
+                  <a:outerShdw blurRad="38100" dist="38100" dir="2700000" algn="tl">
+                    <a:srgbClr val="000000">
+                      <a:alpha val="43137"/>
+                    </a:srgbClr>
+                  </a:outerShdw>
+                </a:effectLst>
+              </a:rPr>
+              <a:t>– JALOUZET Jérémie – OUADGHIRI Mohammed</a:t>
+            </a:r>
+            <a:endParaRPr lang="fr-FR" sz="1200" dirty="0">
+              <a:effectLst>
+                <a:outerShdw blurRad="38100" dist="38100" dir="2700000" algn="tl">
+                  <a:srgbClr val="000000">
+                    <a:alpha val="43137"/>
+                  </a:srgbClr>
+                </a:outerShdw>
+              </a:effectLst>
+            </a:endParaRPr>
           </a:p>
         </p:txBody>
       </p:sp>
     </p:spTree>
     <p:extLst>
       <p:ext uri="{BB962C8B-B14F-4D97-AF65-F5344CB8AC3E}">
-        <p14:creationId xmlns:p14="http://schemas.microsoft.com/office/powerpoint/2010/main" val="3371579017"/>
+        <p14:creationId xmlns:p14="http://schemas.microsoft.com/office/powerpoint/2010/main" val="728657206"/>
       </p:ext>
     </p:extLst>
   </p:cSld>
@@ -5790,12 +7154,20 @@
           <a:p>
             <a:pPr algn="ctr"/>
             <a:r>
+              <a:rPr lang="fr-FR" sz="3600" b="1" dirty="0" smtClean="0">
+                <a:solidFill>
+                  <a:srgbClr val="002060"/>
+                </a:solidFill>
+              </a:rPr>
+              <a:t>Mesures de </a:t>
+            </a:r>
+            <a:r>
               <a:rPr lang="fr-FR" sz="3600" b="1" dirty="0">
                 <a:solidFill>
                   <a:srgbClr val="002060"/>
                 </a:solidFill>
               </a:rPr>
-              <a:t>Prévention des failles de sécurité</a:t>
+              <a:t>sécurité</a:t>
             </a:r>
             <a:endParaRPr lang="fr-FR" sz="3500" b="1" dirty="0">
               <a:solidFill>
@@ -5809,7 +7181,7 @@
     </p:spTree>
     <p:extLst>
       <p:ext uri="{BB962C8B-B14F-4D97-AF65-F5344CB8AC3E}">
-        <p14:creationId xmlns:p14="http://schemas.microsoft.com/office/powerpoint/2010/main" val="51642217"/>
+        <p14:creationId xmlns:p14="http://schemas.microsoft.com/office/powerpoint/2010/main" val="1333480584"/>
       </p:ext>
     </p:extLst>
   </p:cSld>
@@ -5845,29 +7217,6 @@
       </p:grpSpPr>
       <p:sp>
         <p:nvSpPr>
-          <p:cNvPr id="7" name="Espace réservé du contenu 6"/>
-          <p:cNvSpPr>
-            <a:spLocks noGrp="1"/>
-          </p:cNvSpPr>
-          <p:nvPr>
-            <p:ph idx="1"/>
-          </p:nvPr>
-        </p:nvSpPr>
-        <p:spPr/>
-        <p:txBody>
-          <a:bodyPr/>
-          <a:lstStyle/>
-          <a:p>
-            <a:r>
-              <a:rPr lang="fr-FR" dirty="0" smtClean="0"/>
-              <a:t>A Voir !</a:t>
-            </a:r>
-            <a:endParaRPr lang="fr-FR" dirty="0"/>
-          </a:p>
-        </p:txBody>
-      </p:sp>
-      <p:sp>
-        <p:nvSpPr>
           <p:cNvPr id="4" name="Espace réservé du numéro de diapositive 3"/>
           <p:cNvSpPr>
             <a:spLocks noGrp="1"/>
@@ -5876,17 +7225,38 @@
             <p:ph type="sldNum" sz="quarter" idx="12"/>
           </p:nvPr>
         </p:nvSpPr>
-        <p:spPr/>
+        <p:spPr>
+          <a:xfrm>
+            <a:off x="8460432" y="2272"/>
+            <a:ext cx="476304" cy="365760"/>
+          </a:xfrm>
+        </p:spPr>
         <p:txBody>
           <a:bodyPr/>
           <a:lstStyle/>
           <a:p>
             <a:fld id="{6816B381-CB31-4B8E-B307-29C9C96A0920}" type="slidenum">
-              <a:rPr lang="fr-FR" smtClean="0"/>
+              <a:rPr lang="fr-FR" b="1" smtClean="0">
+                <a:effectLst>
+                  <a:outerShdw blurRad="38100" dist="38100" dir="2700000" algn="tl">
+                    <a:srgbClr val="000000">
+                      <a:alpha val="43137"/>
+                    </a:srgbClr>
+                  </a:outerShdw>
+                </a:effectLst>
+              </a:rPr>
               <a:pPr/>
               <a:t>14</a:t>
             </a:fld>
-            <a:endParaRPr lang="fr-FR"/>
+            <a:endParaRPr lang="fr-FR" b="1" dirty="0">
+              <a:effectLst>
+                <a:outerShdw blurRad="38100" dist="38100" dir="2700000" algn="tl">
+                  <a:srgbClr val="000000">
+                    <a:alpha val="43137"/>
+                  </a:srgbClr>
+                </a:outerShdw>
+              </a:effectLst>
+            </a:endParaRPr>
           </a:p>
         </p:txBody>
       </p:sp>
@@ -5898,32 +7268,152 @@
         </p:nvSpPr>
         <p:spPr>
           <a:xfrm>
-            <a:off x="251520" y="548680"/>
+            <a:off x="72008" y="548680"/>
             <a:ext cx="7524328" cy="504056"/>
           </a:xfrm>
           <a:prstGeom prst="roundRect">
             <a:avLst/>
           </a:prstGeom>
-          <a:solidFill>
-            <a:schemeClr val="bg1"/>
-          </a:solidFill>
-          <a:ln w="38100">
-            <a:solidFill>
-              <a:schemeClr val="tx1"/>
-            </a:solidFill>
-          </a:ln>
+          <a:ln/>
+        </p:spPr>
+        <p:style>
+          <a:lnRef idx="1">
+            <a:schemeClr val="accent6"/>
+          </a:lnRef>
+          <a:fillRef idx="2">
+            <a:schemeClr val="accent6"/>
+          </a:fillRef>
+          <a:effectRef idx="1">
+            <a:schemeClr val="accent6"/>
+          </a:effectRef>
+          <a:fontRef idx="minor">
+            <a:schemeClr val="dk1"/>
+          </a:fontRef>
+        </p:style>
+        <p:txBody>
+          <a:bodyPr rtlCol="0" anchor="ctr"/>
+          <a:lstStyle/>
+          <a:p>
+            <a:r>
+              <a:rPr lang="fr-FR" sz="2400" b="1" dirty="0" smtClean="0">
+                <a:solidFill>
+                  <a:srgbClr val="002060"/>
+                </a:solidFill>
+                <a:effectLst>
+                  <a:outerShdw blurRad="38100" dist="38100" dir="2700000" algn="tl">
+                    <a:srgbClr val="000000">
+                      <a:alpha val="43137"/>
+                    </a:srgbClr>
+                  </a:outerShdw>
+                </a:effectLst>
+              </a:rPr>
+              <a:t>Mesures de sécurité</a:t>
+            </a:r>
+            <a:endParaRPr lang="fr-FR" sz="2400" b="1" dirty="0">
+              <a:solidFill>
+                <a:srgbClr val="002060"/>
+              </a:solidFill>
+              <a:effectLst>
+                <a:outerShdw blurRad="38100" dist="38100" dir="2700000" algn="tl">
+                  <a:srgbClr val="000000">
+                    <a:alpha val="43137"/>
+                  </a:srgbClr>
+                </a:outerShdw>
+              </a:effectLst>
+            </a:endParaRPr>
+          </a:p>
+        </p:txBody>
+      </p:sp>
+      <p:sp>
+        <p:nvSpPr>
+          <p:cNvPr id="6" name="Rectangle à coins arrondis 5"/>
+          <p:cNvSpPr/>
+          <p:nvPr/>
+        </p:nvSpPr>
+        <p:spPr>
+          <a:xfrm>
+            <a:off x="190947" y="1161728"/>
+            <a:ext cx="2724869" cy="432048"/>
+          </a:xfrm>
+          <a:prstGeom prst="roundRect">
+            <a:avLst/>
+          </a:prstGeom>
+          <a:ln/>
+        </p:spPr>
+        <p:style>
+          <a:lnRef idx="1">
+            <a:schemeClr val="accent1"/>
+          </a:lnRef>
+          <a:fillRef idx="2">
+            <a:schemeClr val="accent1"/>
+          </a:fillRef>
+          <a:effectRef idx="1">
+            <a:schemeClr val="accent1"/>
+          </a:effectRef>
+          <a:fontRef idx="minor">
+            <a:schemeClr val="dk1"/>
+          </a:fontRef>
+        </p:style>
+        <p:txBody>
+          <a:bodyPr rtlCol="0" anchor="ctr"/>
+          <a:lstStyle/>
+          <a:p>
+            <a:r>
+              <a:rPr lang="fr-FR" sz="2000" b="1" dirty="0" smtClean="0">
+                <a:solidFill>
+                  <a:schemeClr val="accent6"/>
+                </a:solidFill>
+                <a:effectLst>
+                  <a:outerShdw blurRad="38100" dist="38100" dir="2700000" algn="tl">
+                    <a:srgbClr val="000000">
+                      <a:alpha val="43137"/>
+                    </a:srgbClr>
+                  </a:outerShdw>
+                </a:effectLst>
+              </a:rPr>
+              <a:t>Application cliente</a:t>
+            </a:r>
+            <a:endParaRPr lang="fr-FR" sz="2000" b="1" dirty="0">
+              <a:solidFill>
+                <a:schemeClr val="accent6"/>
+              </a:solidFill>
+              <a:effectLst>
+                <a:outerShdw blurRad="38100" dist="38100" dir="2700000" algn="tl">
+                  <a:srgbClr val="000000">
+                    <a:alpha val="43137"/>
+                  </a:srgbClr>
+                </a:outerShdw>
+              </a:effectLst>
+            </a:endParaRPr>
+          </a:p>
+        </p:txBody>
+      </p:sp>
+      <p:sp>
+        <p:nvSpPr>
+          <p:cNvPr id="7" name="Rectangle 6"/>
+          <p:cNvSpPr/>
+          <p:nvPr/>
+        </p:nvSpPr>
+        <p:spPr>
+          <a:xfrm>
+            <a:off x="0" y="6597352"/>
+            <a:ext cx="9144000" cy="260648"/>
+          </a:xfrm>
+          <a:prstGeom prst="rect">
+            <a:avLst/>
+          </a:prstGeom>
         </p:spPr>
         <p:style>
           <a:lnRef idx="2">
-            <a:schemeClr val="accent1">
+            <a:schemeClr val="accent6">
               <a:shade val="50000"/>
             </a:schemeClr>
           </a:lnRef>
           <a:fillRef idx="1">
-            <a:schemeClr val="accent1"/>
+            <a:schemeClr val="accent6"/>
           </a:fillRef>
           <a:effectRef idx="0">
-            <a:schemeClr val="accent1"/>
+            <a:schemeClr val="accent6"/>
           </a:effectRef>
           <a:fontRef idx="minor">
             <a:schemeClr val="lt1"/>
@@ -5933,21 +7423,95 @@
           <a:bodyPr rtlCol="0" anchor="ctr"/>
           <a:lstStyle/>
           <a:p>
-            <a:r>
-              <a:rPr lang="fr-FR" sz="2000" b="1" dirty="0">
-                <a:solidFill>
-                  <a:srgbClr val="002060"/>
-                </a:solidFill>
-              </a:rPr>
-              <a:t>Prévention des failles de sécurité</a:t>
-            </a:r>
+            <a:pPr algn="r"/>
+            <a:r>
+              <a:rPr lang="fr-FR" sz="1200" b="1" dirty="0" smtClean="0">
+                <a:effectLst>
+                  <a:outerShdw blurRad="38100" dist="38100" dir="2700000" algn="tl">
+                    <a:srgbClr val="000000">
+                      <a:alpha val="43137"/>
+                    </a:srgbClr>
+                  </a:outerShdw>
+                </a:effectLst>
+              </a:rPr>
+              <a:t>[IF26] </a:t>
+            </a:r>
+            <a:r>
+              <a:rPr lang="fr-FR" sz="1200" b="1" dirty="0" err="1" smtClean="0">
+                <a:effectLst>
+                  <a:outerShdw blurRad="38100" dist="38100" dir="2700000" algn="tl">
+                    <a:srgbClr val="000000">
+                      <a:alpha val="43137"/>
+                    </a:srgbClr>
+                  </a:outerShdw>
+                </a:effectLst>
+              </a:rPr>
+              <a:t>Strangers</a:t>
+            </a:r>
+            <a:r>
+              <a:rPr lang="fr-FR" sz="1200" b="1" dirty="0" smtClean="0">
+                <a:effectLst>
+                  <a:outerShdw blurRad="38100" dist="38100" dir="2700000" algn="tl">
+                    <a:srgbClr val="000000">
+                      <a:alpha val="43137"/>
+                    </a:srgbClr>
+                  </a:outerShdw>
+                </a:effectLst>
+              </a:rPr>
+              <a:t> (</a:t>
+            </a:r>
+            <a:r>
+              <a:rPr lang="fr-FR" sz="1200" b="1" dirty="0" err="1" smtClean="0">
+                <a:effectLst>
+                  <a:outerShdw blurRad="38100" dist="38100" dir="2700000" algn="tl">
+                    <a:srgbClr val="000000">
+                      <a:alpha val="43137"/>
+                    </a:srgbClr>
+                  </a:outerShdw>
+                </a:effectLst>
+              </a:rPr>
+              <a:t>Phonegap</a:t>
+            </a:r>
+            <a:r>
+              <a:rPr lang="fr-FR" sz="1200" b="1" dirty="0" smtClean="0">
+                <a:effectLst>
+                  <a:outerShdw blurRad="38100" dist="38100" dir="2700000" algn="tl">
+                    <a:srgbClr val="000000">
+                      <a:alpha val="43137"/>
+                    </a:srgbClr>
+                  </a:outerShdw>
+                </a:effectLst>
+              </a:rPr>
+              <a:t>) </a:t>
+            </a:r>
+            <a:r>
+              <a:rPr lang="fr-FR" sz="1200" dirty="0" smtClean="0">
+                <a:effectLst>
+                  <a:outerShdw blurRad="38100" dist="38100" dir="2700000" algn="tl">
+                    <a:srgbClr val="000000">
+                      <a:alpha val="43137"/>
+                    </a:srgbClr>
+                  </a:outerShdw>
+                </a:effectLst>
+              </a:rPr>
+              <a:t>– JALOUZET Jérémie – OUADGHIRI Mohammed</a:t>
+            </a:r>
+            <a:endParaRPr lang="fr-FR" sz="1200" dirty="0">
+              <a:effectLst>
+                <a:outerShdw blurRad="38100" dist="38100" dir="2700000" algn="tl">
+                  <a:srgbClr val="000000">
+                    <a:alpha val="43137"/>
+                  </a:srgbClr>
+                </a:outerShdw>
+              </a:effectLst>
+            </a:endParaRPr>
           </a:p>
         </p:txBody>
       </p:sp>
     </p:spTree>
     <p:extLst>
       <p:ext uri="{BB962C8B-B14F-4D97-AF65-F5344CB8AC3E}">
-        <p14:creationId xmlns:p14="http://schemas.microsoft.com/office/powerpoint/2010/main" val="2931599380"/>
+        <p14:creationId xmlns:p14="http://schemas.microsoft.com/office/powerpoint/2010/main" val="3286311382"/>
       </p:ext>
     </p:extLst>
   </p:cSld>
@@ -5991,17 +7555,38 @@
             <p:ph type="sldNum" sz="quarter" idx="12"/>
           </p:nvPr>
         </p:nvSpPr>
-        <p:spPr/>
+        <p:spPr>
+          <a:xfrm>
+            <a:off x="8460432" y="2272"/>
+            <a:ext cx="476304" cy="365760"/>
+          </a:xfrm>
+        </p:spPr>
         <p:txBody>
           <a:bodyPr/>
           <a:lstStyle/>
           <a:p>
             <a:fld id="{6816B381-CB31-4B8E-B307-29C9C96A0920}" type="slidenum">
-              <a:rPr lang="fr-FR" smtClean="0"/>
+              <a:rPr lang="fr-FR" b="1" smtClean="0">
+                <a:effectLst>
+                  <a:outerShdw blurRad="38100" dist="38100" dir="2700000" algn="tl">
+                    <a:srgbClr val="000000">
+                      <a:alpha val="43137"/>
+                    </a:srgbClr>
+                  </a:outerShdw>
+                </a:effectLst>
+              </a:rPr>
               <a:pPr/>
               <a:t>15</a:t>
             </a:fld>
-            <a:endParaRPr lang="fr-FR"/>
+            <a:endParaRPr lang="fr-FR" b="1" dirty="0">
+              <a:effectLst>
+                <a:outerShdw blurRad="38100" dist="38100" dir="2700000" algn="tl">
+                  <a:srgbClr val="000000">
+                    <a:alpha val="43137"/>
+                  </a:srgbClr>
+                </a:outerShdw>
+              </a:effectLst>
+            </a:endParaRPr>
           </a:p>
         </p:txBody>
       </p:sp>
@@ -6013,32 +7598,167 @@
         </p:nvSpPr>
         <p:spPr>
           <a:xfrm>
-            <a:off x="251520" y="3140968"/>
-            <a:ext cx="8640960" cy="936104"/>
+            <a:off x="72008" y="548680"/>
+            <a:ext cx="7524328" cy="504056"/>
           </a:xfrm>
           <a:prstGeom prst="roundRect">
             <a:avLst/>
           </a:prstGeom>
-          <a:solidFill>
-            <a:schemeClr val="bg1"/>
-          </a:solidFill>
-          <a:ln w="57150">
-            <a:solidFill>
-              <a:schemeClr val="tx1"/>
-            </a:solidFill>
-          </a:ln>
+          <a:ln/>
+        </p:spPr>
+        <p:style>
+          <a:lnRef idx="1">
+            <a:schemeClr val="accent6"/>
+          </a:lnRef>
+          <a:fillRef idx="2">
+            <a:schemeClr val="accent6"/>
+          </a:fillRef>
+          <a:effectRef idx="1">
+            <a:schemeClr val="accent6"/>
+          </a:effectRef>
+          <a:fontRef idx="minor">
+            <a:schemeClr val="dk1"/>
+          </a:fontRef>
+        </p:style>
+        <p:txBody>
+          <a:bodyPr rtlCol="0" anchor="ctr"/>
+          <a:lstStyle/>
+          <a:p>
+            <a:r>
+              <a:rPr lang="fr-FR" sz="2400" b="1" dirty="0" smtClean="0">
+                <a:solidFill>
+                  <a:srgbClr val="002060"/>
+                </a:solidFill>
+                <a:effectLst>
+                  <a:outerShdw blurRad="38100" dist="38100" dir="2700000" algn="tl">
+                    <a:srgbClr val="000000">
+                      <a:alpha val="43137"/>
+                    </a:srgbClr>
+                  </a:outerShdw>
+                </a:effectLst>
+              </a:rPr>
+              <a:t>Mesures de sécurité</a:t>
+            </a:r>
+            <a:endParaRPr lang="fr-FR" sz="2400" b="1" dirty="0">
+              <a:solidFill>
+                <a:srgbClr val="002060"/>
+              </a:solidFill>
+              <a:effectLst>
+                <a:outerShdw blurRad="38100" dist="38100" dir="2700000" algn="tl">
+                  <a:srgbClr val="000000">
+                    <a:alpha val="43137"/>
+                  </a:srgbClr>
+                </a:outerShdw>
+              </a:effectLst>
+            </a:endParaRPr>
+          </a:p>
+        </p:txBody>
+      </p:sp>
+      <p:sp>
+        <p:nvSpPr>
+          <p:cNvPr id="6" name="Rectangle à coins arrondis 5"/>
+          <p:cNvSpPr/>
+          <p:nvPr/>
+        </p:nvSpPr>
+        <p:spPr>
+          <a:xfrm>
+            <a:off x="190946" y="1161728"/>
+            <a:ext cx="4957118" cy="432048"/>
+          </a:xfrm>
+          <a:prstGeom prst="roundRect">
+            <a:avLst/>
+          </a:prstGeom>
+          <a:ln/>
+        </p:spPr>
+        <p:style>
+          <a:lnRef idx="1">
+            <a:schemeClr val="accent1"/>
+          </a:lnRef>
+          <a:fillRef idx="2">
+            <a:schemeClr val="accent1"/>
+          </a:fillRef>
+          <a:effectRef idx="1">
+            <a:schemeClr val="accent1"/>
+          </a:effectRef>
+          <a:fontRef idx="minor">
+            <a:schemeClr val="dk1"/>
+          </a:fontRef>
+        </p:style>
+        <p:txBody>
+          <a:bodyPr rtlCol="0" anchor="ctr"/>
+          <a:lstStyle/>
+          <a:p>
+            <a:r>
+              <a:rPr lang="fr-FR" sz="2000" b="1" dirty="0" smtClean="0">
+                <a:solidFill>
+                  <a:schemeClr val="accent6"/>
+                </a:solidFill>
+                <a:effectLst>
+                  <a:outerShdw blurRad="38100" dist="38100" dir="2700000" algn="tl">
+                    <a:srgbClr val="000000">
+                      <a:alpha val="43137"/>
+                    </a:srgbClr>
+                  </a:outerShdw>
+                </a:effectLst>
+              </a:rPr>
+              <a:t>Application </a:t>
+            </a:r>
+            <a:r>
+              <a:rPr lang="fr-FR" sz="2000" b="1" dirty="0" smtClean="0">
+                <a:solidFill>
+                  <a:schemeClr val="accent6"/>
+                </a:solidFill>
+                <a:effectLst>
+                  <a:outerShdw blurRad="38100" dist="38100" dir="2700000" algn="tl">
+                    <a:srgbClr val="000000">
+                      <a:alpha val="43137"/>
+                    </a:srgbClr>
+                  </a:outerShdw>
+                </a:effectLst>
+              </a:rPr>
+              <a:t>serveur et partie réseau</a:t>
+            </a:r>
+            <a:endParaRPr lang="fr-FR" sz="2000" b="1" dirty="0">
+              <a:solidFill>
+                <a:schemeClr val="accent6"/>
+              </a:solidFill>
+              <a:effectLst>
+                <a:outerShdw blurRad="38100" dist="38100" dir="2700000" algn="tl">
+                  <a:srgbClr val="000000">
+                    <a:alpha val="43137"/>
+                  </a:srgbClr>
+                </a:outerShdw>
+              </a:effectLst>
+            </a:endParaRPr>
+          </a:p>
+        </p:txBody>
+      </p:sp>
+      <p:sp>
+        <p:nvSpPr>
+          <p:cNvPr id="10" name="Rectangle 9"/>
+          <p:cNvSpPr/>
+          <p:nvPr/>
+        </p:nvSpPr>
+        <p:spPr>
+          <a:xfrm>
+            <a:off x="0" y="6597352"/>
+            <a:ext cx="9144000" cy="260648"/>
+          </a:xfrm>
+          <a:prstGeom prst="rect">
+            <a:avLst/>
+          </a:prstGeom>
         </p:spPr>
         <p:style>
           <a:lnRef idx="2">
-            <a:schemeClr val="accent1">
+            <a:schemeClr val="accent6">
               <a:shade val="50000"/>
             </a:schemeClr>
           </a:lnRef>
           <a:fillRef idx="1">
-            <a:schemeClr val="accent1"/>
+            <a:schemeClr val="accent6"/>
           </a:fillRef>
           <a:effectRef idx="0">
-            <a:schemeClr val="accent1"/>
+            <a:schemeClr val="accent6"/>
           </a:effectRef>
           <a:fontRef idx="minor">
             <a:schemeClr val="lt1"/>
@@ -6048,20 +7768,87 @@
           <a:bodyPr rtlCol="0" anchor="ctr"/>
           <a:lstStyle/>
           <a:p>
-            <a:pPr algn="ctr"/>
-            <a:r>
-              <a:rPr lang="fr-FR" sz="3600" b="1" dirty="0">
-                <a:solidFill>
-                  <a:srgbClr val="002060"/>
-                </a:solidFill>
-              </a:rPr>
-              <a:t>Conclusion</a:t>
-            </a:r>
-            <a:endParaRPr lang="fr-FR" sz="3500" b="1" dirty="0">
-              <a:solidFill>
-                <a:srgbClr val="002060"/>
-              </a:solidFill>
-              <a:latin typeface="+mj-lt"/>
+            <a:pPr algn="r"/>
+            <a:r>
+              <a:rPr lang="fr-FR" sz="1200" b="1" dirty="0" smtClean="0">
+                <a:effectLst>
+                  <a:outerShdw blurRad="38100" dist="38100" dir="2700000" algn="tl">
+                    <a:srgbClr val="000000">
+                      <a:alpha val="43137"/>
+                    </a:srgbClr>
+                  </a:outerShdw>
+                </a:effectLst>
+              </a:rPr>
+              <a:t>[IF26] </a:t>
+            </a:r>
+            <a:r>
+              <a:rPr lang="fr-FR" sz="1200" b="1" dirty="0" err="1" smtClean="0">
+                <a:effectLst>
+                  <a:outerShdw blurRad="38100" dist="38100" dir="2700000" algn="tl">
+                    <a:srgbClr val="000000">
+                      <a:alpha val="43137"/>
+                    </a:srgbClr>
+                  </a:outerShdw>
+                </a:effectLst>
+              </a:rPr>
+              <a:t>Strangers</a:t>
+            </a:r>
+            <a:r>
+              <a:rPr lang="fr-FR" sz="1200" b="1" dirty="0" smtClean="0">
+                <a:effectLst>
+                  <a:outerShdw blurRad="38100" dist="38100" dir="2700000" algn="tl">
+                    <a:srgbClr val="000000">
+                      <a:alpha val="43137"/>
+                    </a:srgbClr>
+                  </a:outerShdw>
+                </a:effectLst>
+              </a:rPr>
+              <a:t> (</a:t>
+            </a:r>
+            <a:r>
+              <a:rPr lang="fr-FR" sz="1200" b="1" dirty="0" err="1" smtClean="0">
+                <a:effectLst>
+                  <a:outerShdw blurRad="38100" dist="38100" dir="2700000" algn="tl">
+                    <a:srgbClr val="000000">
+                      <a:alpha val="43137"/>
+                    </a:srgbClr>
+                  </a:outerShdw>
+                </a:effectLst>
+              </a:rPr>
+              <a:t>Phonegap</a:t>
+            </a:r>
+            <a:r>
+              <a:rPr lang="fr-FR" sz="1200" b="1" dirty="0" smtClean="0">
+                <a:effectLst>
+                  <a:outerShdw blurRad="38100" dist="38100" dir="2700000" algn="tl">
+                    <a:srgbClr val="000000">
+                      <a:alpha val="43137"/>
+                    </a:srgbClr>
+                  </a:outerShdw>
+                </a:effectLst>
+              </a:rPr>
+              <a:t>) </a:t>
+            </a:r>
+            <a:r>
+              <a:rPr lang="fr-FR" sz="1200" dirty="0" smtClean="0">
+                <a:effectLst>
+                  <a:outerShdw blurRad="38100" dist="38100" dir="2700000" algn="tl">
+                    <a:srgbClr val="000000">
+                      <a:alpha val="43137"/>
+                    </a:srgbClr>
+                  </a:outerShdw>
+                </a:effectLst>
+              </a:rPr>
+              <a:t>– JALOUZET Jérémie – OUADGHIRI Mohammed</a:t>
+            </a:r>
+            <a:endParaRPr lang="fr-FR" sz="1200" dirty="0">
+              <a:effectLst>
+                <a:outerShdw blurRad="38100" dist="38100" dir="2700000" algn="tl">
+                  <a:srgbClr val="000000">
+                    <a:alpha val="43137"/>
+                  </a:srgbClr>
+                </a:outerShdw>
+              </a:effectLst>
             </a:endParaRPr>
           </a:p>
         </p:txBody>
@@ -6069,7 +7856,7 @@
     </p:spTree>
     <p:extLst>
       <p:ext uri="{BB962C8B-B14F-4D97-AF65-F5344CB8AC3E}">
-        <p14:creationId xmlns:p14="http://schemas.microsoft.com/office/powerpoint/2010/main" val="51642217"/>
+        <p14:creationId xmlns:p14="http://schemas.microsoft.com/office/powerpoint/2010/main" val="1664119528"/>
       </p:ext>
     </p:extLst>
   </p:cSld>
@@ -6105,30 +7892,6 @@
       </p:grpSpPr>
       <p:sp>
         <p:nvSpPr>
-          <p:cNvPr id="6" name="Espace réservé du contenu 5"/>
-          <p:cNvSpPr>
-            <a:spLocks noGrp="1"/>
-          </p:cNvSpPr>
-          <p:nvPr>
-            <p:ph idx="1"/>
-          </p:nvPr>
-        </p:nvSpPr>
-        <p:spPr>
-          <a:xfrm>
-            <a:off x="457200" y="1196752"/>
-            <a:ext cx="8229600" cy="5377784"/>
-          </a:xfrm>
-        </p:spPr>
-        <p:txBody>
-          <a:bodyPr/>
-          <a:lstStyle/>
-          <a:p>
-            <a:endParaRPr lang="fr-FR" dirty="0"/>
-          </a:p>
-        </p:txBody>
-      </p:sp>
-      <p:sp>
-        <p:nvSpPr>
           <p:cNvPr id="4" name="Espace réservé du numéro de diapositive 3"/>
           <p:cNvSpPr>
             <a:spLocks noGrp="1"/>
@@ -6151,10 +7914,71 @@
           </a:p>
         </p:txBody>
       </p:sp>
+      <p:sp>
+        <p:nvSpPr>
+          <p:cNvPr id="5" name="Rectangle à coins arrondis 4"/>
+          <p:cNvSpPr/>
+          <p:nvPr/>
+        </p:nvSpPr>
+        <p:spPr>
+          <a:xfrm>
+            <a:off x="251520" y="3140968"/>
+            <a:ext cx="8640960" cy="936104"/>
+          </a:xfrm>
+          <a:prstGeom prst="roundRect">
+            <a:avLst/>
+          </a:prstGeom>
+          <a:solidFill>
+            <a:schemeClr val="bg1"/>
+          </a:solidFill>
+          <a:ln w="57150">
+            <a:solidFill>
+              <a:schemeClr val="tx1"/>
+            </a:solidFill>
+          </a:ln>
+        </p:spPr>
+        <p:style>
+          <a:lnRef idx="2">
+            <a:schemeClr val="accent1">
+              <a:shade val="50000"/>
+            </a:schemeClr>
+          </a:lnRef>
+          <a:fillRef idx="1">
+            <a:schemeClr val="accent1"/>
+          </a:fillRef>
+          <a:effectRef idx="0">
+            <a:schemeClr val="accent1"/>
+          </a:effectRef>
+          <a:fontRef idx="minor">
+            <a:schemeClr val="lt1"/>
+          </a:fontRef>
+        </p:style>
+        <p:txBody>
+          <a:bodyPr rtlCol="0" anchor="ctr"/>
+          <a:lstStyle/>
+          <a:p>
+            <a:pPr algn="ctr"/>
+            <a:r>
+              <a:rPr lang="fr-FR" sz="3600" b="1" dirty="0">
+                <a:solidFill>
+                  <a:srgbClr val="002060"/>
+                </a:solidFill>
+              </a:rPr>
+              <a:t>Conclusion</a:t>
+            </a:r>
+            <a:endParaRPr lang="fr-FR" sz="3500" b="1" dirty="0">
+              <a:solidFill>
+                <a:srgbClr val="002060"/>
+              </a:solidFill>
+              <a:latin typeface="+mj-lt"/>
+            </a:endParaRPr>
+          </a:p>
+        </p:txBody>
+      </p:sp>
     </p:spTree>
     <p:extLst>
       <p:ext uri="{BB962C8B-B14F-4D97-AF65-F5344CB8AC3E}">
-        <p14:creationId xmlns:p14="http://schemas.microsoft.com/office/powerpoint/2010/main" val="4066507927"/>
+        <p14:creationId xmlns:p14="http://schemas.microsoft.com/office/powerpoint/2010/main" val="1377996316"/>
       </p:ext>
     </p:extLst>
   </p:cSld>
@@ -6200,8 +8024,8 @@
         </p:nvSpPr>
         <p:spPr>
           <a:xfrm>
-            <a:off x="395536" y="1340768"/>
-            <a:ext cx="8229600" cy="4968552"/>
+            <a:off x="251520" y="1484784"/>
+            <a:ext cx="8640960" cy="4824536"/>
           </a:xfrm>
         </p:spPr>
         <p:txBody>
@@ -6215,6 +8039,13 @@
             </a:pPr>
             <a:r>
               <a:rPr lang="fr-FR" sz="2200" b="1" dirty="0" smtClean="0">
+                <a:effectLst>
+                  <a:outerShdw blurRad="38100" dist="38100" dir="2700000" algn="tl">
+                    <a:srgbClr val="000000">
+                      <a:alpha val="43137"/>
+                    </a:srgbClr>
+                  </a:outerShdw>
+                </a:effectLst>
                 <a:sym typeface="Wingdings" pitchFamily="2" charset="2"/>
               </a:rPr>
               <a:t>      </a:t>
@@ -6224,9 +8055,64 @@
                 <a:solidFill>
                   <a:srgbClr val="002060"/>
                 </a:solidFill>
+                <a:effectLst>
+                  <a:outerShdw blurRad="38100" dist="38100" dir="2700000" algn="tl">
+                    <a:srgbClr val="000000">
+                      <a:alpha val="43137"/>
+                    </a:srgbClr>
+                  </a:outerShdw>
+                </a:effectLst>
                 <a:sym typeface="Wingdings" pitchFamily="2" charset="2"/>
               </a:rPr>
-              <a:t>Présentation  du  projet et outils  de développement</a:t>
+              <a:t>Présentation du </a:t>
+            </a:r>
+            <a:r>
+              <a:rPr lang="fr-FR" sz="2200" b="1" dirty="0" smtClean="0">
+                <a:solidFill>
+                  <a:srgbClr val="002060"/>
+                </a:solidFill>
+                <a:effectLst>
+                  <a:outerShdw blurRad="38100" dist="38100" dir="2700000" algn="tl">
+                    <a:srgbClr val="000000">
+                      <a:alpha val="43137"/>
+                    </a:srgbClr>
+                  </a:outerShdw>
+                </a:effectLst>
+                <a:sym typeface="Wingdings" pitchFamily="2" charset="2"/>
+              </a:rPr>
+              <a:t>projet et </a:t>
+            </a:r>
+            <a:r>
+              <a:rPr lang="fr-FR" sz="2200" b="1" dirty="0" smtClean="0">
+                <a:solidFill>
+                  <a:srgbClr val="002060"/>
+                </a:solidFill>
+                <a:effectLst>
+                  <a:outerShdw blurRad="38100" dist="38100" dir="2700000" algn="tl">
+                    <a:srgbClr val="000000">
+                      <a:alpha val="43137"/>
+                    </a:srgbClr>
+                  </a:outerShdw>
+                </a:effectLst>
+                <a:sym typeface="Wingdings" pitchFamily="2" charset="2"/>
+              </a:rPr>
+              <a:t>des outils de </a:t>
+            </a:r>
+            <a:r>
+              <a:rPr lang="fr-FR" sz="2200" b="1" dirty="0" smtClean="0">
+                <a:solidFill>
+                  <a:srgbClr val="002060"/>
+                </a:solidFill>
+                <a:effectLst>
+                  <a:outerShdw blurRad="38100" dist="38100" dir="2700000" algn="tl">
+                    <a:srgbClr val="000000">
+                      <a:alpha val="43137"/>
+                    </a:srgbClr>
+                  </a:outerShdw>
+                </a:effectLst>
+                <a:sym typeface="Wingdings" pitchFamily="2" charset="2"/>
+              </a:rPr>
+              <a:t>développement</a:t>
             </a:r>
           </a:p>
           <a:p>
@@ -6238,6 +8124,13 @@
                 <a:solidFill>
                   <a:srgbClr val="002060"/>
                 </a:solidFill>
+                <a:effectLst>
+                  <a:outerShdw blurRad="38100" dist="38100" dir="2700000" algn="tl">
+                    <a:srgbClr val="000000">
+                      <a:alpha val="43137"/>
+                    </a:srgbClr>
+                  </a:outerShdw>
+                </a:effectLst>
                 <a:sym typeface="Wingdings" pitchFamily="2" charset="2"/>
               </a:rPr>
               <a:t>	</a:t>
@@ -6247,28 +8140,65 @@
                 <a:solidFill>
                   <a:srgbClr val="002060"/>
                 </a:solidFill>
+                <a:effectLst>
+                  <a:outerShdw blurRad="38100" dist="38100" dir="2700000" algn="tl">
+                    <a:srgbClr val="000000">
+                      <a:alpha val="43137"/>
+                    </a:srgbClr>
+                  </a:outerShdw>
+                </a:effectLst>
                 <a:sym typeface="Wingdings" pitchFamily="2" charset="2"/>
               </a:rPr>
               <a:t> </a:t>
             </a:r>
             <a:r>
               <a:rPr lang="fr-FR" sz="1900" dirty="0" smtClean="0">
+                <a:effectLst>
+                  <a:outerShdw blurRad="38100" dist="38100" dir="2700000" algn="tl">
+                    <a:srgbClr val="000000">
+                      <a:alpha val="43137"/>
+                    </a:srgbClr>
+                  </a:outerShdw>
+                </a:effectLst>
                 <a:sym typeface="Wingdings" pitchFamily="2" charset="2"/>
               </a:rPr>
               <a:t>   </a:t>
             </a:r>
             <a:r>
               <a:rPr lang="fr-FR" sz="1900" dirty="0">
+                <a:effectLst>
+                  <a:outerShdw blurRad="38100" dist="38100" dir="2700000" algn="tl">
+                    <a:srgbClr val="000000">
+                      <a:alpha val="43137"/>
+                    </a:srgbClr>
+                  </a:outerShdw>
+                </a:effectLst>
                 <a:sym typeface="Wingdings" pitchFamily="2" charset="2"/>
               </a:rPr>
               <a:t></a:t>
             </a:r>
             <a:r>
-              <a:rPr lang="fr-FR" sz="1900" dirty="0"/>
+              <a:rPr lang="fr-FR" sz="1900" dirty="0">
+                <a:effectLst>
+                  <a:outerShdw blurRad="38100" dist="38100" dir="2700000" algn="tl">
+                    <a:srgbClr val="000000">
+                      <a:alpha val="43137"/>
+                    </a:srgbClr>
+                  </a:outerShdw>
+                </a:effectLst>
+              </a:rPr>
               <a:t>  </a:t>
             </a:r>
             <a:r>
-              <a:rPr lang="fr-FR" sz="1900" dirty="0" smtClean="0"/>
+              <a:rPr lang="fr-FR" sz="1900" dirty="0" smtClean="0">
+                <a:effectLst>
+                  <a:outerShdw blurRad="38100" dist="38100" dir="2700000" algn="tl">
+                    <a:srgbClr val="000000">
+                      <a:alpha val="43137"/>
+                    </a:srgbClr>
+                  </a:outerShdw>
+                </a:effectLst>
+              </a:rPr>
               <a:t>Strangers</a:t>
             </a:r>
           </a:p>
@@ -6277,37 +8207,92 @@
               <a:buNone/>
             </a:pPr>
             <a:r>
-              <a:rPr lang="fr-FR" sz="1900" dirty="0"/>
+              <a:rPr lang="fr-FR" sz="1900" dirty="0">
+                <a:effectLst>
+                  <a:outerShdw blurRad="38100" dist="38100" dir="2700000" algn="tl">
+                    <a:srgbClr val="000000">
+                      <a:alpha val="43137"/>
+                    </a:srgbClr>
+                  </a:outerShdw>
+                </a:effectLst>
+              </a:rPr>
               <a:t>	</a:t>
             </a:r>
             <a:r>
-              <a:rPr lang="fr-FR" sz="1900" dirty="0" smtClean="0"/>
+              <a:rPr lang="fr-FR" sz="1900" dirty="0" smtClean="0">
+                <a:effectLst>
+                  <a:outerShdw blurRad="38100" dist="38100" dir="2700000" algn="tl">
+                    <a:srgbClr val="000000">
+                      <a:alpha val="43137"/>
+                    </a:srgbClr>
+                  </a:outerShdw>
+                </a:effectLst>
+              </a:rPr>
               <a:t>    </a:t>
             </a:r>
             <a:r>
               <a:rPr lang="fr-FR" sz="1900" dirty="0" smtClean="0">
+                <a:effectLst>
+                  <a:outerShdw blurRad="38100" dist="38100" dir="2700000" algn="tl">
+                    <a:srgbClr val="000000">
+                      <a:alpha val="43137"/>
+                    </a:srgbClr>
+                  </a:outerShdw>
+                </a:effectLst>
                 <a:sym typeface="Wingdings" pitchFamily="2" charset="2"/>
               </a:rPr>
               <a:t></a:t>
             </a:r>
             <a:r>
-              <a:rPr lang="fr-FR" sz="1900" dirty="0" smtClean="0"/>
+              <a:rPr lang="fr-FR" sz="1900" dirty="0" smtClean="0">
+                <a:effectLst>
+                  <a:outerShdw blurRad="38100" dist="38100" dir="2700000" algn="tl">
+                    <a:srgbClr val="000000">
+                      <a:alpha val="43137"/>
+                    </a:srgbClr>
+                  </a:outerShdw>
+                </a:effectLst>
+              </a:rPr>
               <a:t>  Phonegap</a:t>
             </a:r>
-            <a:endParaRPr lang="fr-FR" sz="1900" dirty="0"/>
+            <a:endParaRPr lang="fr-FR" sz="1900" dirty="0">
+              <a:effectLst>
+                <a:outerShdw blurRad="38100" dist="38100" dir="2700000" algn="tl">
+                  <a:srgbClr val="000000">
+                    <a:alpha val="43137"/>
+                  </a:srgbClr>
+                </a:outerShdw>
+              </a:effectLst>
+            </a:endParaRPr>
           </a:p>
           <a:p>
             <a:pPr marL="681228" indent="-571500">
               <a:buNone/>
             </a:pPr>
-            <a:endParaRPr lang="fr-FR" sz="500" dirty="0" smtClean="0"/>
+            <a:endParaRPr lang="fr-FR" sz="1900" dirty="0" smtClean="0">
+              <a:effectLst>
+                <a:outerShdw blurRad="38100" dist="38100" dir="2700000" algn="tl">
+                  <a:srgbClr val="000000">
+                    <a:alpha val="43137"/>
+                  </a:srgbClr>
+                </a:outerShdw>
+              </a:effectLst>
+            </a:endParaRPr>
           </a:p>
           <a:p>
             <a:pPr marL="681228" indent="-571500">
               <a:buNone/>
             </a:pPr>
             <a:r>
-              <a:rPr lang="fr-FR" sz="2200" dirty="0" smtClean="0"/>
+              <a:rPr lang="fr-FR" sz="2200" dirty="0" smtClean="0">
+                <a:effectLst>
+                  <a:outerShdw blurRad="38100" dist="38100" dir="2700000" algn="tl">
+                    <a:srgbClr val="000000">
+                      <a:alpha val="43137"/>
+                    </a:srgbClr>
+                  </a:outerShdw>
+                </a:effectLst>
+              </a:rPr>
               <a:t>      </a:t>
             </a:r>
             <a:r>
@@ -6315,6 +8300,13 @@
                 <a:solidFill>
                   <a:srgbClr val="002060"/>
                 </a:solidFill>
+                <a:effectLst>
+                  <a:outerShdw blurRad="38100" dist="38100" dir="2700000" algn="tl">
+                    <a:srgbClr val="000000">
+                      <a:alpha val="43137"/>
+                    </a:srgbClr>
+                  </a:outerShdw>
+                </a:effectLst>
               </a:rPr>
               <a:t>Architecture générale de l’application</a:t>
             </a:r>
@@ -6325,20 +8317,63 @@
             </a:pPr>
             <a:r>
               <a:rPr lang="fr-FR" sz="1900" dirty="0" smtClean="0">
+                <a:effectLst>
+                  <a:outerShdw blurRad="38100" dist="38100" dir="2700000" algn="tl">
+                    <a:srgbClr val="000000">
+                      <a:alpha val="43137"/>
+                    </a:srgbClr>
+                  </a:outerShdw>
+                </a:effectLst>
                 <a:sym typeface="Wingdings" pitchFamily="2" charset="2"/>
               </a:rPr>
               <a:t>              </a:t>
             </a:r>
             <a:r>
-              <a:rPr lang="fr-FR" sz="1900" dirty="0" smtClean="0"/>
+              <a:rPr lang="fr-FR" sz="1900" dirty="0" smtClean="0">
+                <a:effectLst>
+                  <a:outerShdw blurRad="38100" dist="38100" dir="2700000" algn="tl">
+                    <a:srgbClr val="000000">
+                      <a:alpha val="43137"/>
+                    </a:srgbClr>
+                  </a:outerShdw>
+                </a:effectLst>
+              </a:rPr>
               <a:t>  </a:t>
             </a:r>
             <a:r>
-              <a:rPr lang="fr-FR" sz="1900" dirty="0"/>
-              <a:t>Partie client	 </a:t>
-            </a:r>
-            <a:r>
-              <a:rPr lang="fr-FR" sz="1900" dirty="0" smtClean="0"/>
+              <a:rPr lang="fr-FR" sz="1900" dirty="0" smtClean="0">
+                <a:effectLst>
+                  <a:outerShdw blurRad="38100" dist="38100" dir="2700000" algn="tl">
+                    <a:srgbClr val="000000">
+                      <a:alpha val="43137"/>
+                    </a:srgbClr>
+                  </a:outerShdw>
+                </a:effectLst>
+              </a:rPr>
+              <a:t>Application cliente</a:t>
+            </a:r>
+            <a:r>
+              <a:rPr lang="fr-FR" sz="1900" dirty="0">
+                <a:effectLst>
+                  <a:outerShdw blurRad="38100" dist="38100" dir="2700000" algn="tl">
+                    <a:srgbClr val="000000">
+                      <a:alpha val="43137"/>
+                    </a:srgbClr>
+                  </a:outerShdw>
+                </a:effectLst>
+              </a:rPr>
+              <a:t>	 </a:t>
+            </a:r>
+            <a:r>
+              <a:rPr lang="fr-FR" sz="1900" dirty="0" smtClean="0">
+                <a:effectLst>
+                  <a:outerShdw blurRad="38100" dist="38100" dir="2700000" algn="tl">
+                    <a:srgbClr val="000000">
+                      <a:alpha val="43137"/>
+                    </a:srgbClr>
+                  </a:outerShdw>
+                </a:effectLst>
+              </a:rPr>
               <a:t>	</a:t>
             </a:r>
           </a:p>
@@ -6348,52 +8383,64 @@
             </a:pPr>
             <a:r>
               <a:rPr lang="fr-FR" sz="1900" dirty="0" smtClean="0">
+                <a:effectLst>
+                  <a:outerShdw blurRad="38100" dist="38100" dir="2700000" algn="tl">
+                    <a:srgbClr val="000000">
+                      <a:alpha val="43137"/>
+                    </a:srgbClr>
+                  </a:outerShdw>
+                </a:effectLst>
                 <a:sym typeface="Wingdings" pitchFamily="2" charset="2"/>
               </a:rPr>
               <a:t>              </a:t>
             </a:r>
             <a:r>
-              <a:rPr lang="fr-FR" sz="1900" dirty="0" smtClean="0"/>
+              <a:rPr lang="fr-FR" sz="1900" dirty="0" smtClean="0">
+                <a:effectLst>
+                  <a:outerShdw blurRad="38100" dist="38100" dir="2700000" algn="tl">
+                    <a:srgbClr val="000000">
+                      <a:alpha val="43137"/>
+                    </a:srgbClr>
+                  </a:outerShdw>
+                </a:effectLst>
+              </a:rPr>
               <a:t>  </a:t>
             </a:r>
             <a:r>
-              <a:rPr lang="fr-FR" sz="1900" dirty="0"/>
-              <a:t>Partie </a:t>
-            </a:r>
-            <a:r>
-              <a:rPr lang="fr-FR" sz="1900" dirty="0" smtClean="0"/>
-              <a:t>serveur</a:t>
-            </a:r>
+              <a:rPr lang="fr-FR" sz="1900" dirty="0" smtClean="0">
+                <a:effectLst>
+                  <a:outerShdw blurRad="38100" dist="38100" dir="2700000" algn="tl">
+                    <a:srgbClr val="000000">
+                      <a:alpha val="43137"/>
+                    </a:srgbClr>
+                  </a:outerShdw>
+                </a:effectLst>
+              </a:rPr>
+              <a:t>Application serveur</a:t>
+            </a:r>
+            <a:endParaRPr lang="fr-FR" sz="1900" dirty="0" smtClean="0">
+              <a:effectLst>
+                <a:outerShdw blurRad="38100" dist="38100" dir="2700000" algn="tl">
+                  <a:srgbClr val="000000">
+                    <a:alpha val="43137"/>
+                  </a:srgbClr>
+                </a:outerShdw>
+              </a:effectLst>
+            </a:endParaRPr>
           </a:p>
           <a:p>
             <a:pPr marL="681228" indent="-571500">
               <a:buNone/>
             </a:pPr>
-            <a:r>
-              <a:rPr lang="fr-FR" sz="1900" dirty="0"/>
-              <a:t>	</a:t>
-            </a:r>
-            <a:r>
-              <a:rPr lang="fr-FR" sz="1900" dirty="0" smtClean="0"/>
-              <a:t>	</a:t>
-            </a:r>
-            <a:r>
-              <a:rPr lang="fr-FR" sz="1900" dirty="0" smtClean="0">
-                <a:sym typeface="Wingdings" pitchFamily="2" charset="2"/>
-              </a:rPr>
-              <a:t></a:t>
-            </a:r>
-            <a:r>
-              <a:rPr lang="fr-FR" sz="1900" dirty="0" smtClean="0"/>
-              <a:t>  Solutions proposées</a:t>
-            </a:r>
-            <a:endParaRPr lang="fr-FR" sz="1900" dirty="0"/>
-          </a:p>
-          <a:p>
-            <a:pPr marL="681228" indent="-571500">
-              <a:buNone/>
-            </a:pPr>
-            <a:endParaRPr lang="fr-FR" sz="500" b="1" dirty="0" smtClean="0"/>
+            <a:endParaRPr lang="fr-FR" sz="1900" b="1" dirty="0" smtClean="0">
+              <a:effectLst>
+                <a:outerShdw blurRad="38100" dist="38100" dir="2700000" algn="tl">
+                  <a:srgbClr val="000000">
+                    <a:alpha val="43137"/>
+                  </a:srgbClr>
+                </a:outerShdw>
+              </a:effectLst>
+            </a:endParaRPr>
           </a:p>
           <a:p>
             <a:pPr marL="681228" indent="-571500">
@@ -6404,24 +8451,15 @@
                 <a:solidFill>
                   <a:srgbClr val="002060"/>
                 </a:solidFill>
-              </a:rPr>
-              <a:t>      </a:t>
-            </a:r>
-            <a:r>
-              <a:rPr lang="fr-FR" sz="2200" b="1" dirty="0" smtClean="0">
-                <a:solidFill>
-                  <a:srgbClr val="002060"/>
-                </a:solidFill>
-              </a:rPr>
-              <a:t>Mesures </a:t>
-            </a:r>
-            <a:r>
-              <a:rPr lang="fr-FR" sz="2200" b="1" dirty="0" smtClean="0">
-                <a:solidFill>
-                  <a:srgbClr val="002060"/>
-                </a:solidFill>
-              </a:rPr>
-              <a:t>de sécurité </a:t>
+                <a:effectLst>
+                  <a:outerShdw blurRad="38100" dist="38100" dir="2700000" algn="tl">
+                    <a:srgbClr val="000000">
+                      <a:alpha val="43137"/>
+                    </a:srgbClr>
+                  </a:outerShdw>
+                </a:effectLst>
+              </a:rPr>
+              <a:t>      Mesures de sécurité </a:t>
             </a:r>
           </a:p>
           <a:p>
@@ -6434,6 +8472,13 @@
                   <a:lumMod val="50000"/>
                 </a:schemeClr>
               </a:solidFill>
+              <a:effectLst>
+                <a:outerShdw blurRad="38100" dist="38100" dir="2700000" algn="tl">
+                  <a:srgbClr val="000000">
+                    <a:alpha val="43137"/>
+                  </a:srgbClr>
+                </a:outerShdw>
+              </a:effectLst>
             </a:endParaRPr>
           </a:p>
           <a:p>
@@ -6441,52 +8486,176 @@
               <a:buNone/>
             </a:pPr>
             <a:r>
-              <a:rPr lang="fr-FR" sz="1900" dirty="0" smtClean="0"/>
+              <a:rPr lang="fr-FR" sz="1900" dirty="0" smtClean="0">
+                <a:effectLst>
+                  <a:outerShdw blurRad="38100" dist="38100" dir="2700000" algn="tl">
+                    <a:srgbClr val="000000">
+                      <a:alpha val="43137"/>
+                    </a:srgbClr>
+                  </a:outerShdw>
+                </a:effectLst>
+              </a:rPr>
               <a:t>		   </a:t>
             </a:r>
             <a:r>
               <a:rPr lang="fr-FR" sz="1900" dirty="0" smtClean="0">
+                <a:effectLst>
+                  <a:outerShdw blurRad="38100" dist="38100" dir="2700000" algn="tl">
+                    <a:srgbClr val="000000">
+                      <a:alpha val="43137"/>
+                    </a:srgbClr>
+                  </a:outerShdw>
+                </a:effectLst>
                 <a:sym typeface="Wingdings" pitchFamily="2" charset="2"/>
               </a:rPr>
               <a:t></a:t>
             </a:r>
             <a:r>
-              <a:rPr lang="fr-FR" sz="1900" dirty="0" smtClean="0"/>
-              <a:t>  Partie du serveur et réseau</a:t>
-            </a:r>
+              <a:rPr lang="fr-FR" sz="1900" dirty="0" smtClean="0">
+                <a:effectLst>
+                  <a:outerShdw blurRad="38100" dist="38100" dir="2700000" algn="tl">
+                    <a:srgbClr val="000000">
+                      <a:alpha val="43137"/>
+                    </a:srgbClr>
+                  </a:outerShdw>
+                </a:effectLst>
+              </a:rPr>
+              <a:t>  </a:t>
+            </a:r>
+            <a:r>
+              <a:rPr lang="fr-FR" sz="1900" dirty="0" smtClean="0">
+                <a:effectLst>
+                  <a:outerShdw blurRad="38100" dist="38100" dir="2700000" algn="tl">
+                    <a:srgbClr val="000000">
+                      <a:alpha val="43137"/>
+                    </a:srgbClr>
+                  </a:outerShdw>
+                </a:effectLst>
+              </a:rPr>
+              <a:t>Application serveur et partie réseau</a:t>
+            </a:r>
+            <a:endParaRPr lang="fr-FR" sz="1900" dirty="0" smtClean="0">
+              <a:effectLst>
+                <a:outerShdw blurRad="38100" dist="38100" dir="2700000" algn="tl">
+                  <a:srgbClr val="000000">
+                    <a:alpha val="43137"/>
+                  </a:srgbClr>
+                </a:outerShdw>
+              </a:effectLst>
+            </a:endParaRPr>
           </a:p>
           <a:p>
             <a:pPr marL="681228" indent="-571500">
               <a:buNone/>
             </a:pPr>
             <a:r>
-              <a:rPr lang="fr-FR" sz="1900" dirty="0" smtClean="0"/>
+              <a:rPr lang="fr-FR" sz="1900" dirty="0" smtClean="0">
+                <a:effectLst>
+                  <a:outerShdw blurRad="38100" dist="38100" dir="2700000" algn="tl">
+                    <a:srgbClr val="000000">
+                      <a:alpha val="43137"/>
+                    </a:srgbClr>
+                  </a:outerShdw>
+                </a:effectLst>
+              </a:rPr>
               <a:t>		   </a:t>
             </a:r>
             <a:r>
               <a:rPr lang="fr-FR" sz="1900" dirty="0" smtClean="0">
+                <a:effectLst>
+                  <a:outerShdw blurRad="38100" dist="38100" dir="2700000" algn="tl">
+                    <a:srgbClr val="000000">
+                      <a:alpha val="43137"/>
+                    </a:srgbClr>
+                  </a:outerShdw>
+                </a:effectLst>
                 <a:sym typeface="Wingdings" pitchFamily="2" charset="2"/>
               </a:rPr>
               <a:t></a:t>
             </a:r>
             <a:r>
-              <a:rPr lang="fr-FR" sz="1900" dirty="0" smtClean="0"/>
-              <a:t>  Partie de l’application client</a:t>
-            </a:r>
+              <a:rPr lang="fr-FR" sz="1900" dirty="0" smtClean="0">
+                <a:effectLst>
+                  <a:outerShdw blurRad="38100" dist="38100" dir="2700000" algn="tl">
+                    <a:srgbClr val="000000">
+                      <a:alpha val="43137"/>
+                    </a:srgbClr>
+                  </a:outerShdw>
+                </a:effectLst>
+              </a:rPr>
+              <a:t>  </a:t>
+            </a:r>
+            <a:r>
+              <a:rPr lang="fr-FR" sz="1900" dirty="0" err="1" smtClean="0">
+                <a:effectLst>
+                  <a:outerShdw blurRad="38100" dist="38100" dir="2700000" algn="tl">
+                    <a:srgbClr val="000000">
+                      <a:alpha val="43137"/>
+                    </a:srgbClr>
+                  </a:outerShdw>
+                </a:effectLst>
+              </a:rPr>
+              <a:t>Appliaction</a:t>
+            </a:r>
+            <a:r>
+              <a:rPr lang="fr-FR" sz="1900" dirty="0" smtClean="0">
+                <a:effectLst>
+                  <a:outerShdw blurRad="38100" dist="38100" dir="2700000" algn="tl">
+                    <a:srgbClr val="000000">
+                      <a:alpha val="43137"/>
+                    </a:srgbClr>
+                  </a:outerShdw>
+                </a:effectLst>
+              </a:rPr>
+              <a:t> cliente</a:t>
+            </a:r>
+            <a:endParaRPr lang="fr-FR" sz="1900" dirty="0" smtClean="0">
+              <a:effectLst>
+                <a:outerShdw blurRad="38100" dist="38100" dir="2700000" algn="tl">
+                  <a:srgbClr val="000000">
+                    <a:alpha val="43137"/>
+                  </a:srgbClr>
+                </a:outerShdw>
+              </a:effectLst>
+            </a:endParaRPr>
           </a:p>
           <a:p>
             <a:pPr marL="681228" indent="-571500">
               <a:buNone/>
             </a:pPr>
             <a:r>
-              <a:rPr lang="fr-FR" sz="1900" dirty="0" smtClean="0"/>
+              <a:rPr lang="fr-FR" sz="1900" dirty="0" smtClean="0">
+                <a:effectLst>
+                  <a:outerShdw blurRad="38100" dist="38100" dir="2700000" algn="tl">
+                    <a:srgbClr val="000000">
+                      <a:alpha val="43137"/>
+                    </a:srgbClr>
+                  </a:outerShdw>
+                </a:effectLst>
+              </a:rPr>
               <a:t>	</a:t>
             </a:r>
             <a:r>
-              <a:rPr lang="fr-FR" sz="1900" dirty="0"/>
+              <a:rPr lang="fr-FR" sz="1900" dirty="0">
+                <a:effectLst>
+                  <a:outerShdw blurRad="38100" dist="38100" dir="2700000" algn="tl">
+                    <a:srgbClr val="000000">
+                      <a:alpha val="43137"/>
+                    </a:srgbClr>
+                  </a:outerShdw>
+                </a:effectLst>
+              </a:rPr>
               <a:t>	</a:t>
             </a:r>
-            <a:endParaRPr lang="fr-FR" sz="1900" dirty="0" smtClean="0"/>
+            <a:endParaRPr lang="fr-FR" sz="1900" dirty="0" smtClean="0">
+              <a:effectLst>
+                <a:outerShdw blurRad="38100" dist="38100" dir="2700000" algn="tl">
+                  <a:srgbClr val="000000">
+                    <a:alpha val="43137"/>
+                  </a:srgbClr>
+                </a:outerShdw>
+              </a:effectLst>
+            </a:endParaRPr>
           </a:p>
           <a:p>
             <a:pPr marL="681228" indent="-571500">
@@ -6497,6 +8666,13 @@
                 <a:solidFill>
                   <a:srgbClr val="002060"/>
                 </a:solidFill>
+                <a:effectLst>
+                  <a:outerShdw blurRad="38100" dist="38100" dir="2700000" algn="tl">
+                    <a:srgbClr val="000000">
+                      <a:alpha val="43137"/>
+                    </a:srgbClr>
+                  </a:outerShdw>
+                </a:effectLst>
               </a:rPr>
               <a:t> </a:t>
             </a:r>
@@ -6505,6 +8681,13 @@
                 <a:solidFill>
                   <a:srgbClr val="002060"/>
                 </a:solidFill>
+                <a:effectLst>
+                  <a:outerShdw blurRad="38100" dist="38100" dir="2700000" algn="tl">
+                    <a:srgbClr val="000000">
+                      <a:alpha val="43137"/>
+                    </a:srgbClr>
+                  </a:outerShdw>
+                </a:effectLst>
               </a:rPr>
               <a:t>      </a:t>
             </a:r>
@@ -6513,6 +8696,13 @@
                 <a:solidFill>
                   <a:srgbClr val="002060"/>
                 </a:solidFill>
+                <a:effectLst>
+                  <a:outerShdw blurRad="38100" dist="38100" dir="2700000" algn="tl">
+                    <a:srgbClr val="000000">
+                      <a:alpha val="43137"/>
+                    </a:srgbClr>
+                  </a:outerShdw>
+                </a:effectLst>
               </a:rPr>
               <a:t>Conclusion</a:t>
             </a:r>
@@ -6520,6 +8710,13 @@
               <a:solidFill>
                 <a:srgbClr val="002060"/>
               </a:solidFill>
+              <a:effectLst>
+                <a:outerShdw blurRad="38100" dist="38100" dir="2700000" algn="tl">
+                  <a:srgbClr val="000000">
+                    <a:alpha val="43137"/>
+                  </a:srgbClr>
+                </a:outerShdw>
+              </a:effectLst>
             </a:endParaRPr>
           </a:p>
         </p:txBody>
@@ -6550,41 +8747,32 @@
       </p:sp>
       <p:sp>
         <p:nvSpPr>
-          <p:cNvPr id="17" name="Rectangle à coins arrondis 16"/>
+          <p:cNvPr id="8" name="Rectangle à coins arrondis 7"/>
           <p:cNvSpPr/>
           <p:nvPr/>
         </p:nvSpPr>
         <p:spPr>
           <a:xfrm>
-            <a:off x="56761" y="548680"/>
-            <a:ext cx="4587247" cy="504056"/>
+            <a:off x="72008" y="548680"/>
+            <a:ext cx="7524328" cy="504056"/>
           </a:xfrm>
           <a:prstGeom prst="roundRect">
             <a:avLst/>
           </a:prstGeom>
-          <a:solidFill>
-            <a:schemeClr val="bg1"/>
-          </a:solidFill>
-          <a:ln w="38100">
-            <a:solidFill>
-              <a:schemeClr val="tx1"/>
-            </a:solidFill>
-          </a:ln>
+          <a:ln/>
         </p:spPr>
         <p:style>
-          <a:lnRef idx="2">
-            <a:schemeClr val="accent1">
-              <a:shade val="50000"/>
-            </a:schemeClr>
+          <a:lnRef idx="1">
+            <a:schemeClr val="accent6"/>
           </a:lnRef>
-          <a:fillRef idx="1">
-            <a:schemeClr val="accent1"/>
+          <a:fillRef idx="2">
+            <a:schemeClr val="accent6"/>
           </a:fillRef>
-          <a:effectRef idx="0">
-            <a:schemeClr val="accent1"/>
+          <a:effectRef idx="1">
+            <a:schemeClr val="accent6"/>
           </a:effectRef>
           <a:fontRef idx="minor">
-            <a:schemeClr val="lt1"/>
+            <a:schemeClr val="dk1"/>
           </a:fontRef>
         </p:style>
         <p:txBody>
@@ -6592,22 +8780,41 @@
           <a:lstStyle/>
           <a:p>
             <a:r>
-              <a:rPr lang="fr-FR" sz="2800" b="1" dirty="0" smtClean="0">
+              <a:rPr lang="fr-FR" sz="2400" b="1" dirty="0" smtClean="0">
                 <a:solidFill>
-                  <a:schemeClr val="tx1"/>
+                  <a:srgbClr val="002060"/>
                 </a:solidFill>
+                <a:effectLst>
+                  <a:outerShdw blurRad="38100" dist="38100" dir="2700000" algn="tl">
+                    <a:srgbClr val="000000">
+                      <a:alpha val="43137"/>
+                    </a:srgbClr>
+                  </a:outerShdw>
+                </a:effectLst>
               </a:rPr>
               <a:t>Plan de la présentation</a:t>
             </a:r>
-            <a:endParaRPr lang="fr-FR" sz="2600" b="1" dirty="0">
+            <a:endParaRPr lang="fr-FR" sz="2400" b="1" dirty="0">
               <a:solidFill>
-                <a:schemeClr val="tx1"/>
+                <a:srgbClr val="002060"/>
               </a:solidFill>
+              <a:effectLst>
+                <a:outerShdw blurRad="38100" dist="38100" dir="2700000" algn="tl">
+                  <a:srgbClr val="000000">
+                    <a:alpha val="43137"/>
+                  </a:srgbClr>
+                </a:outerShdw>
+              </a:effectLst>
             </a:endParaRPr>
           </a:p>
         </p:txBody>
       </p:sp>
     </p:spTree>
+    <p:extLst>
+      <p:ext uri="{BB962C8B-B14F-4D97-AF65-F5344CB8AC3E}">
+        <p14:creationId xmlns:p14="http://schemas.microsoft.com/office/powerpoint/2010/main" val="2136818391"/>
+      </p:ext>
+    </p:extLst>
   </p:cSld>
   <p:clrMapOvr>
     <a:masterClrMapping/>
@@ -6744,6 +8951,11 @@
         </p:txBody>
       </p:sp>
     </p:spTree>
+    <p:extLst>
+      <p:ext uri="{BB962C8B-B14F-4D97-AF65-F5344CB8AC3E}">
+        <p14:creationId xmlns:p14="http://schemas.microsoft.com/office/powerpoint/2010/main" val="50140351"/>
+      </p:ext>
+    </p:extLst>
   </p:cSld>
   <p:clrMapOvr>
     <a:masterClrMapping/>
@@ -7020,6 +9232,11 @@
         </p:txBody>
       </p:sp>
     </p:spTree>
+    <p:extLst>
+      <p:ext uri="{BB962C8B-B14F-4D97-AF65-F5344CB8AC3E}">
+        <p14:creationId xmlns:p14="http://schemas.microsoft.com/office/powerpoint/2010/main" val="2508319625"/>
+      </p:ext>
+    </p:extLst>
   </p:cSld>
   <p:clrMapOvr>
     <a:masterClrMapping/>
@@ -7573,6 +9790,11 @@
         </p:txBody>
       </p:sp>
     </p:spTree>
+    <p:extLst>
+      <p:ext uri="{BB962C8B-B14F-4D97-AF65-F5344CB8AC3E}">
+        <p14:creationId xmlns:p14="http://schemas.microsoft.com/office/powerpoint/2010/main" val="1703377240"/>
+      </p:ext>
+    </p:extLst>
   </p:cSld>
   <p:clrMapOvr>
     <a:masterClrMapping/>
@@ -7606,127 +9828,6 @@
       </p:grpSpPr>
       <p:sp>
         <p:nvSpPr>
-          <p:cNvPr id="2" name="Titre 1"/>
-          <p:cNvSpPr>
-            <a:spLocks noGrp="1"/>
-          </p:cNvSpPr>
-          <p:nvPr>
-            <p:ph type="title"/>
-          </p:nvPr>
-        </p:nvSpPr>
-        <p:spPr/>
-        <p:txBody>
-          <a:bodyPr/>
-          <a:lstStyle/>
-          <a:p>
-            <a:endParaRPr lang="fr-FR"/>
-          </a:p>
-        </p:txBody>
-      </p:sp>
-      <p:sp>
-        <p:nvSpPr>
-          <p:cNvPr id="3" name="Espace réservé du contenu 2"/>
-          <p:cNvSpPr>
-            <a:spLocks noGrp="1"/>
-          </p:cNvSpPr>
-          <p:nvPr>
-            <p:ph idx="1"/>
-          </p:nvPr>
-        </p:nvSpPr>
-        <p:spPr/>
-        <p:txBody>
-          <a:bodyPr/>
-          <a:lstStyle/>
-          <a:p>
-            <a:r>
-              <a:rPr lang="fr-FR" dirty="0" smtClean="0"/>
-              <a:t>Les outils : </a:t>
-            </a:r>
-          </a:p>
-          <a:p>
-            <a:pPr lvl="1"/>
-            <a:r>
-              <a:rPr lang="fr-FR" dirty="0" err="1" smtClean="0"/>
-              <a:t>GitHub</a:t>
-            </a:r>
-            <a:endParaRPr lang="fr-FR" dirty="0" smtClean="0"/>
-          </a:p>
-          <a:p>
-            <a:pPr lvl="1"/>
-            <a:r>
-              <a:rPr lang="fr-FR" dirty="0" smtClean="0"/>
-              <a:t>Phonegap-</a:t>
-            </a:r>
-            <a:r>
-              <a:rPr lang="fr-FR" dirty="0" err="1" smtClean="0"/>
-              <a:t>Android</a:t>
-            </a:r>
-            <a:endParaRPr lang="fr-FR" dirty="0" smtClean="0"/>
-          </a:p>
-          <a:p>
-            <a:pPr lvl="1"/>
-            <a:r>
-              <a:rPr lang="fr-FR" dirty="0" smtClean="0"/>
-              <a:t>Serveur web : apache , </a:t>
-            </a:r>
-            <a:r>
-              <a:rPr lang="fr-FR" dirty="0" err="1" smtClean="0"/>
-              <a:t>WampServer</a:t>
-            </a:r>
-            <a:r>
-              <a:rPr lang="fr-FR" dirty="0" smtClean="0"/>
-              <a:t>, </a:t>
-            </a:r>
-            <a:r>
-              <a:rPr lang="fr-FR" dirty="0" err="1" smtClean="0"/>
-              <a:t>php</a:t>
-            </a:r>
-            <a:endParaRPr lang="fr-FR" dirty="0" smtClean="0"/>
-          </a:p>
-          <a:p>
-            <a:pPr lvl="1"/>
-            <a:r>
-              <a:rPr lang="fr-FR" dirty="0" smtClean="0"/>
-              <a:t>Codage </a:t>
-            </a:r>
-            <a:r>
-              <a:rPr lang="fr-FR" dirty="0" smtClean="0"/>
-              <a:t>html5/css3/</a:t>
-            </a:r>
-            <a:r>
-              <a:rPr lang="fr-FR" dirty="0" err="1" smtClean="0"/>
-              <a:t>js</a:t>
-            </a:r>
-            <a:endParaRPr lang="fr-FR" dirty="0" smtClean="0"/>
-          </a:p>
-          <a:p>
-            <a:pPr lvl="1"/>
-            <a:r>
-              <a:rPr lang="fr-FR" dirty="0" smtClean="0"/>
-              <a:t>Plugin </a:t>
-            </a:r>
-            <a:r>
-              <a:rPr lang="fr-FR" dirty="0" err="1" smtClean="0"/>
-              <a:t>phonegap</a:t>
-            </a:r>
-            <a:r>
-              <a:rPr lang="fr-FR" dirty="0" smtClean="0"/>
-              <a:t> pour </a:t>
-            </a:r>
-            <a:r>
-              <a:rPr lang="fr-FR" dirty="0" err="1" smtClean="0"/>
-              <a:t>Android</a:t>
-            </a:r>
-            <a:r>
-              <a:rPr lang="fr-FR" dirty="0" smtClean="0"/>
-              <a:t> : Java</a:t>
-            </a:r>
-            <a:endParaRPr lang="fr-FR" dirty="0" smtClean="0"/>
-          </a:p>
-        </p:txBody>
-      </p:sp>
-      <p:sp>
-        <p:nvSpPr>
           <p:cNvPr id="4" name="Espace réservé du numéro de diapositive 3"/>
           <p:cNvSpPr>
             <a:spLocks noGrp="1"/>
@@ -7749,10 +9850,75 @@
           </a:p>
         </p:txBody>
       </p:sp>
+      <p:sp>
+        <p:nvSpPr>
+          <p:cNvPr id="5" name="Rectangle à coins arrondis 4"/>
+          <p:cNvSpPr/>
+          <p:nvPr/>
+        </p:nvSpPr>
+        <p:spPr>
+          <a:xfrm>
+            <a:off x="251520" y="3140968"/>
+            <a:ext cx="8640960" cy="936104"/>
+          </a:xfrm>
+          <a:prstGeom prst="roundRect">
+            <a:avLst/>
+          </a:prstGeom>
+          <a:solidFill>
+            <a:schemeClr val="bg1"/>
+          </a:solidFill>
+          <a:ln w="57150">
+            <a:solidFill>
+              <a:schemeClr val="tx1"/>
+            </a:solidFill>
+          </a:ln>
+        </p:spPr>
+        <p:style>
+          <a:lnRef idx="2">
+            <a:schemeClr val="accent1">
+              <a:shade val="50000"/>
+            </a:schemeClr>
+          </a:lnRef>
+          <a:fillRef idx="1">
+            <a:schemeClr val="accent1"/>
+          </a:fillRef>
+          <a:effectRef idx="0">
+            <a:schemeClr val="accent1"/>
+          </a:effectRef>
+          <a:fontRef idx="minor">
+            <a:schemeClr val="lt1"/>
+          </a:fontRef>
+        </p:style>
+        <p:txBody>
+          <a:bodyPr rtlCol="0" anchor="ctr"/>
+          <a:lstStyle/>
+          <a:p>
+            <a:pPr algn="ctr"/>
+            <a:r>
+              <a:rPr lang="fr-FR" sz="3600" dirty="0"/>
+              <a:t> </a:t>
+            </a:r>
+            <a:r>
+              <a:rPr lang="fr-FR" sz="3200" b="1" dirty="0">
+                <a:solidFill>
+                  <a:srgbClr val="002060"/>
+                </a:solidFill>
+              </a:rPr>
+              <a:t>Architecture générale de l’application</a:t>
+            </a:r>
+            <a:endParaRPr lang="fr-FR" sz="3200" b="1" dirty="0">
+              <a:solidFill>
+                <a:srgbClr val="002060"/>
+              </a:solidFill>
+              <a:latin typeface="+mj-lt"/>
+            </a:endParaRPr>
+          </a:p>
+        </p:txBody>
+      </p:sp>
     </p:spTree>
     <p:extLst>
       <p:ext uri="{BB962C8B-B14F-4D97-AF65-F5344CB8AC3E}">
-        <p14:creationId xmlns:p14="http://schemas.microsoft.com/office/powerpoint/2010/main" val="1846227744"/>
+        <p14:creationId xmlns:p14="http://schemas.microsoft.com/office/powerpoint/2010/main" val="1672326171"/>
       </p:ext>
     </p:extLst>
   </p:cSld>
@@ -7796,17 +9962,38 @@
             <p:ph type="sldNum" sz="quarter" idx="12"/>
           </p:nvPr>
         </p:nvSpPr>
-        <p:spPr/>
+        <p:spPr>
+          <a:xfrm>
+            <a:off x="8460432" y="2272"/>
+            <a:ext cx="476304" cy="365760"/>
+          </a:xfrm>
+        </p:spPr>
         <p:txBody>
           <a:bodyPr/>
           <a:lstStyle/>
           <a:p>
             <a:fld id="{6816B381-CB31-4B8E-B307-29C9C96A0920}" type="slidenum">
-              <a:rPr lang="fr-FR" smtClean="0"/>
+              <a:rPr lang="fr-FR" b="1" smtClean="0">
+                <a:effectLst>
+                  <a:outerShdw blurRad="38100" dist="38100" dir="2700000" algn="tl">
+                    <a:srgbClr val="000000">
+                      <a:alpha val="43137"/>
+                    </a:srgbClr>
+                  </a:outerShdw>
+                </a:effectLst>
+              </a:rPr>
               <a:pPr/>
               <a:t>7</a:t>
             </a:fld>
-            <a:endParaRPr lang="fr-FR"/>
+            <a:endParaRPr lang="fr-FR" b="1" dirty="0">
+              <a:effectLst>
+                <a:outerShdw blurRad="38100" dist="38100" dir="2700000" algn="tl">
+                  <a:srgbClr val="000000">
+                    <a:alpha val="43137"/>
+                  </a:srgbClr>
+                </a:outerShdw>
+              </a:effectLst>
+            </a:endParaRPr>
           </a:p>
         </p:txBody>
       </p:sp>
@@ -7818,20 +10005,107 @@
         </p:nvSpPr>
         <p:spPr>
           <a:xfrm>
-            <a:off x="251520" y="3140968"/>
-            <a:ext cx="8640960" cy="936104"/>
+            <a:off x="72008" y="548680"/>
+            <a:ext cx="7524328" cy="504056"/>
           </a:xfrm>
           <a:prstGeom prst="roundRect">
             <a:avLst/>
           </a:prstGeom>
-          <a:solidFill>
-            <a:schemeClr val="bg1"/>
-          </a:solidFill>
-          <a:ln w="57150">
-            <a:solidFill>
-              <a:schemeClr val="tx1"/>
-            </a:solidFill>
-          </a:ln>
+          <a:ln/>
+        </p:spPr>
+        <p:style>
+          <a:lnRef idx="1">
+            <a:schemeClr val="accent6"/>
+          </a:lnRef>
+          <a:fillRef idx="2">
+            <a:schemeClr val="accent6"/>
+          </a:fillRef>
+          <a:effectRef idx="1">
+            <a:schemeClr val="accent6"/>
+          </a:effectRef>
+          <a:fontRef idx="minor">
+            <a:schemeClr val="dk1"/>
+          </a:fontRef>
+        </p:style>
+        <p:txBody>
+          <a:bodyPr rtlCol="0" anchor="ctr"/>
+          <a:lstStyle/>
+          <a:p>
+            <a:r>
+              <a:rPr lang="fr-FR" sz="2400" b="1" dirty="0">
+                <a:solidFill>
+                  <a:srgbClr val="002060"/>
+                </a:solidFill>
+                <a:effectLst>
+                  <a:outerShdw blurRad="38100" dist="38100" dir="2700000" algn="tl">
+                    <a:srgbClr val="000000">
+                      <a:alpha val="43137"/>
+                    </a:srgbClr>
+                  </a:outerShdw>
+                </a:effectLst>
+              </a:rPr>
+              <a:t>Architecture générale de l’application</a:t>
+            </a:r>
+          </a:p>
+        </p:txBody>
+      </p:sp>
+      <p:pic>
+        <p:nvPicPr>
+          <p:cNvPr id="1026" name="Picture 2" descr="C:\Users\Jeremie\Documents\Etudes\2011-2013 - UTT\Semestre 4\IF26\Projet\présentation\Images\architecture_client_1.png"/>
+          <p:cNvPicPr>
+            <a:picLocks noChangeAspect="1" noChangeArrowheads="1"/>
+          </p:cNvPicPr>
+          <p:nvPr/>
+        </p:nvPicPr>
+        <p:blipFill>
+          <a:blip r:embed="rId2">
+            <a:extLst>
+              <a:ext uri="{28A0092B-C50C-407E-A947-70E740481C1C}">
+                <a14:useLocalDpi xmlns:a14="http://schemas.microsoft.com/office/drawing/2010/main" val="0"/>
+              </a:ext>
+            </a:extLst>
+          </a:blip>
+          <a:srcRect/>
+          <a:stretch>
+            <a:fillRect/>
+          </a:stretch>
+        </p:blipFill>
+        <p:spPr bwMode="auto">
+          <a:xfrm>
+            <a:off x="550007" y="1963688"/>
+            <a:ext cx="2895600" cy="2201862"/>
+          </a:xfrm>
+          <a:prstGeom prst="rect">
+            <a:avLst/>
+          </a:prstGeom>
+          <a:noFill/>
+          <a:extLst>
+            <a:ext uri="{909E8E84-426E-40DD-AFC4-6F175D3DCCD1}">
+              <a14:hiddenFill xmlns:a14="http://schemas.microsoft.com/office/drawing/2010/main">
+                <a:solidFill>
+                  <a:srgbClr val="FFFFFF"/>
+                </a:solidFill>
+              </a14:hiddenFill>
+            </a:ext>
+          </a:extLst>
+        </p:spPr>
+      </p:pic>
+      <p:sp>
+        <p:nvSpPr>
+          <p:cNvPr id="7" name="Rectangle à coins arrondis 6"/>
+          <p:cNvSpPr/>
+          <p:nvPr/>
+        </p:nvSpPr>
+        <p:spPr>
+          <a:xfrm>
+            <a:off x="827584" y="2060848"/>
+            <a:ext cx="1800200" cy="792088"/>
+          </a:xfrm>
+          <a:prstGeom prst="roundRect">
+            <a:avLst/>
+          </a:prstGeom>
+          <a:noFill/>
+          <a:ln w="28575"/>
         </p:spPr>
         <p:style>
           <a:lnRef idx="2">
@@ -7854,28 +10128,310 @@
           <a:lstStyle/>
           <a:p>
             <a:pPr algn="ctr"/>
-            <a:r>
-              <a:rPr lang="fr-FR" sz="3600" dirty="0"/>
-              <a:t> </a:t>
-            </a:r>
-            <a:r>
-              <a:rPr lang="fr-FR" sz="3200" b="1" dirty="0">
+            <a:endParaRPr lang="fr-FR"/>
+          </a:p>
+        </p:txBody>
+      </p:sp>
+      <p:sp>
+        <p:nvSpPr>
+          <p:cNvPr id="8" name="Flèche vers le bas 7"/>
+          <p:cNvSpPr/>
+          <p:nvPr/>
+        </p:nvSpPr>
+        <p:spPr>
+          <a:xfrm rot="5237647">
+            <a:off x="3080068" y="1715055"/>
+            <a:ext cx="389446" cy="1438556"/>
+          </a:xfrm>
+          <a:prstGeom prst="downArrow">
+            <a:avLst/>
+          </a:prstGeom>
+        </p:spPr>
+        <p:style>
+          <a:lnRef idx="2">
+            <a:schemeClr val="accent1">
+              <a:shade val="50000"/>
+            </a:schemeClr>
+          </a:lnRef>
+          <a:fillRef idx="1">
+            <a:schemeClr val="accent1"/>
+          </a:fillRef>
+          <a:effectRef idx="0">
+            <a:schemeClr val="accent1"/>
+          </a:effectRef>
+          <a:fontRef idx="minor">
+            <a:schemeClr val="lt1"/>
+          </a:fontRef>
+        </p:style>
+        <p:txBody>
+          <a:bodyPr rtlCol="0" anchor="ctr"/>
+          <a:lstStyle/>
+          <a:p>
+            <a:pPr algn="ctr"/>
+            <a:endParaRPr lang="fr-FR"/>
+          </a:p>
+        </p:txBody>
+      </p:sp>
+      <p:sp>
+        <p:nvSpPr>
+          <p:cNvPr id="9" name="ZoneTexte 8"/>
+          <p:cNvSpPr txBox="1"/>
+          <p:nvPr/>
+        </p:nvSpPr>
+        <p:spPr>
+          <a:xfrm>
+            <a:off x="4139952" y="2205870"/>
+            <a:ext cx="2868885" cy="369332"/>
+          </a:xfrm>
+          <a:prstGeom prst="rect">
+            <a:avLst/>
+          </a:prstGeom>
+          <a:noFill/>
+        </p:spPr>
+        <p:txBody>
+          <a:bodyPr wrap="square" rtlCol="0">
+            <a:spAutoFit/>
+          </a:bodyPr>
+          <a:lstStyle/>
+          <a:p>
+            <a:r>
+              <a:rPr lang="fr-FR" dirty="0" smtClean="0">
+                <a:effectLst>
+                  <a:outerShdw blurRad="38100" dist="38100" dir="2700000" algn="tl">
+                    <a:srgbClr val="000000">
+                      <a:alpha val="43137"/>
+                    </a:srgbClr>
+                  </a:outerShdw>
+                </a:effectLst>
+              </a:rPr>
+              <a:t>Projet Java (</a:t>
+            </a:r>
+            <a:r>
+              <a:rPr lang="fr-FR" dirty="0" err="1" smtClean="0">
+                <a:effectLst>
+                  <a:outerShdw blurRad="38100" dist="38100" dir="2700000" algn="tl">
+                    <a:srgbClr val="000000">
+                      <a:alpha val="43137"/>
+                    </a:srgbClr>
+                  </a:outerShdw>
+                </a:effectLst>
+              </a:rPr>
+              <a:t>Android</a:t>
+            </a:r>
+            <a:r>
+              <a:rPr lang="fr-FR" dirty="0" smtClean="0">
+                <a:effectLst>
+                  <a:outerShdw blurRad="38100" dist="38100" dir="2700000" algn="tl">
+                    <a:srgbClr val="000000">
+                      <a:alpha val="43137"/>
+                    </a:srgbClr>
+                  </a:outerShdw>
+                </a:effectLst>
+              </a:rPr>
+              <a:t>)</a:t>
+            </a:r>
+            <a:endParaRPr lang="fr-FR" dirty="0">
+              <a:effectLst>
+                <a:outerShdw blurRad="38100" dist="38100" dir="2700000" algn="tl">
+                  <a:srgbClr val="000000">
+                    <a:alpha val="43137"/>
+                  </a:srgbClr>
+                </a:outerShdw>
+              </a:effectLst>
+            </a:endParaRPr>
+          </a:p>
+        </p:txBody>
+      </p:sp>
+      <p:sp>
+        <p:nvSpPr>
+          <p:cNvPr id="10" name="Rectangle à coins arrondis 9"/>
+          <p:cNvSpPr/>
+          <p:nvPr/>
+        </p:nvSpPr>
+        <p:spPr>
+          <a:xfrm>
+            <a:off x="190947" y="1161728"/>
+            <a:ext cx="2724869" cy="432048"/>
+          </a:xfrm>
+          <a:prstGeom prst="roundRect">
+            <a:avLst/>
+          </a:prstGeom>
+          <a:ln/>
+        </p:spPr>
+        <p:style>
+          <a:lnRef idx="1">
+            <a:schemeClr val="accent1"/>
+          </a:lnRef>
+          <a:fillRef idx="2">
+            <a:schemeClr val="accent1"/>
+          </a:fillRef>
+          <a:effectRef idx="1">
+            <a:schemeClr val="accent1"/>
+          </a:effectRef>
+          <a:fontRef idx="minor">
+            <a:schemeClr val="dk1"/>
+          </a:fontRef>
+        </p:style>
+        <p:txBody>
+          <a:bodyPr rtlCol="0" anchor="ctr"/>
+          <a:lstStyle/>
+          <a:p>
+            <a:r>
+              <a:rPr lang="fr-FR" sz="2000" b="1" dirty="0" smtClean="0">
                 <a:solidFill>
-                  <a:srgbClr val="002060"/>
+                  <a:schemeClr val="accent6"/>
                 </a:solidFill>
-              </a:rPr>
-              <a:t>Architecture générale de l’application</a:t>
-            </a:r>
-            <a:endParaRPr lang="fr-FR" sz="3200" b="1" dirty="0">
+                <a:effectLst>
+                  <a:outerShdw blurRad="38100" dist="38100" dir="2700000" algn="tl">
+                    <a:srgbClr val="000000">
+                      <a:alpha val="43137"/>
+                    </a:srgbClr>
+                  </a:outerShdw>
+                </a:effectLst>
+              </a:rPr>
+              <a:t>Application cliente</a:t>
+            </a:r>
+            <a:endParaRPr lang="fr-FR" sz="2000" b="1" dirty="0">
               <a:solidFill>
-                <a:srgbClr val="002060"/>
+                <a:schemeClr val="accent6"/>
               </a:solidFill>
-              <a:latin typeface="+mj-lt"/>
+              <a:effectLst>
+                <a:outerShdw blurRad="38100" dist="38100" dir="2700000" algn="tl">
+                  <a:srgbClr val="000000">
+                    <a:alpha val="43137"/>
+                  </a:srgbClr>
+                </a:outerShdw>
+              </a:effectLst>
             </a:endParaRPr>
           </a:p>
         </p:txBody>
       </p:sp>
+      <p:sp>
+        <p:nvSpPr>
+          <p:cNvPr id="2" name="Rectangle 1"/>
+          <p:cNvSpPr/>
+          <p:nvPr/>
+        </p:nvSpPr>
+        <p:spPr>
+          <a:xfrm>
+            <a:off x="0" y="6597352"/>
+            <a:ext cx="9144000" cy="260648"/>
+          </a:xfrm>
+          <a:prstGeom prst="rect">
+            <a:avLst/>
+          </a:prstGeom>
+        </p:spPr>
+        <p:style>
+          <a:lnRef idx="2">
+            <a:schemeClr val="accent6">
+              <a:shade val="50000"/>
+            </a:schemeClr>
+          </a:lnRef>
+          <a:fillRef idx="1">
+            <a:schemeClr val="accent6"/>
+          </a:fillRef>
+          <a:effectRef idx="0">
+            <a:schemeClr val="accent6"/>
+          </a:effectRef>
+          <a:fontRef idx="minor">
+            <a:schemeClr val="lt1"/>
+          </a:fontRef>
+        </p:style>
+        <p:txBody>
+          <a:bodyPr rtlCol="0" anchor="ctr"/>
+          <a:lstStyle/>
+          <a:p>
+            <a:pPr algn="r"/>
+            <a:r>
+              <a:rPr lang="fr-FR" sz="1200" b="1" dirty="0" smtClean="0">
+                <a:effectLst>
+                  <a:outerShdw blurRad="38100" dist="38100" dir="2700000" algn="tl">
+                    <a:srgbClr val="000000">
+                      <a:alpha val="43137"/>
+                    </a:srgbClr>
+                  </a:outerShdw>
+                </a:effectLst>
+              </a:rPr>
+              <a:t>[IF26] </a:t>
+            </a:r>
+            <a:r>
+              <a:rPr lang="fr-FR" sz="1200" b="1" dirty="0" err="1" smtClean="0">
+                <a:effectLst>
+                  <a:outerShdw blurRad="38100" dist="38100" dir="2700000" algn="tl">
+                    <a:srgbClr val="000000">
+                      <a:alpha val="43137"/>
+                    </a:srgbClr>
+                  </a:outerShdw>
+                </a:effectLst>
+              </a:rPr>
+              <a:t>Strangers</a:t>
+            </a:r>
+            <a:r>
+              <a:rPr lang="fr-FR" sz="1200" b="1" dirty="0" smtClean="0">
+                <a:effectLst>
+                  <a:outerShdw blurRad="38100" dist="38100" dir="2700000" algn="tl">
+                    <a:srgbClr val="000000">
+                      <a:alpha val="43137"/>
+                    </a:srgbClr>
+                  </a:outerShdw>
+                </a:effectLst>
+              </a:rPr>
+              <a:t> (</a:t>
+            </a:r>
+            <a:r>
+              <a:rPr lang="fr-FR" sz="1200" b="1" dirty="0" err="1" smtClean="0">
+                <a:effectLst>
+                  <a:outerShdw blurRad="38100" dist="38100" dir="2700000" algn="tl">
+                    <a:srgbClr val="000000">
+                      <a:alpha val="43137"/>
+                    </a:srgbClr>
+                  </a:outerShdw>
+                </a:effectLst>
+              </a:rPr>
+              <a:t>Phonegap</a:t>
+            </a:r>
+            <a:r>
+              <a:rPr lang="fr-FR" sz="1200" b="1" dirty="0" smtClean="0">
+                <a:effectLst>
+                  <a:outerShdw blurRad="38100" dist="38100" dir="2700000" algn="tl">
+                    <a:srgbClr val="000000">
+                      <a:alpha val="43137"/>
+                    </a:srgbClr>
+                  </a:outerShdw>
+                </a:effectLst>
+              </a:rPr>
+              <a:t>) </a:t>
+            </a:r>
+            <a:r>
+              <a:rPr lang="fr-FR" sz="1200" dirty="0" smtClean="0">
+                <a:effectLst>
+                  <a:outerShdw blurRad="38100" dist="38100" dir="2700000" algn="tl">
+                    <a:srgbClr val="000000">
+                      <a:alpha val="43137"/>
+                    </a:srgbClr>
+                  </a:outerShdw>
+                </a:effectLst>
+              </a:rPr>
+              <a:t>– JALOUZET Jérémie – OUADGHIRI Mohammed</a:t>
+            </a:r>
+            <a:endParaRPr lang="fr-FR" sz="1200" dirty="0">
+              <a:effectLst>
+                <a:outerShdw blurRad="38100" dist="38100" dir="2700000" algn="tl">
+                  <a:srgbClr val="000000">
+                    <a:alpha val="43137"/>
+                  </a:srgbClr>
+                </a:outerShdw>
+              </a:effectLst>
+            </a:endParaRPr>
+          </a:p>
+        </p:txBody>
+      </p:sp>
     </p:spTree>
+    <p:extLst>
+      <p:ext uri="{BB962C8B-B14F-4D97-AF65-F5344CB8AC3E}">
+        <p14:creationId xmlns:p14="http://schemas.microsoft.com/office/powerpoint/2010/main" val="1980398357"/>
+      </p:ext>
+    </p:extLst>
   </p:cSld>
   <p:clrMapOvr>
     <a:masterClrMapping/>
@@ -7909,88 +10465,6 @@
       </p:grpSpPr>
       <p:sp>
         <p:nvSpPr>
-          <p:cNvPr id="12" name="Espace réservé du texte 11"/>
-          <p:cNvSpPr>
-            <a:spLocks noGrp="1"/>
-          </p:cNvSpPr>
-          <p:nvPr>
-            <p:ph type="body" sz="half" idx="2"/>
-          </p:nvPr>
-        </p:nvSpPr>
-        <p:spPr>
-          <a:xfrm>
-            <a:off x="323528" y="2276872"/>
-            <a:ext cx="4032448" cy="3672407"/>
-          </a:xfrm>
-        </p:spPr>
-        <p:txBody>
-          <a:bodyPr>
-            <a:normAutofit/>
-          </a:bodyPr>
-          <a:lstStyle/>
-          <a:p>
-            <a:r>
-              <a:rPr lang="fr-FR" sz="1600" dirty="0" smtClean="0">
-                <a:latin typeface="Times New Roman" pitchFamily="18" charset="0"/>
-                <a:cs typeface="Times New Roman" pitchFamily="18" charset="0"/>
-              </a:rPr>
-              <a:t>L’organisation d’un projet </a:t>
-            </a:r>
-            <a:r>
-              <a:rPr lang="fr-FR" sz="1600" dirty="0" err="1" smtClean="0">
-                <a:latin typeface="Times New Roman" pitchFamily="18" charset="0"/>
-                <a:cs typeface="Times New Roman" pitchFamily="18" charset="0"/>
-              </a:rPr>
-              <a:t>Phonegap</a:t>
-            </a:r>
-            <a:r>
-              <a:rPr lang="fr-FR" sz="1600" dirty="0" smtClean="0">
-                <a:latin typeface="Times New Roman" pitchFamily="18" charset="0"/>
-                <a:cs typeface="Times New Roman" pitchFamily="18" charset="0"/>
-              </a:rPr>
-              <a:t>, nécessite une structure dossier bien claire.</a:t>
-            </a:r>
-          </a:p>
-          <a:p>
-            <a:endParaRPr lang="fr-FR" sz="1600" dirty="0">
-              <a:latin typeface="Times New Roman" pitchFamily="18" charset="0"/>
-              <a:cs typeface="Times New Roman" pitchFamily="18" charset="0"/>
-            </a:endParaRPr>
-          </a:p>
-          <a:p>
-            <a:endParaRPr lang="fr-FR" sz="1600" dirty="0">
-              <a:latin typeface="Times New Roman" pitchFamily="18" charset="0"/>
-              <a:cs typeface="Times New Roman" pitchFamily="18" charset="0"/>
-            </a:endParaRPr>
-          </a:p>
-        </p:txBody>
-      </p:sp>
-      <p:sp>
-        <p:nvSpPr>
-          <p:cNvPr id="4" name="Espace réservé du numéro de diapositive 3"/>
-          <p:cNvSpPr>
-            <a:spLocks noGrp="1"/>
-          </p:cNvSpPr>
-          <p:nvPr>
-            <p:ph type="sldNum" sz="quarter" idx="12"/>
-          </p:nvPr>
-        </p:nvSpPr>
-        <p:spPr/>
-        <p:txBody>
-          <a:bodyPr/>
-          <a:lstStyle/>
-          <a:p>
-            <a:fld id="{6816B381-CB31-4B8E-B307-29C9C96A0920}" type="slidenum">
-              <a:rPr lang="fr-FR" smtClean="0"/>
-              <a:pPr/>
-              <a:t>8</a:t>
-            </a:fld>
-            <a:endParaRPr lang="fr-FR"/>
-          </a:p>
-        </p:txBody>
-      </p:sp>
-      <p:sp>
-        <p:nvSpPr>
           <p:cNvPr id="5" name="Rectangle à coins arrondis 4"/>
           <p:cNvSpPr/>
           <p:nvPr/>
@@ -8003,29 +10477,20 @@
           <a:prstGeom prst="roundRect">
             <a:avLst/>
           </a:prstGeom>
-          <a:solidFill>
-            <a:schemeClr val="bg1"/>
-          </a:solidFill>
-          <a:ln w="38100">
-            <a:solidFill>
-              <a:schemeClr val="tx1"/>
-            </a:solidFill>
-          </a:ln>
+          <a:ln/>
         </p:spPr>
         <p:style>
-          <a:lnRef idx="2">
-            <a:schemeClr val="accent1">
-              <a:shade val="50000"/>
-            </a:schemeClr>
+          <a:lnRef idx="1">
+            <a:schemeClr val="accent6"/>
           </a:lnRef>
-          <a:fillRef idx="1">
-            <a:schemeClr val="accent1"/>
+          <a:fillRef idx="2">
+            <a:schemeClr val="accent6"/>
           </a:fillRef>
-          <a:effectRef idx="0">
-            <a:schemeClr val="accent1"/>
+          <a:effectRef idx="1">
+            <a:schemeClr val="accent6"/>
           </a:effectRef>
           <a:fontRef idx="minor">
-            <a:schemeClr val="lt1"/>
+            <a:schemeClr val="dk1"/>
           </a:fontRef>
         </p:style>
         <p:txBody>
@@ -8033,87 +10498,28 @@
           <a:lstStyle/>
           <a:p>
             <a:r>
-              <a:rPr lang="fr-FR" sz="2000" b="1" dirty="0">
+              <a:rPr lang="fr-FR" sz="2400" b="1" dirty="0">
                 <a:solidFill>
                   <a:srgbClr val="002060"/>
                 </a:solidFill>
+                <a:effectLst>
+                  <a:outerShdw blurRad="38100" dist="38100" dir="2700000" algn="tl">
+                    <a:srgbClr val="000000">
+                      <a:alpha val="43137"/>
+                    </a:srgbClr>
+                  </a:outerShdw>
+                </a:effectLst>
               </a:rPr>
               <a:t>Architecture générale de l’application</a:t>
             </a:r>
-          </a:p>
-        </p:txBody>
-      </p:sp>
-      <p:sp>
-        <p:nvSpPr>
-          <p:cNvPr id="6" name="Rectangle à coins arrondis 5"/>
-          <p:cNvSpPr/>
-          <p:nvPr/>
-        </p:nvSpPr>
-        <p:spPr>
-          <a:xfrm>
-            <a:off x="107504" y="1196752"/>
-            <a:ext cx="4248472" cy="432048"/>
-          </a:xfrm>
-          <a:prstGeom prst="roundRect">
-            <a:avLst/>
-          </a:prstGeom>
-          <a:solidFill>
-            <a:schemeClr val="bg1"/>
-          </a:solidFill>
-          <a:ln w="38100">
-            <a:solidFill>
-              <a:schemeClr val="accent6">
-                <a:lumMod val="60000"/>
-                <a:lumOff val="40000"/>
-              </a:schemeClr>
-            </a:solidFill>
-          </a:ln>
-        </p:spPr>
-        <p:style>
-          <a:lnRef idx="2">
-            <a:schemeClr val="accent1">
-              <a:shade val="50000"/>
-            </a:schemeClr>
-          </a:lnRef>
-          <a:fillRef idx="1">
-            <a:schemeClr val="accent1"/>
-          </a:fillRef>
-          <a:effectRef idx="0">
-            <a:schemeClr val="accent1"/>
-          </a:effectRef>
-          <a:fontRef idx="minor">
-            <a:schemeClr val="lt1"/>
-          </a:fontRef>
-        </p:style>
-        <p:txBody>
-          <a:bodyPr rtlCol="0" anchor="ctr"/>
-          <a:lstStyle/>
-          <a:p>
-            <a:r>
-              <a:rPr lang="fr-FR" sz="2400" dirty="0" smtClean="0">
-                <a:solidFill>
-                  <a:schemeClr val="accent2">
-                    <a:lumMod val="75000"/>
-                  </a:schemeClr>
-                </a:solidFill>
-              </a:rPr>
-              <a:t>Organisation des dossiers </a:t>
-            </a:r>
-            <a:endParaRPr lang="fr-FR" sz="2200" b="1" dirty="0">
-              <a:solidFill>
-                <a:schemeClr val="accent2">
-                  <a:lumMod val="75000"/>
-                </a:schemeClr>
-              </a:solidFill>
-            </a:endParaRPr>
           </a:p>
         </p:txBody>
       </p:sp>
       <p:pic>
         <p:nvPicPr>
-          <p:cNvPr id="2" name="Image 1"/>
+          <p:cNvPr id="1026" name="Picture 2" descr="C:\Users\Jeremie\Documents\Etudes\2011-2013 - UTT\Semestre 4\IF26\Projet\présentation\Images\architecture_client_1.png"/>
           <p:cNvPicPr>
-            <a:picLocks noChangeAspect="1"/>
+            <a:picLocks noChangeAspect="1" noChangeArrowheads="1"/>
           </p:cNvPicPr>
           <p:nvPr/>
         </p:nvPicPr>
@@ -8125,24 +10531,392 @@
               </a:ext>
             </a:extLst>
           </a:blip>
+          <a:srcRect/>
           <a:stretch>
             <a:fillRect/>
           </a:stretch>
         </p:blipFill>
-        <p:spPr>
-          <a:xfrm>
-            <a:off x="4860032" y="2060848"/>
-            <a:ext cx="2991268" cy="3829585"/>
+        <p:spPr bwMode="auto">
+          <a:xfrm>
+            <a:off x="550007" y="1963688"/>
+            <a:ext cx="2895600" cy="2201862"/>
           </a:xfrm>
           <a:prstGeom prst="rect">
             <a:avLst/>
           </a:prstGeom>
+          <a:noFill/>
+          <a:extLst>
+            <a:ext uri="{909E8E84-426E-40DD-AFC4-6F175D3DCCD1}">
+              <a14:hiddenFill xmlns:a14="http://schemas.microsoft.com/office/drawing/2010/main">
+                <a:solidFill>
+                  <a:srgbClr val="FFFFFF"/>
+                </a:solidFill>
+              </a14:hiddenFill>
+            </a:ext>
+          </a:extLst>
         </p:spPr>
       </p:pic>
+      <p:sp>
+        <p:nvSpPr>
+          <p:cNvPr id="7" name="Rectangle à coins arrondis 6"/>
+          <p:cNvSpPr/>
+          <p:nvPr/>
+        </p:nvSpPr>
+        <p:spPr>
+          <a:xfrm>
+            <a:off x="1010332" y="3565773"/>
+            <a:ext cx="897372" cy="199416"/>
+          </a:xfrm>
+          <a:prstGeom prst="roundRect">
+            <a:avLst/>
+          </a:prstGeom>
+          <a:noFill/>
+          <a:ln w="28575"/>
+        </p:spPr>
+        <p:style>
+          <a:lnRef idx="2">
+            <a:schemeClr val="accent1">
+              <a:shade val="50000"/>
+            </a:schemeClr>
+          </a:lnRef>
+          <a:fillRef idx="1">
+            <a:schemeClr val="accent1"/>
+          </a:fillRef>
+          <a:effectRef idx="0">
+            <a:schemeClr val="accent1"/>
+          </a:effectRef>
+          <a:fontRef idx="minor">
+            <a:schemeClr val="lt1"/>
+          </a:fontRef>
+        </p:style>
+        <p:txBody>
+          <a:bodyPr rtlCol="0" anchor="ctr"/>
+          <a:lstStyle/>
+          <a:p>
+            <a:pPr algn="ctr"/>
+            <a:endParaRPr lang="fr-FR"/>
+          </a:p>
+        </p:txBody>
+      </p:sp>
+      <p:sp>
+        <p:nvSpPr>
+          <p:cNvPr id="8" name="Flèche vers le bas 7"/>
+          <p:cNvSpPr/>
+          <p:nvPr/>
+        </p:nvSpPr>
+        <p:spPr>
+          <a:xfrm rot="5237647">
+            <a:off x="2485553" y="2779839"/>
+            <a:ext cx="389446" cy="1672640"/>
+          </a:xfrm>
+          <a:prstGeom prst="downArrow">
+            <a:avLst/>
+          </a:prstGeom>
+        </p:spPr>
+        <p:style>
+          <a:lnRef idx="2">
+            <a:schemeClr val="accent1">
+              <a:shade val="50000"/>
+            </a:schemeClr>
+          </a:lnRef>
+          <a:fillRef idx="1">
+            <a:schemeClr val="accent1"/>
+          </a:fillRef>
+          <a:effectRef idx="0">
+            <a:schemeClr val="accent1"/>
+          </a:effectRef>
+          <a:fontRef idx="minor">
+            <a:schemeClr val="lt1"/>
+          </a:fontRef>
+        </p:style>
+        <p:txBody>
+          <a:bodyPr rtlCol="0" anchor="ctr"/>
+          <a:lstStyle/>
+          <a:p>
+            <a:pPr algn="ctr"/>
+            <a:endParaRPr lang="fr-FR"/>
+          </a:p>
+        </p:txBody>
+      </p:sp>
+      <p:sp>
+        <p:nvSpPr>
+          <p:cNvPr id="9" name="ZoneTexte 8"/>
+          <p:cNvSpPr txBox="1"/>
+          <p:nvPr/>
+        </p:nvSpPr>
+        <p:spPr>
+          <a:xfrm>
+            <a:off x="3808623" y="3431493"/>
+            <a:ext cx="2868885" cy="369332"/>
+          </a:xfrm>
+          <a:prstGeom prst="rect">
+            <a:avLst/>
+          </a:prstGeom>
+          <a:noFill/>
+        </p:spPr>
+        <p:txBody>
+          <a:bodyPr wrap="square" rtlCol="0">
+            <a:spAutoFit/>
+          </a:bodyPr>
+          <a:lstStyle/>
+          <a:p>
+            <a:r>
+              <a:rPr lang="fr-FR" dirty="0" smtClean="0">
+                <a:effectLst>
+                  <a:outerShdw blurRad="38100" dist="38100" dir="2700000" algn="tl">
+                    <a:srgbClr val="000000">
+                      <a:alpha val="43137"/>
+                    </a:srgbClr>
+                  </a:outerShdw>
+                </a:effectLst>
+              </a:rPr>
+              <a:t>Template principal</a:t>
+            </a:r>
+            <a:endParaRPr lang="fr-FR" dirty="0">
+              <a:effectLst>
+                <a:outerShdw blurRad="38100" dist="38100" dir="2700000" algn="tl">
+                  <a:srgbClr val="000000">
+                    <a:alpha val="43137"/>
+                  </a:srgbClr>
+                </a:outerShdw>
+              </a:effectLst>
+            </a:endParaRPr>
+          </a:p>
+        </p:txBody>
+      </p:sp>
+      <p:sp>
+        <p:nvSpPr>
+          <p:cNvPr id="11" name="Espace réservé du numéro de diapositive 3"/>
+          <p:cNvSpPr>
+            <a:spLocks noGrp="1"/>
+          </p:cNvSpPr>
+          <p:nvPr>
+            <p:ph type="sldNum" sz="quarter" idx="12"/>
+          </p:nvPr>
+        </p:nvSpPr>
+        <p:spPr>
+          <a:xfrm>
+            <a:off x="8460432" y="2272"/>
+            <a:ext cx="476304" cy="365760"/>
+          </a:xfrm>
+        </p:spPr>
+        <p:txBody>
+          <a:bodyPr/>
+          <a:lstStyle/>
+          <a:p>
+            <a:fld id="{6816B381-CB31-4B8E-B307-29C9C96A0920}" type="slidenum">
+              <a:rPr lang="fr-FR" b="1" smtClean="0">
+                <a:effectLst>
+                  <a:outerShdw blurRad="38100" dist="38100" dir="2700000" algn="tl">
+                    <a:srgbClr val="000000">
+                      <a:alpha val="43137"/>
+                    </a:srgbClr>
+                  </a:outerShdw>
+                </a:effectLst>
+              </a:rPr>
+              <a:pPr/>
+              <a:t>8</a:t>
+            </a:fld>
+            <a:endParaRPr lang="fr-FR" b="1" dirty="0">
+              <a:effectLst>
+                <a:outerShdw blurRad="38100" dist="38100" dir="2700000" algn="tl">
+                  <a:srgbClr val="000000">
+                    <a:alpha val="43137"/>
+                  </a:srgbClr>
+                </a:outerShdw>
+              </a:effectLst>
+            </a:endParaRPr>
+          </a:p>
+        </p:txBody>
+      </p:sp>
+      <p:sp>
+        <p:nvSpPr>
+          <p:cNvPr id="12" name="Rectangle à coins arrondis 11"/>
+          <p:cNvSpPr/>
+          <p:nvPr/>
+        </p:nvSpPr>
+        <p:spPr>
+          <a:xfrm>
+            <a:off x="190947" y="1161728"/>
+            <a:ext cx="2724869" cy="432048"/>
+          </a:xfrm>
+          <a:prstGeom prst="roundRect">
+            <a:avLst/>
+          </a:prstGeom>
+          <a:ln/>
+        </p:spPr>
+        <p:style>
+          <a:lnRef idx="1">
+            <a:schemeClr val="accent1"/>
+          </a:lnRef>
+          <a:fillRef idx="2">
+            <a:schemeClr val="accent1"/>
+          </a:fillRef>
+          <a:effectRef idx="1">
+            <a:schemeClr val="accent1"/>
+          </a:effectRef>
+          <a:fontRef idx="minor">
+            <a:schemeClr val="dk1"/>
+          </a:fontRef>
+        </p:style>
+        <p:txBody>
+          <a:bodyPr rtlCol="0" anchor="ctr"/>
+          <a:lstStyle/>
+          <a:p>
+            <a:r>
+              <a:rPr lang="fr-FR" sz="2000" b="1" dirty="0" smtClean="0">
+                <a:solidFill>
+                  <a:schemeClr val="accent6"/>
+                </a:solidFill>
+                <a:effectLst>
+                  <a:outerShdw blurRad="38100" dist="38100" dir="2700000" algn="tl">
+                    <a:srgbClr val="000000">
+                      <a:alpha val="43137"/>
+                    </a:srgbClr>
+                  </a:outerShdw>
+                </a:effectLst>
+              </a:rPr>
+              <a:t>Application cliente</a:t>
+            </a:r>
+            <a:endParaRPr lang="fr-FR" sz="2000" b="1" dirty="0">
+              <a:solidFill>
+                <a:schemeClr val="accent6"/>
+              </a:solidFill>
+              <a:effectLst>
+                <a:outerShdw blurRad="38100" dist="38100" dir="2700000" algn="tl">
+                  <a:srgbClr val="000000">
+                    <a:alpha val="43137"/>
+                  </a:srgbClr>
+                </a:outerShdw>
+              </a:effectLst>
+            </a:endParaRPr>
+          </a:p>
+        </p:txBody>
+      </p:sp>
+      <p:sp>
+        <p:nvSpPr>
+          <p:cNvPr id="13" name="Rectangle 12"/>
+          <p:cNvSpPr/>
+          <p:nvPr/>
+        </p:nvSpPr>
+        <p:spPr>
+          <a:xfrm>
+            <a:off x="0" y="6597352"/>
+            <a:ext cx="9144000" cy="260648"/>
+          </a:xfrm>
+          <a:prstGeom prst="rect">
+            <a:avLst/>
+          </a:prstGeom>
+        </p:spPr>
+        <p:style>
+          <a:lnRef idx="2">
+            <a:schemeClr val="accent6">
+              <a:shade val="50000"/>
+            </a:schemeClr>
+          </a:lnRef>
+          <a:fillRef idx="1">
+            <a:schemeClr val="accent6"/>
+          </a:fillRef>
+          <a:effectRef idx="0">
+            <a:schemeClr val="accent6"/>
+          </a:effectRef>
+          <a:fontRef idx="minor">
+            <a:schemeClr val="lt1"/>
+          </a:fontRef>
+        </p:style>
+        <p:txBody>
+          <a:bodyPr rtlCol="0" anchor="ctr"/>
+          <a:lstStyle/>
+          <a:p>
+            <a:pPr algn="r"/>
+            <a:r>
+              <a:rPr lang="fr-FR" sz="1200" b="1" dirty="0" smtClean="0">
+                <a:effectLst>
+                  <a:outerShdw blurRad="38100" dist="38100" dir="2700000" algn="tl">
+                    <a:srgbClr val="000000">
+                      <a:alpha val="43137"/>
+                    </a:srgbClr>
+                  </a:outerShdw>
+                </a:effectLst>
+              </a:rPr>
+              <a:t>[IF26] </a:t>
+            </a:r>
+            <a:r>
+              <a:rPr lang="fr-FR" sz="1200" b="1" dirty="0" err="1" smtClean="0">
+                <a:effectLst>
+                  <a:outerShdw blurRad="38100" dist="38100" dir="2700000" algn="tl">
+                    <a:srgbClr val="000000">
+                      <a:alpha val="43137"/>
+                    </a:srgbClr>
+                  </a:outerShdw>
+                </a:effectLst>
+              </a:rPr>
+              <a:t>Strangers</a:t>
+            </a:r>
+            <a:r>
+              <a:rPr lang="fr-FR" sz="1200" b="1" dirty="0" smtClean="0">
+                <a:effectLst>
+                  <a:outerShdw blurRad="38100" dist="38100" dir="2700000" algn="tl">
+                    <a:srgbClr val="000000">
+                      <a:alpha val="43137"/>
+                    </a:srgbClr>
+                  </a:outerShdw>
+                </a:effectLst>
+              </a:rPr>
+              <a:t> (</a:t>
+            </a:r>
+            <a:r>
+              <a:rPr lang="fr-FR" sz="1200" b="1" dirty="0" err="1" smtClean="0">
+                <a:effectLst>
+                  <a:outerShdw blurRad="38100" dist="38100" dir="2700000" algn="tl">
+                    <a:srgbClr val="000000">
+                      <a:alpha val="43137"/>
+                    </a:srgbClr>
+                  </a:outerShdw>
+                </a:effectLst>
+              </a:rPr>
+              <a:t>Phonegap</a:t>
+            </a:r>
+            <a:r>
+              <a:rPr lang="fr-FR" sz="1200" b="1" dirty="0" smtClean="0">
+                <a:effectLst>
+                  <a:outerShdw blurRad="38100" dist="38100" dir="2700000" algn="tl">
+                    <a:srgbClr val="000000">
+                      <a:alpha val="43137"/>
+                    </a:srgbClr>
+                  </a:outerShdw>
+                </a:effectLst>
+              </a:rPr>
+              <a:t>) </a:t>
+            </a:r>
+            <a:r>
+              <a:rPr lang="fr-FR" sz="1200" dirty="0" smtClean="0">
+                <a:effectLst>
+                  <a:outerShdw blurRad="38100" dist="38100" dir="2700000" algn="tl">
+                    <a:srgbClr val="000000">
+                      <a:alpha val="43137"/>
+                    </a:srgbClr>
+                  </a:outerShdw>
+                </a:effectLst>
+              </a:rPr>
+              <a:t>– JALOUZET Jérémie – OUADGHIRI Mohammed</a:t>
+            </a:r>
+            <a:endParaRPr lang="fr-FR" sz="1200" dirty="0">
+              <a:effectLst>
+                <a:outerShdw blurRad="38100" dist="38100" dir="2700000" algn="tl">
+                  <a:srgbClr val="000000">
+                    <a:alpha val="43137"/>
+                  </a:srgbClr>
+                </a:outerShdw>
+              </a:effectLst>
+            </a:endParaRPr>
+          </a:p>
+        </p:txBody>
+      </p:sp>
     </p:spTree>
     <p:extLst>
       <p:ext uri="{BB962C8B-B14F-4D97-AF65-F5344CB8AC3E}">
-        <p14:creationId xmlns:p14="http://schemas.microsoft.com/office/powerpoint/2010/main" val="1980398357"/>
+        <p14:creationId xmlns:p14="http://schemas.microsoft.com/office/powerpoint/2010/main" val="3903672439"/>
       </p:ext>
     </p:extLst>
   </p:cSld>
@@ -8176,54 +10950,47 @@
           <a:chExt cx="0" cy="0"/>
         </a:xfrm>
       </p:grpSpPr>
-      <p:sp>
-        <p:nvSpPr>
-          <p:cNvPr id="11" name="Espace réservé du texte 10"/>
-          <p:cNvSpPr>
-            <a:spLocks noGrp="1"/>
-          </p:cNvSpPr>
-          <p:nvPr>
-            <p:ph type="body" idx="2"/>
-          </p:nvPr>
-        </p:nvSpPr>
-        <p:spPr>
-          <a:xfrm>
-            <a:off x="539552" y="2010727"/>
-            <a:ext cx="8197224" cy="4617720"/>
-          </a:xfrm>
-        </p:spPr>
-        <p:txBody>
-          <a:bodyPr/>
-          <a:lstStyle/>
-          <a:p>
-            <a:endParaRPr lang="fr-FR" dirty="0"/>
-          </a:p>
-        </p:txBody>
-      </p:sp>
-      <p:sp>
-        <p:nvSpPr>
-          <p:cNvPr id="4" name="Espace réservé du numéro de diapositive 3"/>
-          <p:cNvSpPr>
-            <a:spLocks noGrp="1"/>
-          </p:cNvSpPr>
-          <p:nvPr>
-            <p:ph type="sldNum" sz="quarter" idx="12"/>
-          </p:nvPr>
-        </p:nvSpPr>
-        <p:spPr/>
-        <p:txBody>
-          <a:bodyPr/>
-          <a:lstStyle/>
-          <a:p>
-            <a:fld id="{6816B381-CB31-4B8E-B307-29C9C96A0920}" type="slidenum">
-              <a:rPr lang="fr-FR" smtClean="0"/>
-              <a:pPr/>
-              <a:t>9</a:t>
-            </a:fld>
-            <a:endParaRPr lang="fr-FR"/>
-          </a:p>
-        </p:txBody>
-      </p:sp>
+      <p:pic>
+        <p:nvPicPr>
+          <p:cNvPr id="2050" name="Picture 2" descr="C:\Users\Jeremie\Documents\Etudes\2011-2013 - UTT\Semestre 4\IF26\Projet\présentation\Images\architecture_client_2.png"/>
+          <p:cNvPicPr>
+            <a:picLocks noChangeAspect="1" noChangeArrowheads="1"/>
+          </p:cNvPicPr>
+          <p:nvPr/>
+        </p:nvPicPr>
+        <p:blipFill>
+          <a:blip r:embed="rId2">
+            <a:extLst>
+              <a:ext uri="{28A0092B-C50C-407E-A947-70E740481C1C}">
+                <a14:useLocalDpi xmlns:a14="http://schemas.microsoft.com/office/drawing/2010/main" val="0"/>
+              </a:ext>
+            </a:extLst>
+          </a:blip>
+          <a:srcRect/>
+          <a:stretch>
+            <a:fillRect/>
+          </a:stretch>
+        </p:blipFill>
+        <p:spPr bwMode="auto">
+          <a:xfrm>
+            <a:off x="553914" y="1942776"/>
+            <a:ext cx="2895600" cy="2492375"/>
+          </a:xfrm>
+          <a:prstGeom prst="rect">
+            <a:avLst/>
+          </a:prstGeom>
+          <a:noFill/>
+          <a:extLst>
+            <a:ext uri="{909E8E84-426E-40DD-AFC4-6F175D3DCCD1}">
+              <a14:hiddenFill xmlns:a14="http://schemas.microsoft.com/office/drawing/2010/main">
+                <a:solidFill>
+                  <a:srgbClr val="FFFFFF"/>
+                </a:solidFill>
+              </a14:hiddenFill>
+            </a:ext>
+          </a:extLst>
+        </p:spPr>
+      </p:pic>
       <p:sp>
         <p:nvSpPr>
           <p:cNvPr id="5" name="Rectangle à coins arrondis 4"/>
@@ -8238,14 +11005,60 @@
           <a:prstGeom prst="roundRect">
             <a:avLst/>
           </a:prstGeom>
-          <a:solidFill>
-            <a:schemeClr val="bg1"/>
-          </a:solidFill>
-          <a:ln w="38100">
-            <a:solidFill>
-              <a:schemeClr val="tx1"/>
-            </a:solidFill>
-          </a:ln>
+          <a:ln/>
+        </p:spPr>
+        <p:style>
+          <a:lnRef idx="1">
+            <a:schemeClr val="accent6"/>
+          </a:lnRef>
+          <a:fillRef idx="2">
+            <a:schemeClr val="accent6"/>
+          </a:fillRef>
+          <a:effectRef idx="1">
+            <a:schemeClr val="accent6"/>
+          </a:effectRef>
+          <a:fontRef idx="minor">
+            <a:schemeClr val="dk1"/>
+          </a:fontRef>
+        </p:style>
+        <p:txBody>
+          <a:bodyPr rtlCol="0" anchor="ctr"/>
+          <a:lstStyle/>
+          <a:p>
+            <a:r>
+              <a:rPr lang="fr-FR" sz="2400" b="1" dirty="0">
+                <a:solidFill>
+                  <a:srgbClr val="002060"/>
+                </a:solidFill>
+                <a:effectLst>
+                  <a:outerShdw blurRad="38100" dist="38100" dir="2700000" algn="tl">
+                    <a:srgbClr val="000000">
+                      <a:alpha val="43137"/>
+                    </a:srgbClr>
+                  </a:outerShdw>
+                </a:effectLst>
+              </a:rPr>
+              <a:t>Architecture générale de l’application</a:t>
+            </a:r>
+          </a:p>
+        </p:txBody>
+      </p:sp>
+      <p:sp>
+        <p:nvSpPr>
+          <p:cNvPr id="7" name="Rectangle à coins arrondis 6"/>
+          <p:cNvSpPr/>
+          <p:nvPr/>
+        </p:nvSpPr>
+        <p:spPr>
+          <a:xfrm>
+            <a:off x="1006561" y="3173335"/>
+            <a:ext cx="1308621" cy="442823"/>
+          </a:xfrm>
+          <a:prstGeom prst="roundRect">
+            <a:avLst/>
+          </a:prstGeom>
+          <a:noFill/>
+          <a:ln w="28575"/>
         </p:spPr>
         <p:style>
           <a:lnRef idx="2">
@@ -8267,42 +11080,25 @@
           <a:bodyPr rtlCol="0" anchor="ctr"/>
           <a:lstStyle/>
           <a:p>
-            <a:r>
-              <a:rPr lang="fr-FR" sz="2000" b="1" dirty="0">
-                <a:solidFill>
-                  <a:srgbClr val="002060"/>
-                </a:solidFill>
-              </a:rPr>
-              <a:t>Architecture générale de l’application</a:t>
-            </a:r>
-          </a:p>
-        </p:txBody>
-      </p:sp>
-      <p:sp>
-        <p:nvSpPr>
-          <p:cNvPr id="6" name="Rectangle à coins arrondis 5"/>
+            <a:pPr algn="ctr"/>
+            <a:endParaRPr lang="fr-FR"/>
+          </a:p>
+        </p:txBody>
+      </p:sp>
+      <p:sp>
+        <p:nvSpPr>
+          <p:cNvPr id="8" name="Flèche vers le bas 7"/>
           <p:cNvSpPr/>
           <p:nvPr/>
         </p:nvSpPr>
         <p:spPr>
-          <a:xfrm>
-            <a:off x="107504" y="1231990"/>
-            <a:ext cx="2592288" cy="432048"/>
-          </a:xfrm>
-          <a:prstGeom prst="roundRect">
+          <a:xfrm rot="5237647">
+            <a:off x="2917601" y="2466627"/>
+            <a:ext cx="389446" cy="1672640"/>
+          </a:xfrm>
+          <a:prstGeom prst="downArrow">
             <a:avLst/>
           </a:prstGeom>
-          <a:solidFill>
-            <a:schemeClr val="bg1"/>
-          </a:solidFill>
-          <a:ln w="38100">
-            <a:solidFill>
-              <a:schemeClr val="accent6">
-                <a:lumMod val="60000"/>
-                <a:lumOff val="40000"/>
-              </a:schemeClr>
-            </a:solidFill>
-          </a:ln>
         </p:spPr>
         <p:style>
           <a:lnRef idx="2">
@@ -8324,32 +11120,331 @@
           <a:bodyPr rtlCol="0" anchor="ctr"/>
           <a:lstStyle/>
           <a:p>
-            <a:r>
-              <a:rPr lang="fr-FR" sz="2400" dirty="0">
+            <a:pPr algn="ctr"/>
+            <a:endParaRPr lang="fr-FR"/>
+          </a:p>
+        </p:txBody>
+      </p:sp>
+      <p:sp>
+        <p:nvSpPr>
+          <p:cNvPr id="9" name="ZoneTexte 8"/>
+          <p:cNvSpPr txBox="1"/>
+          <p:nvPr/>
+        </p:nvSpPr>
+        <p:spPr>
+          <a:xfrm>
+            <a:off x="4067944" y="2841282"/>
+            <a:ext cx="4075745" cy="923330"/>
+          </a:xfrm>
+          <a:prstGeom prst="rect">
+            <a:avLst/>
+          </a:prstGeom>
+          <a:noFill/>
+        </p:spPr>
+        <p:txBody>
+          <a:bodyPr wrap="square" rtlCol="0">
+            <a:spAutoFit/>
+          </a:bodyPr>
+          <a:lstStyle/>
+          <a:p>
+            <a:r>
+              <a:rPr lang="fr-FR" dirty="0" smtClean="0">
+                <a:effectLst>
+                  <a:outerShdw blurRad="38100" dist="38100" dir="2700000" algn="tl">
+                    <a:srgbClr val="000000">
+                      <a:alpha val="43137"/>
+                    </a:srgbClr>
+                  </a:outerShdw>
+                </a:effectLst>
+              </a:rPr>
+              <a:t>Fichier de style (CSS) + images</a:t>
+            </a:r>
+          </a:p>
+          <a:p>
+            <a:endParaRPr lang="fr-FR" dirty="0">
+              <a:effectLst>
+                <a:outerShdw blurRad="38100" dist="38100" dir="2700000" algn="tl">
+                  <a:srgbClr val="000000">
+                    <a:alpha val="43137"/>
+                  </a:srgbClr>
+                </a:outerShdw>
+              </a:effectLst>
+            </a:endParaRPr>
+          </a:p>
+          <a:p>
+            <a:r>
+              <a:rPr lang="fr-FR" dirty="0" smtClean="0">
+                <a:effectLst>
+                  <a:outerShdw blurRad="38100" dist="38100" dir="2700000" algn="tl">
+                    <a:srgbClr val="000000">
+                      <a:alpha val="43137"/>
+                    </a:srgbClr>
+                  </a:outerShdw>
+                </a:effectLst>
+              </a:rPr>
+              <a:t>Utilisation de </a:t>
+            </a:r>
+            <a:r>
+              <a:rPr lang="fr-FR" b="1" dirty="0" err="1" smtClean="0">
+                <a:effectLst>
+                  <a:outerShdw blurRad="38100" dist="38100" dir="2700000" algn="tl">
+                    <a:srgbClr val="000000">
+                      <a:alpha val="43137"/>
+                    </a:srgbClr>
+                  </a:outerShdw>
+                </a:effectLst>
+              </a:rPr>
+              <a:t>jQuery</a:t>
+            </a:r>
+            <a:r>
+              <a:rPr lang="fr-FR" b="1" dirty="0" smtClean="0">
+                <a:effectLst>
+                  <a:outerShdw blurRad="38100" dist="38100" dir="2700000" algn="tl">
+                    <a:srgbClr val="000000">
+                      <a:alpha val="43137"/>
+                    </a:srgbClr>
+                  </a:outerShdw>
+                </a:effectLst>
+              </a:rPr>
+              <a:t> Mobile</a:t>
+            </a:r>
+            <a:endParaRPr lang="fr-FR" b="1" dirty="0">
+              <a:effectLst>
+                <a:outerShdw blurRad="38100" dist="38100" dir="2700000" algn="tl">
+                  <a:srgbClr val="000000">
+                    <a:alpha val="43137"/>
+                  </a:srgbClr>
+                </a:outerShdw>
+              </a:effectLst>
+            </a:endParaRPr>
+          </a:p>
+        </p:txBody>
+      </p:sp>
+      <p:sp>
+        <p:nvSpPr>
+          <p:cNvPr id="11" name="Espace réservé du numéro de diapositive 3"/>
+          <p:cNvSpPr>
+            <a:spLocks noGrp="1"/>
+          </p:cNvSpPr>
+          <p:nvPr>
+            <p:ph type="sldNum" sz="quarter" idx="12"/>
+          </p:nvPr>
+        </p:nvSpPr>
+        <p:spPr>
+          <a:xfrm>
+            <a:off x="8460432" y="2272"/>
+            <a:ext cx="476304" cy="365760"/>
+          </a:xfrm>
+        </p:spPr>
+        <p:txBody>
+          <a:bodyPr/>
+          <a:lstStyle/>
+          <a:p>
+            <a:fld id="{6816B381-CB31-4B8E-B307-29C9C96A0920}" type="slidenum">
+              <a:rPr lang="fr-FR" b="1" smtClean="0">
+                <a:effectLst>
+                  <a:outerShdw blurRad="38100" dist="38100" dir="2700000" algn="tl">
+                    <a:srgbClr val="000000">
+                      <a:alpha val="43137"/>
+                    </a:srgbClr>
+                  </a:outerShdw>
+                </a:effectLst>
+              </a:rPr>
+              <a:pPr/>
+              <a:t>9</a:t>
+            </a:fld>
+            <a:endParaRPr lang="fr-FR" b="1" dirty="0">
+              <a:effectLst>
+                <a:outerShdw blurRad="38100" dist="38100" dir="2700000" algn="tl">
+                  <a:srgbClr val="000000">
+                    <a:alpha val="43137"/>
+                  </a:srgbClr>
+                </a:outerShdw>
+              </a:effectLst>
+            </a:endParaRPr>
+          </a:p>
+        </p:txBody>
+      </p:sp>
+      <p:sp>
+        <p:nvSpPr>
+          <p:cNvPr id="12" name="Rectangle à coins arrondis 11"/>
+          <p:cNvSpPr/>
+          <p:nvPr/>
+        </p:nvSpPr>
+        <p:spPr>
+          <a:xfrm>
+            <a:off x="190947" y="1161728"/>
+            <a:ext cx="2724869" cy="432048"/>
+          </a:xfrm>
+          <a:prstGeom prst="roundRect">
+            <a:avLst/>
+          </a:prstGeom>
+          <a:ln/>
+        </p:spPr>
+        <p:style>
+          <a:lnRef idx="1">
+            <a:schemeClr val="accent1"/>
+          </a:lnRef>
+          <a:fillRef idx="2">
+            <a:schemeClr val="accent1"/>
+          </a:fillRef>
+          <a:effectRef idx="1">
+            <a:schemeClr val="accent1"/>
+          </a:effectRef>
+          <a:fontRef idx="minor">
+            <a:schemeClr val="dk1"/>
+          </a:fontRef>
+        </p:style>
+        <p:txBody>
+          <a:bodyPr rtlCol="0" anchor="ctr"/>
+          <a:lstStyle/>
+          <a:p>
+            <a:r>
+              <a:rPr lang="fr-FR" sz="2000" b="1" dirty="0" smtClean="0">
                 <a:solidFill>
-                  <a:schemeClr val="accent2">
-                    <a:lumMod val="75000"/>
-                  </a:schemeClr>
+                  <a:schemeClr val="accent6"/>
                 </a:solidFill>
-              </a:rPr>
-              <a:t>Partie </a:t>
-            </a:r>
-            <a:r>
-              <a:rPr lang="fr-FR" sz="2400" dirty="0" smtClean="0">
-                <a:solidFill>
-                  <a:schemeClr val="accent2">
-                    <a:lumMod val="75000"/>
-                  </a:schemeClr>
-                </a:solidFill>
-              </a:rPr>
-              <a:t>Serveur </a:t>
-            </a:r>
-            <a:endParaRPr lang="fr-FR" sz="2200" b="1" dirty="0">
+                <a:effectLst>
+                  <a:outerShdw blurRad="38100" dist="38100" dir="2700000" algn="tl">
+                    <a:srgbClr val="000000">
+                      <a:alpha val="43137"/>
+                    </a:srgbClr>
+                  </a:outerShdw>
+                </a:effectLst>
+              </a:rPr>
+              <a:t>Application cliente</a:t>
+            </a:r>
+            <a:endParaRPr lang="fr-FR" sz="2000" b="1" dirty="0">
               <a:solidFill>
-                <a:schemeClr val="accent2">
-                  <a:lumMod val="75000"/>
-                </a:schemeClr>
+                <a:schemeClr val="accent6"/>
               </a:solidFill>
+              <a:effectLst>
+                <a:outerShdw blurRad="38100" dist="38100" dir="2700000" algn="tl">
+                  <a:srgbClr val="000000">
+                    <a:alpha val="43137"/>
+                  </a:srgbClr>
+                </a:outerShdw>
+              </a:effectLst>
+            </a:endParaRPr>
+          </a:p>
+        </p:txBody>
+      </p:sp>
+      <p:sp>
+        <p:nvSpPr>
+          <p:cNvPr id="13" name="Rectangle 12"/>
+          <p:cNvSpPr/>
+          <p:nvPr/>
+        </p:nvSpPr>
+        <p:spPr>
+          <a:xfrm>
+            <a:off x="0" y="6597352"/>
+            <a:ext cx="9144000" cy="260648"/>
+          </a:xfrm>
+          <a:prstGeom prst="rect">
+            <a:avLst/>
+          </a:prstGeom>
+        </p:spPr>
+        <p:style>
+          <a:lnRef idx="2">
+            <a:schemeClr val="accent6">
+              <a:shade val="50000"/>
+            </a:schemeClr>
+          </a:lnRef>
+          <a:fillRef idx="1">
+            <a:schemeClr val="accent6"/>
+          </a:fillRef>
+          <a:effectRef idx="0">
+            <a:schemeClr val="accent6"/>
+          </a:effectRef>
+          <a:fontRef idx="minor">
+            <a:schemeClr val="lt1"/>
+          </a:fontRef>
+        </p:style>
+        <p:txBody>
+          <a:bodyPr rtlCol="0" anchor="ctr"/>
+          <a:lstStyle/>
+          <a:p>
+            <a:pPr algn="r"/>
+            <a:r>
+              <a:rPr lang="fr-FR" sz="1200" b="1" dirty="0" smtClean="0">
+                <a:effectLst>
+                  <a:outerShdw blurRad="38100" dist="38100" dir="2700000" algn="tl">
+                    <a:srgbClr val="000000">
+                      <a:alpha val="43137"/>
+                    </a:srgbClr>
+                  </a:outerShdw>
+                </a:effectLst>
+              </a:rPr>
+              <a:t>[IF26] </a:t>
+            </a:r>
+            <a:r>
+              <a:rPr lang="fr-FR" sz="1200" b="1" dirty="0" err="1" smtClean="0">
+                <a:effectLst>
+                  <a:outerShdw blurRad="38100" dist="38100" dir="2700000" algn="tl">
+                    <a:srgbClr val="000000">
+                      <a:alpha val="43137"/>
+                    </a:srgbClr>
+                  </a:outerShdw>
+                </a:effectLst>
+              </a:rPr>
+              <a:t>Strangers</a:t>
+            </a:r>
+            <a:r>
+              <a:rPr lang="fr-FR" sz="1200" b="1" dirty="0" smtClean="0">
+                <a:effectLst>
+                  <a:outerShdw blurRad="38100" dist="38100" dir="2700000" algn="tl">
+                    <a:srgbClr val="000000">
+                      <a:alpha val="43137"/>
+                    </a:srgbClr>
+                  </a:outerShdw>
+                </a:effectLst>
+              </a:rPr>
+              <a:t> (</a:t>
+            </a:r>
+            <a:r>
+              <a:rPr lang="fr-FR" sz="1200" b="1" dirty="0" err="1" smtClean="0">
+                <a:effectLst>
+                  <a:outerShdw blurRad="38100" dist="38100" dir="2700000" algn="tl">
+                    <a:srgbClr val="000000">
+                      <a:alpha val="43137"/>
+                    </a:srgbClr>
+                  </a:outerShdw>
+                </a:effectLst>
+              </a:rPr>
+              <a:t>Phonegap</a:t>
+            </a:r>
+            <a:r>
+              <a:rPr lang="fr-FR" sz="1200" b="1" dirty="0" smtClean="0">
+                <a:effectLst>
+                  <a:outerShdw blurRad="38100" dist="38100" dir="2700000" algn="tl">
+                    <a:srgbClr val="000000">
+                      <a:alpha val="43137"/>
+                    </a:srgbClr>
+                  </a:outerShdw>
+                </a:effectLst>
+              </a:rPr>
+              <a:t>) </a:t>
+            </a:r>
+            <a:r>
+              <a:rPr lang="fr-FR" sz="1200" dirty="0" smtClean="0">
+                <a:effectLst>
+                  <a:outerShdw blurRad="38100" dist="38100" dir="2700000" algn="tl">
+                    <a:srgbClr val="000000">
+                      <a:alpha val="43137"/>
+                    </a:srgbClr>
+                  </a:outerShdw>
+                </a:effectLst>
+              </a:rPr>
+              <a:t>– JALOUZET Jérémie – OUADGHIRI Mohammed</a:t>
+            </a:r>
+            <a:endParaRPr lang="fr-FR" sz="1200" dirty="0">
+              <a:effectLst>
+                <a:outerShdw blurRad="38100" dist="38100" dir="2700000" algn="tl">
+                  <a:srgbClr val="000000">
+                    <a:alpha val="43137"/>
+                  </a:srgbClr>
+                </a:outerShdw>
+              </a:effectLst>
             </a:endParaRPr>
           </a:p>
         </p:txBody>
@@ -8357,7 +11452,7 @@
     </p:spTree>
     <p:extLst>
       <p:ext uri="{BB962C8B-B14F-4D97-AF65-F5344CB8AC3E}">
-        <p14:creationId xmlns:p14="http://schemas.microsoft.com/office/powerpoint/2010/main" val="1331703616"/>
+        <p14:creationId xmlns:p14="http://schemas.microsoft.com/office/powerpoint/2010/main" val="924326814"/>
       </p:ext>
     </p:extLst>
   </p:cSld>

--- a/présentation/Présentation IF26.pptx
+++ b/présentation/Présentation IF26.pptx
@@ -5,7 +5,7 @@
     <p:sldMasterId id="2147483696" r:id="rId1"/>
   </p:sldMasterIdLst>
   <p:notesMasterIdLst>
-    <p:notesMasterId r:id="rId18"/>
+    <p:notesMasterId r:id="rId20"/>
   </p:notesMasterIdLst>
   <p:sldIdLst>
     <p:sldId id="290" r:id="rId2"/>
@@ -20,10 +20,12 @@
     <p:sldId id="285" r:id="rId11"/>
     <p:sldId id="286" r:id="rId12"/>
     <p:sldId id="287" r:id="rId13"/>
-    <p:sldId id="296" r:id="rId14"/>
-    <p:sldId id="289" r:id="rId15"/>
-    <p:sldId id="288" r:id="rId16"/>
-    <p:sldId id="297" r:id="rId17"/>
+    <p:sldId id="298" r:id="rId14"/>
+    <p:sldId id="299" r:id="rId15"/>
+    <p:sldId id="296" r:id="rId16"/>
+    <p:sldId id="289" r:id="rId17"/>
+    <p:sldId id="288" r:id="rId18"/>
+    <p:sldId id="297" r:id="rId19"/>
   </p:sldIdLst>
   <p:sldSz cx="9144000" cy="6858000" type="screen4x3"/>
   <p:notesSz cx="6858000" cy="9144000"/>
@@ -555,6 +557,91 @@
     <p:extLst>
       <p:ext uri="{BB962C8B-B14F-4D97-AF65-F5344CB8AC3E}">
         <p14:creationId xmlns:p14="http://schemas.microsoft.com/office/powerpoint/2010/main" val="1512218061"/>
+      </p:ext>
+    </p:extLst>
+  </p:cSld>
+  <p:clrMapOvr>
+    <a:masterClrMapping/>
+  </p:clrMapOvr>
+</p:notes>
+</file>
+
+<file path=ppt/notesSlides/notesSlide2.xml><?xml version="1.0" encoding="utf-8"?>
+<p:notes xmlns:a="http://schemas.openxmlformats.org/drawingml/2006/main" xmlns:r="http://schemas.openxmlformats.org/officeDocument/2006/relationships" xmlns:p="http://schemas.openxmlformats.org/presentationml/2006/main">
+  <p:cSld>
+    <p:spTree>
+      <p:nvGrpSpPr>
+        <p:cNvPr id="1" name=""/>
+        <p:cNvGrpSpPr/>
+        <p:nvPr/>
+      </p:nvGrpSpPr>
+      <p:grpSpPr>
+        <a:xfrm>
+          <a:off x="0" y="0"/>
+          <a:ext cx="0" cy="0"/>
+          <a:chOff x="0" y="0"/>
+          <a:chExt cx="0" cy="0"/>
+        </a:xfrm>
+      </p:grpSpPr>
+      <p:sp>
+        <p:nvSpPr>
+          <p:cNvPr id="2" name="Espace réservé de l'image des diapositives 1"/>
+          <p:cNvSpPr>
+            <a:spLocks noGrp="1" noRot="1" noChangeAspect="1"/>
+          </p:cNvSpPr>
+          <p:nvPr>
+            <p:ph type="sldImg"/>
+          </p:nvPr>
+        </p:nvSpPr>
+        <p:spPr/>
+      </p:sp>
+      <p:sp>
+        <p:nvSpPr>
+          <p:cNvPr id="3" name="Espace réservé des commentaires 2"/>
+          <p:cNvSpPr>
+            <a:spLocks noGrp="1"/>
+          </p:cNvSpPr>
+          <p:nvPr>
+            <p:ph type="body" idx="1"/>
+          </p:nvPr>
+        </p:nvSpPr>
+        <p:spPr/>
+        <p:txBody>
+          <a:bodyPr/>
+          <a:lstStyle/>
+          <a:p>
+            <a:endParaRPr lang="fr-FR" dirty="0"/>
+          </a:p>
+        </p:txBody>
+      </p:sp>
+      <p:sp>
+        <p:nvSpPr>
+          <p:cNvPr id="4" name="Espace réservé du numéro de diapositive 3"/>
+          <p:cNvSpPr>
+            <a:spLocks noGrp="1"/>
+          </p:cNvSpPr>
+          <p:nvPr>
+            <p:ph type="sldNum" sz="quarter" idx="10"/>
+          </p:nvPr>
+        </p:nvSpPr>
+        <p:spPr/>
+        <p:txBody>
+          <a:bodyPr/>
+          <a:lstStyle/>
+          <a:p>
+            <a:fld id="{A45EA1D2-E017-4592-857B-6B17935E7EF0}" type="slidenum">
+              <a:rPr lang="fr-FR" smtClean="0"/>
+              <a:pPr/>
+              <a:t>13</a:t>
+            </a:fld>
+            <a:endParaRPr lang="fr-FR"/>
+          </a:p>
+        </p:txBody>
+      </p:sp>
+    </p:spTree>
+    <p:extLst>
+      <p:ext uri="{BB962C8B-B14F-4D97-AF65-F5344CB8AC3E}">
+        <p14:creationId xmlns:p14="http://schemas.microsoft.com/office/powerpoint/2010/main" val="422403503"/>
       </p:ext>
     </p:extLst>
   </p:cSld>
@@ -4741,8 +4828,10 @@
                   </a:outerShdw>
                 </a:effectLst>
               </a:rPr>
-              <a:t>      </a:t>
-            </a:r>
+              <a:t>      JALOUZET Jérémie</a:t>
+            </a:r>
+          </a:p>
+          <a:p>
             <a:r>
               <a:rPr lang="fr-FR" sz="1600" b="1" dirty="0" smtClean="0">
                 <a:effectLst>
@@ -4753,52 +4842,8 @@
                   </a:outerShdw>
                 </a:effectLst>
               </a:rPr>
-              <a:t>JALOUZET Jérémie</a:t>
-            </a:r>
-            <a:endParaRPr lang="fr-FR" sz="1600" b="1" dirty="0" smtClean="0">
-              <a:effectLst>
-                <a:outerShdw blurRad="38100" dist="38100" dir="2700000" algn="tl">
-                  <a:srgbClr val="000000">
-                    <a:alpha val="43137"/>
-                  </a:srgbClr>
-                </a:outerShdw>
-              </a:effectLst>
-            </a:endParaRPr>
-          </a:p>
-          <a:p>
-            <a:r>
-              <a:rPr lang="fr-FR" sz="1600" b="1" dirty="0" smtClean="0">
-                <a:effectLst>
-                  <a:outerShdw blurRad="38100" dist="38100" dir="2700000" algn="tl">
-                    <a:srgbClr val="000000">
-                      <a:alpha val="43137"/>
-                    </a:srgbClr>
-                  </a:outerShdw>
-                </a:effectLst>
-              </a:rPr>
-              <a:t>      </a:t>
-            </a:r>
-            <a:r>
-              <a:rPr lang="fr-FR" sz="1600" b="1" dirty="0" smtClean="0">
-                <a:effectLst>
-                  <a:outerShdw blurRad="38100" dist="38100" dir="2700000" algn="tl">
-                    <a:srgbClr val="000000">
-                      <a:alpha val="43137"/>
-                    </a:srgbClr>
-                  </a:outerShdw>
-                </a:effectLst>
-              </a:rPr>
-              <a:t>OUADGHIRI Mohammed</a:t>
-            </a:r>
-            <a:endParaRPr lang="fr-FR" sz="1600" b="1" dirty="0" smtClean="0">
-              <a:effectLst>
-                <a:outerShdw blurRad="38100" dist="38100" dir="2700000" algn="tl">
-                  <a:srgbClr val="000000">
-                    <a:alpha val="43137"/>
-                  </a:srgbClr>
-                </a:outerShdw>
-              </a:effectLst>
-            </a:endParaRPr>
+              <a:t>      OUADGHIRI Mohammed</a:t>
+            </a:r>
           </a:p>
           <a:p>
             <a:r>
@@ -4888,25 +4933,7 @@
                 </a:effectLst>
                 <a:latin typeface="+mj-lt"/>
               </a:rPr>
-              <a:t>Présentation </a:t>
-            </a:r>
-            <a:r>
-              <a:rPr lang="fr-FR" sz="2000" b="1" dirty="0" smtClean="0">
-                <a:solidFill>
-                  <a:schemeClr val="tx2">
-                    <a:lumMod val="75000"/>
-                  </a:schemeClr>
-                </a:solidFill>
-                <a:effectLst>
-                  <a:outerShdw blurRad="38100" dist="38100" dir="2700000" algn="tl">
-                    <a:srgbClr val="000000">
-                      <a:alpha val="43137"/>
-                    </a:srgbClr>
-                  </a:outerShdw>
-                </a:effectLst>
-                <a:latin typeface="+mj-lt"/>
-              </a:rPr>
-              <a:t>de l’application</a:t>
+              <a:t>Présentation de l’application</a:t>
             </a:r>
           </a:p>
           <a:p>
@@ -4927,25 +4954,7 @@
                 </a:effectLst>
                 <a:latin typeface="+mj-lt"/>
               </a:rPr>
-              <a:t>Architecture générale et mesures de sécurité</a:t>
-            </a:r>
-            <a:r>
-              <a:rPr lang="fr-FR" sz="1600" b="1" dirty="0" smtClean="0">
-                <a:solidFill>
-                  <a:schemeClr val="tx2">
-                    <a:lumMod val="75000"/>
-                  </a:schemeClr>
-                </a:solidFill>
-                <a:effectLst>
-                  <a:outerShdw blurRad="38100" dist="38100" dir="2700000" algn="tl">
-                    <a:srgbClr val="000000">
-                      <a:alpha val="43137"/>
-                    </a:srgbClr>
-                  </a:outerShdw>
-                </a:effectLst>
-                <a:latin typeface="+mj-lt"/>
-              </a:rPr>
-              <a:t> </a:t>
+              <a:t>Architecture générale et mesures de sécurité </a:t>
             </a:r>
             <a:endParaRPr lang="fr-FR" sz="1600" b="1" dirty="0">
               <a:solidFill>
@@ -7087,6 +7096,36 @@
       </p:grpSpPr>
       <p:sp>
         <p:nvSpPr>
+          <p:cNvPr id="11" name="Espace réservé du texte 10"/>
+          <p:cNvSpPr>
+            <a:spLocks noGrp="1"/>
+          </p:cNvSpPr>
+          <p:nvPr>
+            <p:ph type="body" idx="2"/>
+          </p:nvPr>
+        </p:nvSpPr>
+        <p:spPr>
+          <a:xfrm>
+            <a:off x="539552" y="2010727"/>
+            <a:ext cx="8197224" cy="4617720"/>
+          </a:xfrm>
+        </p:spPr>
+        <p:txBody>
+          <a:bodyPr/>
+          <a:lstStyle/>
+          <a:p>
+            <a:r>
+              <a:rPr lang="fr-FR" dirty="0"/>
+              <a:t>L’utilisation d’un Websevice qui teste si un compte est bien paramétré :</a:t>
+            </a:r>
+          </a:p>
+          <a:p>
+            <a:endParaRPr lang="fr-FR" dirty="0"/>
+          </a:p>
+        </p:txBody>
+      </p:sp>
+      <p:sp>
+        <p:nvSpPr>
           <p:cNvPr id="4" name="Espace réservé du numéro de diapositive 3"/>
           <p:cNvSpPr>
             <a:spLocks noGrp="1"/>
@@ -7117,8 +7156,8 @@
         </p:nvSpPr>
         <p:spPr>
           <a:xfrm>
-            <a:off x="251520" y="3140968"/>
-            <a:ext cx="8640960" cy="936104"/>
+            <a:off x="72008" y="548680"/>
+            <a:ext cx="7524328" cy="504056"/>
           </a:xfrm>
           <a:prstGeom prst="roundRect">
             <a:avLst/>
@@ -7126,7 +7165,7 @@
           <a:solidFill>
             <a:schemeClr val="bg1"/>
           </a:solidFill>
-          <a:ln w="57150">
+          <a:ln w="38100">
             <a:solidFill>
               <a:schemeClr val="tx1"/>
             </a:solidFill>
@@ -7152,36 +7191,647 @@
           <a:bodyPr rtlCol="0" anchor="ctr"/>
           <a:lstStyle/>
           <a:p>
-            <a:pPr algn="ctr"/>
-            <a:r>
-              <a:rPr lang="fr-FR" sz="3600" b="1" dirty="0" smtClean="0">
+            <a:r>
+              <a:rPr lang="fr-FR" sz="2000" b="1" dirty="0">
                 <a:solidFill>
                   <a:srgbClr val="002060"/>
                 </a:solidFill>
               </a:rPr>
-              <a:t>Mesures de </a:t>
-            </a:r>
-            <a:r>
-              <a:rPr lang="fr-FR" sz="3600" b="1" dirty="0">
+              <a:t>Architecture générale de l’application</a:t>
+            </a:r>
+          </a:p>
+        </p:txBody>
+      </p:sp>
+      <p:sp>
+        <p:nvSpPr>
+          <p:cNvPr id="6" name="Rectangle à coins arrondis 5"/>
+          <p:cNvSpPr/>
+          <p:nvPr/>
+        </p:nvSpPr>
+        <p:spPr>
+          <a:xfrm>
+            <a:off x="107504" y="1231990"/>
+            <a:ext cx="2592288" cy="432048"/>
+          </a:xfrm>
+          <a:prstGeom prst="roundRect">
+            <a:avLst/>
+          </a:prstGeom>
+          <a:solidFill>
+            <a:schemeClr val="bg1"/>
+          </a:solidFill>
+          <a:ln w="38100">
+            <a:solidFill>
+              <a:schemeClr val="accent6">
+                <a:lumMod val="60000"/>
+                <a:lumOff val="40000"/>
+              </a:schemeClr>
+            </a:solidFill>
+          </a:ln>
+        </p:spPr>
+        <p:style>
+          <a:lnRef idx="2">
+            <a:schemeClr val="accent1">
+              <a:shade val="50000"/>
+            </a:schemeClr>
+          </a:lnRef>
+          <a:fillRef idx="1">
+            <a:schemeClr val="accent1"/>
+          </a:fillRef>
+          <a:effectRef idx="0">
+            <a:schemeClr val="accent1"/>
+          </a:effectRef>
+          <a:fontRef idx="minor">
+            <a:schemeClr val="lt1"/>
+          </a:fontRef>
+        </p:style>
+        <p:txBody>
+          <a:bodyPr rtlCol="0" anchor="ctr"/>
+          <a:lstStyle/>
+          <a:p>
+            <a:r>
+              <a:rPr lang="fr-FR" sz="2400" dirty="0">
                 <a:solidFill>
-                  <a:srgbClr val="002060"/>
+                  <a:schemeClr val="accent2">
+                    <a:lumMod val="75000"/>
+                  </a:schemeClr>
                 </a:solidFill>
               </a:rPr>
-              <a:t>sécurité</a:t>
-            </a:r>
-            <a:endParaRPr lang="fr-FR" sz="3500" b="1" dirty="0">
+              <a:t>Partie </a:t>
+            </a:r>
+            <a:r>
+              <a:rPr lang="fr-FR" sz="2400" dirty="0" smtClean="0">
+                <a:solidFill>
+                  <a:schemeClr val="accent2">
+                    <a:lumMod val="75000"/>
+                  </a:schemeClr>
+                </a:solidFill>
+              </a:rPr>
+              <a:t>Serveur </a:t>
+            </a:r>
+            <a:endParaRPr lang="fr-FR" sz="2200" b="1" dirty="0">
               <a:solidFill>
-                <a:srgbClr val="002060"/>
+                <a:schemeClr val="accent2">
+                  <a:lumMod val="75000"/>
+                </a:schemeClr>
               </a:solidFill>
-              <a:latin typeface="+mj-lt"/>
             </a:endParaRPr>
+          </a:p>
+        </p:txBody>
+      </p:sp>
+      <p:sp>
+        <p:nvSpPr>
+          <p:cNvPr id="2" name="Rectangle à coins arrondis 1"/>
+          <p:cNvSpPr/>
+          <p:nvPr/>
+        </p:nvSpPr>
+        <p:spPr>
+          <a:xfrm>
+            <a:off x="2105980" y="2410737"/>
+            <a:ext cx="3456384" cy="504056"/>
+          </a:xfrm>
+          <a:prstGeom prst="roundRect">
+            <a:avLst/>
+          </a:prstGeom>
+        </p:spPr>
+        <p:style>
+          <a:lnRef idx="2">
+            <a:schemeClr val="accent1">
+              <a:shade val="50000"/>
+            </a:schemeClr>
+          </a:lnRef>
+          <a:fillRef idx="1">
+            <a:schemeClr val="accent1"/>
+          </a:fillRef>
+          <a:effectRef idx="0">
+            <a:schemeClr val="accent1"/>
+          </a:effectRef>
+          <a:fontRef idx="minor">
+            <a:schemeClr val="lt1"/>
+          </a:fontRef>
+        </p:style>
+        <p:txBody>
+          <a:bodyPr rtlCol="0" anchor="ctr"/>
+          <a:lstStyle/>
+          <a:p>
+            <a:pPr algn="ctr"/>
+            <a:r>
+              <a:rPr lang="fr-FR" sz="1600" dirty="0" err="1" smtClean="0">
+                <a:solidFill>
+                  <a:schemeClr val="tx1"/>
+                </a:solidFill>
+              </a:rPr>
+              <a:t>Webservice</a:t>
+            </a:r>
+            <a:r>
+              <a:rPr lang="fr-FR" sz="1600" dirty="0" smtClean="0">
+                <a:solidFill>
+                  <a:schemeClr val="tx1"/>
+                </a:solidFill>
+              </a:rPr>
+              <a:t> : « tester-</a:t>
+            </a:r>
+            <a:r>
+              <a:rPr lang="fr-FR" sz="1600" dirty="0" err="1" smtClean="0">
+                <a:solidFill>
+                  <a:schemeClr val="tx1"/>
+                </a:solidFill>
+              </a:rPr>
+              <a:t>compte.php</a:t>
+            </a:r>
+            <a:r>
+              <a:rPr lang="fr-FR" sz="1600" dirty="0" smtClean="0">
+                <a:solidFill>
+                  <a:schemeClr val="tx1"/>
+                </a:solidFill>
+              </a:rPr>
+              <a:t> »</a:t>
+            </a:r>
+            <a:endParaRPr lang="fr-FR" sz="1600" dirty="0">
+              <a:solidFill>
+                <a:schemeClr val="tx1"/>
+              </a:solidFill>
+            </a:endParaRPr>
+          </a:p>
+        </p:txBody>
+      </p:sp>
+      <p:sp>
+        <p:nvSpPr>
+          <p:cNvPr id="7" name="Rectangle à coins arrondis 6"/>
+          <p:cNvSpPr/>
+          <p:nvPr/>
+        </p:nvSpPr>
+        <p:spPr>
+          <a:xfrm>
+            <a:off x="2181012" y="3413781"/>
+            <a:ext cx="3382864" cy="504056"/>
+          </a:xfrm>
+          <a:prstGeom prst="roundRect">
+            <a:avLst/>
+          </a:prstGeom>
+        </p:spPr>
+        <p:style>
+          <a:lnRef idx="2">
+            <a:schemeClr val="accent1">
+              <a:shade val="50000"/>
+            </a:schemeClr>
+          </a:lnRef>
+          <a:fillRef idx="1">
+            <a:schemeClr val="accent1"/>
+          </a:fillRef>
+          <a:effectRef idx="0">
+            <a:schemeClr val="accent1"/>
+          </a:effectRef>
+          <a:fontRef idx="minor">
+            <a:schemeClr val="lt1"/>
+          </a:fontRef>
+        </p:style>
+        <p:txBody>
+          <a:bodyPr rtlCol="0" anchor="ctr"/>
+          <a:lstStyle/>
+          <a:p>
+            <a:pPr algn="ctr"/>
+            <a:r>
+              <a:rPr lang="fr-FR" sz="1600" dirty="0" smtClean="0">
+                <a:solidFill>
+                  <a:schemeClr val="tx1"/>
+                </a:solidFill>
+              </a:rPr>
+              <a:t>Vérification dans les différentes boites mails de l’utilisateur</a:t>
+            </a:r>
+            <a:endParaRPr lang="fr-FR" sz="1600" dirty="0">
+              <a:solidFill>
+                <a:schemeClr val="tx1"/>
+              </a:solidFill>
+            </a:endParaRPr>
+          </a:p>
+        </p:txBody>
+      </p:sp>
+      <p:sp>
+        <p:nvSpPr>
+          <p:cNvPr id="3" name="Flèche vers le bas 2"/>
+          <p:cNvSpPr/>
+          <p:nvPr/>
+        </p:nvSpPr>
+        <p:spPr>
+          <a:xfrm>
+            <a:off x="3718756" y="2966290"/>
+            <a:ext cx="144016" cy="447491"/>
+          </a:xfrm>
+          <a:prstGeom prst="downArrow">
+            <a:avLst/>
+          </a:prstGeom>
+        </p:spPr>
+        <p:style>
+          <a:lnRef idx="2">
+            <a:schemeClr val="accent1">
+              <a:shade val="50000"/>
+            </a:schemeClr>
+          </a:lnRef>
+          <a:fillRef idx="1">
+            <a:schemeClr val="accent1"/>
+          </a:fillRef>
+          <a:effectRef idx="0">
+            <a:schemeClr val="accent1"/>
+          </a:effectRef>
+          <a:fontRef idx="minor">
+            <a:schemeClr val="lt1"/>
+          </a:fontRef>
+        </p:style>
+        <p:txBody>
+          <a:bodyPr rtlCol="0" anchor="ctr"/>
+          <a:lstStyle/>
+          <a:p>
+            <a:pPr algn="ctr"/>
+            <a:endParaRPr lang="fr-FR"/>
+          </a:p>
+        </p:txBody>
+      </p:sp>
+      <p:sp>
+        <p:nvSpPr>
+          <p:cNvPr id="15" name="Rectangle à coins arrondis 14"/>
+          <p:cNvSpPr/>
+          <p:nvPr/>
+        </p:nvSpPr>
+        <p:spPr>
+          <a:xfrm>
+            <a:off x="6162871" y="3434068"/>
+            <a:ext cx="2160240" cy="504056"/>
+          </a:xfrm>
+          <a:prstGeom prst="roundRect">
+            <a:avLst/>
+          </a:prstGeom>
+          <a:solidFill>
+            <a:schemeClr val="accent6">
+              <a:lumMod val="40000"/>
+              <a:lumOff val="60000"/>
+            </a:schemeClr>
+          </a:solidFill>
+        </p:spPr>
+        <p:style>
+          <a:lnRef idx="2">
+            <a:schemeClr val="accent1">
+              <a:shade val="50000"/>
+            </a:schemeClr>
+          </a:lnRef>
+          <a:fillRef idx="1">
+            <a:schemeClr val="accent1"/>
+          </a:fillRef>
+          <a:effectRef idx="0">
+            <a:schemeClr val="accent1"/>
+          </a:effectRef>
+          <a:fontRef idx="minor">
+            <a:schemeClr val="lt1"/>
+          </a:fontRef>
+        </p:style>
+        <p:txBody>
+          <a:bodyPr rtlCol="0" anchor="ctr"/>
+          <a:lstStyle/>
+          <a:p>
+            <a:pPr algn="ctr"/>
+            <a:r>
+              <a:rPr lang="fr-FR" sz="1600" dirty="0" smtClean="0">
+                <a:solidFill>
+                  <a:schemeClr val="tx1"/>
+                </a:solidFill>
+              </a:rPr>
+              <a:t>Gmail, uran.utt.fr, ...</a:t>
+            </a:r>
+            <a:endParaRPr lang="fr-FR" sz="1600" dirty="0">
+              <a:solidFill>
+                <a:schemeClr val="tx1"/>
+              </a:solidFill>
+            </a:endParaRPr>
+          </a:p>
+        </p:txBody>
+      </p:sp>
+      <p:sp>
+        <p:nvSpPr>
+          <p:cNvPr id="22" name="Rectangle à coins arrondis 21"/>
+          <p:cNvSpPr/>
+          <p:nvPr/>
+        </p:nvSpPr>
+        <p:spPr>
+          <a:xfrm>
+            <a:off x="683568" y="4385615"/>
+            <a:ext cx="3382864" cy="618870"/>
+          </a:xfrm>
+          <a:prstGeom prst="roundRect">
+            <a:avLst/>
+          </a:prstGeom>
+        </p:spPr>
+        <p:style>
+          <a:lnRef idx="2">
+            <a:schemeClr val="accent1">
+              <a:shade val="50000"/>
+            </a:schemeClr>
+          </a:lnRef>
+          <a:fillRef idx="1">
+            <a:schemeClr val="accent1"/>
+          </a:fillRef>
+          <a:effectRef idx="0">
+            <a:schemeClr val="accent1"/>
+          </a:effectRef>
+          <a:fontRef idx="minor">
+            <a:schemeClr val="lt1"/>
+          </a:fontRef>
+        </p:style>
+        <p:txBody>
+          <a:bodyPr rtlCol="0" anchor="ctr"/>
+          <a:lstStyle/>
+          <a:p>
+            <a:pPr algn="ctr"/>
+            <a:r>
+              <a:rPr lang="fr-FR" sz="1600" dirty="0" smtClean="0">
+                <a:solidFill>
+                  <a:schemeClr val="tx1"/>
+                </a:solidFill>
+              </a:rPr>
+              <a:t>Retourne la liste des dossiers trouvés dans les différentes boites</a:t>
+            </a:r>
+            <a:endParaRPr lang="fr-FR" sz="1600" dirty="0">
+              <a:solidFill>
+                <a:schemeClr val="tx1"/>
+              </a:solidFill>
+            </a:endParaRPr>
+          </a:p>
+        </p:txBody>
+      </p:sp>
+      <p:sp>
+        <p:nvSpPr>
+          <p:cNvPr id="23" name="Flèche droite 22"/>
+          <p:cNvSpPr/>
+          <p:nvPr/>
+        </p:nvSpPr>
+        <p:spPr>
+          <a:xfrm>
+            <a:off x="5592384" y="3686096"/>
+            <a:ext cx="570487" cy="45719"/>
+          </a:xfrm>
+          <a:prstGeom prst="rightArrow">
+            <a:avLst/>
+          </a:prstGeom>
+        </p:spPr>
+        <p:style>
+          <a:lnRef idx="2">
+            <a:schemeClr val="accent1">
+              <a:shade val="50000"/>
+            </a:schemeClr>
+          </a:lnRef>
+          <a:fillRef idx="1">
+            <a:schemeClr val="accent1"/>
+          </a:fillRef>
+          <a:effectRef idx="0">
+            <a:schemeClr val="accent1"/>
+          </a:effectRef>
+          <a:fontRef idx="minor">
+            <a:schemeClr val="lt1"/>
+          </a:fontRef>
+        </p:style>
+        <p:txBody>
+          <a:bodyPr rtlCol="0" anchor="ctr"/>
+          <a:lstStyle/>
+          <a:p>
+            <a:pPr algn="ctr"/>
+            <a:endParaRPr lang="fr-FR"/>
+          </a:p>
+        </p:txBody>
+      </p:sp>
+      <p:sp>
+        <p:nvSpPr>
+          <p:cNvPr id="24" name="Rectangle à coins arrondis 23"/>
+          <p:cNvSpPr/>
+          <p:nvPr/>
+        </p:nvSpPr>
+        <p:spPr>
+          <a:xfrm>
+            <a:off x="4186194" y="4385615"/>
+            <a:ext cx="3410141" cy="618870"/>
+          </a:xfrm>
+          <a:prstGeom prst="roundRect">
+            <a:avLst/>
+          </a:prstGeom>
+        </p:spPr>
+        <p:style>
+          <a:lnRef idx="2">
+            <a:schemeClr val="accent1">
+              <a:shade val="50000"/>
+            </a:schemeClr>
+          </a:lnRef>
+          <a:fillRef idx="1">
+            <a:schemeClr val="accent1"/>
+          </a:fillRef>
+          <a:effectRef idx="0">
+            <a:schemeClr val="accent1"/>
+          </a:effectRef>
+          <a:fontRef idx="minor">
+            <a:schemeClr val="lt1"/>
+          </a:fontRef>
+        </p:style>
+        <p:txBody>
+          <a:bodyPr rtlCol="0" anchor="ctr"/>
+          <a:lstStyle/>
+          <a:p>
+            <a:pPr algn="ctr"/>
+            <a:r>
+              <a:rPr lang="fr-FR" sz="1600" dirty="0" smtClean="0">
+                <a:solidFill>
+                  <a:schemeClr val="tx1"/>
+                </a:solidFill>
+              </a:rPr>
+              <a:t>Une erreur si la boite ne permet pas l’utilisation du protocole: </a:t>
+            </a:r>
+            <a:r>
+              <a:rPr lang="fr-FR" sz="1600" dirty="0" err="1" smtClean="0">
+                <a:solidFill>
+                  <a:schemeClr val="tx1"/>
+                </a:solidFill>
+              </a:rPr>
+              <a:t>Imap</a:t>
+            </a:r>
+            <a:endParaRPr lang="fr-FR" sz="1600" dirty="0">
+              <a:solidFill>
+                <a:schemeClr val="tx1"/>
+              </a:solidFill>
+            </a:endParaRPr>
+          </a:p>
+        </p:txBody>
+      </p:sp>
+      <p:sp>
+        <p:nvSpPr>
+          <p:cNvPr id="26" name="Flèche vers le bas 25"/>
+          <p:cNvSpPr/>
+          <p:nvPr/>
+        </p:nvSpPr>
+        <p:spPr>
+          <a:xfrm>
+            <a:off x="2915816" y="3938124"/>
+            <a:ext cx="144016" cy="447491"/>
+          </a:xfrm>
+          <a:prstGeom prst="downArrow">
+            <a:avLst/>
+          </a:prstGeom>
+        </p:spPr>
+        <p:style>
+          <a:lnRef idx="2">
+            <a:schemeClr val="accent1">
+              <a:shade val="50000"/>
+            </a:schemeClr>
+          </a:lnRef>
+          <a:fillRef idx="1">
+            <a:schemeClr val="accent1"/>
+          </a:fillRef>
+          <a:effectRef idx="0">
+            <a:schemeClr val="accent1"/>
+          </a:effectRef>
+          <a:fontRef idx="minor">
+            <a:schemeClr val="lt1"/>
+          </a:fontRef>
+        </p:style>
+        <p:txBody>
+          <a:bodyPr rtlCol="0" anchor="ctr"/>
+          <a:lstStyle/>
+          <a:p>
+            <a:pPr algn="ctr"/>
+            <a:endParaRPr lang="fr-FR"/>
+          </a:p>
+        </p:txBody>
+      </p:sp>
+      <p:sp>
+        <p:nvSpPr>
+          <p:cNvPr id="27" name="Flèche vers le bas 26"/>
+          <p:cNvSpPr/>
+          <p:nvPr/>
+        </p:nvSpPr>
+        <p:spPr>
+          <a:xfrm>
+            <a:off x="4932040" y="3938124"/>
+            <a:ext cx="144016" cy="447491"/>
+          </a:xfrm>
+          <a:prstGeom prst="downArrow">
+            <a:avLst/>
+          </a:prstGeom>
+        </p:spPr>
+        <p:style>
+          <a:lnRef idx="2">
+            <a:schemeClr val="accent1">
+              <a:shade val="50000"/>
+            </a:schemeClr>
+          </a:lnRef>
+          <a:fillRef idx="1">
+            <a:schemeClr val="accent1"/>
+          </a:fillRef>
+          <a:effectRef idx="0">
+            <a:schemeClr val="accent1"/>
+          </a:effectRef>
+          <a:fontRef idx="minor">
+            <a:schemeClr val="lt1"/>
+          </a:fontRef>
+        </p:style>
+        <p:txBody>
+          <a:bodyPr rtlCol="0" anchor="ctr"/>
+          <a:lstStyle/>
+          <a:p>
+            <a:pPr algn="ctr"/>
+            <a:endParaRPr lang="fr-FR"/>
+          </a:p>
+        </p:txBody>
+      </p:sp>
+      <p:sp>
+        <p:nvSpPr>
+          <p:cNvPr id="28" name="Rectangle à coins arrondis 27"/>
+          <p:cNvSpPr/>
+          <p:nvPr/>
+        </p:nvSpPr>
+        <p:spPr>
+          <a:xfrm>
+            <a:off x="788210" y="5517232"/>
+            <a:ext cx="3382864" cy="618870"/>
+          </a:xfrm>
+          <a:prstGeom prst="roundRect">
+            <a:avLst/>
+          </a:prstGeom>
+        </p:spPr>
+        <p:style>
+          <a:lnRef idx="2">
+            <a:schemeClr val="accent1">
+              <a:shade val="50000"/>
+            </a:schemeClr>
+          </a:lnRef>
+          <a:fillRef idx="1">
+            <a:schemeClr val="accent1"/>
+          </a:fillRef>
+          <a:effectRef idx="0">
+            <a:schemeClr val="accent1"/>
+          </a:effectRef>
+          <a:fontRef idx="minor">
+            <a:schemeClr val="lt1"/>
+          </a:fontRef>
+        </p:style>
+        <p:txBody>
+          <a:bodyPr rtlCol="0" anchor="ctr"/>
+          <a:lstStyle/>
+          <a:p>
+            <a:pPr algn="ctr"/>
+            <a:r>
+              <a:rPr lang="fr-FR" sz="1600" dirty="0" smtClean="0">
+                <a:solidFill>
+                  <a:schemeClr val="tx1"/>
+                </a:solidFill>
+              </a:rPr>
+              <a:t>Utilisation possible tant que les paramètres sont bien définies</a:t>
+            </a:r>
+            <a:endParaRPr lang="fr-FR" sz="1600" dirty="0">
+              <a:solidFill>
+                <a:schemeClr val="tx1"/>
+              </a:solidFill>
+            </a:endParaRPr>
+          </a:p>
+        </p:txBody>
+      </p:sp>
+      <p:sp>
+        <p:nvSpPr>
+          <p:cNvPr id="29" name="Flèche vers le bas 28"/>
+          <p:cNvSpPr/>
+          <p:nvPr/>
+        </p:nvSpPr>
+        <p:spPr>
+          <a:xfrm>
+            <a:off x="2843808" y="5019331"/>
+            <a:ext cx="144016" cy="447491"/>
+          </a:xfrm>
+          <a:prstGeom prst="downArrow">
+            <a:avLst/>
+          </a:prstGeom>
+        </p:spPr>
+        <p:style>
+          <a:lnRef idx="2">
+            <a:schemeClr val="accent1">
+              <a:shade val="50000"/>
+            </a:schemeClr>
+          </a:lnRef>
+          <a:fillRef idx="1">
+            <a:schemeClr val="accent1"/>
+          </a:fillRef>
+          <a:effectRef idx="0">
+            <a:schemeClr val="accent1"/>
+          </a:effectRef>
+          <a:fontRef idx="minor">
+            <a:schemeClr val="lt1"/>
+          </a:fontRef>
+        </p:style>
+        <p:txBody>
+          <a:bodyPr rtlCol="0" anchor="ctr"/>
+          <a:lstStyle/>
+          <a:p>
+            <a:pPr algn="ctr"/>
+            <a:endParaRPr lang="fr-FR"/>
           </a:p>
         </p:txBody>
       </p:sp>
     </p:spTree>
     <p:extLst>
       <p:ext uri="{BB962C8B-B14F-4D97-AF65-F5344CB8AC3E}">
-        <p14:creationId xmlns:p14="http://schemas.microsoft.com/office/powerpoint/2010/main" val="1333480584"/>
+        <p14:creationId xmlns:p14="http://schemas.microsoft.com/office/powerpoint/2010/main" val="3351238153"/>
       </p:ext>
     </p:extLst>
   </p:cSld>
@@ -7217,7 +7867,201 @@
       </p:grpSpPr>
       <p:sp>
         <p:nvSpPr>
-          <p:cNvPr id="4" name="Espace réservé du numéro de diapositive 3"/>
+          <p:cNvPr id="8" name="Espace réservé du texte 10"/>
+          <p:cNvSpPr txBox="1">
+            <a:spLocks/>
+          </p:cNvSpPr>
+          <p:nvPr/>
+        </p:nvSpPr>
+        <p:spPr>
+          <a:xfrm>
+            <a:off x="539552" y="2010727"/>
+            <a:ext cx="8197224" cy="4617720"/>
+          </a:xfrm>
+          <a:prstGeom prst="rect">
+            <a:avLst/>
+          </a:prstGeom>
+        </p:spPr>
+        <p:txBody>
+          <a:bodyPr/>
+          <a:lstStyle>
+            <a:lvl1pPr marL="365760" indent="-256032" algn="l" rtl="0" eaLnBrk="1" latinLnBrk="0" hangingPunct="1">
+              <a:spcBef>
+                <a:spcPts val="300"/>
+              </a:spcBef>
+              <a:buClr>
+                <a:schemeClr val="accent3"/>
+              </a:buClr>
+              <a:buFont typeface="Georgia"/>
+              <a:buChar char="•"/>
+              <a:defRPr kumimoji="0" sz="2800" kern="1200">
+                <a:solidFill>
+                  <a:schemeClr val="tx1"/>
+                </a:solidFill>
+                <a:latin typeface="+mn-lt"/>
+                <a:ea typeface="+mn-ea"/>
+                <a:cs typeface="+mn-cs"/>
+              </a:defRPr>
+            </a:lvl1pPr>
+            <a:lvl2pPr marL="658368" indent="-246888" algn="l" rtl="0" eaLnBrk="1" latinLnBrk="0" hangingPunct="1">
+              <a:spcBef>
+                <a:spcPts val="300"/>
+              </a:spcBef>
+              <a:buClr>
+                <a:schemeClr val="accent2"/>
+              </a:buClr>
+              <a:buFont typeface="Georgia"/>
+              <a:buChar char="▫"/>
+              <a:defRPr kumimoji="0" sz="2600" kern="1200">
+                <a:solidFill>
+                  <a:schemeClr val="accent2"/>
+                </a:solidFill>
+                <a:latin typeface="+mn-lt"/>
+                <a:ea typeface="+mn-ea"/>
+                <a:cs typeface="+mn-cs"/>
+              </a:defRPr>
+            </a:lvl2pPr>
+            <a:lvl3pPr marL="923544" indent="-219456" algn="l" rtl="0" eaLnBrk="1" latinLnBrk="0" hangingPunct="1">
+              <a:spcBef>
+                <a:spcPts val="300"/>
+              </a:spcBef>
+              <a:buClr>
+                <a:schemeClr val="accent1"/>
+              </a:buClr>
+              <a:buFont typeface="Wingdings 2"/>
+              <a:buChar char=""/>
+              <a:defRPr kumimoji="0" sz="2400" kern="1200">
+                <a:solidFill>
+                  <a:schemeClr val="accent1"/>
+                </a:solidFill>
+                <a:latin typeface="+mn-lt"/>
+                <a:ea typeface="+mn-ea"/>
+                <a:cs typeface="+mn-cs"/>
+              </a:defRPr>
+            </a:lvl3pPr>
+            <a:lvl4pPr marL="1179576" indent="-201168" algn="l" rtl="0" eaLnBrk="1" latinLnBrk="0" hangingPunct="1">
+              <a:spcBef>
+                <a:spcPts val="300"/>
+              </a:spcBef>
+              <a:buClr>
+                <a:schemeClr val="accent1"/>
+              </a:buClr>
+              <a:buFont typeface="Wingdings 2"/>
+              <a:buChar char=""/>
+              <a:defRPr kumimoji="0" sz="2200" kern="1200">
+                <a:solidFill>
+                  <a:schemeClr val="accent1"/>
+                </a:solidFill>
+                <a:latin typeface="+mn-lt"/>
+                <a:ea typeface="+mn-ea"/>
+                <a:cs typeface="+mn-cs"/>
+              </a:defRPr>
+            </a:lvl4pPr>
+            <a:lvl5pPr marL="1389888" indent="-182880" algn="l" rtl="0" eaLnBrk="1" latinLnBrk="0" hangingPunct="1">
+              <a:spcBef>
+                <a:spcPts val="300"/>
+              </a:spcBef>
+              <a:buClr>
+                <a:schemeClr val="accent3"/>
+              </a:buClr>
+              <a:buFont typeface="Georgia"/>
+              <a:buChar char="▫"/>
+              <a:defRPr kumimoji="0" sz="2000" kern="1200">
+                <a:solidFill>
+                  <a:schemeClr val="accent3"/>
+                </a:solidFill>
+                <a:latin typeface="+mn-lt"/>
+                <a:ea typeface="+mn-ea"/>
+                <a:cs typeface="+mn-cs"/>
+              </a:defRPr>
+            </a:lvl5pPr>
+            <a:lvl6pPr marL="1609344" indent="-182880" algn="l" rtl="0" eaLnBrk="1" latinLnBrk="0" hangingPunct="1">
+              <a:spcBef>
+                <a:spcPts val="300"/>
+              </a:spcBef>
+              <a:buClr>
+                <a:schemeClr val="accent3"/>
+              </a:buClr>
+              <a:buFont typeface="Georgia"/>
+              <a:buChar char="▫"/>
+              <a:defRPr kumimoji="0" sz="1800" kern="1200">
+                <a:solidFill>
+                  <a:schemeClr val="accent3"/>
+                </a:solidFill>
+                <a:latin typeface="+mn-lt"/>
+                <a:ea typeface="+mn-ea"/>
+                <a:cs typeface="+mn-cs"/>
+              </a:defRPr>
+            </a:lvl6pPr>
+            <a:lvl7pPr marL="1828800" indent="-182880" algn="l" rtl="0" eaLnBrk="1" latinLnBrk="0" hangingPunct="1">
+              <a:spcBef>
+                <a:spcPts val="300"/>
+              </a:spcBef>
+              <a:buClr>
+                <a:schemeClr val="accent3"/>
+              </a:buClr>
+              <a:buFont typeface="Georgia"/>
+              <a:buChar char="▫"/>
+              <a:defRPr kumimoji="0" sz="1600" kern="1200">
+                <a:solidFill>
+                  <a:schemeClr val="accent3"/>
+                </a:solidFill>
+                <a:latin typeface="+mn-lt"/>
+                <a:ea typeface="+mn-ea"/>
+                <a:cs typeface="+mn-cs"/>
+              </a:defRPr>
+            </a:lvl7pPr>
+            <a:lvl8pPr marL="2029968" indent="-182880" algn="l" rtl="0" eaLnBrk="1" latinLnBrk="0" hangingPunct="1">
+              <a:spcBef>
+                <a:spcPts val="300"/>
+              </a:spcBef>
+              <a:buClr>
+                <a:schemeClr val="accent3"/>
+              </a:buClr>
+              <a:buFont typeface="Georgia"/>
+              <a:buChar char="◦"/>
+              <a:defRPr kumimoji="0" sz="1500" kern="1200">
+                <a:solidFill>
+                  <a:schemeClr val="accent3"/>
+                </a:solidFill>
+                <a:latin typeface="+mn-lt"/>
+                <a:ea typeface="+mn-ea"/>
+                <a:cs typeface="+mn-cs"/>
+              </a:defRPr>
+            </a:lvl8pPr>
+            <a:lvl9pPr marL="2240280" indent="-182880" algn="l" rtl="0" eaLnBrk="1" latinLnBrk="0" hangingPunct="1">
+              <a:spcBef>
+                <a:spcPts val="300"/>
+              </a:spcBef>
+              <a:buClr>
+                <a:schemeClr val="accent3"/>
+              </a:buClr>
+              <a:buFont typeface="Georgia"/>
+              <a:buChar char="◦"/>
+              <a:defRPr kumimoji="0" sz="1400" kern="1200" baseline="0">
+                <a:solidFill>
+                  <a:schemeClr val="accent3"/>
+                </a:solidFill>
+                <a:latin typeface="+mn-lt"/>
+                <a:ea typeface="+mn-ea"/>
+                <a:cs typeface="+mn-cs"/>
+              </a:defRPr>
+            </a:lvl9pPr>
+          </a:lstStyle>
+          <a:p>
+            <a:r>
+              <a:rPr lang="fr-FR" sz="1600" dirty="0" smtClean="0"/>
+              <a:t>L’utilisation d’un Websevice qui teste si un compte est bien paramétré :</a:t>
+            </a:r>
+          </a:p>
+          <a:p>
+            <a:endParaRPr lang="fr-FR" sz="1600" dirty="0"/>
+          </a:p>
+        </p:txBody>
+      </p:sp>
+      <p:sp>
+        <p:nvSpPr>
+          <p:cNvPr id="9" name="Espace réservé du numéro de diapositive 3"/>
           <p:cNvSpPr>
             <a:spLocks noGrp="1"/>
           </p:cNvSpPr>
@@ -7227,8 +8071,8 @@
         </p:nvSpPr>
         <p:spPr>
           <a:xfrm>
-            <a:off x="8460432" y="2272"/>
-            <a:ext cx="476304" cy="365760"/>
+            <a:off x="8174736" y="2272"/>
+            <a:ext cx="762000" cy="365760"/>
           </a:xfrm>
         </p:spPr>
         <p:txBody>
@@ -7236,33 +8080,17 @@
           <a:lstStyle/>
           <a:p>
             <a:fld id="{6816B381-CB31-4B8E-B307-29C9C96A0920}" type="slidenum">
-              <a:rPr lang="fr-FR" b="1" smtClean="0">
-                <a:effectLst>
-                  <a:outerShdw blurRad="38100" dist="38100" dir="2700000" algn="tl">
-                    <a:srgbClr val="000000">
-                      <a:alpha val="43137"/>
-                    </a:srgbClr>
-                  </a:outerShdw>
-                </a:effectLst>
-              </a:rPr>
+              <a:rPr lang="fr-FR" smtClean="0"/>
               <a:pPr/>
               <a:t>14</a:t>
             </a:fld>
-            <a:endParaRPr lang="fr-FR" b="1" dirty="0">
-              <a:effectLst>
-                <a:outerShdw blurRad="38100" dist="38100" dir="2700000" algn="tl">
-                  <a:srgbClr val="000000">
-                    <a:alpha val="43137"/>
-                  </a:srgbClr>
-                </a:outerShdw>
-              </a:effectLst>
-            </a:endParaRPr>
-          </a:p>
-        </p:txBody>
-      </p:sp>
-      <p:sp>
-        <p:nvSpPr>
-          <p:cNvPr id="5" name="Rectangle à coins arrondis 4"/>
+            <a:endParaRPr lang="fr-FR"/>
+          </a:p>
+        </p:txBody>
+      </p:sp>
+      <p:sp>
+        <p:nvSpPr>
+          <p:cNvPr id="10" name="Rectangle à coins arrondis 9"/>
           <p:cNvSpPr/>
           <p:nvPr/>
         </p:nvSpPr>
@@ -7274,146 +8102,26 @@
           <a:prstGeom prst="roundRect">
             <a:avLst/>
           </a:prstGeom>
-          <a:ln/>
-        </p:spPr>
-        <p:style>
-          <a:lnRef idx="1">
-            <a:schemeClr val="accent6"/>
-          </a:lnRef>
-          <a:fillRef idx="2">
-            <a:schemeClr val="accent6"/>
-          </a:fillRef>
-          <a:effectRef idx="1">
-            <a:schemeClr val="accent6"/>
-          </a:effectRef>
-          <a:fontRef idx="minor">
-            <a:schemeClr val="dk1"/>
-          </a:fontRef>
-        </p:style>
-        <p:txBody>
-          <a:bodyPr rtlCol="0" anchor="ctr"/>
-          <a:lstStyle/>
-          <a:p>
-            <a:r>
-              <a:rPr lang="fr-FR" sz="2400" b="1" dirty="0" smtClean="0">
-                <a:solidFill>
-                  <a:srgbClr val="002060"/>
-                </a:solidFill>
-                <a:effectLst>
-                  <a:outerShdw blurRad="38100" dist="38100" dir="2700000" algn="tl">
-                    <a:srgbClr val="000000">
-                      <a:alpha val="43137"/>
-                    </a:srgbClr>
-                  </a:outerShdw>
-                </a:effectLst>
-              </a:rPr>
-              <a:t>Mesures de sécurité</a:t>
-            </a:r>
-            <a:endParaRPr lang="fr-FR" sz="2400" b="1" dirty="0">
-              <a:solidFill>
-                <a:srgbClr val="002060"/>
-              </a:solidFill>
-              <a:effectLst>
-                <a:outerShdw blurRad="38100" dist="38100" dir="2700000" algn="tl">
-                  <a:srgbClr val="000000">
-                    <a:alpha val="43137"/>
-                  </a:srgbClr>
-                </a:outerShdw>
-              </a:effectLst>
-            </a:endParaRPr>
-          </a:p>
-        </p:txBody>
-      </p:sp>
-      <p:sp>
-        <p:nvSpPr>
-          <p:cNvPr id="6" name="Rectangle à coins arrondis 5"/>
-          <p:cNvSpPr/>
-          <p:nvPr/>
-        </p:nvSpPr>
-        <p:spPr>
-          <a:xfrm>
-            <a:off x="190947" y="1161728"/>
-            <a:ext cx="2724869" cy="432048"/>
-          </a:xfrm>
-          <a:prstGeom prst="roundRect">
-            <a:avLst/>
-          </a:prstGeom>
-          <a:ln/>
-        </p:spPr>
-        <p:style>
-          <a:lnRef idx="1">
-            <a:schemeClr val="accent1"/>
-          </a:lnRef>
-          <a:fillRef idx="2">
-            <a:schemeClr val="accent1"/>
-          </a:fillRef>
-          <a:effectRef idx="1">
-            <a:schemeClr val="accent1"/>
-          </a:effectRef>
-          <a:fontRef idx="minor">
-            <a:schemeClr val="dk1"/>
-          </a:fontRef>
-        </p:style>
-        <p:txBody>
-          <a:bodyPr rtlCol="0" anchor="ctr"/>
-          <a:lstStyle/>
-          <a:p>
-            <a:r>
-              <a:rPr lang="fr-FR" sz="2000" b="1" dirty="0" smtClean="0">
-                <a:solidFill>
-                  <a:schemeClr val="accent6"/>
-                </a:solidFill>
-                <a:effectLst>
-                  <a:outerShdw blurRad="38100" dist="38100" dir="2700000" algn="tl">
-                    <a:srgbClr val="000000">
-                      <a:alpha val="43137"/>
-                    </a:srgbClr>
-                  </a:outerShdw>
-                </a:effectLst>
-              </a:rPr>
-              <a:t>Application cliente</a:t>
-            </a:r>
-            <a:endParaRPr lang="fr-FR" sz="2000" b="1" dirty="0">
-              <a:solidFill>
-                <a:schemeClr val="accent6"/>
-              </a:solidFill>
-              <a:effectLst>
-                <a:outerShdw blurRad="38100" dist="38100" dir="2700000" algn="tl">
-                  <a:srgbClr val="000000">
-                    <a:alpha val="43137"/>
-                  </a:srgbClr>
-                </a:outerShdw>
-              </a:effectLst>
-            </a:endParaRPr>
-          </a:p>
-        </p:txBody>
-      </p:sp>
-      <p:sp>
-        <p:nvSpPr>
-          <p:cNvPr id="7" name="Rectangle 6"/>
-          <p:cNvSpPr/>
-          <p:nvPr/>
-        </p:nvSpPr>
-        <p:spPr>
-          <a:xfrm>
-            <a:off x="0" y="6597352"/>
-            <a:ext cx="9144000" cy="260648"/>
-          </a:xfrm>
-          <a:prstGeom prst="rect">
-            <a:avLst/>
-          </a:prstGeom>
+          <a:solidFill>
+            <a:schemeClr val="bg1"/>
+          </a:solidFill>
+          <a:ln w="38100">
+            <a:solidFill>
+              <a:schemeClr val="tx1"/>
+            </a:solidFill>
+          </a:ln>
         </p:spPr>
         <p:style>
           <a:lnRef idx="2">
-            <a:schemeClr val="accent6">
+            <a:schemeClr val="accent1">
               <a:shade val="50000"/>
             </a:schemeClr>
           </a:lnRef>
           <a:fillRef idx="1">
-            <a:schemeClr val="accent6"/>
+            <a:schemeClr val="accent1"/>
           </a:fillRef>
           <a:effectRef idx="0">
-            <a:schemeClr val="accent6"/>
+            <a:schemeClr val="accent1"/>
           </a:effectRef>
           <a:fontRef idx="minor">
             <a:schemeClr val="lt1"/>
@@ -7423,95 +8131,565 @@
           <a:bodyPr rtlCol="0" anchor="ctr"/>
           <a:lstStyle/>
           <a:p>
-            <a:pPr algn="r"/>
-            <a:r>
-              <a:rPr lang="fr-FR" sz="1200" b="1" dirty="0" smtClean="0">
-                <a:effectLst>
-                  <a:outerShdw blurRad="38100" dist="38100" dir="2700000" algn="tl">
-                    <a:srgbClr val="000000">
-                      <a:alpha val="43137"/>
-                    </a:srgbClr>
-                  </a:outerShdw>
-                </a:effectLst>
-              </a:rPr>
-              <a:t>[IF26] </a:t>
-            </a:r>
-            <a:r>
-              <a:rPr lang="fr-FR" sz="1200" b="1" dirty="0" err="1" smtClean="0">
-                <a:effectLst>
-                  <a:outerShdw blurRad="38100" dist="38100" dir="2700000" algn="tl">
-                    <a:srgbClr val="000000">
-                      <a:alpha val="43137"/>
-                    </a:srgbClr>
-                  </a:outerShdw>
-                </a:effectLst>
-              </a:rPr>
-              <a:t>Strangers</a:t>
-            </a:r>
-            <a:r>
-              <a:rPr lang="fr-FR" sz="1200" b="1" dirty="0" smtClean="0">
-                <a:effectLst>
-                  <a:outerShdw blurRad="38100" dist="38100" dir="2700000" algn="tl">
-                    <a:srgbClr val="000000">
-                      <a:alpha val="43137"/>
-                    </a:srgbClr>
-                  </a:outerShdw>
-                </a:effectLst>
-              </a:rPr>
-              <a:t> (</a:t>
-            </a:r>
-            <a:r>
-              <a:rPr lang="fr-FR" sz="1200" b="1" dirty="0" err="1" smtClean="0">
-                <a:effectLst>
-                  <a:outerShdw blurRad="38100" dist="38100" dir="2700000" algn="tl">
-                    <a:srgbClr val="000000">
-                      <a:alpha val="43137"/>
-                    </a:srgbClr>
-                  </a:outerShdw>
-                </a:effectLst>
-              </a:rPr>
-              <a:t>Phonegap</a:t>
-            </a:r>
-            <a:r>
-              <a:rPr lang="fr-FR" sz="1200" b="1" dirty="0" smtClean="0">
-                <a:effectLst>
-                  <a:outerShdw blurRad="38100" dist="38100" dir="2700000" algn="tl">
-                    <a:srgbClr val="000000">
-                      <a:alpha val="43137"/>
-                    </a:srgbClr>
-                  </a:outerShdw>
-                </a:effectLst>
-              </a:rPr>
-              <a:t>) </a:t>
-            </a:r>
-            <a:r>
-              <a:rPr lang="fr-FR" sz="1200" dirty="0" smtClean="0">
-                <a:effectLst>
-                  <a:outerShdw blurRad="38100" dist="38100" dir="2700000" algn="tl">
-                    <a:srgbClr val="000000">
-                      <a:alpha val="43137"/>
-                    </a:srgbClr>
-                  </a:outerShdw>
-                </a:effectLst>
-              </a:rPr>
-              <a:t>– JALOUZET Jérémie – OUADGHIRI Mohammed</a:t>
-            </a:r>
-            <a:endParaRPr lang="fr-FR" sz="1200" dirty="0">
-              <a:effectLst>
-                <a:outerShdw blurRad="38100" dist="38100" dir="2700000" algn="tl">
-                  <a:srgbClr val="000000">
-                    <a:alpha val="43137"/>
-                  </a:srgbClr>
-                </a:outerShdw>
-              </a:effectLst>
+            <a:r>
+              <a:rPr lang="fr-FR" sz="2000" b="1" dirty="0">
+                <a:solidFill>
+                  <a:srgbClr val="002060"/>
+                </a:solidFill>
+              </a:rPr>
+              <a:t>Architecture générale de l’application</a:t>
+            </a:r>
+          </a:p>
+        </p:txBody>
+      </p:sp>
+      <p:sp>
+        <p:nvSpPr>
+          <p:cNvPr id="11" name="Rectangle à coins arrondis 10"/>
+          <p:cNvSpPr/>
+          <p:nvPr/>
+        </p:nvSpPr>
+        <p:spPr>
+          <a:xfrm>
+            <a:off x="107504" y="1231990"/>
+            <a:ext cx="2592288" cy="432048"/>
+          </a:xfrm>
+          <a:prstGeom prst="roundRect">
+            <a:avLst/>
+          </a:prstGeom>
+          <a:solidFill>
+            <a:schemeClr val="bg1"/>
+          </a:solidFill>
+          <a:ln w="38100">
+            <a:solidFill>
+              <a:schemeClr val="accent6">
+                <a:lumMod val="60000"/>
+                <a:lumOff val="40000"/>
+              </a:schemeClr>
+            </a:solidFill>
+          </a:ln>
+        </p:spPr>
+        <p:style>
+          <a:lnRef idx="2">
+            <a:schemeClr val="accent1">
+              <a:shade val="50000"/>
+            </a:schemeClr>
+          </a:lnRef>
+          <a:fillRef idx="1">
+            <a:schemeClr val="accent1"/>
+          </a:fillRef>
+          <a:effectRef idx="0">
+            <a:schemeClr val="accent1"/>
+          </a:effectRef>
+          <a:fontRef idx="minor">
+            <a:schemeClr val="lt1"/>
+          </a:fontRef>
+        </p:style>
+        <p:txBody>
+          <a:bodyPr rtlCol="0" anchor="ctr"/>
+          <a:lstStyle/>
+          <a:p>
+            <a:r>
+              <a:rPr lang="fr-FR" sz="2400" dirty="0">
+                <a:solidFill>
+                  <a:schemeClr val="accent2">
+                    <a:lumMod val="75000"/>
+                  </a:schemeClr>
+                </a:solidFill>
+              </a:rPr>
+              <a:t>Partie </a:t>
+            </a:r>
+            <a:r>
+              <a:rPr lang="fr-FR" sz="2400" dirty="0" smtClean="0">
+                <a:solidFill>
+                  <a:schemeClr val="accent2">
+                    <a:lumMod val="75000"/>
+                  </a:schemeClr>
+                </a:solidFill>
+              </a:rPr>
+              <a:t>Serveur </a:t>
+            </a:r>
+            <a:endParaRPr lang="fr-FR" sz="2200" b="1" dirty="0">
+              <a:solidFill>
+                <a:schemeClr val="accent2">
+                  <a:lumMod val="75000"/>
+                </a:schemeClr>
+              </a:solidFill>
             </a:endParaRPr>
+          </a:p>
+        </p:txBody>
+      </p:sp>
+      <p:sp>
+        <p:nvSpPr>
+          <p:cNvPr id="12" name="Rectangle à coins arrondis 11"/>
+          <p:cNvSpPr/>
+          <p:nvPr/>
+        </p:nvSpPr>
+        <p:spPr>
+          <a:xfrm>
+            <a:off x="1979712" y="2410737"/>
+            <a:ext cx="3911552" cy="504056"/>
+          </a:xfrm>
+          <a:prstGeom prst="roundRect">
+            <a:avLst/>
+          </a:prstGeom>
+        </p:spPr>
+        <p:style>
+          <a:lnRef idx="2">
+            <a:schemeClr val="accent1">
+              <a:shade val="50000"/>
+            </a:schemeClr>
+          </a:lnRef>
+          <a:fillRef idx="1">
+            <a:schemeClr val="accent1"/>
+          </a:fillRef>
+          <a:effectRef idx="0">
+            <a:schemeClr val="accent1"/>
+          </a:effectRef>
+          <a:fontRef idx="minor">
+            <a:schemeClr val="lt1"/>
+          </a:fontRef>
+        </p:style>
+        <p:txBody>
+          <a:bodyPr rtlCol="0" anchor="ctr"/>
+          <a:lstStyle/>
+          <a:p>
+            <a:pPr algn="ctr"/>
+            <a:r>
+              <a:rPr lang="fr-FR" sz="1600" dirty="0" err="1" smtClean="0">
+                <a:solidFill>
+                  <a:schemeClr val="tx1"/>
+                </a:solidFill>
+              </a:rPr>
+              <a:t>Webservice</a:t>
+            </a:r>
+            <a:r>
+              <a:rPr lang="fr-FR" sz="1600" dirty="0" smtClean="0">
+                <a:solidFill>
+                  <a:schemeClr val="tx1"/>
+                </a:solidFill>
+              </a:rPr>
+              <a:t> : «</a:t>
+            </a:r>
+            <a:r>
+              <a:rPr lang="fr-FR" sz="1600" dirty="0">
+                <a:solidFill>
+                  <a:schemeClr val="tx1"/>
+                </a:solidFill>
+              </a:rPr>
+              <a:t> </a:t>
+            </a:r>
+            <a:r>
+              <a:rPr lang="fr-FR" sz="1600" dirty="0" err="1">
+                <a:solidFill>
+                  <a:schemeClr val="tx1"/>
+                </a:solidFill>
+              </a:rPr>
+              <a:t>recuperation-mails.php</a:t>
+            </a:r>
+            <a:r>
+              <a:rPr lang="fr-FR" sz="1600" dirty="0" smtClean="0">
+                <a:solidFill>
+                  <a:schemeClr val="tx1"/>
+                </a:solidFill>
+              </a:rPr>
+              <a:t> »</a:t>
+            </a:r>
+            <a:endParaRPr lang="fr-FR" sz="1600" dirty="0">
+              <a:solidFill>
+                <a:schemeClr val="tx1"/>
+              </a:solidFill>
+            </a:endParaRPr>
+          </a:p>
+        </p:txBody>
+      </p:sp>
+      <p:sp>
+        <p:nvSpPr>
+          <p:cNvPr id="13" name="Rectangle à coins arrondis 12"/>
+          <p:cNvSpPr/>
+          <p:nvPr/>
+        </p:nvSpPr>
+        <p:spPr>
+          <a:xfrm>
+            <a:off x="1979712" y="3413781"/>
+            <a:ext cx="3911552" cy="504056"/>
+          </a:xfrm>
+          <a:prstGeom prst="roundRect">
+            <a:avLst/>
+          </a:prstGeom>
+        </p:spPr>
+        <p:style>
+          <a:lnRef idx="2">
+            <a:schemeClr val="accent1">
+              <a:shade val="50000"/>
+            </a:schemeClr>
+          </a:lnRef>
+          <a:fillRef idx="1">
+            <a:schemeClr val="accent1"/>
+          </a:fillRef>
+          <a:effectRef idx="0">
+            <a:schemeClr val="accent1"/>
+          </a:effectRef>
+          <a:fontRef idx="minor">
+            <a:schemeClr val="lt1"/>
+          </a:fontRef>
+        </p:style>
+        <p:txBody>
+          <a:bodyPr rtlCol="0" anchor="ctr"/>
+          <a:lstStyle/>
+          <a:p>
+            <a:pPr algn="ctr"/>
+            <a:r>
+              <a:rPr lang="fr-FR" sz="1600" dirty="0" smtClean="0">
+                <a:solidFill>
+                  <a:schemeClr val="tx1"/>
+                </a:solidFill>
+              </a:rPr>
+              <a:t>Lancer une requête pour récupérer le nombre de mails souhaités </a:t>
+            </a:r>
+            <a:endParaRPr lang="fr-FR" sz="1600" dirty="0">
+              <a:solidFill>
+                <a:schemeClr val="tx1"/>
+              </a:solidFill>
+            </a:endParaRPr>
+          </a:p>
+        </p:txBody>
+      </p:sp>
+      <p:sp>
+        <p:nvSpPr>
+          <p:cNvPr id="14" name="Flèche vers le bas 13"/>
+          <p:cNvSpPr/>
+          <p:nvPr/>
+        </p:nvSpPr>
+        <p:spPr>
+          <a:xfrm>
+            <a:off x="3690156" y="2941564"/>
+            <a:ext cx="144016" cy="447491"/>
+          </a:xfrm>
+          <a:prstGeom prst="downArrow">
+            <a:avLst/>
+          </a:prstGeom>
+        </p:spPr>
+        <p:style>
+          <a:lnRef idx="2">
+            <a:schemeClr val="accent1">
+              <a:shade val="50000"/>
+            </a:schemeClr>
+          </a:lnRef>
+          <a:fillRef idx="1">
+            <a:schemeClr val="accent1"/>
+          </a:fillRef>
+          <a:effectRef idx="0">
+            <a:schemeClr val="accent1"/>
+          </a:effectRef>
+          <a:fontRef idx="minor">
+            <a:schemeClr val="lt1"/>
+          </a:fontRef>
+        </p:style>
+        <p:txBody>
+          <a:bodyPr rtlCol="0" anchor="ctr"/>
+          <a:lstStyle/>
+          <a:p>
+            <a:pPr algn="ctr"/>
+            <a:endParaRPr lang="fr-FR"/>
+          </a:p>
+        </p:txBody>
+      </p:sp>
+      <p:sp>
+        <p:nvSpPr>
+          <p:cNvPr id="16" name="Rectangle à coins arrondis 15"/>
+          <p:cNvSpPr/>
+          <p:nvPr/>
+        </p:nvSpPr>
+        <p:spPr>
+          <a:xfrm>
+            <a:off x="1962766" y="4400461"/>
+            <a:ext cx="4049394" cy="842615"/>
+          </a:xfrm>
+          <a:prstGeom prst="roundRect">
+            <a:avLst/>
+          </a:prstGeom>
+        </p:spPr>
+        <p:style>
+          <a:lnRef idx="2">
+            <a:schemeClr val="accent1">
+              <a:shade val="50000"/>
+            </a:schemeClr>
+          </a:lnRef>
+          <a:fillRef idx="1">
+            <a:schemeClr val="accent1"/>
+          </a:fillRef>
+          <a:effectRef idx="0">
+            <a:schemeClr val="accent1"/>
+          </a:effectRef>
+          <a:fontRef idx="minor">
+            <a:schemeClr val="lt1"/>
+          </a:fontRef>
+        </p:style>
+        <p:txBody>
+          <a:bodyPr rtlCol="0" anchor="ctr"/>
+          <a:lstStyle/>
+          <a:p>
+            <a:pPr algn="ctr"/>
+            <a:r>
+              <a:rPr lang="fr-FR" sz="1600" dirty="0" smtClean="0">
+                <a:solidFill>
+                  <a:schemeClr val="tx1"/>
+                </a:solidFill>
+              </a:rPr>
+              <a:t>Lance une recherche du numéro de téléphone sous forme d’une expression régulière dans tous les mails récupérés </a:t>
+            </a:r>
+            <a:endParaRPr lang="fr-FR" sz="1600" dirty="0">
+              <a:solidFill>
+                <a:schemeClr val="tx1"/>
+              </a:solidFill>
+            </a:endParaRPr>
+          </a:p>
+        </p:txBody>
+      </p:sp>
+      <p:sp>
+        <p:nvSpPr>
+          <p:cNvPr id="21" name="Rectangle à coins arrondis 20"/>
+          <p:cNvSpPr/>
+          <p:nvPr/>
+        </p:nvSpPr>
+        <p:spPr>
+          <a:xfrm>
+            <a:off x="467544" y="5690566"/>
+            <a:ext cx="3816424" cy="762769"/>
+          </a:xfrm>
+          <a:prstGeom prst="roundRect">
+            <a:avLst/>
+          </a:prstGeom>
+        </p:spPr>
+        <p:style>
+          <a:lnRef idx="2">
+            <a:schemeClr val="accent1">
+              <a:shade val="50000"/>
+            </a:schemeClr>
+          </a:lnRef>
+          <a:fillRef idx="1">
+            <a:schemeClr val="accent1"/>
+          </a:fillRef>
+          <a:effectRef idx="0">
+            <a:schemeClr val="accent1"/>
+          </a:effectRef>
+          <a:fontRef idx="minor">
+            <a:schemeClr val="lt1"/>
+          </a:fontRef>
+        </p:style>
+        <p:txBody>
+          <a:bodyPr rtlCol="0" anchor="ctr"/>
+          <a:lstStyle/>
+          <a:p>
+            <a:pPr algn="ctr"/>
+            <a:r>
+              <a:rPr lang="fr-FR" sz="1600" dirty="0" smtClean="0">
+                <a:solidFill>
+                  <a:schemeClr val="tx1"/>
+                </a:solidFill>
+              </a:rPr>
+              <a:t>Transférer le nom </a:t>
+            </a:r>
+            <a:r>
+              <a:rPr lang="fr-FR" sz="1600" dirty="0">
+                <a:solidFill>
+                  <a:schemeClr val="tx1"/>
+                </a:solidFill>
+              </a:rPr>
+              <a:t>de l'expéditeur </a:t>
+            </a:r>
+            <a:r>
+              <a:rPr lang="fr-FR" sz="1600" dirty="0" smtClean="0">
+                <a:solidFill>
+                  <a:schemeClr val="tx1"/>
+                </a:solidFill>
+              </a:rPr>
+              <a:t>du mail ainsi que le numéro de téléphone </a:t>
+            </a:r>
+            <a:endParaRPr lang="fr-FR" sz="1600" dirty="0">
+              <a:solidFill>
+                <a:schemeClr val="tx1"/>
+              </a:solidFill>
+            </a:endParaRPr>
+          </a:p>
+        </p:txBody>
+      </p:sp>
+      <p:sp>
+        <p:nvSpPr>
+          <p:cNvPr id="22" name="Flèche vers le bas 21"/>
+          <p:cNvSpPr/>
+          <p:nvPr/>
+        </p:nvSpPr>
+        <p:spPr>
+          <a:xfrm>
+            <a:off x="2375756" y="5243076"/>
+            <a:ext cx="144016" cy="447491"/>
+          </a:xfrm>
+          <a:prstGeom prst="downArrow">
+            <a:avLst/>
+          </a:prstGeom>
+        </p:spPr>
+        <p:style>
+          <a:lnRef idx="2">
+            <a:schemeClr val="accent1">
+              <a:shade val="50000"/>
+            </a:schemeClr>
+          </a:lnRef>
+          <a:fillRef idx="1">
+            <a:schemeClr val="accent1"/>
+          </a:fillRef>
+          <a:effectRef idx="0">
+            <a:schemeClr val="accent1"/>
+          </a:effectRef>
+          <a:fontRef idx="minor">
+            <a:schemeClr val="lt1"/>
+          </a:fontRef>
+        </p:style>
+        <p:txBody>
+          <a:bodyPr rtlCol="0" anchor="ctr"/>
+          <a:lstStyle/>
+          <a:p>
+            <a:pPr algn="ctr"/>
+            <a:endParaRPr lang="fr-FR"/>
+          </a:p>
+        </p:txBody>
+      </p:sp>
+      <p:sp>
+        <p:nvSpPr>
+          <p:cNvPr id="23" name="Flèche vers le bas 22"/>
+          <p:cNvSpPr/>
+          <p:nvPr/>
+        </p:nvSpPr>
+        <p:spPr>
+          <a:xfrm>
+            <a:off x="3676723" y="3952970"/>
+            <a:ext cx="144016" cy="447491"/>
+          </a:xfrm>
+          <a:prstGeom prst="downArrow">
+            <a:avLst/>
+          </a:prstGeom>
+        </p:spPr>
+        <p:style>
+          <a:lnRef idx="2">
+            <a:schemeClr val="accent1">
+              <a:shade val="50000"/>
+            </a:schemeClr>
+          </a:lnRef>
+          <a:fillRef idx="1">
+            <a:schemeClr val="accent1"/>
+          </a:fillRef>
+          <a:effectRef idx="0">
+            <a:schemeClr val="accent1"/>
+          </a:effectRef>
+          <a:fontRef idx="minor">
+            <a:schemeClr val="lt1"/>
+          </a:fontRef>
+        </p:style>
+        <p:txBody>
+          <a:bodyPr rtlCol="0" anchor="ctr"/>
+          <a:lstStyle/>
+          <a:p>
+            <a:pPr algn="ctr"/>
+            <a:endParaRPr lang="fr-FR"/>
+          </a:p>
+        </p:txBody>
+      </p:sp>
+      <p:sp>
+        <p:nvSpPr>
+          <p:cNvPr id="24" name="Rectangle à coins arrondis 23"/>
+          <p:cNvSpPr/>
+          <p:nvPr/>
+        </p:nvSpPr>
+        <p:spPr>
+          <a:xfrm>
+            <a:off x="4635360" y="5706614"/>
+            <a:ext cx="3825072" cy="746722"/>
+          </a:xfrm>
+          <a:prstGeom prst="roundRect">
+            <a:avLst/>
+          </a:prstGeom>
+        </p:spPr>
+        <p:style>
+          <a:lnRef idx="2">
+            <a:schemeClr val="accent1">
+              <a:shade val="50000"/>
+            </a:schemeClr>
+          </a:lnRef>
+          <a:fillRef idx="1">
+            <a:schemeClr val="accent1"/>
+          </a:fillRef>
+          <a:effectRef idx="0">
+            <a:schemeClr val="accent1"/>
+          </a:effectRef>
+          <a:fontRef idx="minor">
+            <a:schemeClr val="lt1"/>
+          </a:fontRef>
+        </p:style>
+        <p:txBody>
+          <a:bodyPr rtlCol="0" anchor="ctr"/>
+          <a:lstStyle/>
+          <a:p>
+            <a:pPr algn="ctr"/>
+            <a:r>
+              <a:rPr lang="fr-FR" sz="1600" dirty="0" smtClean="0">
+                <a:solidFill>
+                  <a:schemeClr val="tx1"/>
+                </a:solidFill>
+              </a:rPr>
+              <a:t>Lance une recherche sur les sites des annuaires téléphoniques et retourne un résultat s’il le trouve  </a:t>
+            </a:r>
+            <a:endParaRPr lang="fr-FR" sz="1600" dirty="0">
+              <a:solidFill>
+                <a:schemeClr val="tx1"/>
+              </a:solidFill>
+            </a:endParaRPr>
+          </a:p>
+        </p:txBody>
+      </p:sp>
+      <p:sp>
+        <p:nvSpPr>
+          <p:cNvPr id="25" name="Flèche vers le bas 24"/>
+          <p:cNvSpPr/>
+          <p:nvPr/>
+        </p:nvSpPr>
+        <p:spPr>
+          <a:xfrm>
+            <a:off x="5220072" y="5259123"/>
+            <a:ext cx="144016" cy="447491"/>
+          </a:xfrm>
+          <a:prstGeom prst="downArrow">
+            <a:avLst/>
+          </a:prstGeom>
+        </p:spPr>
+        <p:style>
+          <a:lnRef idx="2">
+            <a:schemeClr val="accent1">
+              <a:shade val="50000"/>
+            </a:schemeClr>
+          </a:lnRef>
+          <a:fillRef idx="1">
+            <a:schemeClr val="accent1"/>
+          </a:fillRef>
+          <a:effectRef idx="0">
+            <a:schemeClr val="accent1"/>
+          </a:effectRef>
+          <a:fontRef idx="minor">
+            <a:schemeClr val="lt1"/>
+          </a:fontRef>
+        </p:style>
+        <p:txBody>
+          <a:bodyPr rtlCol="0" anchor="ctr"/>
+          <a:lstStyle/>
+          <a:p>
+            <a:pPr algn="ctr"/>
+            <a:endParaRPr lang="fr-FR"/>
           </a:p>
         </p:txBody>
       </p:sp>
     </p:spTree>
     <p:extLst>
       <p:ext uri="{BB962C8B-B14F-4D97-AF65-F5344CB8AC3E}">
-        <p14:creationId xmlns:p14="http://schemas.microsoft.com/office/powerpoint/2010/main" val="3286311382"/>
+        <p14:creationId xmlns:p14="http://schemas.microsoft.com/office/powerpoint/2010/main" val="1838132737"/>
       </p:ext>
     </p:extLst>
   </p:cSld>
@@ -7555,38 +8733,17 @@
             <p:ph type="sldNum" sz="quarter" idx="12"/>
           </p:nvPr>
         </p:nvSpPr>
-        <p:spPr>
-          <a:xfrm>
-            <a:off x="8460432" y="2272"/>
-            <a:ext cx="476304" cy="365760"/>
-          </a:xfrm>
-        </p:spPr>
+        <p:spPr/>
         <p:txBody>
           <a:bodyPr/>
           <a:lstStyle/>
           <a:p>
             <a:fld id="{6816B381-CB31-4B8E-B307-29C9C96A0920}" type="slidenum">
-              <a:rPr lang="fr-FR" b="1" smtClean="0">
-                <a:effectLst>
-                  <a:outerShdw blurRad="38100" dist="38100" dir="2700000" algn="tl">
-                    <a:srgbClr val="000000">
-                      <a:alpha val="43137"/>
-                    </a:srgbClr>
-                  </a:outerShdw>
-                </a:effectLst>
-              </a:rPr>
+              <a:rPr lang="fr-FR" smtClean="0"/>
               <a:pPr/>
               <a:t>15</a:t>
             </a:fld>
-            <a:endParaRPr lang="fr-FR" b="1" dirty="0">
-              <a:effectLst>
-                <a:outerShdw blurRad="38100" dist="38100" dir="2700000" algn="tl">
-                  <a:srgbClr val="000000">
-                    <a:alpha val="43137"/>
-                  </a:srgbClr>
-                </a:outerShdw>
-              </a:effectLst>
-            </a:endParaRPr>
+            <a:endParaRPr lang="fr-FR"/>
           </a:p>
         </p:txBody>
       </p:sp>
@@ -7598,167 +8755,32 @@
         </p:nvSpPr>
         <p:spPr>
           <a:xfrm>
-            <a:off x="72008" y="548680"/>
-            <a:ext cx="7524328" cy="504056"/>
+            <a:off x="251520" y="3140968"/>
+            <a:ext cx="8640960" cy="936104"/>
           </a:xfrm>
           <a:prstGeom prst="roundRect">
             <a:avLst/>
           </a:prstGeom>
-          <a:ln/>
-        </p:spPr>
-        <p:style>
-          <a:lnRef idx="1">
-            <a:schemeClr val="accent6"/>
-          </a:lnRef>
-          <a:fillRef idx="2">
-            <a:schemeClr val="accent6"/>
-          </a:fillRef>
-          <a:effectRef idx="1">
-            <a:schemeClr val="accent6"/>
-          </a:effectRef>
-          <a:fontRef idx="minor">
-            <a:schemeClr val="dk1"/>
-          </a:fontRef>
-        </p:style>
-        <p:txBody>
-          <a:bodyPr rtlCol="0" anchor="ctr"/>
-          <a:lstStyle/>
-          <a:p>
-            <a:r>
-              <a:rPr lang="fr-FR" sz="2400" b="1" dirty="0" smtClean="0">
-                <a:solidFill>
-                  <a:srgbClr val="002060"/>
-                </a:solidFill>
-                <a:effectLst>
-                  <a:outerShdw blurRad="38100" dist="38100" dir="2700000" algn="tl">
-                    <a:srgbClr val="000000">
-                      <a:alpha val="43137"/>
-                    </a:srgbClr>
-                  </a:outerShdw>
-                </a:effectLst>
-              </a:rPr>
-              <a:t>Mesures de sécurité</a:t>
-            </a:r>
-            <a:endParaRPr lang="fr-FR" sz="2400" b="1" dirty="0">
-              <a:solidFill>
-                <a:srgbClr val="002060"/>
-              </a:solidFill>
-              <a:effectLst>
-                <a:outerShdw blurRad="38100" dist="38100" dir="2700000" algn="tl">
-                  <a:srgbClr val="000000">
-                    <a:alpha val="43137"/>
-                  </a:srgbClr>
-                </a:outerShdw>
-              </a:effectLst>
-            </a:endParaRPr>
-          </a:p>
-        </p:txBody>
-      </p:sp>
-      <p:sp>
-        <p:nvSpPr>
-          <p:cNvPr id="6" name="Rectangle à coins arrondis 5"/>
-          <p:cNvSpPr/>
-          <p:nvPr/>
-        </p:nvSpPr>
-        <p:spPr>
-          <a:xfrm>
-            <a:off x="190946" y="1161728"/>
-            <a:ext cx="4957118" cy="432048"/>
-          </a:xfrm>
-          <a:prstGeom prst="roundRect">
-            <a:avLst/>
-          </a:prstGeom>
-          <a:ln/>
-        </p:spPr>
-        <p:style>
-          <a:lnRef idx="1">
-            <a:schemeClr val="accent1"/>
-          </a:lnRef>
-          <a:fillRef idx="2">
-            <a:schemeClr val="accent1"/>
-          </a:fillRef>
-          <a:effectRef idx="1">
-            <a:schemeClr val="accent1"/>
-          </a:effectRef>
-          <a:fontRef idx="minor">
-            <a:schemeClr val="dk1"/>
-          </a:fontRef>
-        </p:style>
-        <p:txBody>
-          <a:bodyPr rtlCol="0" anchor="ctr"/>
-          <a:lstStyle/>
-          <a:p>
-            <a:r>
-              <a:rPr lang="fr-FR" sz="2000" b="1" dirty="0" smtClean="0">
-                <a:solidFill>
-                  <a:schemeClr val="accent6"/>
-                </a:solidFill>
-                <a:effectLst>
-                  <a:outerShdw blurRad="38100" dist="38100" dir="2700000" algn="tl">
-                    <a:srgbClr val="000000">
-                      <a:alpha val="43137"/>
-                    </a:srgbClr>
-                  </a:outerShdw>
-                </a:effectLst>
-              </a:rPr>
-              <a:t>Application </a:t>
-            </a:r>
-            <a:r>
-              <a:rPr lang="fr-FR" sz="2000" b="1" dirty="0" smtClean="0">
-                <a:solidFill>
-                  <a:schemeClr val="accent6"/>
-                </a:solidFill>
-                <a:effectLst>
-                  <a:outerShdw blurRad="38100" dist="38100" dir="2700000" algn="tl">
-                    <a:srgbClr val="000000">
-                      <a:alpha val="43137"/>
-                    </a:srgbClr>
-                  </a:outerShdw>
-                </a:effectLst>
-              </a:rPr>
-              <a:t>serveur et partie réseau</a:t>
-            </a:r>
-            <a:endParaRPr lang="fr-FR" sz="2000" b="1" dirty="0">
-              <a:solidFill>
-                <a:schemeClr val="accent6"/>
-              </a:solidFill>
-              <a:effectLst>
-                <a:outerShdw blurRad="38100" dist="38100" dir="2700000" algn="tl">
-                  <a:srgbClr val="000000">
-                    <a:alpha val="43137"/>
-                  </a:srgbClr>
-                </a:outerShdw>
-              </a:effectLst>
-            </a:endParaRPr>
-          </a:p>
-        </p:txBody>
-      </p:sp>
-      <p:sp>
-        <p:nvSpPr>
-          <p:cNvPr id="10" name="Rectangle 9"/>
-          <p:cNvSpPr/>
-          <p:nvPr/>
-        </p:nvSpPr>
-        <p:spPr>
-          <a:xfrm>
-            <a:off x="0" y="6597352"/>
-            <a:ext cx="9144000" cy="260648"/>
-          </a:xfrm>
-          <a:prstGeom prst="rect">
-            <a:avLst/>
-          </a:prstGeom>
+          <a:solidFill>
+            <a:schemeClr val="bg1"/>
+          </a:solidFill>
+          <a:ln w="57150">
+            <a:solidFill>
+              <a:schemeClr val="tx1"/>
+            </a:solidFill>
+          </a:ln>
         </p:spPr>
         <p:style>
           <a:lnRef idx="2">
-            <a:schemeClr val="accent6">
+            <a:schemeClr val="accent1">
               <a:shade val="50000"/>
             </a:schemeClr>
           </a:lnRef>
           <a:fillRef idx="1">
-            <a:schemeClr val="accent6"/>
+            <a:schemeClr val="accent1"/>
           </a:fillRef>
           <a:effectRef idx="0">
-            <a:schemeClr val="accent6"/>
+            <a:schemeClr val="accent1"/>
           </a:effectRef>
           <a:fontRef idx="minor">
             <a:schemeClr val="lt1"/>
@@ -7768,87 +8790,28 @@
           <a:bodyPr rtlCol="0" anchor="ctr"/>
           <a:lstStyle/>
           <a:p>
-            <a:pPr algn="r"/>
-            <a:r>
-              <a:rPr lang="fr-FR" sz="1200" b="1" dirty="0" smtClean="0">
-                <a:effectLst>
-                  <a:outerShdw blurRad="38100" dist="38100" dir="2700000" algn="tl">
-                    <a:srgbClr val="000000">
-                      <a:alpha val="43137"/>
-                    </a:srgbClr>
-                  </a:outerShdw>
-                </a:effectLst>
-              </a:rPr>
-              <a:t>[IF26] </a:t>
-            </a:r>
-            <a:r>
-              <a:rPr lang="fr-FR" sz="1200" b="1" dirty="0" err="1" smtClean="0">
-                <a:effectLst>
-                  <a:outerShdw blurRad="38100" dist="38100" dir="2700000" algn="tl">
-                    <a:srgbClr val="000000">
-                      <a:alpha val="43137"/>
-                    </a:srgbClr>
-                  </a:outerShdw>
-                </a:effectLst>
-              </a:rPr>
-              <a:t>Strangers</a:t>
-            </a:r>
-            <a:r>
-              <a:rPr lang="fr-FR" sz="1200" b="1" dirty="0" smtClean="0">
-                <a:effectLst>
-                  <a:outerShdw blurRad="38100" dist="38100" dir="2700000" algn="tl">
-                    <a:srgbClr val="000000">
-                      <a:alpha val="43137"/>
-                    </a:srgbClr>
-                  </a:outerShdw>
-                </a:effectLst>
-              </a:rPr>
-              <a:t> (</a:t>
-            </a:r>
-            <a:r>
-              <a:rPr lang="fr-FR" sz="1200" b="1" dirty="0" err="1" smtClean="0">
-                <a:effectLst>
-                  <a:outerShdw blurRad="38100" dist="38100" dir="2700000" algn="tl">
-                    <a:srgbClr val="000000">
-                      <a:alpha val="43137"/>
-                    </a:srgbClr>
-                  </a:outerShdw>
-                </a:effectLst>
-              </a:rPr>
-              <a:t>Phonegap</a:t>
-            </a:r>
-            <a:r>
-              <a:rPr lang="fr-FR" sz="1200" b="1" dirty="0" smtClean="0">
-                <a:effectLst>
-                  <a:outerShdw blurRad="38100" dist="38100" dir="2700000" algn="tl">
-                    <a:srgbClr val="000000">
-                      <a:alpha val="43137"/>
-                    </a:srgbClr>
-                  </a:outerShdw>
-                </a:effectLst>
-              </a:rPr>
-              <a:t>) </a:t>
-            </a:r>
-            <a:r>
-              <a:rPr lang="fr-FR" sz="1200" dirty="0" smtClean="0">
-                <a:effectLst>
-                  <a:outerShdw blurRad="38100" dist="38100" dir="2700000" algn="tl">
-                    <a:srgbClr val="000000">
-                      <a:alpha val="43137"/>
-                    </a:srgbClr>
-                  </a:outerShdw>
-                </a:effectLst>
-              </a:rPr>
-              <a:t>– JALOUZET Jérémie – OUADGHIRI Mohammed</a:t>
-            </a:r>
-            <a:endParaRPr lang="fr-FR" sz="1200" dirty="0">
-              <a:effectLst>
-                <a:outerShdw blurRad="38100" dist="38100" dir="2700000" algn="tl">
-                  <a:srgbClr val="000000">
-                    <a:alpha val="43137"/>
-                  </a:srgbClr>
-                </a:outerShdw>
-              </a:effectLst>
+            <a:pPr algn="ctr"/>
+            <a:r>
+              <a:rPr lang="fr-FR" sz="3600" b="1" dirty="0" smtClean="0">
+                <a:solidFill>
+                  <a:srgbClr val="002060"/>
+                </a:solidFill>
+              </a:rPr>
+              <a:t>Mesures de </a:t>
+            </a:r>
+            <a:r>
+              <a:rPr lang="fr-FR" sz="3600" b="1" dirty="0">
+                <a:solidFill>
+                  <a:srgbClr val="002060"/>
+                </a:solidFill>
+              </a:rPr>
+              <a:t>sécurité</a:t>
+            </a:r>
+            <a:endParaRPr lang="fr-FR" sz="3500" b="1" dirty="0">
+              <a:solidFill>
+                <a:srgbClr val="002060"/>
+              </a:solidFill>
+              <a:latin typeface="+mj-lt"/>
             </a:endParaRPr>
           </a:p>
         </p:txBody>
@@ -7856,7 +8819,7 @@
     </p:spTree>
     <p:extLst>
       <p:ext uri="{BB962C8B-B14F-4D97-AF65-F5344CB8AC3E}">
-        <p14:creationId xmlns:p14="http://schemas.microsoft.com/office/powerpoint/2010/main" val="1664119528"/>
+        <p14:creationId xmlns:p14="http://schemas.microsoft.com/office/powerpoint/2010/main" val="1333480584"/>
       </p:ext>
     </p:extLst>
   </p:cSld>
@@ -7900,6 +8863,666 @@
             <p:ph type="sldNum" sz="quarter" idx="12"/>
           </p:nvPr>
         </p:nvSpPr>
+        <p:spPr>
+          <a:xfrm>
+            <a:off x="8460432" y="2272"/>
+            <a:ext cx="476304" cy="365760"/>
+          </a:xfrm>
+        </p:spPr>
+        <p:txBody>
+          <a:bodyPr/>
+          <a:lstStyle/>
+          <a:p>
+            <a:fld id="{6816B381-CB31-4B8E-B307-29C9C96A0920}" type="slidenum">
+              <a:rPr lang="fr-FR" b="1" smtClean="0">
+                <a:effectLst>
+                  <a:outerShdw blurRad="38100" dist="38100" dir="2700000" algn="tl">
+                    <a:srgbClr val="000000">
+                      <a:alpha val="43137"/>
+                    </a:srgbClr>
+                  </a:outerShdw>
+                </a:effectLst>
+              </a:rPr>
+              <a:pPr/>
+              <a:t>16</a:t>
+            </a:fld>
+            <a:endParaRPr lang="fr-FR" b="1" dirty="0">
+              <a:effectLst>
+                <a:outerShdw blurRad="38100" dist="38100" dir="2700000" algn="tl">
+                  <a:srgbClr val="000000">
+                    <a:alpha val="43137"/>
+                  </a:srgbClr>
+                </a:outerShdw>
+              </a:effectLst>
+            </a:endParaRPr>
+          </a:p>
+        </p:txBody>
+      </p:sp>
+      <p:sp>
+        <p:nvSpPr>
+          <p:cNvPr id="5" name="Rectangle à coins arrondis 4"/>
+          <p:cNvSpPr/>
+          <p:nvPr/>
+        </p:nvSpPr>
+        <p:spPr>
+          <a:xfrm>
+            <a:off x="72008" y="548680"/>
+            <a:ext cx="7524328" cy="504056"/>
+          </a:xfrm>
+          <a:prstGeom prst="roundRect">
+            <a:avLst/>
+          </a:prstGeom>
+          <a:ln/>
+        </p:spPr>
+        <p:style>
+          <a:lnRef idx="1">
+            <a:schemeClr val="accent6"/>
+          </a:lnRef>
+          <a:fillRef idx="2">
+            <a:schemeClr val="accent6"/>
+          </a:fillRef>
+          <a:effectRef idx="1">
+            <a:schemeClr val="accent6"/>
+          </a:effectRef>
+          <a:fontRef idx="minor">
+            <a:schemeClr val="dk1"/>
+          </a:fontRef>
+        </p:style>
+        <p:txBody>
+          <a:bodyPr rtlCol="0" anchor="ctr"/>
+          <a:lstStyle/>
+          <a:p>
+            <a:r>
+              <a:rPr lang="fr-FR" sz="2400" b="1" dirty="0" smtClean="0">
+                <a:solidFill>
+                  <a:srgbClr val="002060"/>
+                </a:solidFill>
+                <a:effectLst>
+                  <a:outerShdw blurRad="38100" dist="38100" dir="2700000" algn="tl">
+                    <a:srgbClr val="000000">
+                      <a:alpha val="43137"/>
+                    </a:srgbClr>
+                  </a:outerShdw>
+                </a:effectLst>
+              </a:rPr>
+              <a:t>Mesures de sécurité</a:t>
+            </a:r>
+            <a:endParaRPr lang="fr-FR" sz="2400" b="1" dirty="0">
+              <a:solidFill>
+                <a:srgbClr val="002060"/>
+              </a:solidFill>
+              <a:effectLst>
+                <a:outerShdw blurRad="38100" dist="38100" dir="2700000" algn="tl">
+                  <a:srgbClr val="000000">
+                    <a:alpha val="43137"/>
+                  </a:srgbClr>
+                </a:outerShdw>
+              </a:effectLst>
+            </a:endParaRPr>
+          </a:p>
+        </p:txBody>
+      </p:sp>
+      <p:sp>
+        <p:nvSpPr>
+          <p:cNvPr id="6" name="Rectangle à coins arrondis 5"/>
+          <p:cNvSpPr/>
+          <p:nvPr/>
+        </p:nvSpPr>
+        <p:spPr>
+          <a:xfrm>
+            <a:off x="190947" y="1161728"/>
+            <a:ext cx="2724869" cy="432048"/>
+          </a:xfrm>
+          <a:prstGeom prst="roundRect">
+            <a:avLst/>
+          </a:prstGeom>
+          <a:ln/>
+        </p:spPr>
+        <p:style>
+          <a:lnRef idx="1">
+            <a:schemeClr val="accent1"/>
+          </a:lnRef>
+          <a:fillRef idx="2">
+            <a:schemeClr val="accent1"/>
+          </a:fillRef>
+          <a:effectRef idx="1">
+            <a:schemeClr val="accent1"/>
+          </a:effectRef>
+          <a:fontRef idx="minor">
+            <a:schemeClr val="dk1"/>
+          </a:fontRef>
+        </p:style>
+        <p:txBody>
+          <a:bodyPr rtlCol="0" anchor="ctr"/>
+          <a:lstStyle/>
+          <a:p>
+            <a:r>
+              <a:rPr lang="fr-FR" sz="2000" b="1" dirty="0" smtClean="0">
+                <a:solidFill>
+                  <a:schemeClr val="accent6"/>
+                </a:solidFill>
+                <a:effectLst>
+                  <a:outerShdw blurRad="38100" dist="38100" dir="2700000" algn="tl">
+                    <a:srgbClr val="000000">
+                      <a:alpha val="43137"/>
+                    </a:srgbClr>
+                  </a:outerShdw>
+                </a:effectLst>
+              </a:rPr>
+              <a:t>Application cliente</a:t>
+            </a:r>
+            <a:endParaRPr lang="fr-FR" sz="2000" b="1" dirty="0">
+              <a:solidFill>
+                <a:schemeClr val="accent6"/>
+              </a:solidFill>
+              <a:effectLst>
+                <a:outerShdw blurRad="38100" dist="38100" dir="2700000" algn="tl">
+                  <a:srgbClr val="000000">
+                    <a:alpha val="43137"/>
+                  </a:srgbClr>
+                </a:outerShdw>
+              </a:effectLst>
+            </a:endParaRPr>
+          </a:p>
+        </p:txBody>
+      </p:sp>
+      <p:sp>
+        <p:nvSpPr>
+          <p:cNvPr id="7" name="Rectangle 6"/>
+          <p:cNvSpPr/>
+          <p:nvPr/>
+        </p:nvSpPr>
+        <p:spPr>
+          <a:xfrm>
+            <a:off x="0" y="6597352"/>
+            <a:ext cx="9144000" cy="260648"/>
+          </a:xfrm>
+          <a:prstGeom prst="rect">
+            <a:avLst/>
+          </a:prstGeom>
+        </p:spPr>
+        <p:style>
+          <a:lnRef idx="2">
+            <a:schemeClr val="accent6">
+              <a:shade val="50000"/>
+            </a:schemeClr>
+          </a:lnRef>
+          <a:fillRef idx="1">
+            <a:schemeClr val="accent6"/>
+          </a:fillRef>
+          <a:effectRef idx="0">
+            <a:schemeClr val="accent6"/>
+          </a:effectRef>
+          <a:fontRef idx="minor">
+            <a:schemeClr val="lt1"/>
+          </a:fontRef>
+        </p:style>
+        <p:txBody>
+          <a:bodyPr rtlCol="0" anchor="ctr"/>
+          <a:lstStyle/>
+          <a:p>
+            <a:pPr algn="r"/>
+            <a:r>
+              <a:rPr lang="fr-FR" sz="1200" b="1" dirty="0" smtClean="0">
+                <a:effectLst>
+                  <a:outerShdw blurRad="38100" dist="38100" dir="2700000" algn="tl">
+                    <a:srgbClr val="000000">
+                      <a:alpha val="43137"/>
+                    </a:srgbClr>
+                  </a:outerShdw>
+                </a:effectLst>
+              </a:rPr>
+              <a:t>[IF26] </a:t>
+            </a:r>
+            <a:r>
+              <a:rPr lang="fr-FR" sz="1200" b="1" dirty="0" err="1" smtClean="0">
+                <a:effectLst>
+                  <a:outerShdw blurRad="38100" dist="38100" dir="2700000" algn="tl">
+                    <a:srgbClr val="000000">
+                      <a:alpha val="43137"/>
+                    </a:srgbClr>
+                  </a:outerShdw>
+                </a:effectLst>
+              </a:rPr>
+              <a:t>Strangers</a:t>
+            </a:r>
+            <a:r>
+              <a:rPr lang="fr-FR" sz="1200" b="1" dirty="0" smtClean="0">
+                <a:effectLst>
+                  <a:outerShdw blurRad="38100" dist="38100" dir="2700000" algn="tl">
+                    <a:srgbClr val="000000">
+                      <a:alpha val="43137"/>
+                    </a:srgbClr>
+                  </a:outerShdw>
+                </a:effectLst>
+              </a:rPr>
+              <a:t> (</a:t>
+            </a:r>
+            <a:r>
+              <a:rPr lang="fr-FR" sz="1200" b="1" dirty="0" err="1" smtClean="0">
+                <a:effectLst>
+                  <a:outerShdw blurRad="38100" dist="38100" dir="2700000" algn="tl">
+                    <a:srgbClr val="000000">
+                      <a:alpha val="43137"/>
+                    </a:srgbClr>
+                  </a:outerShdw>
+                </a:effectLst>
+              </a:rPr>
+              <a:t>Phonegap</a:t>
+            </a:r>
+            <a:r>
+              <a:rPr lang="fr-FR" sz="1200" b="1" dirty="0" smtClean="0">
+                <a:effectLst>
+                  <a:outerShdw blurRad="38100" dist="38100" dir="2700000" algn="tl">
+                    <a:srgbClr val="000000">
+                      <a:alpha val="43137"/>
+                    </a:srgbClr>
+                  </a:outerShdw>
+                </a:effectLst>
+              </a:rPr>
+              <a:t>) </a:t>
+            </a:r>
+            <a:r>
+              <a:rPr lang="fr-FR" sz="1200" dirty="0" smtClean="0">
+                <a:effectLst>
+                  <a:outerShdw blurRad="38100" dist="38100" dir="2700000" algn="tl">
+                    <a:srgbClr val="000000">
+                      <a:alpha val="43137"/>
+                    </a:srgbClr>
+                  </a:outerShdw>
+                </a:effectLst>
+              </a:rPr>
+              <a:t>– JALOUZET Jérémie – OUADGHIRI Mohammed</a:t>
+            </a:r>
+            <a:endParaRPr lang="fr-FR" sz="1200" dirty="0">
+              <a:effectLst>
+                <a:outerShdw blurRad="38100" dist="38100" dir="2700000" algn="tl">
+                  <a:srgbClr val="000000">
+                    <a:alpha val="43137"/>
+                  </a:srgbClr>
+                </a:outerShdw>
+              </a:effectLst>
+            </a:endParaRPr>
+          </a:p>
+        </p:txBody>
+      </p:sp>
+    </p:spTree>
+    <p:extLst>
+      <p:ext uri="{BB962C8B-B14F-4D97-AF65-F5344CB8AC3E}">
+        <p14:creationId xmlns:p14="http://schemas.microsoft.com/office/powerpoint/2010/main" val="3286311382"/>
+      </p:ext>
+    </p:extLst>
+  </p:cSld>
+  <p:clrMapOvr>
+    <a:masterClrMapping/>
+  </p:clrMapOvr>
+  <p:timing>
+    <p:tnLst>
+      <p:par>
+        <p:cTn id="1" dur="indefinite" restart="never" nodeType="tmRoot"/>
+      </p:par>
+    </p:tnLst>
+  </p:timing>
+</p:sld>
+</file>
+
+<file path=ppt/slides/slide17.xml><?xml version="1.0" encoding="utf-8"?>
+<p:sld xmlns:a="http://schemas.openxmlformats.org/drawingml/2006/main" xmlns:r="http://schemas.openxmlformats.org/officeDocument/2006/relationships" xmlns:p="http://schemas.openxmlformats.org/presentationml/2006/main">
+  <p:cSld>
+    <p:spTree>
+      <p:nvGrpSpPr>
+        <p:cNvPr id="1" name=""/>
+        <p:cNvGrpSpPr/>
+        <p:nvPr/>
+      </p:nvGrpSpPr>
+      <p:grpSpPr>
+        <a:xfrm>
+          <a:off x="0" y="0"/>
+          <a:ext cx="0" cy="0"/>
+          <a:chOff x="0" y="0"/>
+          <a:chExt cx="0" cy="0"/>
+        </a:xfrm>
+      </p:grpSpPr>
+      <p:sp>
+        <p:nvSpPr>
+          <p:cNvPr id="4" name="Espace réservé du numéro de diapositive 3"/>
+          <p:cNvSpPr>
+            <a:spLocks noGrp="1"/>
+          </p:cNvSpPr>
+          <p:nvPr>
+            <p:ph type="sldNum" sz="quarter" idx="12"/>
+          </p:nvPr>
+        </p:nvSpPr>
+        <p:spPr>
+          <a:xfrm>
+            <a:off x="8460432" y="2272"/>
+            <a:ext cx="476304" cy="365760"/>
+          </a:xfrm>
+        </p:spPr>
+        <p:txBody>
+          <a:bodyPr/>
+          <a:lstStyle/>
+          <a:p>
+            <a:fld id="{6816B381-CB31-4B8E-B307-29C9C96A0920}" type="slidenum">
+              <a:rPr lang="fr-FR" b="1" smtClean="0">
+                <a:effectLst>
+                  <a:outerShdw blurRad="38100" dist="38100" dir="2700000" algn="tl">
+                    <a:srgbClr val="000000">
+                      <a:alpha val="43137"/>
+                    </a:srgbClr>
+                  </a:outerShdw>
+                </a:effectLst>
+              </a:rPr>
+              <a:pPr/>
+              <a:t>17</a:t>
+            </a:fld>
+            <a:endParaRPr lang="fr-FR" b="1" dirty="0">
+              <a:effectLst>
+                <a:outerShdw blurRad="38100" dist="38100" dir="2700000" algn="tl">
+                  <a:srgbClr val="000000">
+                    <a:alpha val="43137"/>
+                  </a:srgbClr>
+                </a:outerShdw>
+              </a:effectLst>
+            </a:endParaRPr>
+          </a:p>
+        </p:txBody>
+      </p:sp>
+      <p:sp>
+        <p:nvSpPr>
+          <p:cNvPr id="5" name="Rectangle à coins arrondis 4"/>
+          <p:cNvSpPr/>
+          <p:nvPr/>
+        </p:nvSpPr>
+        <p:spPr>
+          <a:xfrm>
+            <a:off x="72008" y="548680"/>
+            <a:ext cx="7524328" cy="504056"/>
+          </a:xfrm>
+          <a:prstGeom prst="roundRect">
+            <a:avLst/>
+          </a:prstGeom>
+          <a:ln/>
+        </p:spPr>
+        <p:style>
+          <a:lnRef idx="1">
+            <a:schemeClr val="accent6"/>
+          </a:lnRef>
+          <a:fillRef idx="2">
+            <a:schemeClr val="accent6"/>
+          </a:fillRef>
+          <a:effectRef idx="1">
+            <a:schemeClr val="accent6"/>
+          </a:effectRef>
+          <a:fontRef idx="minor">
+            <a:schemeClr val="dk1"/>
+          </a:fontRef>
+        </p:style>
+        <p:txBody>
+          <a:bodyPr rtlCol="0" anchor="ctr"/>
+          <a:lstStyle/>
+          <a:p>
+            <a:r>
+              <a:rPr lang="fr-FR" sz="2400" b="1" dirty="0" smtClean="0">
+                <a:solidFill>
+                  <a:srgbClr val="002060"/>
+                </a:solidFill>
+                <a:effectLst>
+                  <a:outerShdw blurRad="38100" dist="38100" dir="2700000" algn="tl">
+                    <a:srgbClr val="000000">
+                      <a:alpha val="43137"/>
+                    </a:srgbClr>
+                  </a:outerShdw>
+                </a:effectLst>
+              </a:rPr>
+              <a:t>Mesures de sécurité</a:t>
+            </a:r>
+            <a:endParaRPr lang="fr-FR" sz="2400" b="1" dirty="0">
+              <a:solidFill>
+                <a:srgbClr val="002060"/>
+              </a:solidFill>
+              <a:effectLst>
+                <a:outerShdw blurRad="38100" dist="38100" dir="2700000" algn="tl">
+                  <a:srgbClr val="000000">
+                    <a:alpha val="43137"/>
+                  </a:srgbClr>
+                </a:outerShdw>
+              </a:effectLst>
+            </a:endParaRPr>
+          </a:p>
+        </p:txBody>
+      </p:sp>
+      <p:sp>
+        <p:nvSpPr>
+          <p:cNvPr id="6" name="Rectangle à coins arrondis 5"/>
+          <p:cNvSpPr/>
+          <p:nvPr/>
+        </p:nvSpPr>
+        <p:spPr>
+          <a:xfrm>
+            <a:off x="190946" y="1161728"/>
+            <a:ext cx="4957118" cy="432048"/>
+          </a:xfrm>
+          <a:prstGeom prst="roundRect">
+            <a:avLst/>
+          </a:prstGeom>
+          <a:ln/>
+        </p:spPr>
+        <p:style>
+          <a:lnRef idx="1">
+            <a:schemeClr val="accent1"/>
+          </a:lnRef>
+          <a:fillRef idx="2">
+            <a:schemeClr val="accent1"/>
+          </a:fillRef>
+          <a:effectRef idx="1">
+            <a:schemeClr val="accent1"/>
+          </a:effectRef>
+          <a:fontRef idx="minor">
+            <a:schemeClr val="dk1"/>
+          </a:fontRef>
+        </p:style>
+        <p:txBody>
+          <a:bodyPr rtlCol="0" anchor="ctr"/>
+          <a:lstStyle/>
+          <a:p>
+            <a:r>
+              <a:rPr lang="fr-FR" sz="2000" b="1" dirty="0" smtClean="0">
+                <a:solidFill>
+                  <a:schemeClr val="accent6"/>
+                </a:solidFill>
+                <a:effectLst>
+                  <a:outerShdw blurRad="38100" dist="38100" dir="2700000" algn="tl">
+                    <a:srgbClr val="000000">
+                      <a:alpha val="43137"/>
+                    </a:srgbClr>
+                  </a:outerShdw>
+                </a:effectLst>
+              </a:rPr>
+              <a:t>Application serveur et partie réseau</a:t>
+            </a:r>
+            <a:endParaRPr lang="fr-FR" sz="2000" b="1" dirty="0">
+              <a:solidFill>
+                <a:schemeClr val="accent6"/>
+              </a:solidFill>
+              <a:effectLst>
+                <a:outerShdw blurRad="38100" dist="38100" dir="2700000" algn="tl">
+                  <a:srgbClr val="000000">
+                    <a:alpha val="43137"/>
+                  </a:srgbClr>
+                </a:outerShdw>
+              </a:effectLst>
+            </a:endParaRPr>
+          </a:p>
+        </p:txBody>
+      </p:sp>
+      <p:sp>
+        <p:nvSpPr>
+          <p:cNvPr id="10" name="Rectangle 9"/>
+          <p:cNvSpPr/>
+          <p:nvPr/>
+        </p:nvSpPr>
+        <p:spPr>
+          <a:xfrm>
+            <a:off x="0" y="6597352"/>
+            <a:ext cx="9144000" cy="260648"/>
+          </a:xfrm>
+          <a:prstGeom prst="rect">
+            <a:avLst/>
+          </a:prstGeom>
+        </p:spPr>
+        <p:style>
+          <a:lnRef idx="2">
+            <a:schemeClr val="accent6">
+              <a:shade val="50000"/>
+            </a:schemeClr>
+          </a:lnRef>
+          <a:fillRef idx="1">
+            <a:schemeClr val="accent6"/>
+          </a:fillRef>
+          <a:effectRef idx="0">
+            <a:schemeClr val="accent6"/>
+          </a:effectRef>
+          <a:fontRef idx="minor">
+            <a:schemeClr val="lt1"/>
+          </a:fontRef>
+        </p:style>
+        <p:txBody>
+          <a:bodyPr rtlCol="0" anchor="ctr"/>
+          <a:lstStyle/>
+          <a:p>
+            <a:pPr algn="r"/>
+            <a:r>
+              <a:rPr lang="fr-FR" sz="1200" b="1" dirty="0" smtClean="0">
+                <a:effectLst>
+                  <a:outerShdw blurRad="38100" dist="38100" dir="2700000" algn="tl">
+                    <a:srgbClr val="000000">
+                      <a:alpha val="43137"/>
+                    </a:srgbClr>
+                  </a:outerShdw>
+                </a:effectLst>
+              </a:rPr>
+              <a:t>[IF26] </a:t>
+            </a:r>
+            <a:r>
+              <a:rPr lang="fr-FR" sz="1200" b="1" dirty="0" err="1" smtClean="0">
+                <a:effectLst>
+                  <a:outerShdw blurRad="38100" dist="38100" dir="2700000" algn="tl">
+                    <a:srgbClr val="000000">
+                      <a:alpha val="43137"/>
+                    </a:srgbClr>
+                  </a:outerShdw>
+                </a:effectLst>
+              </a:rPr>
+              <a:t>Strangers</a:t>
+            </a:r>
+            <a:r>
+              <a:rPr lang="fr-FR" sz="1200" b="1" dirty="0" smtClean="0">
+                <a:effectLst>
+                  <a:outerShdw blurRad="38100" dist="38100" dir="2700000" algn="tl">
+                    <a:srgbClr val="000000">
+                      <a:alpha val="43137"/>
+                    </a:srgbClr>
+                  </a:outerShdw>
+                </a:effectLst>
+              </a:rPr>
+              <a:t> (</a:t>
+            </a:r>
+            <a:r>
+              <a:rPr lang="fr-FR" sz="1200" b="1" dirty="0" err="1" smtClean="0">
+                <a:effectLst>
+                  <a:outerShdw blurRad="38100" dist="38100" dir="2700000" algn="tl">
+                    <a:srgbClr val="000000">
+                      <a:alpha val="43137"/>
+                    </a:srgbClr>
+                  </a:outerShdw>
+                </a:effectLst>
+              </a:rPr>
+              <a:t>Phonegap</a:t>
+            </a:r>
+            <a:r>
+              <a:rPr lang="fr-FR" sz="1200" b="1" dirty="0" smtClean="0">
+                <a:effectLst>
+                  <a:outerShdw blurRad="38100" dist="38100" dir="2700000" algn="tl">
+                    <a:srgbClr val="000000">
+                      <a:alpha val="43137"/>
+                    </a:srgbClr>
+                  </a:outerShdw>
+                </a:effectLst>
+              </a:rPr>
+              <a:t>) </a:t>
+            </a:r>
+            <a:r>
+              <a:rPr lang="fr-FR" sz="1200" dirty="0" smtClean="0">
+                <a:effectLst>
+                  <a:outerShdw blurRad="38100" dist="38100" dir="2700000" algn="tl">
+                    <a:srgbClr val="000000">
+                      <a:alpha val="43137"/>
+                    </a:srgbClr>
+                  </a:outerShdw>
+                </a:effectLst>
+              </a:rPr>
+              <a:t>– JALOUZET Jérémie – OUADGHIRI Mohammed</a:t>
+            </a:r>
+            <a:endParaRPr lang="fr-FR" sz="1200" dirty="0">
+              <a:effectLst>
+                <a:outerShdw blurRad="38100" dist="38100" dir="2700000" algn="tl">
+                  <a:srgbClr val="000000">
+                    <a:alpha val="43137"/>
+                  </a:srgbClr>
+                </a:outerShdw>
+              </a:effectLst>
+            </a:endParaRPr>
+          </a:p>
+        </p:txBody>
+      </p:sp>
+    </p:spTree>
+    <p:extLst>
+      <p:ext uri="{BB962C8B-B14F-4D97-AF65-F5344CB8AC3E}">
+        <p14:creationId xmlns:p14="http://schemas.microsoft.com/office/powerpoint/2010/main" val="1664119528"/>
+      </p:ext>
+    </p:extLst>
+  </p:cSld>
+  <p:clrMapOvr>
+    <a:masterClrMapping/>
+  </p:clrMapOvr>
+  <p:timing>
+    <p:tnLst>
+      <p:par>
+        <p:cTn id="1" dur="indefinite" restart="never" nodeType="tmRoot"/>
+      </p:par>
+    </p:tnLst>
+  </p:timing>
+</p:sld>
+</file>
+
+<file path=ppt/slides/slide18.xml><?xml version="1.0" encoding="utf-8"?>
+<p:sld xmlns:a="http://schemas.openxmlformats.org/drawingml/2006/main" xmlns:r="http://schemas.openxmlformats.org/officeDocument/2006/relationships" xmlns:p="http://schemas.openxmlformats.org/presentationml/2006/main">
+  <p:cSld>
+    <p:spTree>
+      <p:nvGrpSpPr>
+        <p:cNvPr id="1" name=""/>
+        <p:cNvGrpSpPr/>
+        <p:nvPr/>
+      </p:nvGrpSpPr>
+      <p:grpSpPr>
+        <a:xfrm>
+          <a:off x="0" y="0"/>
+          <a:ext cx="0" cy="0"/>
+          <a:chOff x="0" y="0"/>
+          <a:chExt cx="0" cy="0"/>
+        </a:xfrm>
+      </p:grpSpPr>
+      <p:sp>
+        <p:nvSpPr>
+          <p:cNvPr id="4" name="Espace réservé du numéro de diapositive 3"/>
+          <p:cNvSpPr>
+            <a:spLocks noGrp="1"/>
+          </p:cNvSpPr>
+          <p:nvPr>
+            <p:ph type="sldNum" sz="quarter" idx="12"/>
+          </p:nvPr>
+        </p:nvSpPr>
         <p:spPr/>
         <p:txBody>
           <a:bodyPr/>
@@ -7908,7 +9531,7 @@
             <a:fld id="{6816B381-CB31-4B8E-B307-29C9C96A0920}" type="slidenum">
               <a:rPr lang="fr-FR" smtClean="0"/>
               <a:pPr/>
-              <a:t>16</a:t>
+              <a:t>18</a:t>
             </a:fld>
             <a:endParaRPr lang="fr-FR"/>
           </a:p>
@@ -8064,55 +9687,7 @@
                 </a:effectLst>
                 <a:sym typeface="Wingdings" pitchFamily="2" charset="2"/>
               </a:rPr>
-              <a:t>Présentation du </a:t>
-            </a:r>
-            <a:r>
-              <a:rPr lang="fr-FR" sz="2200" b="1" dirty="0" smtClean="0">
-                <a:solidFill>
-                  <a:srgbClr val="002060"/>
-                </a:solidFill>
-                <a:effectLst>
-                  <a:outerShdw blurRad="38100" dist="38100" dir="2700000" algn="tl">
-                    <a:srgbClr val="000000">
-                      <a:alpha val="43137"/>
-                    </a:srgbClr>
-                  </a:outerShdw>
-                </a:effectLst>
-                <a:sym typeface="Wingdings" pitchFamily="2" charset="2"/>
-              </a:rPr>
-              <a:t>projet et </a:t>
-            </a:r>
-            <a:r>
-              <a:rPr lang="fr-FR" sz="2200" b="1" dirty="0" smtClean="0">
-                <a:solidFill>
-                  <a:srgbClr val="002060"/>
-                </a:solidFill>
-                <a:effectLst>
-                  <a:outerShdw blurRad="38100" dist="38100" dir="2700000" algn="tl">
-                    <a:srgbClr val="000000">
-                      <a:alpha val="43137"/>
-                    </a:srgbClr>
-                  </a:outerShdw>
-                </a:effectLst>
-                <a:sym typeface="Wingdings" pitchFamily="2" charset="2"/>
-              </a:rPr>
-              <a:t>des outils de </a:t>
-            </a:r>
-            <a:r>
-              <a:rPr lang="fr-FR" sz="2200" b="1" dirty="0" smtClean="0">
-                <a:solidFill>
-                  <a:srgbClr val="002060"/>
-                </a:solidFill>
-                <a:effectLst>
-                  <a:outerShdw blurRad="38100" dist="38100" dir="2700000" algn="tl">
-                    <a:srgbClr val="000000">
-                      <a:alpha val="43137"/>
-                    </a:srgbClr>
-                  </a:outerShdw>
-                </a:effectLst>
-                <a:sym typeface="Wingdings" pitchFamily="2" charset="2"/>
-              </a:rPr>
-              <a:t>développement</a:t>
+              <a:t>Présentation du projet et des outils de développement</a:t>
             </a:r>
           </a:p>
           <a:p>
@@ -8338,19 +9913,7 @@
                   </a:outerShdw>
                 </a:effectLst>
               </a:rPr>
-              <a:t>  </a:t>
-            </a:r>
-            <a:r>
-              <a:rPr lang="fr-FR" sz="1900" dirty="0" smtClean="0">
-                <a:effectLst>
-                  <a:outerShdw blurRad="38100" dist="38100" dir="2700000" algn="tl">
-                    <a:srgbClr val="000000">
-                      <a:alpha val="43137"/>
-                    </a:srgbClr>
-                  </a:outerShdw>
-                </a:effectLst>
-              </a:rPr>
-              <a:t>Application cliente</a:t>
+              <a:t>  Application cliente</a:t>
             </a:r>
             <a:r>
               <a:rPr lang="fr-FR" sz="1900" dirty="0">
@@ -8404,29 +9967,8 @@
                   </a:outerShdw>
                 </a:effectLst>
               </a:rPr>
-              <a:t>  </a:t>
-            </a:r>
-            <a:r>
-              <a:rPr lang="fr-FR" sz="1900" dirty="0" smtClean="0">
-                <a:effectLst>
-                  <a:outerShdw blurRad="38100" dist="38100" dir="2700000" algn="tl">
-                    <a:srgbClr val="000000">
-                      <a:alpha val="43137"/>
-                    </a:srgbClr>
-                  </a:outerShdw>
-                </a:effectLst>
-              </a:rPr>
-              <a:t>Application serveur</a:t>
-            </a:r>
-            <a:endParaRPr lang="fr-FR" sz="1900" dirty="0" smtClean="0">
-              <a:effectLst>
-                <a:outerShdw blurRad="38100" dist="38100" dir="2700000" algn="tl">
-                  <a:srgbClr val="000000">
-                    <a:alpha val="43137"/>
-                  </a:srgbClr>
-                </a:outerShdw>
-              </a:effectLst>
-            </a:endParaRPr>
+              <a:t>  Application serveur</a:t>
+            </a:r>
           </a:p>
           <a:p>
             <a:pPr marL="681228" indent="-571500">
@@ -8520,29 +10062,8 @@
                   </a:outerShdw>
                 </a:effectLst>
               </a:rPr>
-              <a:t>  </a:t>
-            </a:r>
-            <a:r>
-              <a:rPr lang="fr-FR" sz="1900" dirty="0" smtClean="0">
-                <a:effectLst>
-                  <a:outerShdw blurRad="38100" dist="38100" dir="2700000" algn="tl">
-                    <a:srgbClr val="000000">
-                      <a:alpha val="43137"/>
-                    </a:srgbClr>
-                  </a:outerShdw>
-                </a:effectLst>
-              </a:rPr>
-              <a:t>Application serveur et partie réseau</a:t>
-            </a:r>
-            <a:endParaRPr lang="fr-FR" sz="1900" dirty="0" smtClean="0">
-              <a:effectLst>
-                <a:outerShdw blurRad="38100" dist="38100" dir="2700000" algn="tl">
-                  <a:srgbClr val="000000">
-                    <a:alpha val="43137"/>
-                  </a:srgbClr>
-                </a:outerShdw>
-              </a:effectLst>
-            </a:endParaRPr>
+              <a:t>  Application serveur et partie réseau</a:t>
+            </a:r>
           </a:p>
           <a:p>
             <a:pPr marL="681228" indent="-571500">
@@ -8609,15 +10130,6 @@
               </a:rPr>
               <a:t> cliente</a:t>
             </a:r>
-            <a:endParaRPr lang="fr-FR" sz="1900" dirty="0" smtClean="0">
-              <a:effectLst>
-                <a:outerShdw blurRad="38100" dist="38100" dir="2700000" algn="tl">
-                  <a:srgbClr val="000000">
-                    <a:alpha val="43137"/>
-                  </a:srgbClr>
-                </a:outerShdw>
-              </a:effectLst>
-            </a:endParaRPr>
           </a:p>
           <a:p>
             <a:pPr marL="681228" indent="-571500">

--- a/présentation/Présentation IF26.pptx
+++ b/présentation/Présentation IF26.pptx
@@ -5,7 +5,7 @@
     <p:sldMasterId id="2147483696" r:id="rId1"/>
   </p:sldMasterIdLst>
   <p:notesMasterIdLst>
-    <p:notesMasterId r:id="rId20"/>
+    <p:notesMasterId r:id="rId21"/>
   </p:notesMasterIdLst>
   <p:sldIdLst>
     <p:sldId id="290" r:id="rId2"/>
@@ -26,6 +26,7 @@
     <p:sldId id="289" r:id="rId17"/>
     <p:sldId id="288" r:id="rId18"/>
     <p:sldId id="297" r:id="rId19"/>
+    <p:sldId id="300" r:id="rId20"/>
   </p:sldIdLst>
   <p:sldSz cx="9144000" cy="6858000" type="screen4x3"/>
   <p:notesSz cx="6858000" cy="9144000"/>
@@ -9185,6 +9186,179 @@
       </p:grpSpPr>
       <p:sp>
         <p:nvSpPr>
+          <p:cNvPr id="7" name="Espace réservé du texte 6"/>
+          <p:cNvSpPr>
+            <a:spLocks noGrp="1"/>
+          </p:cNvSpPr>
+          <p:nvPr>
+            <p:ph type="body" sz="half" idx="2"/>
+          </p:nvPr>
+        </p:nvSpPr>
+        <p:spPr>
+          <a:xfrm>
+            <a:off x="224617" y="2204864"/>
+            <a:ext cx="8283707" cy="2649829"/>
+          </a:xfrm>
+        </p:spPr>
+        <p:txBody>
+          <a:bodyPr>
+            <a:normAutofit lnSpcReduction="10000"/>
+          </a:bodyPr>
+          <a:lstStyle/>
+          <a:p>
+            <a:pPr marL="285750" indent="-285750">
+              <a:buFont typeface="Wingdings" pitchFamily="2" charset="2"/>
+              <a:buChar char="Ø"/>
+            </a:pPr>
+            <a:r>
+              <a:rPr lang="fr-FR" sz="2000" i="1" dirty="0" smtClean="0">
+                <a:cs typeface="Times New Roman" pitchFamily="18" charset="0"/>
+              </a:rPr>
+              <a:t>Le serveur ne contient aucunes données sensibles =&gt; surface d’attaque limitée</a:t>
+            </a:r>
+          </a:p>
+          <a:p>
+            <a:pPr lvl="1" indent="0"/>
+            <a:endParaRPr lang="fr-FR" sz="1900" i="1" dirty="0">
+              <a:cs typeface="Times New Roman" pitchFamily="18" charset="0"/>
+            </a:endParaRPr>
+          </a:p>
+          <a:p>
+            <a:pPr marL="285750" indent="-285750">
+              <a:buFont typeface="Wingdings" pitchFamily="2" charset="2"/>
+              <a:buChar char="Ø"/>
+            </a:pPr>
+            <a:r>
+              <a:rPr lang="fr-FR" sz="2000" i="1" dirty="0" smtClean="0">
+                <a:cs typeface="Times New Roman" pitchFamily="18" charset="0"/>
+              </a:rPr>
+              <a:t>La sécurisation est plutôt concentrée sur la partie cliente</a:t>
+            </a:r>
+          </a:p>
+          <a:p>
+            <a:pPr marL="285750" indent="-285750">
+              <a:buFont typeface="Wingdings" pitchFamily="2" charset="2"/>
+              <a:buChar char="Ø"/>
+            </a:pPr>
+            <a:endParaRPr lang="fr-FR" sz="2000" i="1" dirty="0">
+              <a:cs typeface="Times New Roman" pitchFamily="18" charset="0"/>
+            </a:endParaRPr>
+          </a:p>
+          <a:p>
+            <a:pPr marL="285750" indent="-285750">
+              <a:buFont typeface="Wingdings" pitchFamily="2" charset="2"/>
+              <a:buChar char="Ø"/>
+            </a:pPr>
+            <a:r>
+              <a:rPr lang="fr-FR" sz="2000" i="1" dirty="0" smtClean="0">
+                <a:cs typeface="Times New Roman" pitchFamily="18" charset="0"/>
+              </a:rPr>
+              <a:t>La connexion entre l’application et le serveur est sécurisée : </a:t>
+            </a:r>
+          </a:p>
+          <a:p>
+            <a:endParaRPr lang="fr-FR" sz="2000" i="1" dirty="0" smtClean="0">
+              <a:cs typeface="Times New Roman" pitchFamily="18" charset="0"/>
+            </a:endParaRPr>
+          </a:p>
+          <a:p>
+            <a:pPr marL="1001268" lvl="1" indent="-342900">
+              <a:buFont typeface="Wingdings" pitchFamily="2" charset="2"/>
+              <a:buChar char="ü"/>
+            </a:pPr>
+            <a:r>
+              <a:rPr lang="fr-FR" sz="1900" i="1" dirty="0" smtClean="0">
+                <a:solidFill>
+                  <a:schemeClr val="accent5">
+                    <a:lumMod val="75000"/>
+                  </a:schemeClr>
+                </a:solidFill>
+                <a:cs typeface="Times New Roman" pitchFamily="18" charset="0"/>
+              </a:rPr>
+              <a:t>Mise en place d’une </a:t>
+            </a:r>
+            <a:r>
+              <a:rPr lang="fr-FR" sz="1900" i="1" dirty="0">
+                <a:solidFill>
+                  <a:schemeClr val="accent5">
+                    <a:lumMod val="75000"/>
+                  </a:schemeClr>
+                </a:solidFill>
+                <a:cs typeface="Times New Roman" pitchFamily="18" charset="0"/>
+              </a:rPr>
+              <a:t>c</a:t>
+            </a:r>
+            <a:r>
+              <a:rPr lang="fr-FR" sz="1900" i="1" dirty="0" smtClean="0">
+                <a:solidFill>
+                  <a:schemeClr val="accent5">
+                    <a:lumMod val="75000"/>
+                  </a:schemeClr>
+                </a:solidFill>
+                <a:cs typeface="Times New Roman" pitchFamily="18" charset="0"/>
+              </a:rPr>
+              <a:t>ertification SSL.</a:t>
+            </a:r>
+          </a:p>
+          <a:p>
+            <a:pPr marL="1001268" lvl="1" indent="-342900">
+              <a:buFont typeface="Wingdings" pitchFamily="2" charset="2"/>
+              <a:buChar char="ü"/>
+            </a:pPr>
+            <a:r>
+              <a:rPr lang="fr-FR" sz="1900" i="1" dirty="0" smtClean="0">
+                <a:solidFill>
+                  <a:schemeClr val="accent5">
+                    <a:lumMod val="75000"/>
+                  </a:schemeClr>
+                </a:solidFill>
+                <a:cs typeface="Times New Roman" pitchFamily="18" charset="0"/>
+              </a:rPr>
+              <a:t>Utilisations des requêtes « </a:t>
+            </a:r>
+            <a:r>
+              <a:rPr lang="fr-FR" sz="1900" i="1" dirty="0" err="1" smtClean="0">
+                <a:solidFill>
+                  <a:schemeClr val="accent5">
+                    <a:lumMod val="75000"/>
+                  </a:schemeClr>
+                </a:solidFill>
+                <a:cs typeface="Times New Roman" pitchFamily="18" charset="0"/>
+              </a:rPr>
+              <a:t>https</a:t>
+            </a:r>
+            <a:r>
+              <a:rPr lang="fr-FR" sz="1900" i="1" dirty="0" smtClean="0">
+                <a:solidFill>
+                  <a:schemeClr val="accent5">
+                    <a:lumMod val="75000"/>
+                  </a:schemeClr>
+                </a:solidFill>
+                <a:cs typeface="Times New Roman" pitchFamily="18" charset="0"/>
+              </a:rPr>
+              <a:t> » pour la connexion</a:t>
+            </a:r>
+            <a:r>
+              <a:rPr lang="fr-FR" sz="1900" i="1" dirty="0" smtClean="0">
+                <a:cs typeface="Times New Roman" pitchFamily="18" charset="0"/>
+              </a:rPr>
+              <a:t>. </a:t>
+            </a:r>
+          </a:p>
+          <a:p>
+            <a:pPr marL="285750" indent="-285750">
+              <a:buFont typeface="Wingdings" pitchFamily="2" charset="2"/>
+              <a:buChar char="Ø"/>
+            </a:pPr>
+            <a:endParaRPr lang="fr-FR" sz="1800" dirty="0">
+              <a:latin typeface="Times New Roman" pitchFamily="18" charset="0"/>
+              <a:cs typeface="Times New Roman" pitchFamily="18" charset="0"/>
+            </a:endParaRPr>
+          </a:p>
+        </p:txBody>
+      </p:sp>
+      <p:sp>
+        <p:nvSpPr>
           <p:cNvPr id="4" name="Espace réservé du numéro de diapositive 3"/>
           <p:cNvSpPr>
             <a:spLocks noGrp="1"/>
@@ -9193,12 +9367,7 @@
             <p:ph type="sldNum" sz="quarter" idx="12"/>
           </p:nvPr>
         </p:nvSpPr>
-        <p:spPr>
-          <a:xfrm>
-            <a:off x="8460432" y="2272"/>
-            <a:ext cx="476304" cy="365760"/>
-          </a:xfrm>
-        </p:spPr>
+        <p:spPr/>
         <p:txBody>
           <a:bodyPr/>
           <a:lstStyle/>
@@ -9615,6 +9784,152 @@
       </p:par>
     </p:tnLst>
   </p:timing>
+</p:sld>
+</file>
+
+<file path=ppt/slides/slide19.xml><?xml version="1.0" encoding="utf-8"?>
+<p:sld xmlns:a="http://schemas.openxmlformats.org/drawingml/2006/main" xmlns:r="http://schemas.openxmlformats.org/officeDocument/2006/relationships" xmlns:p="http://schemas.openxmlformats.org/presentationml/2006/main">
+  <p:cSld>
+    <p:spTree>
+      <p:nvGrpSpPr>
+        <p:cNvPr id="1" name=""/>
+        <p:cNvGrpSpPr/>
+        <p:nvPr/>
+      </p:nvGrpSpPr>
+      <p:grpSpPr>
+        <a:xfrm>
+          <a:off x="0" y="0"/>
+          <a:ext cx="0" cy="0"/>
+          <a:chOff x="0" y="0"/>
+          <a:chExt cx="0" cy="0"/>
+        </a:xfrm>
+      </p:grpSpPr>
+      <p:sp>
+        <p:nvSpPr>
+          <p:cNvPr id="3" name="Espace réservé du contenu 2"/>
+          <p:cNvSpPr>
+            <a:spLocks noGrp="1"/>
+          </p:cNvSpPr>
+          <p:nvPr>
+            <p:ph idx="1"/>
+          </p:nvPr>
+        </p:nvSpPr>
+        <p:spPr>
+          <a:xfrm>
+            <a:off x="457200" y="1340768"/>
+            <a:ext cx="8229600" cy="5233768"/>
+          </a:xfrm>
+        </p:spPr>
+        <p:txBody>
+          <a:bodyPr/>
+          <a:lstStyle/>
+          <a:p>
+            <a:r>
+              <a:rPr lang="fr-FR" dirty="0" smtClean="0"/>
+              <a:t>Apprendre à développer avec de nouveaux  outils ( </a:t>
+            </a:r>
+            <a:r>
+              <a:rPr lang="fr-FR" dirty="0" err="1" smtClean="0"/>
+              <a:t>Phonegap</a:t>
+            </a:r>
+            <a:r>
+              <a:rPr lang="fr-FR" dirty="0" smtClean="0"/>
+              <a:t>, </a:t>
+            </a:r>
+            <a:r>
+              <a:rPr lang="fr-FR" dirty="0" err="1" smtClean="0"/>
+              <a:t>Android</a:t>
+            </a:r>
+            <a:r>
+              <a:rPr lang="fr-FR" dirty="0" smtClean="0"/>
+              <a:t> .... ) </a:t>
+            </a:r>
+          </a:p>
+          <a:p>
+            <a:pPr marL="109728" indent="0">
+              <a:buNone/>
+            </a:pPr>
+            <a:endParaRPr lang="fr-FR" dirty="0"/>
+          </a:p>
+          <a:p>
+            <a:r>
+              <a:rPr lang="fr-FR" dirty="0" smtClean="0"/>
+              <a:t>Appliquer les connaissances du cours IF26</a:t>
+            </a:r>
+          </a:p>
+          <a:p>
+            <a:pPr marL="109728" indent="0">
+              <a:buNone/>
+            </a:pPr>
+            <a:endParaRPr lang="fr-FR" dirty="0" smtClean="0"/>
+          </a:p>
+          <a:p>
+            <a:pPr lvl="1">
+              <a:buFont typeface="Wingdings" pitchFamily="2" charset="2"/>
+              <a:buChar char="Ø"/>
+            </a:pPr>
+            <a:r>
+              <a:rPr lang="fr-FR" dirty="0"/>
+              <a:t> </a:t>
+            </a:r>
+            <a:r>
+              <a:rPr lang="fr-FR" dirty="0" smtClean="0"/>
+              <a:t>Bonnes pratiques de développement</a:t>
+            </a:r>
+          </a:p>
+          <a:p>
+            <a:pPr lvl="1">
+              <a:buFont typeface="Wingdings" pitchFamily="2" charset="2"/>
+              <a:buChar char="Ø"/>
+            </a:pPr>
+            <a:r>
+              <a:rPr lang="fr-FR" dirty="0" smtClean="0"/>
+              <a:t> Se mettre a la place du pirate pour mieux prévoir les failles de sécurité </a:t>
+            </a:r>
+          </a:p>
+          <a:p>
+            <a:pPr lvl="1">
+              <a:buFont typeface="Wingdings" pitchFamily="2" charset="2"/>
+              <a:buChar char="Ø"/>
+            </a:pPr>
+            <a:endParaRPr lang="fr-FR" dirty="0" smtClean="0"/>
+          </a:p>
+        </p:txBody>
+      </p:sp>
+      <p:sp>
+        <p:nvSpPr>
+          <p:cNvPr id="4" name="Espace réservé du numéro de diapositive 3"/>
+          <p:cNvSpPr>
+            <a:spLocks noGrp="1"/>
+          </p:cNvSpPr>
+          <p:nvPr>
+            <p:ph type="sldNum" sz="quarter" idx="12"/>
+          </p:nvPr>
+        </p:nvSpPr>
+        <p:spPr/>
+        <p:txBody>
+          <a:bodyPr/>
+          <a:lstStyle/>
+          <a:p>
+            <a:fld id="{6816B381-CB31-4B8E-B307-29C9C96A0920}" type="slidenum">
+              <a:rPr lang="fr-FR" smtClean="0"/>
+              <a:pPr/>
+              <a:t>19</a:t>
+            </a:fld>
+            <a:endParaRPr lang="fr-FR"/>
+          </a:p>
+        </p:txBody>
+      </p:sp>
+    </p:spTree>
+    <p:extLst>
+      <p:ext uri="{BB962C8B-B14F-4D97-AF65-F5344CB8AC3E}">
+        <p14:creationId xmlns:p14="http://schemas.microsoft.com/office/powerpoint/2010/main" val="468768917"/>
+      </p:ext>
+    </p:extLst>
+  </p:cSld>
+  <p:clrMapOvr>
+    <a:masterClrMapping/>
+  </p:clrMapOvr>
 </p:sld>
 </file>
 
